--- a/要件定義書.pptx
+++ b/要件定義書.pptx
@@ -10,18 +10,18 @@
   </p:notesMasterIdLst>
   <p:sldIdLst>
     <p:sldId id="256" r:id="rId3"/>
-    <p:sldId id="268" r:id="rId4"/>
-    <p:sldId id="257" r:id="rId5"/>
-    <p:sldId id="269" r:id="rId6"/>
-    <p:sldId id="270" r:id="rId7"/>
-    <p:sldId id="271" r:id="rId8"/>
-    <p:sldId id="273" r:id="rId9"/>
-    <p:sldId id="272" r:id="rId10"/>
+    <p:sldId id="257" r:id="rId4"/>
+    <p:sldId id="270" r:id="rId5"/>
+    <p:sldId id="273" r:id="rId6"/>
+    <p:sldId id="272" r:id="rId7"/>
+    <p:sldId id="274" r:id="rId8"/>
+    <p:sldId id="271" r:id="rId9"/>
+    <p:sldId id="269" r:id="rId10"/>
     <p:sldId id="261" r:id="rId11"/>
     <p:sldId id="262" r:id="rId12"/>
     <p:sldId id="263" r:id="rId13"/>
     <p:sldId id="264" r:id="rId14"/>
-    <p:sldId id="265" r:id="rId15"/>
+    <p:sldId id="275" r:id="rId15"/>
     <p:sldId id="266" r:id="rId16"/>
     <p:sldId id="267" r:id="rId17"/>
   </p:sldIdLst>
@@ -751,7 +751,7 @@
       </p:grpSpPr>
       <p:sp>
         <p:nvSpPr>
-          <p:cNvPr id="274" name="PlaceHolder 1"/>
+          <p:cNvPr id="271" name="PlaceHolder 1"/>
           <p:cNvSpPr>
             <a:spLocks noGrp="1" noRot="1" noChangeAspect="1"/>
           </p:cNvSpPr>
@@ -774,7 +774,7 @@
       </p:sp>
       <p:sp>
         <p:nvSpPr>
-          <p:cNvPr id="275" name="PlaceHolder 2"/>
+          <p:cNvPr id="272" name="PlaceHolder 2"/>
           <p:cNvSpPr>
             <a:spLocks noGrp="1"/>
           </p:cNvSpPr>
@@ -815,12 +815,12 @@
       </p:sp>
       <p:sp>
         <p:nvSpPr>
-          <p:cNvPr id="276" name="PlaceHolder 3"/>
+          <p:cNvPr id="273" name="PlaceHolder 3"/>
           <p:cNvSpPr>
             <a:spLocks noGrp="1"/>
           </p:cNvSpPr>
           <p:nvPr>
-            <p:ph type="sldNum" idx="19"/>
+            <p:ph type="sldNum" idx="18"/>
           </p:nvPr>
         </p:nvSpPr>
         <p:spPr>
@@ -867,14 +867,14 @@
                 <a:tab pos="0" algn="l"/>
               </a:tabLst>
             </a:pPr>
-            <a:fld id="{02594C92-F883-482D-AB45-2385F39E9A8A}" type="slidenum">
+            <a:fld id="{F09B3D62-4243-4AC8-A71D-E2B2024E73C6}" type="slidenum">
               <a:rPr lang="en-US" sz="1400" b="0" strike="noStrike" spc="-1">
                 <a:solidFill>
                   <a:srgbClr val="000000"/>
                 </a:solidFill>
                 <a:latin typeface="游明朝"/>
               </a:rPr>
-              <a:t>13</a:t>
+              <a:t>12</a:t>
             </a:fld>
             <a:endParaRPr lang="en-US" sz="1400" b="0" strike="noStrike" spc="-1">
               <a:solidFill>
@@ -912,7 +912,7 @@
       </p:grpSpPr>
       <p:sp>
         <p:nvSpPr>
-          <p:cNvPr id="277" name="PlaceHolder 1"/>
+          <p:cNvPr id="274" name="PlaceHolder 1"/>
           <p:cNvSpPr>
             <a:spLocks noGrp="1" noRot="1" noChangeAspect="1"/>
           </p:cNvSpPr>
@@ -935,7 +935,7 @@
       </p:sp>
       <p:sp>
         <p:nvSpPr>
-          <p:cNvPr id="278" name="PlaceHolder 2"/>
+          <p:cNvPr id="275" name="PlaceHolder 2"/>
           <p:cNvSpPr>
             <a:spLocks noGrp="1"/>
           </p:cNvSpPr>
@@ -976,12 +976,12 @@
       </p:sp>
       <p:sp>
         <p:nvSpPr>
-          <p:cNvPr id="279" name="PlaceHolder 3"/>
+          <p:cNvPr id="276" name="PlaceHolder 3"/>
           <p:cNvSpPr>
             <a:spLocks noGrp="1"/>
           </p:cNvSpPr>
           <p:nvPr>
-            <p:ph type="sldNum" idx="20"/>
+            <p:ph type="sldNum" idx="19"/>
           </p:nvPr>
         </p:nvSpPr>
         <p:spPr>
@@ -1028,6 +1028,172 @@
                 <a:tab pos="0" algn="l"/>
               </a:tabLst>
             </a:pPr>
+            <a:fld id="{02594C92-F883-482D-AB45-2385F39E9A8A}" type="slidenum">
+              <a:rPr lang="en-US" sz="1400" b="0" strike="noStrike" spc="-1">
+                <a:solidFill>
+                  <a:srgbClr val="000000"/>
+                </a:solidFill>
+                <a:latin typeface="游明朝"/>
+              </a:rPr>
+              <a:t>13</a:t>
+            </a:fld>
+            <a:endParaRPr lang="en-US" sz="1400" b="0" strike="noStrike" spc="-1">
+              <a:solidFill>
+                <a:srgbClr val="000000"/>
+              </a:solidFill>
+              <a:latin typeface="游明朝"/>
+            </a:endParaRPr>
+          </a:p>
+        </p:txBody>
+      </p:sp>
+    </p:spTree>
+    <p:extLst>
+      <p:ext uri="{BB962C8B-B14F-4D97-AF65-F5344CB8AC3E}">
+        <p14:creationId xmlns:p14="http://schemas.microsoft.com/office/powerpoint/2010/main" val="2837810712"/>
+      </p:ext>
+    </p:extLst>
+  </p:cSld>
+  <p:clrMapOvr>
+    <a:masterClrMapping/>
+  </p:clrMapOvr>
+</p:notes>
+</file>
+
+<file path=ppt/notesSlides/notesSlide12.xml><?xml version="1.0" encoding="utf-8"?>
+<p:notes xmlns:a="http://schemas.openxmlformats.org/drawingml/2006/main" xmlns:r="http://schemas.openxmlformats.org/officeDocument/2006/relationships" xmlns:p="http://schemas.openxmlformats.org/presentationml/2006/main">
+  <p:cSld>
+    <p:spTree>
+      <p:nvGrpSpPr>
+        <p:cNvPr id="1" name=""/>
+        <p:cNvGrpSpPr/>
+        <p:nvPr/>
+      </p:nvGrpSpPr>
+      <p:grpSpPr>
+        <a:xfrm>
+          <a:off x="0" y="0"/>
+          <a:ext cx="0" cy="0"/>
+          <a:chOff x="0" y="0"/>
+          <a:chExt cx="0" cy="0"/>
+        </a:xfrm>
+      </p:grpSpPr>
+      <p:sp>
+        <p:nvSpPr>
+          <p:cNvPr id="277" name="PlaceHolder 1"/>
+          <p:cNvSpPr>
+            <a:spLocks noGrp="1" noRot="1" noChangeAspect="1"/>
+          </p:cNvSpPr>
+          <p:nvPr>
+            <p:ph type="sldImg"/>
+          </p:nvPr>
+        </p:nvSpPr>
+        <p:spPr>
+          <a:xfrm>
+            <a:off x="685800" y="1143000"/>
+            <a:ext cx="5484813" cy="3084513"/>
+          </a:xfrm>
+          <a:prstGeom prst="rect">
+            <a:avLst/>
+          </a:prstGeom>
+          <a:ln w="0">
+            <a:noFill/>
+          </a:ln>
+        </p:spPr>
+      </p:sp>
+      <p:sp>
+        <p:nvSpPr>
+          <p:cNvPr id="278" name="PlaceHolder 2"/>
+          <p:cNvSpPr>
+            <a:spLocks noGrp="1"/>
+          </p:cNvSpPr>
+          <p:nvPr>
+            <p:ph type="body"/>
+          </p:nvPr>
+        </p:nvSpPr>
+        <p:spPr>
+          <a:xfrm>
+            <a:off x="685800" y="4400640"/>
+            <a:ext cx="5484240" cy="3598560"/>
+          </a:xfrm>
+          <a:prstGeom prst="rect">
+            <a:avLst/>
+          </a:prstGeom>
+          <a:noFill/>
+          <a:ln w="0">
+            <a:noFill/>
+          </a:ln>
+        </p:spPr>
+        <p:txBody>
+          <a:bodyPr lIns="0" tIns="0" rIns="0" bIns="0" anchor="t">
+            <a:noAutofit/>
+          </a:bodyPr>
+          <a:lstStyle/>
+          <a:p>
+            <a:pPr marL="216000" indent="0">
+              <a:buNone/>
+            </a:pPr>
+            <a:endParaRPr lang="en-US" sz="1800" b="0" strike="noStrike" spc="-1">
+              <a:solidFill>
+                <a:srgbClr val="000000"/>
+              </a:solidFill>
+              <a:latin typeface="Arial"/>
+            </a:endParaRPr>
+          </a:p>
+        </p:txBody>
+      </p:sp>
+      <p:sp>
+        <p:nvSpPr>
+          <p:cNvPr id="279" name="PlaceHolder 3"/>
+          <p:cNvSpPr>
+            <a:spLocks noGrp="1"/>
+          </p:cNvSpPr>
+          <p:nvPr>
+            <p:ph type="sldNum" idx="20"/>
+          </p:nvPr>
+        </p:nvSpPr>
+        <p:spPr>
+          <a:xfrm>
+            <a:off x="3884760" y="8685360"/>
+            <a:ext cx="2969640" cy="456480"/>
+          </a:xfrm>
+          <a:prstGeom prst="rect">
+            <a:avLst/>
+          </a:prstGeom>
+          <a:noFill/>
+          <a:ln w="0">
+            <a:noFill/>
+          </a:ln>
+        </p:spPr>
+        <p:txBody>
+          <a:bodyPr lIns="0" tIns="0" rIns="0" bIns="0" anchor="b">
+            <a:noAutofit/>
+          </a:bodyPr>
+          <a:lstStyle>
+            <a:lvl1pPr indent="0" algn="r">
+              <a:lnSpc>
+                <a:spcPct val="100000"/>
+              </a:lnSpc>
+              <a:buNone/>
+              <a:tabLst>
+                <a:tab pos="0" algn="l"/>
+              </a:tabLst>
+              <a:defRPr lang="en-US" sz="1400" b="0" strike="noStrike" spc="-1">
+                <a:solidFill>
+                  <a:srgbClr val="000000"/>
+                </a:solidFill>
+                <a:latin typeface="游明朝"/>
+              </a:defRPr>
+            </a:lvl1pPr>
+          </a:lstStyle>
+          <a:p>
+            <a:pPr indent="0" algn="r">
+              <a:lnSpc>
+                <a:spcPct val="100000"/>
+              </a:lnSpc>
+              <a:buNone/>
+              <a:tabLst>
+                <a:tab pos="0" algn="l"/>
+              </a:tabLst>
+            </a:pPr>
             <a:fld id="{F64568F3-CD49-4871-A19B-390BE5E97BA1}" type="slidenum">
               <a:rPr lang="en-US" sz="1400" b="0" strike="noStrike" spc="-1">
                 <a:solidFill>
@@ -1054,7 +1220,7 @@
 </p:notes>
 </file>
 
-<file path=ppt/notesSlides/notesSlide12.xml><?xml version="1.0" encoding="utf-8"?>
+<file path=ppt/notesSlides/notesSlide13.xml><?xml version="1.0" encoding="utf-8"?>
 <p:notes xmlns:a="http://schemas.openxmlformats.org/drawingml/2006/main" xmlns:r="http://schemas.openxmlformats.org/officeDocument/2006/relationships" xmlns:p="http://schemas.openxmlformats.org/presentationml/2006/main">
   <p:cSld>
     <p:spTree>
@@ -1357,7 +1523,7 @@
                 </a:solidFill>
                 <a:latin typeface="游明朝"/>
               </a:rPr>
-              <a:t>3</a:t>
+              <a:t>2</a:t>
             </a:fld>
             <a:endParaRPr lang="en-US" sz="1400" b="0" strike="noStrike" spc="-1">
               <a:solidFill>
@@ -1518,7 +1684,7 @@
                 </a:solidFill>
                 <a:latin typeface="游明朝"/>
               </a:rPr>
-              <a:t>6</a:t>
+              <a:t>4</a:t>
             </a:fld>
             <a:endParaRPr lang="en-US" sz="1400" b="0" strike="noStrike" spc="-1">
               <a:solidFill>
@@ -1532,7 +1698,7 @@
     </p:spTree>
     <p:extLst>
       <p:ext uri="{BB962C8B-B14F-4D97-AF65-F5344CB8AC3E}">
-        <p14:creationId xmlns:p14="http://schemas.microsoft.com/office/powerpoint/2010/main" val="1929069791"/>
+        <p14:creationId xmlns:p14="http://schemas.microsoft.com/office/powerpoint/2010/main" val="4022225329"/>
       </p:ext>
     </p:extLst>
   </p:cSld>
@@ -1684,7 +1850,7 @@
                 </a:solidFill>
                 <a:latin typeface="游明朝"/>
               </a:rPr>
-              <a:t>7</a:t>
+              <a:t>5</a:t>
             </a:fld>
             <a:endParaRPr lang="en-US" sz="1400" b="0" strike="noStrike" spc="-1">
               <a:solidFill>
@@ -1698,7 +1864,7 @@
     </p:spTree>
     <p:extLst>
       <p:ext uri="{BB962C8B-B14F-4D97-AF65-F5344CB8AC3E}">
-        <p14:creationId xmlns:p14="http://schemas.microsoft.com/office/powerpoint/2010/main" val="4022225329"/>
+        <p14:creationId xmlns:p14="http://schemas.microsoft.com/office/powerpoint/2010/main" val="3413911250"/>
       </p:ext>
     </p:extLst>
   </p:cSld>
@@ -1850,7 +2016,7 @@
                 </a:solidFill>
                 <a:latin typeface="游明朝"/>
               </a:rPr>
-              <a:t>8</a:t>
+              <a:t>6</a:t>
             </a:fld>
             <a:endParaRPr lang="en-US" sz="1400" b="0" strike="noStrike" spc="-1">
               <a:solidFill>
@@ -1864,7 +2030,7 @@
     </p:spTree>
     <p:extLst>
       <p:ext uri="{BB962C8B-B14F-4D97-AF65-F5344CB8AC3E}">
-        <p14:creationId xmlns:p14="http://schemas.microsoft.com/office/powerpoint/2010/main" val="3413911250"/>
+        <p14:creationId xmlns:p14="http://schemas.microsoft.com/office/powerpoint/2010/main" val="997927615"/>
       </p:ext>
     </p:extLst>
   </p:cSld>
@@ -1893,7 +2059,7 @@
       </p:grpSpPr>
       <p:sp>
         <p:nvSpPr>
-          <p:cNvPr id="262" name="PlaceHolder 1"/>
+          <p:cNvPr id="250" name="PlaceHolder 1"/>
           <p:cNvSpPr>
             <a:spLocks noGrp="1" noRot="1" noChangeAspect="1"/>
           </p:cNvSpPr>
@@ -1916,7 +2082,7 @@
       </p:sp>
       <p:sp>
         <p:nvSpPr>
-          <p:cNvPr id="263" name="PlaceHolder 2"/>
+          <p:cNvPr id="251" name="PlaceHolder 2"/>
           <p:cNvSpPr>
             <a:spLocks noGrp="1"/>
           </p:cNvSpPr>
@@ -1957,12 +2123,12 @@
       </p:sp>
       <p:sp>
         <p:nvSpPr>
-          <p:cNvPr id="264" name="PlaceHolder 3"/>
+          <p:cNvPr id="252" name="PlaceHolder 3"/>
           <p:cNvSpPr>
             <a:spLocks noGrp="1"/>
           </p:cNvSpPr>
           <p:nvPr>
-            <p:ph type="sldNum" idx="15"/>
+            <p:ph type="sldNum" idx="11"/>
           </p:nvPr>
         </p:nvSpPr>
         <p:spPr>
@@ -2009,14 +2175,14 @@
                 <a:tab pos="0" algn="l"/>
               </a:tabLst>
             </a:pPr>
-            <a:fld id="{54E9C62C-FABE-46F6-A474-C63367885D02}" type="slidenum">
+            <a:fld id="{78B621B3-9474-43C7-B2C7-6A56CCE5F73A}" type="slidenum">
               <a:rPr lang="en-US" sz="1400" b="0" strike="noStrike" spc="-1">
                 <a:solidFill>
                   <a:srgbClr val="000000"/>
                 </a:solidFill>
                 <a:latin typeface="游明朝"/>
               </a:rPr>
-              <a:t>9</a:t>
+              <a:t>7</a:t>
             </a:fld>
             <a:endParaRPr lang="en-US" sz="1400" b="0" strike="noStrike" spc="-1">
               <a:solidFill>
@@ -2028,6 +2194,11 @@
         </p:txBody>
       </p:sp>
     </p:spTree>
+    <p:extLst>
+      <p:ext uri="{BB962C8B-B14F-4D97-AF65-F5344CB8AC3E}">
+        <p14:creationId xmlns:p14="http://schemas.microsoft.com/office/powerpoint/2010/main" val="1929069791"/>
+      </p:ext>
+    </p:extLst>
   </p:cSld>
   <p:clrMapOvr>
     <a:masterClrMapping/>
@@ -2054,7 +2225,7 @@
       </p:grpSpPr>
       <p:sp>
         <p:nvSpPr>
-          <p:cNvPr id="265" name="PlaceHolder 1"/>
+          <p:cNvPr id="262" name="PlaceHolder 1"/>
           <p:cNvSpPr>
             <a:spLocks noGrp="1" noRot="1" noChangeAspect="1"/>
           </p:cNvSpPr>
@@ -2077,7 +2248,7 @@
       </p:sp>
       <p:sp>
         <p:nvSpPr>
-          <p:cNvPr id="266" name="PlaceHolder 2"/>
+          <p:cNvPr id="263" name="PlaceHolder 2"/>
           <p:cNvSpPr>
             <a:spLocks noGrp="1"/>
           </p:cNvSpPr>
@@ -2118,12 +2289,12 @@
       </p:sp>
       <p:sp>
         <p:nvSpPr>
-          <p:cNvPr id="267" name="PlaceHolder 3"/>
+          <p:cNvPr id="264" name="PlaceHolder 3"/>
           <p:cNvSpPr>
             <a:spLocks noGrp="1"/>
           </p:cNvSpPr>
           <p:nvPr>
-            <p:ph type="sldNum" idx="16"/>
+            <p:ph type="sldNum" idx="15"/>
           </p:nvPr>
         </p:nvSpPr>
         <p:spPr>
@@ -2170,14 +2341,14 @@
                 <a:tab pos="0" algn="l"/>
               </a:tabLst>
             </a:pPr>
-            <a:fld id="{289FCF1C-BA8F-4AE7-A93E-316DFA2E3E0B}" type="slidenum">
+            <a:fld id="{54E9C62C-FABE-46F6-A474-C63367885D02}" type="slidenum">
               <a:rPr lang="en-US" sz="1400" b="0" strike="noStrike" spc="-1">
                 <a:solidFill>
                   <a:srgbClr val="000000"/>
                 </a:solidFill>
                 <a:latin typeface="游明朝"/>
               </a:rPr>
-              <a:t>10</a:t>
+              <a:t>9</a:t>
             </a:fld>
             <a:endParaRPr lang="en-US" sz="1400" b="0" strike="noStrike" spc="-1">
               <a:solidFill>
@@ -2215,7 +2386,7 @@
       </p:grpSpPr>
       <p:sp>
         <p:nvSpPr>
-          <p:cNvPr id="268" name="PlaceHolder 1"/>
+          <p:cNvPr id="265" name="PlaceHolder 1"/>
           <p:cNvSpPr>
             <a:spLocks noGrp="1" noRot="1" noChangeAspect="1"/>
           </p:cNvSpPr>
@@ -2238,7 +2409,7 @@
       </p:sp>
       <p:sp>
         <p:nvSpPr>
-          <p:cNvPr id="269" name="PlaceHolder 2"/>
+          <p:cNvPr id="266" name="PlaceHolder 2"/>
           <p:cNvSpPr>
             <a:spLocks noGrp="1"/>
           </p:cNvSpPr>
@@ -2279,12 +2450,12 @@
       </p:sp>
       <p:sp>
         <p:nvSpPr>
-          <p:cNvPr id="270" name="PlaceHolder 3"/>
+          <p:cNvPr id="267" name="PlaceHolder 3"/>
           <p:cNvSpPr>
             <a:spLocks noGrp="1"/>
           </p:cNvSpPr>
           <p:nvPr>
-            <p:ph type="sldNum" idx="17"/>
+            <p:ph type="sldNum" idx="16"/>
           </p:nvPr>
         </p:nvSpPr>
         <p:spPr>
@@ -2331,14 +2502,14 @@
                 <a:tab pos="0" algn="l"/>
               </a:tabLst>
             </a:pPr>
-            <a:fld id="{21B5D688-28AF-4F54-9A07-40299FB0D051}" type="slidenum">
+            <a:fld id="{289FCF1C-BA8F-4AE7-A93E-316DFA2E3E0B}" type="slidenum">
               <a:rPr lang="en-US" sz="1400" b="0" strike="noStrike" spc="-1">
                 <a:solidFill>
                   <a:srgbClr val="000000"/>
                 </a:solidFill>
                 <a:latin typeface="游明朝"/>
               </a:rPr>
-              <a:t>11</a:t>
+              <a:t>10</a:t>
             </a:fld>
             <a:endParaRPr lang="en-US" sz="1400" b="0" strike="noStrike" spc="-1">
               <a:solidFill>
@@ -2376,7 +2547,7 @@
       </p:grpSpPr>
       <p:sp>
         <p:nvSpPr>
-          <p:cNvPr id="271" name="PlaceHolder 1"/>
+          <p:cNvPr id="268" name="PlaceHolder 1"/>
           <p:cNvSpPr>
             <a:spLocks noGrp="1" noRot="1" noChangeAspect="1"/>
           </p:cNvSpPr>
@@ -2399,7 +2570,7 @@
       </p:sp>
       <p:sp>
         <p:nvSpPr>
-          <p:cNvPr id="272" name="PlaceHolder 2"/>
+          <p:cNvPr id="269" name="PlaceHolder 2"/>
           <p:cNvSpPr>
             <a:spLocks noGrp="1"/>
           </p:cNvSpPr>
@@ -2440,12 +2611,12 @@
       </p:sp>
       <p:sp>
         <p:nvSpPr>
-          <p:cNvPr id="273" name="PlaceHolder 3"/>
+          <p:cNvPr id="270" name="PlaceHolder 3"/>
           <p:cNvSpPr>
             <a:spLocks noGrp="1"/>
           </p:cNvSpPr>
           <p:nvPr>
-            <p:ph type="sldNum" idx="18"/>
+            <p:ph type="sldNum" idx="17"/>
           </p:nvPr>
         </p:nvSpPr>
         <p:spPr>
@@ -2492,14 +2663,14 @@
                 <a:tab pos="0" algn="l"/>
               </a:tabLst>
             </a:pPr>
-            <a:fld id="{F09B3D62-4243-4AC8-A71D-E2B2024E73C6}" type="slidenum">
+            <a:fld id="{21B5D688-28AF-4F54-9A07-40299FB0D051}" type="slidenum">
               <a:rPr lang="en-US" sz="1400" b="0" strike="noStrike" spc="-1">
                 <a:solidFill>
                   <a:srgbClr val="000000"/>
                 </a:solidFill>
                 <a:latin typeface="游明朝"/>
               </a:rPr>
-              <a:t>12</a:t>
+              <a:t>11</a:t>
             </a:fld>
             <a:endParaRPr lang="en-US" sz="1400" b="0" strike="noStrike" spc="-1">
               <a:solidFill>
@@ -13973,7 +14144,7 @@
         </p:nvSpPr>
         <p:spPr>
           <a:xfrm>
-            <a:off x="502920" y="1250640"/>
+            <a:off x="478440" y="1277188"/>
             <a:ext cx="11234880" cy="5493600"/>
           </a:xfrm>
           <a:prstGeom prst="rect">
@@ -14035,7 +14206,7 @@
         </p:nvSpPr>
         <p:spPr>
           <a:xfrm>
-            <a:off x="883800" y="2179080"/>
+            <a:off x="2994989" y="2273233"/>
             <a:ext cx="1278000" cy="520920"/>
           </a:xfrm>
           <a:prstGeom prst="rect">
@@ -14097,150 +14268,14 @@
       </p:sp>
       <p:sp>
         <p:nvSpPr>
-          <p:cNvPr id="202" name="正方形/長方形 15"/>
-          <p:cNvSpPr/>
-          <p:nvPr/>
-        </p:nvSpPr>
-        <p:spPr>
-          <a:xfrm>
-            <a:off x="10098360" y="3496680"/>
-            <a:ext cx="1572480" cy="336240"/>
-          </a:xfrm>
-          <a:prstGeom prst="rect">
-            <a:avLst/>
-          </a:prstGeom>
-          <a:solidFill>
-            <a:srgbClr val="A9D4DB"/>
-          </a:solidFill>
-          <a:ln>
-            <a:solidFill>
-              <a:srgbClr val="4A5C5F"/>
-            </a:solidFill>
-            <a:round/>
-          </a:ln>
-        </p:spPr>
-        <p:style>
-          <a:lnRef idx="2">
-            <a:schemeClr val="accent1">
-              <a:shade val="15000"/>
-            </a:schemeClr>
-          </a:lnRef>
-          <a:fillRef idx="1">
-            <a:schemeClr val="accent1"/>
-          </a:fillRef>
-          <a:effectRef idx="0">
-            <a:schemeClr val="accent1"/>
-          </a:effectRef>
-          <a:fontRef idx="minor"/>
-        </p:style>
-        <p:txBody>
-          <a:bodyPr lIns="90000" tIns="45000" rIns="90000" bIns="45000" anchor="ctr">
-            <a:noAutofit/>
-          </a:bodyPr>
-          <a:lstStyle/>
-          <a:p>
-            <a:pPr algn="ctr">
-              <a:lnSpc>
-                <a:spcPct val="100000"/>
-              </a:lnSpc>
-            </a:pPr>
-            <a:r>
-              <a:rPr lang="ja-JP" sz="1400" b="1" strike="noStrike" spc="-1">
-                <a:solidFill>
-                  <a:srgbClr val="000000"/>
-                </a:solidFill>
-                <a:latin typeface="Arial"/>
-                <a:ea typeface="Arial"/>
-              </a:rPr>
-              <a:t>所有アパート一覧</a:t>
-            </a:r>
-            <a:endParaRPr lang="en-US" sz="1400" b="0" strike="noStrike" spc="-1">
-              <a:solidFill>
-                <a:srgbClr val="000000"/>
-              </a:solidFill>
-              <a:latin typeface="Arial"/>
-            </a:endParaRPr>
-          </a:p>
-        </p:txBody>
-      </p:sp>
-      <p:sp>
-        <p:nvSpPr>
-          <p:cNvPr id="203" name="正方形/長方形 16"/>
-          <p:cNvSpPr/>
-          <p:nvPr/>
-        </p:nvSpPr>
-        <p:spPr>
-          <a:xfrm>
-            <a:off x="7346880" y="3519000"/>
-            <a:ext cx="1572480" cy="336240"/>
-          </a:xfrm>
-          <a:prstGeom prst="rect">
-            <a:avLst/>
-          </a:prstGeom>
-          <a:solidFill>
-            <a:srgbClr val="A9D4DB"/>
-          </a:solidFill>
-          <a:ln>
-            <a:solidFill>
-              <a:srgbClr val="4A5C5F"/>
-            </a:solidFill>
-            <a:round/>
-          </a:ln>
-        </p:spPr>
-        <p:style>
-          <a:lnRef idx="2">
-            <a:schemeClr val="accent1">
-              <a:shade val="15000"/>
-            </a:schemeClr>
-          </a:lnRef>
-          <a:fillRef idx="1">
-            <a:schemeClr val="accent1"/>
-          </a:fillRef>
-          <a:effectRef idx="0">
-            <a:schemeClr val="accent1"/>
-          </a:effectRef>
-          <a:fontRef idx="minor"/>
-        </p:style>
-        <p:txBody>
-          <a:bodyPr lIns="90000" tIns="45000" rIns="90000" bIns="45000" anchor="ctr">
-            <a:noAutofit/>
-          </a:bodyPr>
-          <a:lstStyle/>
-          <a:p>
-            <a:pPr algn="ctr">
-              <a:lnSpc>
-                <a:spcPct val="100000"/>
-              </a:lnSpc>
-            </a:pPr>
-            <a:r>
-              <a:rPr lang="ja-JP" sz="1400" b="1" strike="noStrike" spc="-1">
-                <a:solidFill>
-                  <a:srgbClr val="000000"/>
-                </a:solidFill>
-                <a:latin typeface="Arial"/>
-                <a:ea typeface="Arial"/>
-              </a:rPr>
-              <a:t>オーナー情報編集</a:t>
-            </a:r>
-            <a:endParaRPr lang="en-US" sz="1400" b="0" strike="noStrike" spc="-1">
-              <a:solidFill>
-                <a:srgbClr val="000000"/>
-              </a:solidFill>
-              <a:latin typeface="Arial"/>
-            </a:endParaRPr>
-          </a:p>
-        </p:txBody>
-      </p:sp>
-      <p:sp>
-        <p:nvSpPr>
           <p:cNvPr id="204" name="テキスト ボックス 1"/>
           <p:cNvSpPr/>
           <p:nvPr/>
         </p:nvSpPr>
         <p:spPr>
           <a:xfrm>
-            <a:off x="805320" y="1530360"/>
-            <a:ext cx="6293520" cy="516240"/>
+            <a:off x="3633989" y="1596422"/>
+            <a:ext cx="6293520" cy="521766"/>
           </a:xfrm>
           <a:prstGeom prst="rect">
             <a:avLst/>
@@ -14274,16 +14309,26 @@
               </a:lnSpc>
             </a:pPr>
             <a:r>
-              <a:rPr lang="ja-JP" sz="2800" b="1" strike="noStrike" spc="-1">
+              <a:rPr lang="ja-JP" altLang="en-US" sz="2800" b="1" spc="-1" dirty="0">
                 <a:solidFill>
                   <a:srgbClr val="000000"/>
                 </a:solidFill>
                 <a:latin typeface="Arial"/>
                 <a:ea typeface="Arial"/>
               </a:rPr>
-              <a:t>オーナー一覧・新規登録・編集</a:t>
-            </a:r>
-            <a:endParaRPr lang="en-US" sz="2800" b="0" strike="noStrike" spc="-1">
+              <a:t>物件</a:t>
+            </a:r>
+            <a:r>
+              <a:rPr lang="ja-JP" sz="2800" b="1" strike="noStrike" spc="-1" dirty="0">
+                <a:solidFill>
+                  <a:srgbClr val="000000"/>
+                </a:solidFill>
+                <a:latin typeface="Arial"/>
+                <a:ea typeface="Arial"/>
+              </a:rPr>
+              <a:t>一覧・新規登録・編集</a:t>
+            </a:r>
+            <a:endParaRPr lang="en-US" sz="2800" b="0" strike="noStrike" spc="-1" dirty="0">
               <a:solidFill>
                 <a:srgbClr val="000000"/>
               </a:solidFill>
@@ -14300,8 +14345,8 @@
         </p:nvSpPr>
         <p:spPr>
           <a:xfrm>
-            <a:off x="718920" y="2965680"/>
-            <a:ext cx="10442160" cy="333000"/>
+            <a:off x="3233521" y="3062083"/>
+            <a:ext cx="6030296" cy="337100"/>
           </a:xfrm>
           <a:prstGeom prst="rect">
             <a:avLst/>
@@ -14324,7 +14369,7 @@
           <a:fontRef idx="minor"/>
         </p:style>
         <p:txBody>
-          <a:bodyPr lIns="90000" tIns="45000" rIns="90000" bIns="45000" anchor="t">
+          <a:bodyPr wrap="square" lIns="90000" tIns="45000" rIns="90000" bIns="45000" anchor="t">
             <a:spAutoFit/>
           </a:bodyPr>
           <a:lstStyle/>
@@ -14335,36 +14380,36 @@
               </a:lnSpc>
             </a:pPr>
             <a:r>
-              <a:rPr lang="ja-JP" sz="1600" b="1" strike="noStrike" spc="-1">
+              <a:rPr lang="ja-JP" altLang="en-US" sz="1600" b="1" strike="noStrike" spc="-1" dirty="0">
                 <a:solidFill>
                   <a:srgbClr val="000000"/>
                 </a:solidFill>
                 <a:latin typeface="Arial"/>
                 <a:ea typeface="Arial"/>
               </a:rPr>
-              <a:t>名前　　　　</a:t>
-            </a:r>
-            <a:r>
-              <a:rPr lang="en-US" sz="1600" b="1" strike="noStrike" spc="-1">
+              <a:t>アパート</a:t>
+            </a:r>
+            <a:r>
+              <a:rPr lang="ja-JP" sz="1600" b="1" strike="noStrike" spc="-1" dirty="0">
                 <a:solidFill>
                   <a:srgbClr val="000000"/>
                 </a:solidFill>
                 <a:latin typeface="Arial"/>
                 <a:ea typeface="Arial"/>
               </a:rPr>
-              <a:t>ID</a:t>
-            </a:r>
-            <a:r>
-              <a:rPr lang="ja-JP" sz="1600" b="1" strike="noStrike" spc="-1">
+              <a:t>名　　　　　住所　　　　　　</a:t>
+            </a:r>
+            <a:r>
+              <a:rPr lang="ja-JP" altLang="en-US" sz="1600" b="1" strike="noStrike" spc="-1" dirty="0">
                 <a:solidFill>
                   <a:srgbClr val="000000"/>
                 </a:solidFill>
                 <a:latin typeface="Arial"/>
                 <a:ea typeface="Arial"/>
               </a:rPr>
-              <a:t>　生年月日　　　　住所　　　　　　　登録日　　　　　　　　　　　　所有アパート</a:t>
-            </a:r>
-            <a:endParaRPr lang="en-US" sz="1600" b="0" strike="noStrike" spc="-1">
+              <a:t>オーナー</a:t>
+            </a:r>
+            <a:endParaRPr lang="en-US" sz="1600" b="0" strike="noStrike" spc="-1" dirty="0">
               <a:solidFill>
                 <a:srgbClr val="000000"/>
               </a:solidFill>
@@ -14376,13 +14421,15 @@
       <p:cxnSp>
         <p:nvCxnSpPr>
           <p:cNvPr id="206" name="直線コネクタ 12"/>
-          <p:cNvCxnSpPr/>
+          <p:cNvCxnSpPr>
+            <a:cxnSpLocks/>
+          </p:cNvCxnSpPr>
           <p:nvPr/>
         </p:nvCxnSpPr>
         <p:spPr>
-          <a:xfrm>
-            <a:off x="761760" y="3429000"/>
-            <a:ext cx="10721160" cy="2160"/>
+          <a:xfrm flipV="1">
+            <a:off x="3319921" y="3475990"/>
+            <a:ext cx="5178240" cy="17860"/>
           </a:xfrm>
           <a:prstGeom prst="straightConnector1">
             <a:avLst/>
@@ -14394,27 +14441,6 @@
           </a:ln>
         </p:spPr>
       </p:cxnSp>
-      <p:cxnSp>
-        <p:nvCxnSpPr>
-          <p:cNvPr id="207" name="直線コネクタ 20"/>
-          <p:cNvCxnSpPr/>
-          <p:nvPr/>
-        </p:nvCxnSpPr>
-        <p:spPr>
-          <a:xfrm>
-            <a:off x="804960" y="4434840"/>
-            <a:ext cx="10721160" cy="2160"/>
-          </a:xfrm>
-          <a:prstGeom prst="straightConnector1">
-            <a:avLst/>
-          </a:prstGeom>
-          <a:ln w="0">
-            <a:solidFill>
-              <a:srgbClr val="000000"/>
-            </a:solidFill>
-          </a:ln>
-        </p:spPr>
-      </p:cxnSp>
       <p:sp>
         <p:nvSpPr>
           <p:cNvPr id="208" name="テキスト ボックス 22"/>
@@ -14423,8 +14449,8 @@
         </p:nvSpPr>
         <p:spPr>
           <a:xfrm>
-            <a:off x="718920" y="3535920"/>
-            <a:ext cx="9965880" cy="333000"/>
+            <a:off x="3233521" y="3632323"/>
+            <a:ext cx="6030296" cy="337100"/>
           </a:xfrm>
           <a:prstGeom prst="rect">
             <a:avLst/>
@@ -14447,7 +14473,7 @@
           <a:fontRef idx="minor"/>
         </p:style>
         <p:txBody>
-          <a:bodyPr lIns="90000" tIns="45000" rIns="90000" bIns="45000" anchor="t">
+          <a:bodyPr wrap="square" lIns="90000" tIns="45000" rIns="90000" bIns="45000" anchor="t">
             <a:spAutoFit/>
           </a:bodyPr>
           <a:lstStyle/>
@@ -14458,6 +14484,24 @@
               </a:lnSpc>
             </a:pPr>
             <a:r>
+              <a:rPr lang="ja-JP" altLang="ja-JP" sz="1600" b="1" spc="-1" dirty="0">
+                <a:solidFill>
+                  <a:srgbClr val="000000"/>
+                </a:solidFill>
+                <a:ea typeface="Arial"/>
+              </a:rPr>
+              <a:t>レオパレス</a:t>
+            </a:r>
+            <a:r>
+              <a:rPr lang="ja-JP" altLang="en-US" sz="1600" b="1" spc="-1" dirty="0">
+                <a:solidFill>
+                  <a:srgbClr val="000000"/>
+                </a:solidFill>
+                <a:ea typeface="Arial"/>
+              </a:rPr>
+              <a:t>荻窪</a:t>
+            </a:r>
+            <a:r>
               <a:rPr lang="ja-JP" sz="1600" b="1" strike="noStrike" spc="-1" dirty="0">
                 <a:solidFill>
                   <a:srgbClr val="000000"/>
@@ -14465,17 +14509,17 @@
                 <a:latin typeface="Arial"/>
                 <a:ea typeface="Arial"/>
               </a:rPr>
-              <a:t>小豆畑明典　１　</a:t>
-            </a:r>
-            <a:r>
-              <a:rPr lang="en-US" sz="1600" b="1" strike="noStrike" spc="-1" dirty="0">
+              <a:t>　　東京都</a:t>
+            </a:r>
+            <a:r>
+              <a:rPr lang="ja-JP" altLang="en-US" sz="1600" b="1" strike="noStrike" spc="-1" dirty="0">
                 <a:solidFill>
                   <a:srgbClr val="000000"/>
                 </a:solidFill>
                 <a:latin typeface="Arial"/>
                 <a:ea typeface="Arial"/>
               </a:rPr>
-              <a:t>2001</a:t>
+              <a:t>杉並区</a:t>
             </a:r>
             <a:r>
               <a:rPr lang="ja-JP" sz="1600" b="1" strike="noStrike" spc="-1" dirty="0">
@@ -14485,17 +14529,17 @@
                 <a:latin typeface="Arial"/>
                 <a:ea typeface="Arial"/>
               </a:rPr>
-              <a:t>年</a:t>
-            </a:r>
-            <a:r>
-              <a:rPr lang="en-US" sz="1600" b="1" strike="noStrike" spc="-1" dirty="0">
+              <a:t>荻窪　</a:t>
+            </a:r>
+            <a:r>
+              <a:rPr lang="ja-JP" altLang="en-US" sz="1600" b="1" spc="-1" dirty="0">
                 <a:solidFill>
                   <a:srgbClr val="000000"/>
                 </a:solidFill>
                 <a:latin typeface="Arial"/>
                 <a:ea typeface="Arial"/>
               </a:rPr>
-              <a:t>9</a:t>
+              <a:t>山田 太郎</a:t>
             </a:r>
             <a:r>
               <a:rPr lang="ja-JP" sz="1600" b="1" strike="noStrike" spc="-1" dirty="0">
@@ -14505,87 +14549,7 @@
                 <a:latin typeface="Arial"/>
                 <a:ea typeface="Arial"/>
               </a:rPr>
-              <a:t>月</a:t>
-            </a:r>
-            <a:r>
-              <a:rPr lang="en-US" sz="1600" b="1" strike="noStrike" spc="-1" dirty="0">
-                <a:solidFill>
-                  <a:srgbClr val="000000"/>
-                </a:solidFill>
-                <a:latin typeface="Arial"/>
-                <a:ea typeface="Arial"/>
-              </a:rPr>
-              <a:t>18</a:t>
-            </a:r>
-            <a:r>
-              <a:rPr lang="ja-JP" sz="1600" b="1" strike="noStrike" spc="-1" dirty="0">
-                <a:solidFill>
-                  <a:srgbClr val="000000"/>
-                </a:solidFill>
-                <a:latin typeface="Arial"/>
-                <a:ea typeface="Arial"/>
-              </a:rPr>
-              <a:t>日　東京都中野区荻窪　</a:t>
-            </a:r>
-            <a:r>
-              <a:rPr lang="en-US" sz="1600" b="1" strike="noStrike" spc="-1" dirty="0">
-                <a:solidFill>
-                  <a:srgbClr val="000000"/>
-                </a:solidFill>
-                <a:latin typeface="Arial"/>
-                <a:ea typeface="Arial"/>
-              </a:rPr>
-              <a:t>2011</a:t>
-            </a:r>
-            <a:r>
-              <a:rPr lang="ja-JP" sz="1600" b="1" strike="noStrike" spc="-1" dirty="0">
-                <a:solidFill>
-                  <a:srgbClr val="000000"/>
-                </a:solidFill>
-                <a:latin typeface="Arial"/>
-                <a:ea typeface="Arial"/>
-              </a:rPr>
-              <a:t>年</a:t>
-            </a:r>
-            <a:r>
-              <a:rPr lang="en-US" sz="1600" b="1" strike="noStrike" spc="-1" dirty="0">
-                <a:solidFill>
-                  <a:srgbClr val="000000"/>
-                </a:solidFill>
-                <a:latin typeface="Arial"/>
-                <a:ea typeface="Arial"/>
-              </a:rPr>
-              <a:t>9</a:t>
-            </a:r>
-            <a:r>
-              <a:rPr lang="ja-JP" sz="1600" b="1" strike="noStrike" spc="-1" dirty="0">
-                <a:solidFill>
-                  <a:srgbClr val="000000"/>
-                </a:solidFill>
-                <a:latin typeface="Arial"/>
-                <a:ea typeface="Arial"/>
-              </a:rPr>
-              <a:t>月</a:t>
-            </a:r>
-            <a:r>
-              <a:rPr lang="en-US" sz="1600" b="1" strike="noStrike" spc="-1" dirty="0">
-                <a:solidFill>
-                  <a:srgbClr val="000000"/>
-                </a:solidFill>
-                <a:latin typeface="Arial"/>
-                <a:ea typeface="Arial"/>
-              </a:rPr>
-              <a:t>18</a:t>
-            </a:r>
-            <a:r>
-              <a:rPr lang="ja-JP" sz="1600" b="1" strike="noStrike" spc="-1" dirty="0">
-                <a:solidFill>
-                  <a:srgbClr val="000000"/>
-                </a:solidFill>
-                <a:latin typeface="Arial"/>
-                <a:ea typeface="Arial"/>
-              </a:rPr>
-              <a:t>日　　　　　　　　  レオパレス</a:t>
+              <a:t>　　　　　　　　 </a:t>
             </a:r>
             <a:endParaRPr lang="en-US" sz="1600" b="0" strike="noStrike" spc="-1" dirty="0">
               <a:solidFill>
@@ -14598,14 +14562,14 @@
       </p:sp>
       <p:sp>
         <p:nvSpPr>
-          <p:cNvPr id="209" name="テキスト ボックス 23"/>
+          <p:cNvPr id="218" name="テキスト ボックス 33"/>
           <p:cNvSpPr/>
           <p:nvPr/>
         </p:nvSpPr>
         <p:spPr>
           <a:xfrm>
-            <a:off x="718920" y="3993480"/>
-            <a:ext cx="9965880" cy="333000"/>
+            <a:off x="5780139" y="5360350"/>
+            <a:ext cx="736560" cy="596880"/>
           </a:xfrm>
           <a:prstGeom prst="rect">
             <a:avLst/>
@@ -14628,8 +14592,8 @@
           <a:fontRef idx="minor"/>
         </p:style>
         <p:txBody>
-          <a:bodyPr lIns="90000" tIns="45000" rIns="90000" bIns="45000" anchor="t">
-            <a:spAutoFit/>
+          <a:bodyPr vert="vert" lIns="45000" tIns="90000" rIns="45000" bIns="90000" anchor="t">
+            <a:noAutofit/>
           </a:bodyPr>
           <a:lstStyle/>
           <a:p>
@@ -14639,34 +14603,156 @@
               </a:lnSpc>
             </a:pPr>
             <a:r>
-              <a:rPr lang="ja-JP" sz="1600" b="1" strike="noStrike" spc="-1">
+              <a:rPr lang="en-US" sz="3600" b="1" strike="noStrike" spc="-1" dirty="0">
                 <a:solidFill>
                   <a:srgbClr val="000000"/>
                 </a:solidFill>
                 <a:latin typeface="Arial"/>
                 <a:ea typeface="Arial"/>
               </a:rPr>
-              <a:t>　　　　　　　　　　　　　　　　　　　　　　　　　　　　　　　　　　　　　　　　 ときわ壮</a:t>
-            </a:r>
-            <a:endParaRPr lang="en-US" sz="1600" b="0" strike="noStrike" spc="-1">
-              <a:solidFill>
-                <a:srgbClr val="000000"/>
-              </a:solidFill>
-              <a:latin typeface="Arial"/>
-            </a:endParaRPr>
+              <a:t>…</a:t>
+            </a:r>
+            <a:endParaRPr lang="en-US" sz="3600" b="0" strike="noStrike" spc="-1" dirty="0">
+              <a:solidFill>
+                <a:srgbClr val="000000"/>
+              </a:solidFill>
+              <a:latin typeface="Arial"/>
+            </a:endParaRPr>
+          </a:p>
+        </p:txBody>
+      </p:sp>
+      <p:sp>
+        <p:nvSpPr>
+          <p:cNvPr id="22" name="PlaceHolder 1">
+            <a:extLst>
+              <a:ext uri="{FF2B5EF4-FFF2-40B4-BE49-F238E27FC236}">
+                <a16:creationId xmlns:a16="http://schemas.microsoft.com/office/drawing/2014/main" id="{16456E06-43CC-480D-BBD9-1C84112779AF}"/>
+              </a:ext>
+            </a:extLst>
+          </p:cNvPr>
+          <p:cNvSpPr txBox="1">
+            <a:spLocks/>
+          </p:cNvSpPr>
+          <p:nvPr/>
+        </p:nvSpPr>
+        <p:spPr>
+          <a:xfrm>
+            <a:off x="2612571" y="161584"/>
+            <a:ext cx="6948174" cy="547491"/>
+          </a:xfrm>
+          <a:prstGeom prst="rect">
+            <a:avLst/>
+          </a:prstGeom>
+        </p:spPr>
+        <p:txBody>
+          <a:bodyPr/>
+          <a:lstStyle>
+            <a:lvl1pPr algn="l" defTabSz="914400" rtl="0" eaLnBrk="1" latinLnBrk="0" hangingPunct="1">
+              <a:lnSpc>
+                <a:spcPct val="90000"/>
+              </a:lnSpc>
+              <a:spcBef>
+                <a:spcPct val="0"/>
+              </a:spcBef>
+              <a:buNone/>
+              <a:defRPr kumimoji="1" sz="4400" kern="1200">
+                <a:solidFill>
+                  <a:schemeClr val="tx1"/>
+                </a:solidFill>
+                <a:latin typeface="+mj-lt"/>
+                <a:ea typeface="+mj-ea"/>
+                <a:cs typeface="+mj-cs"/>
+              </a:defRPr>
+            </a:lvl1pPr>
+          </a:lstStyle>
+          <a:p>
+            <a:r>
+              <a:rPr lang="ja-JP" altLang="en-US" sz="3600" dirty="0"/>
+              <a:t>機能要件 詳細 </a:t>
+            </a:r>
+            <a:r>
+              <a:rPr lang="en-US" altLang="ja-JP" sz="3600" dirty="0"/>
+              <a:t>–</a:t>
+            </a:r>
+            <a:r>
+              <a:rPr lang="ja-JP" altLang="en-US" sz="3600" dirty="0"/>
+              <a:t> 管理者側詳細</a:t>
+            </a:r>
+            <a:endParaRPr lang="en-US" sz="3600" dirty="0"/>
+          </a:p>
+        </p:txBody>
+      </p:sp>
+      <p:sp>
+        <p:nvSpPr>
+          <p:cNvPr id="23" name="PlaceHolder 1">
+            <a:extLst>
+              <a:ext uri="{FF2B5EF4-FFF2-40B4-BE49-F238E27FC236}">
+                <a16:creationId xmlns:a16="http://schemas.microsoft.com/office/drawing/2014/main" id="{8CA2C693-727C-41C2-B96D-21D9FD6D8466}"/>
+              </a:ext>
+            </a:extLst>
+          </p:cNvPr>
+          <p:cNvSpPr txBox="1">
+            <a:spLocks/>
+          </p:cNvSpPr>
+          <p:nvPr/>
+        </p:nvSpPr>
+        <p:spPr>
+          <a:xfrm>
+            <a:off x="761760" y="744189"/>
+            <a:ext cx="3361877" cy="547491"/>
+          </a:xfrm>
+          <a:prstGeom prst="rect">
+            <a:avLst/>
+          </a:prstGeom>
+        </p:spPr>
+        <p:txBody>
+          <a:bodyPr/>
+          <a:lstStyle>
+            <a:lvl1pPr algn="l" defTabSz="914400" rtl="0" eaLnBrk="1" latinLnBrk="0" hangingPunct="1">
+              <a:lnSpc>
+                <a:spcPct val="90000"/>
+              </a:lnSpc>
+              <a:spcBef>
+                <a:spcPct val="0"/>
+              </a:spcBef>
+              <a:buNone/>
+              <a:defRPr kumimoji="1" sz="4400" kern="1200">
+                <a:solidFill>
+                  <a:schemeClr val="tx1"/>
+                </a:solidFill>
+                <a:latin typeface="+mj-lt"/>
+                <a:ea typeface="+mj-ea"/>
+                <a:cs typeface="+mj-cs"/>
+              </a:defRPr>
+            </a:lvl1pPr>
+          </a:lstStyle>
+          <a:p>
+            <a:r>
+              <a:rPr lang="ja-JP" altLang="en-US" sz="2800" dirty="0"/>
+              <a:t>ホーム画面</a:t>
+            </a:r>
+            <a:endParaRPr lang="en-US" sz="2800" dirty="0"/>
           </a:p>
         </p:txBody>
       </p:sp>
       <p:cxnSp>
         <p:nvCxnSpPr>
-          <p:cNvPr id="210" name="直線コネクタ 24"/>
-          <p:cNvCxnSpPr/>
+          <p:cNvPr id="27" name="直線コネクタ 12">
+            <a:extLst>
+              <a:ext uri="{FF2B5EF4-FFF2-40B4-BE49-F238E27FC236}">
+                <a16:creationId xmlns:a16="http://schemas.microsoft.com/office/drawing/2014/main" id="{411668A9-EE3D-4EFC-BB1D-F5BD21CDFAE2}"/>
+              </a:ext>
+            </a:extLst>
+          </p:cNvPr>
+          <p:cNvCxnSpPr>
+            <a:cxnSpLocks/>
+          </p:cNvCxnSpPr>
           <p:nvPr/>
         </p:nvCxnSpPr>
         <p:spPr>
-          <a:xfrm>
-            <a:off x="804960" y="5125680"/>
-            <a:ext cx="10721160" cy="2160"/>
+          <a:xfrm flipV="1">
+            <a:off x="3363481" y="4009310"/>
+            <a:ext cx="5178240" cy="17860"/>
           </a:xfrm>
           <a:prstGeom prst="straightConnector1">
             <a:avLst/>
@@ -14680,14 +14766,20 @@
       </p:cxnSp>
       <p:sp>
         <p:nvSpPr>
-          <p:cNvPr id="211" name="テキスト ボックス 25"/>
+          <p:cNvPr id="28" name="テキスト ボックス 22">
+            <a:extLst>
+              <a:ext uri="{FF2B5EF4-FFF2-40B4-BE49-F238E27FC236}">
+                <a16:creationId xmlns:a16="http://schemas.microsoft.com/office/drawing/2014/main" id="{AF2F93B3-EFFF-470C-9C94-11BA232BC4FE}"/>
+              </a:ext>
+            </a:extLst>
+          </p:cNvPr>
           <p:cNvSpPr/>
           <p:nvPr/>
         </p:nvSpPr>
         <p:spPr>
           <a:xfrm>
-            <a:off x="762120" y="4590000"/>
-            <a:ext cx="9965880" cy="333000"/>
+            <a:off x="3233521" y="4144187"/>
+            <a:ext cx="5574303" cy="337100"/>
           </a:xfrm>
           <a:prstGeom prst="rect">
             <a:avLst/>
@@ -14710,7 +14802,7 @@
           <a:fontRef idx="minor"/>
         </p:style>
         <p:txBody>
-          <a:bodyPr lIns="90000" tIns="45000" rIns="90000" bIns="45000" anchor="t">
+          <a:bodyPr wrap="square" lIns="90000" tIns="45000" rIns="90000" bIns="45000" anchor="t">
             <a:spAutoFit/>
           </a:bodyPr>
           <a:lstStyle/>
@@ -14721,292 +14813,65 @@
               </a:lnSpc>
             </a:pPr>
             <a:r>
-              <a:rPr lang="ja-JP" sz="1600" b="1" strike="noStrike" spc="-1">
-                <a:solidFill>
-                  <a:srgbClr val="000000"/>
-                </a:solidFill>
-                <a:latin typeface="Arial"/>
+              <a:rPr lang="ja-JP" altLang="en-US" sz="1600" b="1" spc="-1" dirty="0">
+                <a:solidFill>
+                  <a:srgbClr val="000000"/>
+                </a:solidFill>
                 <a:ea typeface="Arial"/>
               </a:rPr>
-              <a:t>高橋　　　　</a:t>
-            </a:r>
-            <a:r>
-              <a:rPr lang="en-US" sz="1600" b="1" strike="noStrike" spc="-1">
+              <a:t>メゾン中野　　</a:t>
+            </a:r>
+            <a:r>
+              <a:rPr lang="ja-JP" sz="1600" b="1" strike="noStrike" spc="-1" dirty="0">
                 <a:solidFill>
                   <a:srgbClr val="000000"/>
                 </a:solidFill>
                 <a:latin typeface="Arial"/>
                 <a:ea typeface="Arial"/>
               </a:rPr>
-              <a:t>2</a:t>
-            </a:r>
-            <a:r>
-              <a:rPr lang="ja-JP" sz="1600" b="1" strike="noStrike" spc="-1">
+              <a:t>　　東京都中野区</a:t>
+            </a:r>
+            <a:r>
+              <a:rPr lang="ja-JP" altLang="en-US" sz="1600" b="1" spc="-1" dirty="0">
                 <a:solidFill>
                   <a:srgbClr val="000000"/>
                 </a:solidFill>
                 <a:latin typeface="Arial"/>
                 <a:ea typeface="Arial"/>
               </a:rPr>
-              <a:t>　</a:t>
-            </a:r>
-            <a:r>
-              <a:rPr lang="en-US" sz="1600" b="1" strike="noStrike" spc="-1">
+              <a:t>　　　</a:t>
+            </a:r>
+            <a:r>
+              <a:rPr lang="ja-JP" altLang="en-US" sz="1600" b="1" strike="noStrike" spc="-1" dirty="0">
                 <a:solidFill>
                   <a:srgbClr val="000000"/>
                 </a:solidFill>
                 <a:latin typeface="Arial"/>
                 <a:ea typeface="Arial"/>
               </a:rPr>
-              <a:t>2000</a:t>
-            </a:r>
-            <a:r>
-              <a:rPr lang="ja-JP" sz="1600" b="1" strike="noStrike" spc="-1">
+              <a:t>鈴木</a:t>
+            </a:r>
+            <a:r>
+              <a:rPr lang="ja-JP" altLang="en-US" sz="1600" b="1" spc="-1" dirty="0">
                 <a:solidFill>
                   <a:srgbClr val="000000"/>
                 </a:solidFill>
                 <a:latin typeface="Arial"/>
                 <a:ea typeface="Arial"/>
               </a:rPr>
-              <a:t>年</a:t>
-            </a:r>
-            <a:r>
-              <a:rPr lang="en-US" sz="1600" b="1" strike="noStrike" spc="-1">
+              <a:t> 太郎</a:t>
+            </a:r>
+            <a:r>
+              <a:rPr lang="ja-JP" sz="1600" b="1" strike="noStrike" spc="-1" dirty="0">
                 <a:solidFill>
                   <a:srgbClr val="000000"/>
                 </a:solidFill>
                 <a:latin typeface="Arial"/>
                 <a:ea typeface="Arial"/>
               </a:rPr>
-              <a:t>10</a:t>
-            </a:r>
-            <a:r>
-              <a:rPr lang="ja-JP" sz="1600" b="1" strike="noStrike" spc="-1">
-                <a:solidFill>
-                  <a:srgbClr val="000000"/>
-                </a:solidFill>
-                <a:latin typeface="Arial"/>
-                <a:ea typeface="Arial"/>
-              </a:rPr>
-              <a:t>月</a:t>
-            </a:r>
-            <a:r>
-              <a:rPr lang="en-US" sz="1600" b="1" strike="noStrike" spc="-1">
-                <a:solidFill>
-                  <a:srgbClr val="000000"/>
-                </a:solidFill>
-                <a:latin typeface="Arial"/>
-                <a:ea typeface="Arial"/>
-              </a:rPr>
-              <a:t>18</a:t>
-            </a:r>
-            <a:r>
-              <a:rPr lang="ja-JP" sz="1600" b="1" strike="noStrike" spc="-1">
-                <a:solidFill>
-                  <a:srgbClr val="000000"/>
-                </a:solidFill>
-                <a:latin typeface="Arial"/>
-                <a:ea typeface="Arial"/>
-              </a:rPr>
-              <a:t>日  東京都杉並区荻窪　</a:t>
-            </a:r>
-            <a:r>
-              <a:rPr lang="en-US" sz="1600" b="1" strike="noStrike" spc="-1">
-                <a:solidFill>
-                  <a:srgbClr val="000000"/>
-                </a:solidFill>
-                <a:latin typeface="Arial"/>
-                <a:ea typeface="Arial"/>
-              </a:rPr>
-              <a:t>2012</a:t>
-            </a:r>
-            <a:r>
-              <a:rPr lang="ja-JP" sz="1600" b="1" strike="noStrike" spc="-1">
-                <a:solidFill>
-                  <a:srgbClr val="000000"/>
-                </a:solidFill>
-                <a:latin typeface="Arial"/>
-                <a:ea typeface="Arial"/>
-              </a:rPr>
-              <a:t>年</a:t>
-            </a:r>
-            <a:r>
-              <a:rPr lang="en-US" sz="1600" b="1" strike="noStrike" spc="-1">
-                <a:solidFill>
-                  <a:srgbClr val="000000"/>
-                </a:solidFill>
-                <a:latin typeface="Arial"/>
-                <a:ea typeface="Arial"/>
-              </a:rPr>
-              <a:t>1</a:t>
-            </a:r>
-            <a:r>
-              <a:rPr lang="ja-JP" sz="1600" b="1" strike="noStrike" spc="-1">
-                <a:solidFill>
-                  <a:srgbClr val="000000"/>
-                </a:solidFill>
-                <a:latin typeface="Arial"/>
-                <a:ea typeface="Arial"/>
-              </a:rPr>
-              <a:t>月</a:t>
-            </a:r>
-            <a:r>
-              <a:rPr lang="en-US" sz="1600" b="1" strike="noStrike" spc="-1">
-                <a:solidFill>
-                  <a:srgbClr val="000000"/>
-                </a:solidFill>
-                <a:latin typeface="Arial"/>
-                <a:ea typeface="Arial"/>
-              </a:rPr>
-              <a:t>18</a:t>
-            </a:r>
-            <a:r>
-              <a:rPr lang="ja-JP" sz="1600" b="1" strike="noStrike" spc="-1">
-                <a:solidFill>
-                  <a:srgbClr val="000000"/>
-                </a:solidFill>
-                <a:latin typeface="Arial"/>
-                <a:ea typeface="Arial"/>
-              </a:rPr>
-              <a:t>日　　　　　　　　  メゾン荻窪</a:t>
-            </a:r>
-            <a:endParaRPr lang="en-US" sz="1600" b="0" strike="noStrike" spc="-1">
-              <a:solidFill>
-                <a:srgbClr val="000000"/>
-              </a:solidFill>
-              <a:latin typeface="Arial"/>
-            </a:endParaRPr>
-          </a:p>
-        </p:txBody>
-      </p:sp>
-      <p:sp>
-        <p:nvSpPr>
-          <p:cNvPr id="212" name="正方形/長方形 26"/>
-          <p:cNvSpPr/>
-          <p:nvPr/>
-        </p:nvSpPr>
-        <p:spPr>
-          <a:xfrm>
-            <a:off x="7346880" y="4598280"/>
-            <a:ext cx="1572480" cy="336240"/>
-          </a:xfrm>
-          <a:prstGeom prst="rect">
-            <a:avLst/>
-          </a:prstGeom>
-          <a:solidFill>
-            <a:srgbClr val="A9D4DB"/>
-          </a:solidFill>
-          <a:ln>
-            <a:solidFill>
-              <a:srgbClr val="4A5C5F"/>
-            </a:solidFill>
-            <a:round/>
-          </a:ln>
-        </p:spPr>
-        <p:style>
-          <a:lnRef idx="2">
-            <a:schemeClr val="accent1">
-              <a:shade val="15000"/>
-            </a:schemeClr>
-          </a:lnRef>
-          <a:fillRef idx="1">
-            <a:schemeClr val="accent1"/>
-          </a:fillRef>
-          <a:effectRef idx="0">
-            <a:schemeClr val="accent1"/>
-          </a:effectRef>
-          <a:fontRef idx="minor"/>
-        </p:style>
-        <p:txBody>
-          <a:bodyPr lIns="90000" tIns="45000" rIns="90000" bIns="45000" anchor="ctr">
-            <a:noAutofit/>
-          </a:bodyPr>
-          <a:lstStyle/>
-          <a:p>
-            <a:pPr algn="ctr">
-              <a:lnSpc>
-                <a:spcPct val="100000"/>
-              </a:lnSpc>
-            </a:pPr>
-            <a:r>
-              <a:rPr lang="ja-JP" sz="1400" b="1" strike="noStrike" spc="-1">
-                <a:solidFill>
-                  <a:srgbClr val="000000"/>
-                </a:solidFill>
-                <a:latin typeface="Arial"/>
-                <a:ea typeface="Arial"/>
-              </a:rPr>
-              <a:t>オーナー情報編集</a:t>
-            </a:r>
-            <a:endParaRPr lang="en-US" sz="1400" b="0" strike="noStrike" spc="-1">
-              <a:solidFill>
-                <a:srgbClr val="000000"/>
-              </a:solidFill>
-              <a:latin typeface="Arial"/>
-            </a:endParaRPr>
-          </a:p>
-        </p:txBody>
-      </p:sp>
-      <p:sp>
-        <p:nvSpPr>
-          <p:cNvPr id="213" name="正方形/長方形 27"/>
-          <p:cNvSpPr/>
-          <p:nvPr/>
-        </p:nvSpPr>
-        <p:spPr>
-          <a:xfrm>
-            <a:off x="10059120" y="4567320"/>
-            <a:ext cx="1572480" cy="336240"/>
-          </a:xfrm>
-          <a:prstGeom prst="rect">
-            <a:avLst/>
-          </a:prstGeom>
-          <a:solidFill>
-            <a:srgbClr val="A9D4DB"/>
-          </a:solidFill>
-          <a:ln>
-            <a:solidFill>
-              <a:srgbClr val="4A5C5F"/>
-            </a:solidFill>
-            <a:round/>
-          </a:ln>
-        </p:spPr>
-        <p:style>
-          <a:lnRef idx="2">
-            <a:schemeClr val="accent1">
-              <a:shade val="15000"/>
-            </a:schemeClr>
-          </a:lnRef>
-          <a:fillRef idx="1">
-            <a:schemeClr val="accent1"/>
-          </a:fillRef>
-          <a:effectRef idx="0">
-            <a:schemeClr val="accent1"/>
-          </a:effectRef>
-          <a:fontRef idx="minor"/>
-        </p:style>
-        <p:txBody>
-          <a:bodyPr lIns="90000" tIns="45000" rIns="90000" bIns="45000" anchor="ctr">
-            <a:noAutofit/>
-          </a:bodyPr>
-          <a:lstStyle/>
-          <a:p>
-            <a:pPr algn="ctr">
-              <a:lnSpc>
-                <a:spcPct val="100000"/>
-              </a:lnSpc>
-            </a:pPr>
-            <a:r>
-              <a:rPr lang="ja-JP" sz="1400" b="1" strike="noStrike" spc="-1">
-                <a:solidFill>
-                  <a:srgbClr val="000000"/>
-                </a:solidFill>
-                <a:latin typeface="Arial"/>
-                <a:ea typeface="Arial"/>
-              </a:rPr>
-              <a:t>所有アパート一覧</a:t>
-            </a:r>
-            <a:endParaRPr lang="en-US" sz="1400" b="0" strike="noStrike" spc="-1">
+              <a:t>　　　　　　　　 </a:t>
+            </a:r>
+            <a:endParaRPr lang="en-US" sz="1600" b="0" strike="noStrike" spc="-1" dirty="0">
               <a:solidFill>
                 <a:srgbClr val="000000"/>
               </a:solidFill>
@@ -15017,14 +14882,22 @@
       </p:sp>
       <p:cxnSp>
         <p:nvCxnSpPr>
-          <p:cNvPr id="214" name="直線コネクタ 28"/>
-          <p:cNvCxnSpPr/>
+          <p:cNvPr id="29" name="直線コネクタ 12">
+            <a:extLst>
+              <a:ext uri="{FF2B5EF4-FFF2-40B4-BE49-F238E27FC236}">
+                <a16:creationId xmlns:a16="http://schemas.microsoft.com/office/drawing/2014/main" id="{2F7F2CF8-8470-4685-8100-65ED1117E30D}"/>
+              </a:ext>
+            </a:extLst>
+          </p:cNvPr>
+          <p:cNvCxnSpPr>
+            <a:cxnSpLocks/>
+          </p:cNvCxnSpPr>
           <p:nvPr/>
         </p:nvCxnSpPr>
         <p:spPr>
-          <a:xfrm>
-            <a:off x="761760" y="5854680"/>
-            <a:ext cx="10721160" cy="2160"/>
+          <a:xfrm flipV="1">
+            <a:off x="3363481" y="4527468"/>
+            <a:ext cx="5178240" cy="17860"/>
           </a:xfrm>
           <a:prstGeom prst="straightConnector1">
             <a:avLst/>
@@ -15036,16 +14909,51 @@
           </a:ln>
         </p:spPr>
       </p:cxnSp>
-      <p:sp>
-        <p:nvSpPr>
-          <p:cNvPr id="215" name="テキスト ボックス 29"/>
+      <p:cxnSp>
+        <p:nvCxnSpPr>
+          <p:cNvPr id="30" name="直線コネクタ 12">
+            <a:extLst>
+              <a:ext uri="{FF2B5EF4-FFF2-40B4-BE49-F238E27FC236}">
+                <a16:creationId xmlns:a16="http://schemas.microsoft.com/office/drawing/2014/main" id="{5528F7BF-35DF-42A1-99A8-B73363CB2A58}"/>
+              </a:ext>
+            </a:extLst>
+          </p:cNvPr>
+          <p:cNvCxnSpPr>
+            <a:cxnSpLocks/>
+          </p:cNvCxnSpPr>
+          <p:nvPr/>
+        </p:nvCxnSpPr>
+        <p:spPr>
+          <a:xfrm flipV="1">
+            <a:off x="3363481" y="5068770"/>
+            <a:ext cx="5178240" cy="17860"/>
+          </a:xfrm>
+          <a:prstGeom prst="straightConnector1">
+            <a:avLst/>
+          </a:prstGeom>
+          <a:ln w="0">
+            <a:solidFill>
+              <a:srgbClr val="000000"/>
+            </a:solidFill>
+          </a:ln>
+        </p:spPr>
+      </p:cxnSp>
+      <p:sp>
+        <p:nvSpPr>
+          <p:cNvPr id="31" name="テキスト ボックス 22">
+            <a:extLst>
+              <a:ext uri="{FF2B5EF4-FFF2-40B4-BE49-F238E27FC236}">
+                <a16:creationId xmlns:a16="http://schemas.microsoft.com/office/drawing/2014/main" id="{70952157-92E2-47EE-9EE7-1FBAC1A222AE}"/>
+              </a:ext>
+            </a:extLst>
+          </p:cNvPr>
           <p:cNvSpPr/>
           <p:nvPr/>
         </p:nvSpPr>
         <p:spPr>
           <a:xfrm>
-            <a:off x="762120" y="5296320"/>
-            <a:ext cx="9965880" cy="333000"/>
+            <a:off x="3233521" y="4700373"/>
+            <a:ext cx="5829797" cy="337100"/>
           </a:xfrm>
           <a:prstGeom prst="rect">
             <a:avLst/>
@@ -15068,7 +14976,7 @@
           <a:fontRef idx="minor"/>
         </p:style>
         <p:txBody>
-          <a:bodyPr lIns="90000" tIns="45000" rIns="90000" bIns="45000" anchor="t">
+          <a:bodyPr wrap="square" lIns="90000" tIns="45000" rIns="90000" bIns="45000" anchor="t">
             <a:spAutoFit/>
           </a:bodyPr>
           <a:lstStyle/>
@@ -15079,27 +14987,26 @@
               </a:lnSpc>
             </a:pPr>
             <a:r>
-              <a:rPr lang="ja-JP" sz="1600" b="1" strike="noStrike" spc="-1">
-                <a:solidFill>
-                  <a:srgbClr val="000000"/>
-                </a:solidFill>
-                <a:latin typeface="Arial"/>
+              <a:rPr lang="ja-JP" altLang="en-US" sz="1600" b="1" spc="-1" dirty="0">
+                <a:solidFill>
+                  <a:srgbClr val="000000"/>
+                </a:solidFill>
                 <a:ea typeface="Arial"/>
               </a:rPr>
-              <a:t>鈴木　　　　</a:t>
-            </a:r>
-            <a:r>
-              <a:rPr lang="en-US" sz="1600" b="1" strike="noStrike" spc="-1">
+              <a:t>アパート荻窪</a:t>
+            </a:r>
+            <a:r>
+              <a:rPr lang="ja-JP" sz="1600" b="1" strike="noStrike" spc="-1" dirty="0">
                 <a:solidFill>
                   <a:srgbClr val="000000"/>
                 </a:solidFill>
                 <a:latin typeface="Arial"/>
                 <a:ea typeface="Arial"/>
               </a:rPr>
-              <a:t>3</a:t>
-            </a:r>
-            <a:r>
-              <a:rPr lang="ja-JP" sz="1600" b="1" strike="noStrike" spc="-1">
+              <a:t>　　</a:t>
+            </a:r>
+            <a:r>
+              <a:rPr lang="ja-JP" altLang="en-US" sz="1600" b="1" strike="noStrike" spc="-1" dirty="0">
                 <a:solidFill>
                   <a:srgbClr val="000000"/>
                 </a:solidFill>
@@ -15109,393 +15016,70 @@
               <a:t>　</a:t>
             </a:r>
             <a:r>
-              <a:rPr lang="en-US" sz="1600" b="1" strike="noStrike" spc="-1">
+              <a:rPr lang="ja-JP" sz="1600" b="1" strike="noStrike" spc="-1" dirty="0">
                 <a:solidFill>
                   <a:srgbClr val="000000"/>
                 </a:solidFill>
                 <a:latin typeface="Arial"/>
                 <a:ea typeface="Arial"/>
               </a:rPr>
-              <a:t>2001</a:t>
-            </a:r>
-            <a:r>
-              <a:rPr lang="ja-JP" sz="1600" b="1" strike="noStrike" spc="-1">
+              <a:t>東京都</a:t>
+            </a:r>
+            <a:r>
+              <a:rPr lang="ja-JP" altLang="en-US" sz="1600" b="1" strike="noStrike" spc="-1" dirty="0">
                 <a:solidFill>
                   <a:srgbClr val="000000"/>
                 </a:solidFill>
                 <a:latin typeface="Arial"/>
                 <a:ea typeface="Arial"/>
               </a:rPr>
-              <a:t>年</a:t>
-            </a:r>
-            <a:r>
-              <a:rPr lang="en-US" sz="1600" b="1" strike="noStrike" spc="-1">
+              <a:t>杉並</a:t>
+            </a:r>
+            <a:r>
+              <a:rPr lang="ja-JP" sz="1600" b="1" strike="noStrike" spc="-1" dirty="0">
                 <a:solidFill>
                   <a:srgbClr val="000000"/>
                 </a:solidFill>
                 <a:latin typeface="Arial"/>
                 <a:ea typeface="Arial"/>
               </a:rPr>
-              <a:t>9</a:t>
-            </a:r>
-            <a:r>
-              <a:rPr lang="ja-JP" sz="1600" b="1" strike="noStrike" spc="-1">
+              <a:t>区荻窪　</a:t>
+            </a:r>
+            <a:r>
+              <a:rPr lang="ja-JP" altLang="en-US" sz="1600" b="1" spc="-1" dirty="0">
                 <a:solidFill>
                   <a:srgbClr val="000000"/>
                 </a:solidFill>
                 <a:latin typeface="Arial"/>
                 <a:ea typeface="Arial"/>
               </a:rPr>
-              <a:t>月</a:t>
-            </a:r>
-            <a:r>
-              <a:rPr lang="en-US" sz="1600" b="1" strike="noStrike" spc="-1">
+              <a:t>山田 太郎</a:t>
+            </a:r>
+            <a:r>
+              <a:rPr lang="ja-JP" sz="1600" b="1" strike="noStrike" spc="-1" dirty="0">
                 <a:solidFill>
                   <a:srgbClr val="000000"/>
                 </a:solidFill>
                 <a:latin typeface="Arial"/>
                 <a:ea typeface="Arial"/>
               </a:rPr>
-              <a:t>18</a:t>
-            </a:r>
-            <a:r>
-              <a:rPr lang="ja-JP" sz="1600" b="1" strike="noStrike" spc="-1">
-                <a:solidFill>
-                  <a:srgbClr val="000000"/>
-                </a:solidFill>
-                <a:latin typeface="Arial"/>
-                <a:ea typeface="Arial"/>
-              </a:rPr>
-              <a:t>日　東京都杉並区荻窪　</a:t>
-            </a:r>
-            <a:r>
-              <a:rPr lang="en-US" sz="1600" b="1" strike="noStrike" spc="-1">
-                <a:solidFill>
-                  <a:srgbClr val="000000"/>
-                </a:solidFill>
-                <a:latin typeface="Arial"/>
-                <a:ea typeface="Arial"/>
-              </a:rPr>
-              <a:t>2013</a:t>
-            </a:r>
-            <a:r>
-              <a:rPr lang="ja-JP" sz="1600" b="1" strike="noStrike" spc="-1">
-                <a:solidFill>
-                  <a:srgbClr val="000000"/>
-                </a:solidFill>
-                <a:latin typeface="Arial"/>
-                <a:ea typeface="Arial"/>
-              </a:rPr>
-              <a:t>年</a:t>
-            </a:r>
-            <a:r>
-              <a:rPr lang="en-US" sz="1600" b="1" strike="noStrike" spc="-1">
-                <a:solidFill>
-                  <a:srgbClr val="000000"/>
-                </a:solidFill>
-                <a:latin typeface="Arial"/>
-                <a:ea typeface="Arial"/>
-              </a:rPr>
-              <a:t>3</a:t>
-            </a:r>
-            <a:r>
-              <a:rPr lang="ja-JP" sz="1600" b="1" strike="noStrike" spc="-1">
-                <a:solidFill>
-                  <a:srgbClr val="000000"/>
-                </a:solidFill>
-                <a:latin typeface="Arial"/>
-                <a:ea typeface="Arial"/>
-              </a:rPr>
-              <a:t>月</a:t>
-            </a:r>
-            <a:r>
-              <a:rPr lang="en-US" sz="1600" b="1" strike="noStrike" spc="-1">
-                <a:solidFill>
-                  <a:srgbClr val="000000"/>
-                </a:solidFill>
-                <a:latin typeface="Arial"/>
-                <a:ea typeface="Arial"/>
-              </a:rPr>
-              <a:t>18</a:t>
-            </a:r>
-            <a:r>
-              <a:rPr lang="ja-JP" sz="1600" b="1" strike="noStrike" spc="-1">
-                <a:solidFill>
-                  <a:srgbClr val="000000"/>
-                </a:solidFill>
-                <a:latin typeface="Arial"/>
-                <a:ea typeface="Arial"/>
-              </a:rPr>
-              <a:t>日　　　　　　　　 </a:t>
-            </a:r>
-            <a:endParaRPr lang="en-US" sz="1600" b="0" strike="noStrike" spc="-1">
-              <a:solidFill>
-                <a:srgbClr val="000000"/>
-              </a:solidFill>
-              <a:latin typeface="Arial"/>
-            </a:endParaRPr>
-          </a:p>
-        </p:txBody>
-      </p:sp>
-      <p:sp>
-        <p:nvSpPr>
-          <p:cNvPr id="216" name="正方形/長方形 30"/>
-          <p:cNvSpPr/>
-          <p:nvPr/>
-        </p:nvSpPr>
-        <p:spPr>
-          <a:xfrm>
-            <a:off x="7346880" y="5268960"/>
-            <a:ext cx="1572480" cy="336240"/>
-          </a:xfrm>
-          <a:prstGeom prst="rect">
-            <a:avLst/>
-          </a:prstGeom>
-          <a:solidFill>
-            <a:srgbClr val="A9D4DB"/>
-          </a:solidFill>
-          <a:ln>
-            <a:solidFill>
-              <a:srgbClr val="4A5C5F"/>
-            </a:solidFill>
-            <a:round/>
-          </a:ln>
-        </p:spPr>
-        <p:style>
-          <a:lnRef idx="2">
-            <a:schemeClr val="accent1">
-              <a:shade val="15000"/>
-            </a:schemeClr>
-          </a:lnRef>
-          <a:fillRef idx="1">
-            <a:schemeClr val="accent1"/>
-          </a:fillRef>
-          <a:effectRef idx="0">
-            <a:schemeClr val="accent1"/>
-          </a:effectRef>
-          <a:fontRef idx="minor"/>
-        </p:style>
-        <p:txBody>
-          <a:bodyPr lIns="90000" tIns="45000" rIns="90000" bIns="45000" anchor="ctr">
-            <a:noAutofit/>
-          </a:bodyPr>
-          <a:lstStyle/>
-          <a:p>
-            <a:pPr algn="ctr">
-              <a:lnSpc>
-                <a:spcPct val="100000"/>
-              </a:lnSpc>
-            </a:pPr>
-            <a:r>
-              <a:rPr lang="ja-JP" sz="1400" b="1" strike="noStrike" spc="-1">
-                <a:solidFill>
-                  <a:srgbClr val="000000"/>
-                </a:solidFill>
-                <a:latin typeface="Arial"/>
-                <a:ea typeface="Arial"/>
-              </a:rPr>
-              <a:t>オーナー情報編集</a:t>
-            </a:r>
-            <a:endParaRPr lang="en-US" sz="1400" b="0" strike="noStrike" spc="-1">
-              <a:solidFill>
-                <a:srgbClr val="000000"/>
-              </a:solidFill>
-              <a:latin typeface="Arial"/>
-            </a:endParaRPr>
-          </a:p>
-        </p:txBody>
-      </p:sp>
-      <p:sp>
-        <p:nvSpPr>
-          <p:cNvPr id="217" name="正方形/長方形 31"/>
-          <p:cNvSpPr/>
-          <p:nvPr/>
-        </p:nvSpPr>
-        <p:spPr>
-          <a:xfrm>
-            <a:off x="10087200" y="5238720"/>
-            <a:ext cx="1572480" cy="336240"/>
-          </a:xfrm>
-          <a:prstGeom prst="rect">
-            <a:avLst/>
-          </a:prstGeom>
-          <a:solidFill>
-            <a:srgbClr val="A9D4DB"/>
-          </a:solidFill>
-          <a:ln>
-            <a:solidFill>
-              <a:srgbClr val="4A5C5F"/>
-            </a:solidFill>
-            <a:round/>
-          </a:ln>
-        </p:spPr>
-        <p:style>
-          <a:lnRef idx="2">
-            <a:schemeClr val="accent1">
-              <a:shade val="15000"/>
-            </a:schemeClr>
-          </a:lnRef>
-          <a:fillRef idx="1">
-            <a:schemeClr val="accent1"/>
-          </a:fillRef>
-          <a:effectRef idx="0">
-            <a:schemeClr val="accent1"/>
-          </a:effectRef>
-          <a:fontRef idx="minor"/>
-        </p:style>
-        <p:txBody>
-          <a:bodyPr lIns="90000" tIns="45000" rIns="90000" bIns="45000" anchor="ctr">
-            <a:noAutofit/>
-          </a:bodyPr>
-          <a:lstStyle/>
-          <a:p>
-            <a:pPr algn="ctr">
-              <a:lnSpc>
-                <a:spcPct val="100000"/>
-              </a:lnSpc>
-            </a:pPr>
-            <a:r>
-              <a:rPr lang="ja-JP" sz="1400" b="1" strike="noStrike" spc="-1">
-                <a:solidFill>
-                  <a:srgbClr val="000000"/>
-                </a:solidFill>
-                <a:latin typeface="Arial"/>
-                <a:ea typeface="Arial"/>
-              </a:rPr>
-              <a:t>所有アパート一覧</a:t>
-            </a:r>
-            <a:endParaRPr lang="en-US" sz="1400" b="0" strike="noStrike" spc="-1">
-              <a:solidFill>
-                <a:srgbClr val="000000"/>
-              </a:solidFill>
-              <a:latin typeface="Arial"/>
-            </a:endParaRPr>
-          </a:p>
-        </p:txBody>
-      </p:sp>
-      <p:sp>
-        <p:nvSpPr>
-          <p:cNvPr id="218" name="テキスト ボックス 33"/>
-          <p:cNvSpPr/>
-          <p:nvPr/>
-        </p:nvSpPr>
-        <p:spPr>
-          <a:xfrm>
-            <a:off x="6095880" y="5967720"/>
-            <a:ext cx="736560" cy="596880"/>
-          </a:xfrm>
-          <a:prstGeom prst="rect">
-            <a:avLst/>
-          </a:prstGeom>
-          <a:noFill/>
-          <a:ln w="0">
-            <a:noFill/>
-          </a:ln>
-        </p:spPr>
-        <p:style>
-          <a:lnRef idx="0">
-            <a:scrgbClr r="0" g="0" b="0"/>
-          </a:lnRef>
-          <a:fillRef idx="0">
-            <a:scrgbClr r="0" g="0" b="0"/>
-          </a:fillRef>
-          <a:effectRef idx="0">
-            <a:scrgbClr r="0" g="0" b="0"/>
-          </a:effectRef>
-          <a:fontRef idx="minor"/>
-        </p:style>
-        <p:txBody>
-          <a:bodyPr vert="vert" lIns="45000" tIns="90000" rIns="45000" bIns="90000" anchor="t">
-            <a:noAutofit/>
-          </a:bodyPr>
-          <a:lstStyle/>
-          <a:p>
-            <a:pPr>
-              <a:lnSpc>
-                <a:spcPct val="100000"/>
-              </a:lnSpc>
-            </a:pPr>
-            <a:r>
-              <a:rPr lang="en-US" sz="3600" b="1" strike="noStrike" spc="-1">
-                <a:solidFill>
-                  <a:srgbClr val="000000"/>
-                </a:solidFill>
-                <a:latin typeface="Arial"/>
-                <a:ea typeface="Arial"/>
-              </a:rPr>
-              <a:t>…</a:t>
-            </a:r>
-            <a:endParaRPr lang="en-US" sz="3600" b="0" strike="noStrike" spc="-1">
-              <a:solidFill>
-                <a:srgbClr val="000000"/>
-              </a:solidFill>
-              <a:latin typeface="Arial"/>
-            </a:endParaRPr>
-          </a:p>
-        </p:txBody>
-      </p:sp>
-      <p:sp>
-        <p:nvSpPr>
-          <p:cNvPr id="22" name="PlaceHolder 1">
-            <a:extLst>
-              <a:ext uri="{FF2B5EF4-FFF2-40B4-BE49-F238E27FC236}">
-                <a16:creationId xmlns:a16="http://schemas.microsoft.com/office/drawing/2014/main" id="{16456E06-43CC-480D-BBD9-1C84112779AF}"/>
-              </a:ext>
-            </a:extLst>
-          </p:cNvPr>
-          <p:cNvSpPr txBox="1">
-            <a:spLocks/>
-          </p:cNvSpPr>
-          <p:nvPr/>
-        </p:nvSpPr>
-        <p:spPr>
-          <a:xfrm>
-            <a:off x="2612571" y="161584"/>
-            <a:ext cx="6948174" cy="547491"/>
-          </a:xfrm>
-          <a:prstGeom prst="rect">
-            <a:avLst/>
-          </a:prstGeom>
-        </p:spPr>
-        <p:txBody>
-          <a:bodyPr/>
-          <a:lstStyle>
-            <a:lvl1pPr algn="l" defTabSz="914400" rtl="0" eaLnBrk="1" latinLnBrk="0" hangingPunct="1">
-              <a:lnSpc>
-                <a:spcPct val="90000"/>
-              </a:lnSpc>
-              <a:spcBef>
-                <a:spcPct val="0"/>
-              </a:spcBef>
-              <a:buNone/>
-              <a:defRPr kumimoji="1" sz="4400" kern="1200">
-                <a:solidFill>
-                  <a:schemeClr val="tx1"/>
-                </a:solidFill>
-                <a:latin typeface="+mj-lt"/>
-                <a:ea typeface="+mj-ea"/>
-                <a:cs typeface="+mj-cs"/>
-              </a:defRPr>
-            </a:lvl1pPr>
-          </a:lstStyle>
-          <a:p>
-            <a:r>
-              <a:rPr lang="ja-JP" altLang="en-US" sz="3600" dirty="0"/>
-              <a:t>機能要件 詳細 </a:t>
-            </a:r>
-            <a:r>
-              <a:rPr lang="en-US" altLang="ja-JP" sz="3600" dirty="0"/>
-              <a:t>–</a:t>
-            </a:r>
-            <a:r>
-              <a:rPr lang="ja-JP" altLang="en-US" sz="3600" dirty="0"/>
-              <a:t> フロント側詳細</a:t>
-            </a:r>
-            <a:endParaRPr lang="en-US" sz="3600" dirty="0"/>
+              <a:t>　　　　　　　　 </a:t>
+            </a:r>
+            <a:endParaRPr lang="en-US" sz="1600" b="0" strike="noStrike" spc="-1" dirty="0">
+              <a:solidFill>
+                <a:srgbClr val="000000"/>
+              </a:solidFill>
+              <a:latin typeface="Arial"/>
+            </a:endParaRPr>
           </a:p>
         </p:txBody>
       </p:sp>
     </p:spTree>
+    <p:extLst>
+      <p:ext uri="{BB962C8B-B14F-4D97-AF65-F5344CB8AC3E}">
+        <p14:creationId xmlns:p14="http://schemas.microsoft.com/office/powerpoint/2010/main" val="3595200485"/>
+      </p:ext>
+    </p:extLst>
   </p:cSld>
   <p:clrMapOvr>
     <a:masterClrMapping/>
@@ -15522,70 +15106,13 @@
       </p:grpSpPr>
       <p:sp>
         <p:nvSpPr>
-          <p:cNvPr id="219" name="PlaceHolder 1"/>
-          <p:cNvSpPr>
-            <a:spLocks noGrp="1"/>
-          </p:cNvSpPr>
-          <p:nvPr>
-            <p:ph type="title"/>
-          </p:nvPr>
-        </p:nvSpPr>
-        <p:spPr>
-          <a:xfrm>
-            <a:off x="1028880" y="272520"/>
-            <a:ext cx="8497080" cy="643320"/>
-          </a:xfrm>
-          <a:prstGeom prst="rect">
-            <a:avLst/>
-          </a:prstGeom>
-          <a:noFill/>
-          <a:ln w="0">
-            <a:noFill/>
-          </a:ln>
-        </p:spPr>
-        <p:txBody>
-          <a:bodyPr lIns="0" tIns="0" rIns="0" bIns="0" anchor="b">
-            <a:noAutofit/>
-          </a:bodyPr>
-          <a:lstStyle/>
-          <a:p>
-            <a:pPr indent="0">
-              <a:lnSpc>
-                <a:spcPct val="90000"/>
-              </a:lnSpc>
-              <a:buNone/>
-              <a:tabLst>
-                <a:tab pos="0" algn="l"/>
-              </a:tabLst>
-            </a:pPr>
-            <a:r>
-              <a:rPr lang="ja-JP" sz="4900" b="1" strike="noStrike" spc="-1">
-                <a:solidFill>
-                  <a:schemeClr val="dk1"/>
-                </a:solidFill>
-                <a:latin typeface="Arial"/>
-                <a:ea typeface="Arial"/>
-              </a:rPr>
-              <a:t>アパート一覧（管理者）</a:t>
-            </a:r>
-            <a:endParaRPr lang="en-US" sz="4900" b="0" strike="noStrike" spc="-1">
-              <a:solidFill>
-                <a:srgbClr val="000000"/>
-              </a:solidFill>
-              <a:latin typeface="Arial"/>
-            </a:endParaRPr>
-          </a:p>
-        </p:txBody>
-      </p:sp>
-      <p:sp>
-        <p:nvSpPr>
           <p:cNvPr id="220" name="正方形/長方形 3"/>
           <p:cNvSpPr/>
           <p:nvPr/>
         </p:nvSpPr>
         <p:spPr>
           <a:xfrm>
-            <a:off x="502920" y="1250640"/>
+            <a:off x="504900" y="1226883"/>
             <a:ext cx="11234880" cy="5493600"/>
           </a:xfrm>
           <a:prstGeom prst="rect">
@@ -15641,14 +15168,14 @@
       </p:sp>
       <p:sp>
         <p:nvSpPr>
-          <p:cNvPr id="221" name="正方形/長方形 14"/>
+          <p:cNvPr id="222" name="正方形/長方形 16"/>
           <p:cNvSpPr/>
           <p:nvPr/>
         </p:nvSpPr>
         <p:spPr>
           <a:xfrm>
-            <a:off x="883800" y="2179080"/>
-            <a:ext cx="1278000" cy="520920"/>
+            <a:off x="805319" y="2311326"/>
+            <a:ext cx="1077270" cy="337100"/>
           </a:xfrm>
           <a:prstGeom prst="rect">
             <a:avLst/>
@@ -15656,7 +15183,7 @@
           <a:solidFill>
             <a:srgbClr val="A9D4DB"/>
           </a:solidFill>
-          <a:ln cap="rnd">
+          <a:ln>
             <a:solidFill>
               <a:srgbClr val="4A5C5F"/>
             </a:solidFill>
@@ -15689,34 +15216,328 @@
               </a:lnSpc>
             </a:pPr>
             <a:r>
-              <a:rPr lang="ja-JP" sz="2000" b="1" strike="noStrike" spc="-1">
+              <a:rPr lang="ja-JP" sz="1400" b="1" strike="noStrike" spc="-1">
                 <a:solidFill>
                   <a:srgbClr val="000000"/>
                 </a:solidFill>
                 <a:latin typeface="Arial"/>
                 <a:ea typeface="Arial"/>
               </a:rPr>
-              <a:t>新規登録</a:t>
-            </a:r>
-            <a:endParaRPr lang="en-US" sz="2000" b="0" strike="noStrike" spc="-1">
-              <a:solidFill>
-                <a:srgbClr val="000000"/>
-              </a:solidFill>
-              <a:latin typeface="Arial"/>
-            </a:endParaRPr>
-          </a:p>
-        </p:txBody>
-      </p:sp>
-      <p:sp>
-        <p:nvSpPr>
-          <p:cNvPr id="222" name="正方形/長方形 16"/>
+              <a:t>編集</a:t>
+            </a:r>
+            <a:endParaRPr lang="en-US" sz="1400" b="0" strike="noStrike" spc="-1">
+              <a:solidFill>
+                <a:srgbClr val="000000"/>
+              </a:solidFill>
+              <a:latin typeface="Arial"/>
+            </a:endParaRPr>
+          </a:p>
+        </p:txBody>
+      </p:sp>
+      <p:sp>
+        <p:nvSpPr>
+          <p:cNvPr id="223" name="テキスト ボックス 1"/>
           <p:cNvSpPr/>
           <p:nvPr/>
         </p:nvSpPr>
         <p:spPr>
           <a:xfrm>
-            <a:off x="9703800" y="3612960"/>
-            <a:ext cx="707760" cy="289080"/>
+            <a:off x="805319" y="1530360"/>
+            <a:ext cx="9347209" cy="521766"/>
+          </a:xfrm>
+          <a:prstGeom prst="rect">
+            <a:avLst/>
+          </a:prstGeom>
+          <a:noFill/>
+          <a:ln w="0">
+            <a:noFill/>
+          </a:ln>
+        </p:spPr>
+        <p:style>
+          <a:lnRef idx="0">
+            <a:scrgbClr r="0" g="0" b="0"/>
+          </a:lnRef>
+          <a:fillRef idx="0">
+            <a:scrgbClr r="0" g="0" b="0"/>
+          </a:fillRef>
+          <a:effectRef idx="0">
+            <a:scrgbClr r="0" g="0" b="0"/>
+          </a:effectRef>
+          <a:fontRef idx="minor"/>
+        </p:style>
+        <p:txBody>
+          <a:bodyPr wrap="square" lIns="90000" tIns="45000" rIns="90000" bIns="45000" anchor="t">
+            <a:spAutoFit/>
+          </a:bodyPr>
+          <a:lstStyle/>
+          <a:p>
+            <a:pPr>
+              <a:lnSpc>
+                <a:spcPct val="100000"/>
+              </a:lnSpc>
+            </a:pPr>
+            <a:r>
+              <a:rPr lang="ja-JP" altLang="en-US" sz="2800" b="1" spc="-1" dirty="0">
+                <a:solidFill>
+                  <a:srgbClr val="000000"/>
+                </a:solidFill>
+                <a:latin typeface="Arial"/>
+                <a:ea typeface="Arial"/>
+              </a:rPr>
+              <a:t>レオパレス荻窪</a:t>
+            </a:r>
+            <a:endParaRPr lang="en-US" sz="2800" b="0" strike="noStrike" spc="-1" dirty="0">
+              <a:solidFill>
+                <a:srgbClr val="000000"/>
+              </a:solidFill>
+              <a:latin typeface="Arial"/>
+            </a:endParaRPr>
+          </a:p>
+        </p:txBody>
+      </p:sp>
+      <p:sp>
+        <p:nvSpPr>
+          <p:cNvPr id="224" name="テキスト ボックス 10"/>
+          <p:cNvSpPr/>
+          <p:nvPr/>
+        </p:nvSpPr>
+        <p:spPr>
+          <a:xfrm>
+            <a:off x="718920" y="2965680"/>
+            <a:ext cx="10442160" cy="337100"/>
+          </a:xfrm>
+          <a:prstGeom prst="rect">
+            <a:avLst/>
+          </a:prstGeom>
+          <a:noFill/>
+          <a:ln w="0">
+            <a:noFill/>
+          </a:ln>
+        </p:spPr>
+        <p:style>
+          <a:lnRef idx="0">
+            <a:scrgbClr r="0" g="0" b="0"/>
+          </a:lnRef>
+          <a:fillRef idx="0">
+            <a:scrgbClr r="0" g="0" b="0"/>
+          </a:fillRef>
+          <a:effectRef idx="0">
+            <a:scrgbClr r="0" g="0" b="0"/>
+          </a:effectRef>
+          <a:fontRef idx="minor"/>
+        </p:style>
+        <p:txBody>
+          <a:bodyPr lIns="90000" tIns="45000" rIns="90000" bIns="45000" anchor="t">
+            <a:spAutoFit/>
+          </a:bodyPr>
+          <a:lstStyle/>
+          <a:p>
+            <a:pPr>
+              <a:lnSpc>
+                <a:spcPct val="100000"/>
+              </a:lnSpc>
+            </a:pPr>
+            <a:r>
+              <a:rPr lang="ja-JP" sz="1600" b="1" strike="noStrike" spc="-1" dirty="0">
+                <a:solidFill>
+                  <a:srgbClr val="000000"/>
+                </a:solidFill>
+                <a:latin typeface="Arial"/>
+                <a:ea typeface="Arial"/>
+              </a:rPr>
+              <a:t>建設日　　　　　住所　　　　　　　　　　　　　・・・　　　　　　　　　　　　</a:t>
+            </a:r>
+            <a:endParaRPr lang="en-US" sz="1600" b="0" strike="noStrike" spc="-1" dirty="0">
+              <a:solidFill>
+                <a:srgbClr val="000000"/>
+              </a:solidFill>
+              <a:latin typeface="Arial"/>
+            </a:endParaRPr>
+          </a:p>
+        </p:txBody>
+      </p:sp>
+      <p:cxnSp>
+        <p:nvCxnSpPr>
+          <p:cNvPr id="225" name="直線コネクタ 12"/>
+          <p:cNvCxnSpPr/>
+          <p:nvPr/>
+        </p:nvCxnSpPr>
+        <p:spPr>
+          <a:xfrm>
+            <a:off x="761760" y="3429000"/>
+            <a:ext cx="10721160" cy="2160"/>
+          </a:xfrm>
+          <a:prstGeom prst="straightConnector1">
+            <a:avLst/>
+          </a:prstGeom>
+          <a:ln w="0">
+            <a:solidFill>
+              <a:srgbClr val="000000"/>
+            </a:solidFill>
+          </a:ln>
+        </p:spPr>
+      </p:cxnSp>
+      <p:sp>
+        <p:nvSpPr>
+          <p:cNvPr id="227" name="テキスト ボックス 22"/>
+          <p:cNvSpPr/>
+          <p:nvPr/>
+        </p:nvSpPr>
+        <p:spPr>
+          <a:xfrm>
+            <a:off x="718919" y="3537000"/>
+            <a:ext cx="8008221" cy="337100"/>
+          </a:xfrm>
+          <a:prstGeom prst="rect">
+            <a:avLst/>
+          </a:prstGeom>
+          <a:noFill/>
+          <a:ln w="0">
+            <a:noFill/>
+          </a:ln>
+        </p:spPr>
+        <p:style>
+          <a:lnRef idx="0">
+            <a:scrgbClr r="0" g="0" b="0"/>
+          </a:lnRef>
+          <a:fillRef idx="0">
+            <a:scrgbClr r="0" g="0" b="0"/>
+          </a:fillRef>
+          <a:effectRef idx="0">
+            <a:scrgbClr r="0" g="0" b="0"/>
+          </a:effectRef>
+          <a:fontRef idx="minor"/>
+        </p:style>
+        <p:txBody>
+          <a:bodyPr wrap="square" lIns="90000" tIns="45000" rIns="90000" bIns="45000" anchor="t">
+            <a:spAutoFit/>
+          </a:bodyPr>
+          <a:lstStyle/>
+          <a:p>
+            <a:pPr>
+              <a:lnSpc>
+                <a:spcPct val="100000"/>
+              </a:lnSpc>
+            </a:pPr>
+            <a:r>
+              <a:rPr lang="en-US" sz="1600" b="1" strike="noStrike" spc="-1" dirty="0">
+                <a:solidFill>
+                  <a:srgbClr val="000000"/>
+                </a:solidFill>
+                <a:latin typeface="Arial"/>
+                <a:ea typeface="Arial"/>
+              </a:rPr>
+              <a:t>2001</a:t>
+            </a:r>
+            <a:r>
+              <a:rPr lang="ja-JP" sz="1600" b="1" strike="noStrike" spc="-1" dirty="0">
+                <a:solidFill>
+                  <a:srgbClr val="000000"/>
+                </a:solidFill>
+                <a:latin typeface="Arial"/>
+                <a:ea typeface="Arial"/>
+              </a:rPr>
+              <a:t>年</a:t>
+            </a:r>
+            <a:r>
+              <a:rPr lang="en-US" sz="1600" b="1" strike="noStrike" spc="-1" dirty="0">
+                <a:solidFill>
+                  <a:srgbClr val="000000"/>
+                </a:solidFill>
+                <a:latin typeface="Arial"/>
+                <a:ea typeface="Arial"/>
+              </a:rPr>
+              <a:t>9</a:t>
+            </a:r>
+            <a:r>
+              <a:rPr lang="ja-JP" sz="1600" b="1" strike="noStrike" spc="-1" dirty="0">
+                <a:solidFill>
+                  <a:srgbClr val="000000"/>
+                </a:solidFill>
+                <a:latin typeface="Arial"/>
+                <a:ea typeface="Arial"/>
+              </a:rPr>
+              <a:t>月</a:t>
+            </a:r>
+            <a:r>
+              <a:rPr lang="en-US" sz="1600" b="1" strike="noStrike" spc="-1" dirty="0">
+                <a:solidFill>
+                  <a:srgbClr val="000000"/>
+                </a:solidFill>
+                <a:latin typeface="Arial"/>
+                <a:ea typeface="Arial"/>
+              </a:rPr>
+              <a:t>19</a:t>
+            </a:r>
+            <a:r>
+              <a:rPr lang="ja-JP" sz="1600" b="1" strike="noStrike" spc="-1" dirty="0">
+                <a:solidFill>
+                  <a:srgbClr val="000000"/>
+                </a:solidFill>
+                <a:latin typeface="Arial"/>
+                <a:ea typeface="Arial"/>
+              </a:rPr>
+              <a:t>日  　東京都杉並区中野</a:t>
+            </a:r>
+            <a:r>
+              <a:rPr lang="en-US" sz="1600" b="1" strike="noStrike" spc="-1" dirty="0">
+                <a:solidFill>
+                  <a:srgbClr val="000000"/>
+                </a:solidFill>
+                <a:latin typeface="Arial"/>
+                <a:ea typeface="Arial"/>
+              </a:rPr>
+              <a:t>1</a:t>
+            </a:r>
+            <a:r>
+              <a:rPr lang="ja-JP" sz="1600" b="1" strike="noStrike" spc="-1" dirty="0">
+                <a:solidFill>
+                  <a:srgbClr val="000000"/>
+                </a:solidFill>
+                <a:latin typeface="Arial"/>
+                <a:ea typeface="Arial"/>
+              </a:rPr>
+              <a:t>番地</a:t>
+            </a:r>
+            <a:r>
+              <a:rPr lang="en-US" sz="1600" b="1" strike="noStrike" spc="-1" dirty="0">
+                <a:solidFill>
+                  <a:srgbClr val="000000"/>
+                </a:solidFill>
+                <a:latin typeface="Arial"/>
+                <a:ea typeface="Arial"/>
+              </a:rPr>
+              <a:t>1</a:t>
+            </a:r>
+            <a:r>
+              <a:rPr lang="ja-JP" sz="1600" b="1" strike="noStrike" spc="-1" dirty="0">
+                <a:solidFill>
+                  <a:srgbClr val="000000"/>
+                </a:solidFill>
+                <a:latin typeface="Arial"/>
+                <a:ea typeface="Arial"/>
+              </a:rPr>
+              <a:t>号　　　・・・</a:t>
+            </a:r>
+            <a:endParaRPr lang="en-US" sz="1600" b="0" strike="noStrike" spc="-1" dirty="0">
+              <a:solidFill>
+                <a:srgbClr val="000000"/>
+              </a:solidFill>
+              <a:latin typeface="Arial"/>
+            </a:endParaRPr>
+          </a:p>
+        </p:txBody>
+      </p:sp>
+      <p:sp>
+        <p:nvSpPr>
+          <p:cNvPr id="232" name="正方形/長方形 8"/>
+          <p:cNvSpPr/>
+          <p:nvPr/>
+        </p:nvSpPr>
+        <p:spPr>
+          <a:xfrm>
+            <a:off x="2183007" y="2311325"/>
+            <a:ext cx="1077269" cy="337101"/>
           </a:xfrm>
           <a:prstGeom prst="rect">
             <a:avLst/>
@@ -15757,792 +15578,74 @@
               </a:lnSpc>
             </a:pPr>
             <a:r>
-              <a:rPr lang="ja-JP" sz="1400" b="1" strike="noStrike" spc="-1">
+              <a:rPr lang="ja-JP" sz="1400" b="1" strike="noStrike" spc="-1" dirty="0">
                 <a:solidFill>
                   <a:srgbClr val="000000"/>
                 </a:solidFill>
                 <a:latin typeface="Arial"/>
                 <a:ea typeface="Arial"/>
               </a:rPr>
-              <a:t>編集</a:t>
-            </a:r>
-            <a:endParaRPr lang="en-US" sz="1400" b="0" strike="noStrike" spc="-1">
-              <a:solidFill>
-                <a:srgbClr val="000000"/>
-              </a:solidFill>
-              <a:latin typeface="Arial"/>
-            </a:endParaRPr>
-          </a:p>
-        </p:txBody>
-      </p:sp>
-      <p:sp>
-        <p:nvSpPr>
-          <p:cNvPr id="223" name="テキスト ボックス 1"/>
-          <p:cNvSpPr/>
+              <a:t>部屋一覧</a:t>
+            </a:r>
+            <a:endParaRPr lang="en-US" sz="1400" b="0" strike="noStrike" spc="-1" dirty="0">
+              <a:solidFill>
+                <a:srgbClr val="000000"/>
+              </a:solidFill>
+              <a:latin typeface="Arial"/>
+            </a:endParaRPr>
+          </a:p>
+        </p:txBody>
+      </p:sp>
+      <p:sp>
+        <p:nvSpPr>
+          <p:cNvPr id="16" name="PlaceHolder 1">
+            <a:extLst>
+              <a:ext uri="{FF2B5EF4-FFF2-40B4-BE49-F238E27FC236}">
+                <a16:creationId xmlns:a16="http://schemas.microsoft.com/office/drawing/2014/main" id="{3F3397C0-C603-43AB-ADCE-91CFE7953C45}"/>
+              </a:ext>
+            </a:extLst>
+          </p:cNvPr>
+          <p:cNvSpPr txBox="1">
+            <a:spLocks/>
+          </p:cNvSpPr>
           <p:nvPr/>
         </p:nvSpPr>
         <p:spPr>
           <a:xfrm>
-            <a:off x="805320" y="1530360"/>
-            <a:ext cx="6293520" cy="516240"/>
-          </a:xfrm>
-          <a:prstGeom prst="rect">
-            <a:avLst/>
-          </a:prstGeom>
-          <a:noFill/>
-          <a:ln w="0">
-            <a:noFill/>
-          </a:ln>
-        </p:spPr>
-        <p:style>
-          <a:lnRef idx="0">
-            <a:scrgbClr r="0" g="0" b="0"/>
-          </a:lnRef>
-          <a:fillRef idx="0">
-            <a:scrgbClr r="0" g="0" b="0"/>
-          </a:fillRef>
-          <a:effectRef idx="0">
-            <a:scrgbClr r="0" g="0" b="0"/>
-          </a:effectRef>
-          <a:fontRef idx="minor"/>
-        </p:style>
-        <p:txBody>
-          <a:bodyPr lIns="90000" tIns="45000" rIns="90000" bIns="45000" anchor="t">
-            <a:spAutoFit/>
-          </a:bodyPr>
-          <a:lstStyle/>
-          <a:p>
-            <a:pPr>
+            <a:off x="892963" y="664774"/>
+            <a:ext cx="3361877" cy="547491"/>
+          </a:xfrm>
+          <a:prstGeom prst="rect">
+            <a:avLst/>
+          </a:prstGeom>
+        </p:spPr>
+        <p:txBody>
+          <a:bodyPr/>
+          <a:lstStyle>
+            <a:lvl1pPr algn="l" defTabSz="914400" rtl="0" eaLnBrk="1" latinLnBrk="0" hangingPunct="1">
               <a:lnSpc>
-                <a:spcPct val="100000"/>
+                <a:spcPct val="90000"/>
               </a:lnSpc>
-            </a:pPr>
-            <a:r>
-              <a:rPr lang="ja-JP" sz="2800" b="1" strike="noStrike" spc="-1">
-                <a:solidFill>
-                  <a:srgbClr val="000000"/>
-                </a:solidFill>
-                <a:latin typeface="Arial"/>
-                <a:ea typeface="Arial"/>
-              </a:rPr>
-              <a:t>アパート一覧・新規登録・編集</a:t>
-            </a:r>
-            <a:endParaRPr lang="en-US" sz="2800" b="0" strike="noStrike" spc="-1">
-              <a:solidFill>
-                <a:srgbClr val="000000"/>
-              </a:solidFill>
-              <a:latin typeface="Arial"/>
-            </a:endParaRPr>
-          </a:p>
-        </p:txBody>
-      </p:sp>
-      <p:sp>
-        <p:nvSpPr>
-          <p:cNvPr id="224" name="テキスト ボックス 10"/>
-          <p:cNvSpPr/>
-          <p:nvPr/>
-        </p:nvSpPr>
-        <p:spPr>
-          <a:xfrm>
-            <a:off x="718920" y="2965680"/>
-            <a:ext cx="10442160" cy="333000"/>
-          </a:xfrm>
-          <a:prstGeom prst="rect">
-            <a:avLst/>
-          </a:prstGeom>
-          <a:noFill/>
-          <a:ln w="0">
-            <a:noFill/>
-          </a:ln>
-        </p:spPr>
-        <p:style>
-          <a:lnRef idx="0">
-            <a:scrgbClr r="0" g="0" b="0"/>
-          </a:lnRef>
-          <a:fillRef idx="0">
-            <a:scrgbClr r="0" g="0" b="0"/>
-          </a:fillRef>
-          <a:effectRef idx="0">
-            <a:scrgbClr r="0" g="0" b="0"/>
-          </a:effectRef>
-          <a:fontRef idx="minor"/>
-        </p:style>
-        <p:txBody>
-          <a:bodyPr lIns="90000" tIns="45000" rIns="90000" bIns="45000" anchor="t">
-            <a:spAutoFit/>
-          </a:bodyPr>
-          <a:lstStyle/>
-          <a:p>
-            <a:pPr>
-              <a:lnSpc>
-                <a:spcPct val="100000"/>
-              </a:lnSpc>
-            </a:pPr>
-            <a:r>
-              <a:rPr lang="ja-JP" sz="1600" b="1" strike="noStrike" spc="-1">
-                <a:solidFill>
-                  <a:srgbClr val="000000"/>
-                </a:solidFill>
-                <a:latin typeface="Arial"/>
-                <a:ea typeface="Arial"/>
-              </a:rPr>
-              <a:t>アパート名　</a:t>
-            </a:r>
-            <a:r>
-              <a:rPr lang="en-US" sz="1600" b="1" strike="noStrike" spc="-1">
-                <a:solidFill>
-                  <a:srgbClr val="000000"/>
-                </a:solidFill>
-                <a:latin typeface="Arial"/>
-                <a:ea typeface="Arial"/>
-              </a:rPr>
-              <a:t>ID</a:t>
-            </a:r>
-            <a:r>
-              <a:rPr lang="ja-JP" sz="1600" b="1" strike="noStrike" spc="-1">
-                <a:solidFill>
-                  <a:srgbClr val="000000"/>
-                </a:solidFill>
-                <a:latin typeface="Arial"/>
-                <a:ea typeface="Arial"/>
-              </a:rPr>
-              <a:t>　建設日　　　　　住所　　　　　　　　　　　　　・・・　　　　　　　　　　　　</a:t>
-            </a:r>
-            <a:endParaRPr lang="en-US" sz="1600" b="0" strike="noStrike" spc="-1">
-              <a:solidFill>
-                <a:srgbClr val="000000"/>
-              </a:solidFill>
-              <a:latin typeface="Arial"/>
-            </a:endParaRPr>
-          </a:p>
-        </p:txBody>
-      </p:sp>
-      <p:cxnSp>
-        <p:nvCxnSpPr>
-          <p:cNvPr id="225" name="直線コネクタ 12"/>
-          <p:cNvCxnSpPr/>
-          <p:nvPr/>
-        </p:nvCxnSpPr>
-        <p:spPr>
-          <a:xfrm>
-            <a:off x="761760" y="3429000"/>
-            <a:ext cx="10721160" cy="2160"/>
-          </a:xfrm>
-          <a:prstGeom prst="straightConnector1">
-            <a:avLst/>
-          </a:prstGeom>
-          <a:ln w="0">
-            <a:solidFill>
-              <a:srgbClr val="000000"/>
-            </a:solidFill>
-          </a:ln>
-        </p:spPr>
-      </p:cxnSp>
-      <p:cxnSp>
-        <p:nvCxnSpPr>
-          <p:cNvPr id="226" name="直線コネクタ 20"/>
-          <p:cNvCxnSpPr/>
-          <p:nvPr/>
-        </p:nvCxnSpPr>
-        <p:spPr>
-          <a:xfrm>
-            <a:off x="718560" y="4017960"/>
-            <a:ext cx="10721160" cy="2160"/>
-          </a:xfrm>
-          <a:prstGeom prst="straightConnector1">
-            <a:avLst/>
-          </a:prstGeom>
-          <a:ln w="0">
-            <a:solidFill>
-              <a:srgbClr val="000000"/>
-            </a:solidFill>
-          </a:ln>
-        </p:spPr>
-      </p:cxnSp>
-      <p:sp>
-        <p:nvSpPr>
-          <p:cNvPr id="227" name="テキスト ボックス 22"/>
-          <p:cNvSpPr/>
-          <p:nvPr/>
-        </p:nvSpPr>
-        <p:spPr>
-          <a:xfrm>
-            <a:off x="718920" y="3537000"/>
-            <a:ext cx="6840360" cy="333000"/>
-          </a:xfrm>
-          <a:prstGeom prst="rect">
-            <a:avLst/>
-          </a:prstGeom>
-          <a:noFill/>
-          <a:ln w="0">
-            <a:noFill/>
-          </a:ln>
-        </p:spPr>
-        <p:style>
-          <a:lnRef idx="0">
-            <a:scrgbClr r="0" g="0" b="0"/>
-          </a:lnRef>
-          <a:fillRef idx="0">
-            <a:scrgbClr r="0" g="0" b="0"/>
-          </a:fillRef>
-          <a:effectRef idx="0">
-            <a:scrgbClr r="0" g="0" b="0"/>
-          </a:effectRef>
-          <a:fontRef idx="minor"/>
-        </p:style>
-        <p:txBody>
-          <a:bodyPr lIns="90000" tIns="45000" rIns="90000" bIns="45000" anchor="t">
-            <a:spAutoFit/>
-          </a:bodyPr>
-          <a:lstStyle/>
-          <a:p>
-            <a:pPr>
-              <a:lnSpc>
-                <a:spcPct val="100000"/>
-              </a:lnSpc>
-            </a:pPr>
-            <a:r>
-              <a:rPr lang="ja-JP" sz="1600" b="1" strike="noStrike" spc="-1">
-                <a:solidFill>
-                  <a:srgbClr val="000000"/>
-                </a:solidFill>
-                <a:latin typeface="Arial"/>
-                <a:ea typeface="Arial"/>
-              </a:rPr>
-              <a:t>レオパレス　</a:t>
-            </a:r>
-            <a:r>
-              <a:rPr lang="en-US" sz="1600" b="1" strike="noStrike" spc="-1">
-                <a:solidFill>
-                  <a:srgbClr val="000000"/>
-                </a:solidFill>
-                <a:latin typeface="Arial"/>
-                <a:ea typeface="Arial"/>
-              </a:rPr>
-              <a:t>1</a:t>
-            </a:r>
-            <a:r>
-              <a:rPr lang="ja-JP" sz="1600" b="1" strike="noStrike" spc="-1">
-                <a:solidFill>
-                  <a:srgbClr val="000000"/>
-                </a:solidFill>
-                <a:latin typeface="Arial"/>
-                <a:ea typeface="Arial"/>
-              </a:rPr>
-              <a:t>　</a:t>
-            </a:r>
-            <a:r>
-              <a:rPr lang="en-US" sz="1600" b="1" strike="noStrike" spc="-1">
-                <a:solidFill>
-                  <a:srgbClr val="000000"/>
-                </a:solidFill>
-                <a:latin typeface="Arial"/>
-                <a:ea typeface="Arial"/>
-              </a:rPr>
-              <a:t>2001</a:t>
-            </a:r>
-            <a:r>
-              <a:rPr lang="ja-JP" sz="1600" b="1" strike="noStrike" spc="-1">
-                <a:solidFill>
-                  <a:srgbClr val="000000"/>
-                </a:solidFill>
-                <a:latin typeface="Arial"/>
-                <a:ea typeface="Arial"/>
-              </a:rPr>
-              <a:t>年</a:t>
-            </a:r>
-            <a:r>
-              <a:rPr lang="en-US" sz="1600" b="1" strike="noStrike" spc="-1">
-                <a:solidFill>
-                  <a:srgbClr val="000000"/>
-                </a:solidFill>
-                <a:latin typeface="Arial"/>
-                <a:ea typeface="Arial"/>
-              </a:rPr>
-              <a:t>9</a:t>
-            </a:r>
-            <a:r>
-              <a:rPr lang="ja-JP" sz="1600" b="1" strike="noStrike" spc="-1">
-                <a:solidFill>
-                  <a:srgbClr val="000000"/>
-                </a:solidFill>
-                <a:latin typeface="Arial"/>
-                <a:ea typeface="Arial"/>
-              </a:rPr>
-              <a:t>月</a:t>
-            </a:r>
-            <a:r>
-              <a:rPr lang="en-US" sz="1600" b="1" strike="noStrike" spc="-1">
-                <a:solidFill>
-                  <a:srgbClr val="000000"/>
-                </a:solidFill>
-                <a:latin typeface="Arial"/>
-                <a:ea typeface="Arial"/>
-              </a:rPr>
-              <a:t>19</a:t>
-            </a:r>
-            <a:r>
-              <a:rPr lang="ja-JP" sz="1600" b="1" strike="noStrike" spc="-1">
-                <a:solidFill>
-                  <a:srgbClr val="000000"/>
-                </a:solidFill>
-                <a:latin typeface="Arial"/>
-                <a:ea typeface="Arial"/>
-              </a:rPr>
-              <a:t>日  　東京都杉並区中野</a:t>
-            </a:r>
-            <a:r>
-              <a:rPr lang="en-US" sz="1600" b="1" strike="noStrike" spc="-1">
-                <a:solidFill>
-                  <a:srgbClr val="000000"/>
-                </a:solidFill>
-                <a:latin typeface="Arial"/>
-                <a:ea typeface="Arial"/>
-              </a:rPr>
-              <a:t>1</a:t>
-            </a:r>
-            <a:r>
-              <a:rPr lang="ja-JP" sz="1600" b="1" strike="noStrike" spc="-1">
-                <a:solidFill>
-                  <a:srgbClr val="000000"/>
-                </a:solidFill>
-                <a:latin typeface="Arial"/>
-                <a:ea typeface="Arial"/>
-              </a:rPr>
-              <a:t>番地</a:t>
-            </a:r>
-            <a:r>
-              <a:rPr lang="en-US" sz="1600" b="1" strike="noStrike" spc="-1">
-                <a:solidFill>
-                  <a:srgbClr val="000000"/>
-                </a:solidFill>
-                <a:latin typeface="Arial"/>
-                <a:ea typeface="Arial"/>
-              </a:rPr>
-              <a:t>1</a:t>
-            </a:r>
-            <a:r>
-              <a:rPr lang="ja-JP" sz="1600" b="1" strike="noStrike" spc="-1">
-                <a:solidFill>
-                  <a:srgbClr val="000000"/>
-                </a:solidFill>
-                <a:latin typeface="Arial"/>
-                <a:ea typeface="Arial"/>
-              </a:rPr>
-              <a:t>号　　　・・・</a:t>
-            </a:r>
-            <a:endParaRPr lang="en-US" sz="1600" b="0" strike="noStrike" spc="-1">
-              <a:solidFill>
-                <a:srgbClr val="000000"/>
-              </a:solidFill>
-              <a:latin typeface="Arial"/>
-            </a:endParaRPr>
-          </a:p>
-        </p:txBody>
-      </p:sp>
-      <p:cxnSp>
-        <p:nvCxnSpPr>
-          <p:cNvPr id="228" name="直線コネクタ 24"/>
-          <p:cNvCxnSpPr/>
-          <p:nvPr/>
-        </p:nvCxnSpPr>
-        <p:spPr>
-          <a:xfrm>
-            <a:off x="718560" y="4598280"/>
-            <a:ext cx="10721160" cy="2160"/>
-          </a:xfrm>
-          <a:prstGeom prst="straightConnector1">
-            <a:avLst/>
-          </a:prstGeom>
-          <a:ln w="0">
-            <a:solidFill>
-              <a:srgbClr val="000000"/>
-            </a:solidFill>
-          </a:ln>
-        </p:spPr>
-      </p:cxnSp>
-      <p:sp>
-        <p:nvSpPr>
-          <p:cNvPr id="229" name="テキスト ボックス 4"/>
-          <p:cNvSpPr/>
-          <p:nvPr/>
-        </p:nvSpPr>
-        <p:spPr>
-          <a:xfrm>
-            <a:off x="718920" y="4126320"/>
-            <a:ext cx="7020360" cy="333000"/>
-          </a:xfrm>
-          <a:prstGeom prst="rect">
-            <a:avLst/>
-          </a:prstGeom>
-          <a:noFill/>
-          <a:ln w="0">
-            <a:noFill/>
-          </a:ln>
-        </p:spPr>
-        <p:style>
-          <a:lnRef idx="0">
-            <a:scrgbClr r="0" g="0" b="0"/>
-          </a:lnRef>
-          <a:fillRef idx="0">
-            <a:scrgbClr r="0" g="0" b="0"/>
-          </a:fillRef>
-          <a:effectRef idx="0">
-            <a:scrgbClr r="0" g="0" b="0"/>
-          </a:effectRef>
-          <a:fontRef idx="minor"/>
-        </p:style>
-        <p:txBody>
-          <a:bodyPr lIns="90000" tIns="45000" rIns="90000" bIns="45000" anchor="t">
-            <a:spAutoFit/>
-          </a:bodyPr>
-          <a:lstStyle/>
-          <a:p>
-            <a:pPr>
-              <a:lnSpc>
-                <a:spcPct val="100000"/>
-              </a:lnSpc>
-            </a:pPr>
-            <a:r>
-              <a:rPr lang="ja-JP" sz="1600" b="1" strike="noStrike" spc="-1">
-                <a:solidFill>
-                  <a:srgbClr val="000000"/>
-                </a:solidFill>
-                <a:latin typeface="Arial"/>
-                <a:ea typeface="Arial"/>
-              </a:rPr>
-              <a:t>ときわ壮 　</a:t>
-            </a:r>
-            <a:r>
-              <a:rPr lang="en-US" sz="1600" b="1" strike="noStrike" spc="-1">
-                <a:solidFill>
-                  <a:srgbClr val="000000"/>
-                </a:solidFill>
-                <a:latin typeface="Arial"/>
-                <a:ea typeface="Arial"/>
-              </a:rPr>
-              <a:t>2</a:t>
-            </a:r>
-            <a:r>
-              <a:rPr lang="ja-JP" sz="1600" b="1" strike="noStrike" spc="-1">
-                <a:solidFill>
-                  <a:srgbClr val="000000"/>
-                </a:solidFill>
-                <a:latin typeface="Arial"/>
-                <a:ea typeface="Arial"/>
-              </a:rPr>
-              <a:t>　</a:t>
-            </a:r>
-            <a:r>
-              <a:rPr lang="en-US" sz="1600" b="1" strike="noStrike" spc="-1">
-                <a:solidFill>
-                  <a:srgbClr val="000000"/>
-                </a:solidFill>
-                <a:latin typeface="Arial"/>
-                <a:ea typeface="Arial"/>
-              </a:rPr>
-              <a:t>2002</a:t>
-            </a:r>
-            <a:r>
-              <a:rPr lang="ja-JP" sz="1600" b="1" strike="noStrike" spc="-1">
-                <a:solidFill>
-                  <a:srgbClr val="000000"/>
-                </a:solidFill>
-                <a:latin typeface="Arial"/>
-                <a:ea typeface="Arial"/>
-              </a:rPr>
-              <a:t>年</a:t>
-            </a:r>
-            <a:r>
-              <a:rPr lang="en-US" sz="1600" b="1" strike="noStrike" spc="-1">
-                <a:solidFill>
-                  <a:srgbClr val="000000"/>
-                </a:solidFill>
-                <a:latin typeface="Arial"/>
-                <a:ea typeface="Arial"/>
-              </a:rPr>
-              <a:t>10</a:t>
-            </a:r>
-            <a:r>
-              <a:rPr lang="ja-JP" sz="1600" b="1" strike="noStrike" spc="-1">
-                <a:solidFill>
-                  <a:srgbClr val="000000"/>
-                </a:solidFill>
-                <a:latin typeface="Arial"/>
-                <a:ea typeface="Arial"/>
-              </a:rPr>
-              <a:t>月</a:t>
-            </a:r>
-            <a:r>
-              <a:rPr lang="en-US" sz="1600" b="1" strike="noStrike" spc="-1">
-                <a:solidFill>
-                  <a:srgbClr val="000000"/>
-                </a:solidFill>
-                <a:latin typeface="Arial"/>
-                <a:ea typeface="Arial"/>
-              </a:rPr>
-              <a:t>19</a:t>
-            </a:r>
-            <a:r>
-              <a:rPr lang="ja-JP" sz="1600" b="1" strike="noStrike" spc="-1">
-                <a:solidFill>
-                  <a:srgbClr val="000000"/>
-                </a:solidFill>
-                <a:latin typeface="Arial"/>
-                <a:ea typeface="Arial"/>
-              </a:rPr>
-              <a:t>日　東京都杉並区荻窪</a:t>
-            </a:r>
-            <a:r>
-              <a:rPr lang="en-US" sz="1600" b="1" strike="noStrike" spc="-1">
-                <a:solidFill>
-                  <a:srgbClr val="000000"/>
-                </a:solidFill>
-                <a:latin typeface="Arial"/>
-                <a:ea typeface="Arial"/>
-              </a:rPr>
-              <a:t>1</a:t>
-            </a:r>
-            <a:r>
-              <a:rPr lang="ja-JP" sz="1600" b="1" strike="noStrike" spc="-1">
-                <a:solidFill>
-                  <a:srgbClr val="000000"/>
-                </a:solidFill>
-                <a:latin typeface="Arial"/>
-                <a:ea typeface="Arial"/>
-              </a:rPr>
-              <a:t>番地</a:t>
-            </a:r>
-            <a:r>
-              <a:rPr lang="en-US" sz="1600" b="1" strike="noStrike" spc="-1">
-                <a:solidFill>
-                  <a:srgbClr val="000000"/>
-                </a:solidFill>
-                <a:latin typeface="Arial"/>
-                <a:ea typeface="Arial"/>
-              </a:rPr>
-              <a:t>1</a:t>
-            </a:r>
-            <a:r>
-              <a:rPr lang="ja-JP" sz="1600" b="1" strike="noStrike" spc="-1">
-                <a:solidFill>
-                  <a:srgbClr val="000000"/>
-                </a:solidFill>
-                <a:latin typeface="Arial"/>
-                <a:ea typeface="Arial"/>
-              </a:rPr>
-              <a:t>号　　　・・・</a:t>
-            </a:r>
-            <a:endParaRPr lang="en-US" sz="1600" b="0" strike="noStrike" spc="-1">
-              <a:solidFill>
-                <a:srgbClr val="000000"/>
-              </a:solidFill>
-              <a:latin typeface="Arial"/>
-            </a:endParaRPr>
-          </a:p>
-        </p:txBody>
-      </p:sp>
-      <p:sp>
-        <p:nvSpPr>
-          <p:cNvPr id="230" name="正方形/長方形 5"/>
-          <p:cNvSpPr/>
-          <p:nvPr/>
-        </p:nvSpPr>
-        <p:spPr>
-          <a:xfrm>
-            <a:off x="9703800" y="4140720"/>
-            <a:ext cx="707760" cy="289080"/>
-          </a:xfrm>
-          <a:prstGeom prst="rect">
-            <a:avLst/>
-          </a:prstGeom>
-          <a:solidFill>
-            <a:srgbClr val="A9D4DB"/>
-          </a:solidFill>
-          <a:ln>
-            <a:solidFill>
-              <a:srgbClr val="4A5C5F"/>
-            </a:solidFill>
-            <a:round/>
-          </a:ln>
-        </p:spPr>
-        <p:style>
-          <a:lnRef idx="2">
-            <a:schemeClr val="accent1">
-              <a:shade val="15000"/>
-            </a:schemeClr>
-          </a:lnRef>
-          <a:fillRef idx="1">
-            <a:schemeClr val="accent1"/>
-          </a:fillRef>
-          <a:effectRef idx="0">
-            <a:schemeClr val="accent1"/>
-          </a:effectRef>
-          <a:fontRef idx="minor"/>
-        </p:style>
-        <p:txBody>
-          <a:bodyPr lIns="90000" tIns="45000" rIns="90000" bIns="45000" anchor="ctr">
-            <a:noAutofit/>
-          </a:bodyPr>
-          <a:lstStyle/>
-          <a:p>
-            <a:pPr algn="ctr">
-              <a:lnSpc>
-                <a:spcPct val="100000"/>
-              </a:lnSpc>
-            </a:pPr>
-            <a:r>
-              <a:rPr lang="ja-JP" sz="1400" b="1" strike="noStrike" spc="-1">
-                <a:solidFill>
-                  <a:srgbClr val="000000"/>
-                </a:solidFill>
-                <a:latin typeface="Arial"/>
-                <a:ea typeface="Arial"/>
-              </a:rPr>
-              <a:t>編集</a:t>
-            </a:r>
-            <a:endParaRPr lang="en-US" sz="1400" b="0" strike="noStrike" spc="-1">
-              <a:solidFill>
-                <a:srgbClr val="000000"/>
-              </a:solidFill>
-              <a:latin typeface="Arial"/>
-            </a:endParaRPr>
-          </a:p>
-        </p:txBody>
-      </p:sp>
-      <p:sp>
-        <p:nvSpPr>
-          <p:cNvPr id="231" name="正方形/長方形 7"/>
-          <p:cNvSpPr/>
-          <p:nvPr/>
-        </p:nvSpPr>
-        <p:spPr>
-          <a:xfrm>
-            <a:off x="10576440" y="4147920"/>
-            <a:ext cx="943920" cy="280440"/>
-          </a:xfrm>
-          <a:prstGeom prst="rect">
-            <a:avLst/>
-          </a:prstGeom>
-          <a:solidFill>
-            <a:srgbClr val="A9D4DB"/>
-          </a:solidFill>
-          <a:ln>
-            <a:solidFill>
-              <a:srgbClr val="4A5C5F"/>
-            </a:solidFill>
-            <a:round/>
-          </a:ln>
-        </p:spPr>
-        <p:style>
-          <a:lnRef idx="2">
-            <a:schemeClr val="accent1">
-              <a:shade val="15000"/>
-            </a:schemeClr>
-          </a:lnRef>
-          <a:fillRef idx="1">
-            <a:schemeClr val="accent1"/>
-          </a:fillRef>
-          <a:effectRef idx="0">
-            <a:schemeClr val="accent1"/>
-          </a:effectRef>
-          <a:fontRef idx="minor"/>
-        </p:style>
-        <p:txBody>
-          <a:bodyPr lIns="90000" tIns="45000" rIns="90000" bIns="45000" anchor="ctr">
-            <a:noAutofit/>
-          </a:bodyPr>
-          <a:lstStyle/>
-          <a:p>
-            <a:pPr algn="ctr">
-              <a:lnSpc>
-                <a:spcPct val="100000"/>
-              </a:lnSpc>
-            </a:pPr>
-            <a:r>
-              <a:rPr lang="ja-JP" sz="1400" b="1" strike="noStrike" spc="-1">
-                <a:solidFill>
-                  <a:srgbClr val="000000"/>
-                </a:solidFill>
-                <a:latin typeface="Arial"/>
-                <a:ea typeface="Arial"/>
-              </a:rPr>
-              <a:t>部屋一覧</a:t>
-            </a:r>
-            <a:endParaRPr lang="en-US" sz="1400" b="0" strike="noStrike" spc="-1">
-              <a:solidFill>
-                <a:srgbClr val="000000"/>
-              </a:solidFill>
-              <a:latin typeface="Arial"/>
-            </a:endParaRPr>
-          </a:p>
-        </p:txBody>
-      </p:sp>
-      <p:sp>
-        <p:nvSpPr>
-          <p:cNvPr id="232" name="正方形/長方形 8"/>
-          <p:cNvSpPr/>
-          <p:nvPr/>
-        </p:nvSpPr>
-        <p:spPr>
-          <a:xfrm>
-            <a:off x="10576440" y="3619800"/>
-            <a:ext cx="943920" cy="280440"/>
-          </a:xfrm>
-          <a:prstGeom prst="rect">
-            <a:avLst/>
-          </a:prstGeom>
-          <a:solidFill>
-            <a:srgbClr val="A9D4DB"/>
-          </a:solidFill>
-          <a:ln>
-            <a:solidFill>
-              <a:srgbClr val="4A5C5F"/>
-            </a:solidFill>
-            <a:round/>
-          </a:ln>
-        </p:spPr>
-        <p:style>
-          <a:lnRef idx="2">
-            <a:schemeClr val="accent1">
-              <a:shade val="15000"/>
-            </a:schemeClr>
-          </a:lnRef>
-          <a:fillRef idx="1">
-            <a:schemeClr val="accent1"/>
-          </a:fillRef>
-          <a:effectRef idx="0">
-            <a:schemeClr val="accent1"/>
-          </a:effectRef>
-          <a:fontRef idx="minor"/>
-        </p:style>
-        <p:txBody>
-          <a:bodyPr lIns="90000" tIns="45000" rIns="90000" bIns="45000" anchor="ctr">
-            <a:noAutofit/>
-          </a:bodyPr>
-          <a:lstStyle/>
-          <a:p>
-            <a:pPr algn="ctr">
-              <a:lnSpc>
-                <a:spcPct val="100000"/>
-              </a:lnSpc>
-            </a:pPr>
-            <a:r>
-              <a:rPr lang="ja-JP" sz="1400" b="1" strike="noStrike" spc="-1">
-                <a:solidFill>
-                  <a:srgbClr val="000000"/>
-                </a:solidFill>
-                <a:latin typeface="Arial"/>
-                <a:ea typeface="Arial"/>
-              </a:rPr>
-              <a:t>部屋一覧</a:t>
-            </a:r>
-            <a:endParaRPr lang="en-US" sz="1400" b="0" strike="noStrike" spc="-1">
-              <a:solidFill>
-                <a:srgbClr val="000000"/>
-              </a:solidFill>
-              <a:latin typeface="Arial"/>
-            </a:endParaRPr>
+              <a:spcBef>
+                <a:spcPct val="0"/>
+              </a:spcBef>
+              <a:buNone/>
+              <a:defRPr kumimoji="1" sz="4400" kern="1200">
+                <a:solidFill>
+                  <a:schemeClr val="tx1"/>
+                </a:solidFill>
+                <a:latin typeface="+mj-lt"/>
+                <a:ea typeface="+mj-ea"/>
+                <a:cs typeface="+mj-cs"/>
+              </a:defRPr>
+            </a:lvl1pPr>
+          </a:lstStyle>
+          <a:p>
+            <a:r>
+              <a:rPr lang="ja-JP" altLang="en-US" sz="2800" dirty="0"/>
+              <a:t>物件詳細画面</a:t>
+            </a:r>
+            <a:endParaRPr lang="en-US" sz="2800" dirty="0"/>
           </a:p>
         </p:txBody>
       </p:sp>
@@ -16573,63 +15676,6 @@
       </p:grpSpPr>
       <p:sp>
         <p:nvSpPr>
-          <p:cNvPr id="233" name="PlaceHolder 1"/>
-          <p:cNvSpPr>
-            <a:spLocks noGrp="1"/>
-          </p:cNvSpPr>
-          <p:nvPr>
-            <p:ph type="title"/>
-          </p:nvPr>
-        </p:nvSpPr>
-        <p:spPr>
-          <a:xfrm>
-            <a:off x="1028880" y="272520"/>
-            <a:ext cx="8497080" cy="643320"/>
-          </a:xfrm>
-          <a:prstGeom prst="rect">
-            <a:avLst/>
-          </a:prstGeom>
-          <a:noFill/>
-          <a:ln w="0">
-            <a:noFill/>
-          </a:ln>
-        </p:spPr>
-        <p:txBody>
-          <a:bodyPr lIns="0" tIns="0" rIns="0" bIns="0" anchor="b">
-            <a:noAutofit/>
-          </a:bodyPr>
-          <a:lstStyle/>
-          <a:p>
-            <a:pPr indent="0">
-              <a:lnSpc>
-                <a:spcPct val="90000"/>
-              </a:lnSpc>
-              <a:buNone/>
-              <a:tabLst>
-                <a:tab pos="0" algn="l"/>
-              </a:tabLst>
-            </a:pPr>
-            <a:r>
-              <a:rPr lang="ja-JP" sz="4900" b="1" strike="noStrike" spc="-1">
-                <a:solidFill>
-                  <a:schemeClr val="dk1"/>
-                </a:solidFill>
-                <a:latin typeface="Arial"/>
-                <a:ea typeface="Arial"/>
-              </a:rPr>
-              <a:t>部屋一覧（管理者）</a:t>
-            </a:r>
-            <a:endParaRPr lang="en-US" sz="4900" b="0" strike="noStrike" spc="-1">
-              <a:solidFill>
-                <a:srgbClr val="000000"/>
-              </a:solidFill>
-              <a:latin typeface="Arial"/>
-            </a:endParaRPr>
-          </a:p>
-        </p:txBody>
-      </p:sp>
-      <p:sp>
-        <p:nvSpPr>
           <p:cNvPr id="234" name="正方形/長方形 3"/>
           <p:cNvSpPr/>
           <p:nvPr/>
@@ -16767,7 +15813,7 @@
         <p:spPr>
           <a:xfrm>
             <a:off x="805320" y="1530360"/>
-            <a:ext cx="6293520" cy="516240"/>
+            <a:ext cx="6293520" cy="521766"/>
           </a:xfrm>
           <a:prstGeom prst="rect">
             <a:avLst/>
@@ -16801,16 +15847,36 @@
               </a:lnSpc>
             </a:pPr>
             <a:r>
-              <a:rPr lang="ja-JP" sz="2800" b="1" strike="noStrike" spc="-1">
+              <a:rPr lang="ja-JP" sz="2800" b="1" strike="noStrike" spc="-1" dirty="0">
                 <a:solidFill>
                   <a:srgbClr val="000000"/>
                 </a:solidFill>
                 <a:latin typeface="Arial"/>
                 <a:ea typeface="Arial"/>
               </a:rPr>
-              <a:t>レオパレス 部屋一覧</a:t>
-            </a:r>
-            <a:endParaRPr lang="en-US" sz="2800" b="0" strike="noStrike" spc="-1">
+              <a:t>レオパレス</a:t>
+            </a:r>
+            <a:r>
+              <a:rPr lang="ja-JP" altLang="en-US" sz="2800" b="1" spc="-1" dirty="0">
+                <a:solidFill>
+                  <a:srgbClr val="000000"/>
+                </a:solidFill>
+                <a:latin typeface="Arial"/>
+                <a:ea typeface="Arial"/>
+              </a:rPr>
+              <a:t>荻窪</a:t>
+            </a:r>
+            <a:r>
+              <a:rPr lang="ja-JP" sz="2800" b="1" strike="noStrike" spc="-1" dirty="0">
+                <a:solidFill>
+                  <a:srgbClr val="000000"/>
+                </a:solidFill>
+                <a:latin typeface="Arial"/>
+                <a:ea typeface="Arial"/>
+              </a:rPr>
+              <a:t> 部屋一覧</a:t>
+            </a:r>
+            <a:endParaRPr lang="en-US" sz="2800" b="0" strike="noStrike" spc="-1" dirty="0">
               <a:solidFill>
                 <a:srgbClr val="000000"/>
               </a:solidFill>
@@ -17450,6 +16516,59 @@
           </a:p>
         </p:txBody>
       </p:sp>
+      <p:sp>
+        <p:nvSpPr>
+          <p:cNvPr id="16" name="PlaceHolder 1">
+            <a:extLst>
+              <a:ext uri="{FF2B5EF4-FFF2-40B4-BE49-F238E27FC236}">
+                <a16:creationId xmlns:a16="http://schemas.microsoft.com/office/drawing/2014/main" id="{4D94A865-D726-4753-8DFD-692D2AF2E6B9}"/>
+              </a:ext>
+            </a:extLst>
+          </p:cNvPr>
+          <p:cNvSpPr txBox="1">
+            <a:spLocks/>
+          </p:cNvSpPr>
+          <p:nvPr/>
+        </p:nvSpPr>
+        <p:spPr>
+          <a:xfrm>
+            <a:off x="892963" y="664774"/>
+            <a:ext cx="3361877" cy="547491"/>
+          </a:xfrm>
+          <a:prstGeom prst="rect">
+            <a:avLst/>
+          </a:prstGeom>
+        </p:spPr>
+        <p:txBody>
+          <a:bodyPr/>
+          <a:lstStyle>
+            <a:lvl1pPr algn="l" defTabSz="914400" rtl="0" eaLnBrk="1" latinLnBrk="0" hangingPunct="1">
+              <a:lnSpc>
+                <a:spcPct val="90000"/>
+              </a:lnSpc>
+              <a:spcBef>
+                <a:spcPct val="0"/>
+              </a:spcBef>
+              <a:buNone/>
+              <a:defRPr kumimoji="1" sz="4400" kern="1200">
+                <a:solidFill>
+                  <a:schemeClr val="tx1"/>
+                </a:solidFill>
+                <a:latin typeface="+mj-lt"/>
+                <a:ea typeface="+mj-ea"/>
+                <a:cs typeface="+mj-cs"/>
+              </a:defRPr>
+            </a:lvl1pPr>
+          </a:lstStyle>
+          <a:p>
+            <a:r>
+              <a:rPr lang="ja-JP" altLang="en-US" sz="2800" dirty="0"/>
+              <a:t>部屋一覧画面</a:t>
+            </a:r>
+            <a:endParaRPr lang="en-US" sz="2800" dirty="0"/>
+          </a:p>
+        </p:txBody>
+      </p:sp>
     </p:spTree>
   </p:cSld>
   <p:clrMapOvr>
@@ -17461,19 +16580,6 @@
 <file path=ppt/slides/slide2.xml><?xml version="1.0" encoding="utf-8"?>
 <p:sld xmlns:a="http://schemas.openxmlformats.org/drawingml/2006/main" xmlns:r="http://schemas.openxmlformats.org/officeDocument/2006/relationships" xmlns:p="http://schemas.openxmlformats.org/presentationml/2006/main" showMasterSp="0">
   <p:cSld>
-    <p:bg>
-      <p:bgPr>
-        <a:pattFill prst="pct5">
-          <a:fgClr>
-            <a:schemeClr val="lt1"/>
-          </a:fgClr>
-          <a:bgClr>
-            <a:schemeClr val="bg1"/>
-          </a:bgClr>
-        </a:pattFill>
-        <a:effectLst/>
-      </p:bgPr>
-    </p:bg>
     <p:spTree>
       <p:nvGrpSpPr>
         <p:cNvPr id="1" name=""/>
@@ -17490,13 +16596,7 @@
       </p:grpSpPr>
       <p:sp>
         <p:nvSpPr>
-          <p:cNvPr id="7" name="タイトル 6">
-            <a:extLst>
-              <a:ext uri="{FF2B5EF4-FFF2-40B4-BE49-F238E27FC236}">
-                <a16:creationId xmlns:a16="http://schemas.microsoft.com/office/drawing/2014/main" id="{AE0789F7-6677-41CD-B422-A5AA319E3475}"/>
-              </a:ext>
-            </a:extLst>
-          </p:cNvPr>
+          <p:cNvPr id="90" name="PlaceHolder 1"/>
           <p:cNvSpPr>
             <a:spLocks noGrp="1"/>
           </p:cNvSpPr>
@@ -17506,8 +16606,8 @@
         </p:nvSpPr>
         <p:spPr>
           <a:xfrm>
-            <a:off x="4861740" y="2284200"/>
-            <a:ext cx="3002100" cy="1144800"/>
+            <a:off x="4465200" y="273600"/>
+            <a:ext cx="2910960" cy="824760"/>
           </a:xfrm>
         </p:spPr>
         <p:txBody>
@@ -17515,19 +16615,175 @@
           <a:lstStyle/>
           <a:p>
             <a:r>
-              <a:rPr lang="ja-JP" altLang="en-US" sz="4800" dirty="0"/>
-              <a:t>全体概要</a:t>
-            </a:r>
-            <a:endParaRPr kumimoji="1" lang="ja-JP" altLang="en-US" sz="4800" dirty="0"/>
+              <a:rPr lang="ja-JP" altLang="ja-JP" sz="3600" dirty="0"/>
+              <a:t>背景</a:t>
+            </a:r>
+            <a:r>
+              <a:rPr lang="ja-JP" altLang="en-US" sz="3600" dirty="0"/>
+              <a:t>と目的</a:t>
+            </a:r>
+            <a:endParaRPr lang="en-US" sz="3600" dirty="0"/>
+          </a:p>
+        </p:txBody>
+      </p:sp>
+      <p:sp>
+        <p:nvSpPr>
+          <p:cNvPr id="11" name="テキスト ボックス 10">
+            <a:extLst>
+              <a:ext uri="{FF2B5EF4-FFF2-40B4-BE49-F238E27FC236}">
+                <a16:creationId xmlns:a16="http://schemas.microsoft.com/office/drawing/2014/main" id="{09073DB6-0E46-4BE7-84BB-D33A788047EA}"/>
+              </a:ext>
+            </a:extLst>
+          </p:cNvPr>
+          <p:cNvSpPr txBox="1"/>
+          <p:nvPr/>
+        </p:nvSpPr>
+        <p:spPr>
+          <a:xfrm>
+            <a:off x="655200" y="3960665"/>
+            <a:ext cx="9006840" cy="646331"/>
+          </a:xfrm>
+          <a:prstGeom prst="rect">
+            <a:avLst/>
+          </a:prstGeom>
+          <a:noFill/>
+        </p:spPr>
+        <p:txBody>
+          <a:bodyPr wrap="square" rtlCol="0">
+            <a:spAutoFit/>
+          </a:bodyPr>
+          <a:lstStyle/>
+          <a:p>
+            <a:r>
+              <a:rPr kumimoji="1" lang="ja-JP" altLang="en-US" sz="3600" dirty="0"/>
+              <a:t>■目的</a:t>
+            </a:r>
+          </a:p>
+        </p:txBody>
+      </p:sp>
+      <p:sp>
+        <p:nvSpPr>
+          <p:cNvPr id="13" name="テキスト ボックス 12">
+            <a:extLst>
+              <a:ext uri="{FF2B5EF4-FFF2-40B4-BE49-F238E27FC236}">
+                <a16:creationId xmlns:a16="http://schemas.microsoft.com/office/drawing/2014/main" id="{D2E286C5-10ED-4D9D-8B98-7482F3B029C6}"/>
+              </a:ext>
+            </a:extLst>
+          </p:cNvPr>
+          <p:cNvSpPr txBox="1"/>
+          <p:nvPr/>
+        </p:nvSpPr>
+        <p:spPr>
+          <a:xfrm>
+            <a:off x="655200" y="4606996"/>
+            <a:ext cx="10256520" cy="954107"/>
+          </a:xfrm>
+          <a:prstGeom prst="rect">
+            <a:avLst/>
+          </a:prstGeom>
+          <a:noFill/>
+        </p:spPr>
+        <p:txBody>
+          <a:bodyPr wrap="square" rtlCol="0">
+            <a:spAutoFit/>
+          </a:bodyPr>
+          <a:lstStyle/>
+          <a:p>
+            <a:r>
+              <a:rPr kumimoji="1" lang="ja-JP" altLang="en-US" sz="2800" dirty="0"/>
+              <a:t>　自社</a:t>
+            </a:r>
+            <a:r>
+              <a:rPr kumimoji="1" lang="en-US" altLang="ja-JP" sz="2800" dirty="0"/>
+              <a:t>Web</a:t>
+            </a:r>
+            <a:r>
+              <a:rPr kumimoji="1" lang="ja-JP" altLang="en-US" sz="2800" dirty="0"/>
+              <a:t>サイトを作成し顧客との直接の契約をすることにより利益・契約の獲得を図る</a:t>
+            </a:r>
+            <a:endParaRPr kumimoji="1" lang="en-US" altLang="ja-JP" sz="2800" dirty="0"/>
+          </a:p>
+        </p:txBody>
+      </p:sp>
+      <p:sp>
+        <p:nvSpPr>
+          <p:cNvPr id="16" name="テキスト ボックス 15">
+            <a:extLst>
+              <a:ext uri="{FF2B5EF4-FFF2-40B4-BE49-F238E27FC236}">
+                <a16:creationId xmlns:a16="http://schemas.microsoft.com/office/drawing/2014/main" id="{084E8F04-63BA-4FBF-A226-28D98908541A}"/>
+              </a:ext>
+            </a:extLst>
+          </p:cNvPr>
+          <p:cNvSpPr txBox="1"/>
+          <p:nvPr/>
+        </p:nvSpPr>
+        <p:spPr>
+          <a:xfrm>
+            <a:off x="655200" y="1376843"/>
+            <a:ext cx="9006840" cy="646331"/>
+          </a:xfrm>
+          <a:prstGeom prst="rect">
+            <a:avLst/>
+          </a:prstGeom>
+          <a:noFill/>
+        </p:spPr>
+        <p:txBody>
+          <a:bodyPr wrap="square" rtlCol="0">
+            <a:spAutoFit/>
+          </a:bodyPr>
+          <a:lstStyle/>
+          <a:p>
+            <a:r>
+              <a:rPr kumimoji="1" lang="ja-JP" altLang="en-US" sz="3600" dirty="0"/>
+              <a:t>■背景</a:t>
+            </a:r>
+          </a:p>
+        </p:txBody>
+      </p:sp>
+      <p:sp>
+        <p:nvSpPr>
+          <p:cNvPr id="17" name="テキスト ボックス 16">
+            <a:extLst>
+              <a:ext uri="{FF2B5EF4-FFF2-40B4-BE49-F238E27FC236}">
+                <a16:creationId xmlns:a16="http://schemas.microsoft.com/office/drawing/2014/main" id="{ECB407C7-0FB4-48F1-92AF-4D24B024C1B1}"/>
+              </a:ext>
+            </a:extLst>
+          </p:cNvPr>
+          <p:cNvSpPr txBox="1"/>
+          <p:nvPr/>
+        </p:nvSpPr>
+        <p:spPr>
+          <a:xfrm>
+            <a:off x="792420" y="2044005"/>
+            <a:ext cx="10256520" cy="2246769"/>
+          </a:xfrm>
+          <a:prstGeom prst="rect">
+            <a:avLst/>
+          </a:prstGeom>
+          <a:noFill/>
+        </p:spPr>
+        <p:txBody>
+          <a:bodyPr wrap="square" rtlCol="0">
+            <a:spAutoFit/>
+          </a:bodyPr>
+          <a:lstStyle/>
+          <a:p>
+            <a:r>
+              <a:rPr lang="ja-JP" altLang="en-US" sz="2800" dirty="0"/>
+              <a:t>　今までは、物件を大手仲介業者を介して顧客へ紹介・契約を行っていたが、仲介業者へ仲介料を支払う必要があり、また、仲介業者も自社物件を取り扱っているため、顧客にそちらを優先的に紹介されてしまう。</a:t>
+            </a:r>
+            <a:endParaRPr lang="en-US" altLang="ja-JP" sz="2800" dirty="0"/>
+          </a:p>
+          <a:p>
+            <a:pPr marL="285750" indent="-285750">
+              <a:buFont typeface="Arial" panose="020B0604020202020204" pitchFamily="34" charset="0"/>
+              <a:buChar char="•"/>
+            </a:pPr>
+            <a:endParaRPr lang="en-US" altLang="ja-JP" sz="2800" dirty="0"/>
           </a:p>
         </p:txBody>
       </p:sp>
     </p:spTree>
-    <p:extLst>
-      <p:ext uri="{BB962C8B-B14F-4D97-AF65-F5344CB8AC3E}">
-        <p14:creationId xmlns:p14="http://schemas.microsoft.com/office/powerpoint/2010/main" val="1135279515"/>
-      </p:ext>
-    </p:extLst>
   </p:cSld>
   <p:clrMapOvr>
     <a:masterClrMapping/>
@@ -17552,9 +16808,15 @@
           <a:chExt cx="0" cy="0"/>
         </a:xfrm>
       </p:grpSpPr>
-      <p:sp>
-        <p:nvSpPr>
-          <p:cNvPr id="90" name="PlaceHolder 1"/>
+      <p:sp useBgFill="1">
+        <p:nvSpPr>
+          <p:cNvPr id="7" name="タイトル 6">
+            <a:extLst>
+              <a:ext uri="{FF2B5EF4-FFF2-40B4-BE49-F238E27FC236}">
+                <a16:creationId xmlns:a16="http://schemas.microsoft.com/office/drawing/2014/main" id="{AE0789F7-6677-41CD-B422-A5AA319E3475}"/>
+              </a:ext>
+            </a:extLst>
+          </p:cNvPr>
           <p:cNvSpPr>
             <a:spLocks noGrp="1"/>
           </p:cNvSpPr>
@@ -17564,8 +16826,8 @@
         </p:nvSpPr>
         <p:spPr>
           <a:xfrm>
-            <a:off x="4465200" y="273600"/>
-            <a:ext cx="2910960" cy="824760"/>
+            <a:off x="4861740" y="2284200"/>
+            <a:ext cx="3002100" cy="1144800"/>
           </a:xfrm>
         </p:spPr>
         <p:txBody>
@@ -17573,175 +16835,18 @@
           <a:lstStyle/>
           <a:p>
             <a:r>
-              <a:rPr lang="ja-JP" altLang="ja-JP" sz="3600" dirty="0"/>
-              <a:t>背景</a:t>
-            </a:r>
-            <a:r>
-              <a:rPr lang="ja-JP" altLang="en-US" sz="3600" dirty="0"/>
-              <a:t>と目的</a:t>
-            </a:r>
-            <a:endParaRPr lang="en-US" sz="3600" dirty="0"/>
-          </a:p>
-        </p:txBody>
-      </p:sp>
-      <p:sp>
-        <p:nvSpPr>
-          <p:cNvPr id="11" name="テキスト ボックス 10">
-            <a:extLst>
-              <a:ext uri="{FF2B5EF4-FFF2-40B4-BE49-F238E27FC236}">
-                <a16:creationId xmlns:a16="http://schemas.microsoft.com/office/drawing/2014/main" id="{09073DB6-0E46-4BE7-84BB-D33A788047EA}"/>
-              </a:ext>
-            </a:extLst>
-          </p:cNvPr>
-          <p:cNvSpPr txBox="1"/>
-          <p:nvPr/>
-        </p:nvSpPr>
-        <p:spPr>
-          <a:xfrm>
-            <a:off x="655200" y="3960665"/>
-            <a:ext cx="9006840" cy="646331"/>
-          </a:xfrm>
-          <a:prstGeom prst="rect">
-            <a:avLst/>
-          </a:prstGeom>
-          <a:noFill/>
-        </p:spPr>
-        <p:txBody>
-          <a:bodyPr wrap="square" rtlCol="0">
-            <a:spAutoFit/>
-          </a:bodyPr>
-          <a:lstStyle/>
-          <a:p>
-            <a:r>
-              <a:rPr kumimoji="1" lang="ja-JP" altLang="en-US" sz="3600" dirty="0"/>
-              <a:t>■目的</a:t>
-            </a:r>
-          </a:p>
-        </p:txBody>
-      </p:sp>
-      <p:sp>
-        <p:nvSpPr>
-          <p:cNvPr id="13" name="テキスト ボックス 12">
-            <a:extLst>
-              <a:ext uri="{FF2B5EF4-FFF2-40B4-BE49-F238E27FC236}">
-                <a16:creationId xmlns:a16="http://schemas.microsoft.com/office/drawing/2014/main" id="{D2E286C5-10ED-4D9D-8B98-7482F3B029C6}"/>
-              </a:ext>
-            </a:extLst>
-          </p:cNvPr>
-          <p:cNvSpPr txBox="1"/>
-          <p:nvPr/>
-        </p:nvSpPr>
-        <p:spPr>
-          <a:xfrm>
-            <a:off x="655200" y="4606996"/>
-            <a:ext cx="10256520" cy="954107"/>
-          </a:xfrm>
-          <a:prstGeom prst="rect">
-            <a:avLst/>
-          </a:prstGeom>
-          <a:noFill/>
-        </p:spPr>
-        <p:txBody>
-          <a:bodyPr wrap="square" rtlCol="0">
-            <a:spAutoFit/>
-          </a:bodyPr>
-          <a:lstStyle/>
-          <a:p>
-            <a:r>
-              <a:rPr kumimoji="1" lang="ja-JP" altLang="en-US" sz="2800" dirty="0"/>
-              <a:t>　自社</a:t>
-            </a:r>
-            <a:r>
-              <a:rPr kumimoji="1" lang="en-US" altLang="ja-JP" sz="2800" dirty="0"/>
-              <a:t>Web</a:t>
-            </a:r>
-            <a:r>
-              <a:rPr kumimoji="1" lang="ja-JP" altLang="en-US" sz="2800" dirty="0"/>
-              <a:t>サイトを作成し顧客との直接の契約をすることにより利益・契約の獲得を図る</a:t>
-            </a:r>
-            <a:endParaRPr kumimoji="1" lang="en-US" altLang="ja-JP" sz="2800" dirty="0"/>
-          </a:p>
-        </p:txBody>
-      </p:sp>
-      <p:sp>
-        <p:nvSpPr>
-          <p:cNvPr id="16" name="テキスト ボックス 15">
-            <a:extLst>
-              <a:ext uri="{FF2B5EF4-FFF2-40B4-BE49-F238E27FC236}">
-                <a16:creationId xmlns:a16="http://schemas.microsoft.com/office/drawing/2014/main" id="{084E8F04-63BA-4FBF-A226-28D98908541A}"/>
-              </a:ext>
-            </a:extLst>
-          </p:cNvPr>
-          <p:cNvSpPr txBox="1"/>
-          <p:nvPr/>
-        </p:nvSpPr>
-        <p:spPr>
-          <a:xfrm>
-            <a:off x="655200" y="1376843"/>
-            <a:ext cx="9006840" cy="646331"/>
-          </a:xfrm>
-          <a:prstGeom prst="rect">
-            <a:avLst/>
-          </a:prstGeom>
-          <a:noFill/>
-        </p:spPr>
-        <p:txBody>
-          <a:bodyPr wrap="square" rtlCol="0">
-            <a:spAutoFit/>
-          </a:bodyPr>
-          <a:lstStyle/>
-          <a:p>
-            <a:r>
-              <a:rPr kumimoji="1" lang="ja-JP" altLang="en-US" sz="3600" dirty="0"/>
-              <a:t>■背景</a:t>
-            </a:r>
-          </a:p>
-        </p:txBody>
-      </p:sp>
-      <p:sp>
-        <p:nvSpPr>
-          <p:cNvPr id="17" name="テキスト ボックス 16">
-            <a:extLst>
-              <a:ext uri="{FF2B5EF4-FFF2-40B4-BE49-F238E27FC236}">
-                <a16:creationId xmlns:a16="http://schemas.microsoft.com/office/drawing/2014/main" id="{ECB407C7-0FB4-48F1-92AF-4D24B024C1B1}"/>
-              </a:ext>
-            </a:extLst>
-          </p:cNvPr>
-          <p:cNvSpPr txBox="1"/>
-          <p:nvPr/>
-        </p:nvSpPr>
-        <p:spPr>
-          <a:xfrm>
-            <a:off x="792420" y="2044005"/>
-            <a:ext cx="10256520" cy="2246769"/>
-          </a:xfrm>
-          <a:prstGeom prst="rect">
-            <a:avLst/>
-          </a:prstGeom>
-          <a:noFill/>
-        </p:spPr>
-        <p:txBody>
-          <a:bodyPr wrap="square" rtlCol="0">
-            <a:spAutoFit/>
-          </a:bodyPr>
-          <a:lstStyle/>
-          <a:p>
-            <a:r>
-              <a:rPr lang="ja-JP" altLang="en-US" sz="2800" dirty="0"/>
-              <a:t>　今までは、物件を大手仲介業者を介して顧客へ紹介・契約を行っていたが、仲介業者へ仲介料を支払う必要があり、また、仲介業者も自社物件を取り扱っているため、顧客にそちらを優先的に紹介されてしまう。</a:t>
-            </a:r>
-            <a:endParaRPr lang="en-US" altLang="ja-JP" sz="2800" dirty="0"/>
-          </a:p>
-          <a:p>
-            <a:pPr marL="285750" indent="-285750">
-              <a:buFont typeface="Arial" panose="020B0604020202020204" pitchFamily="34" charset="0"/>
-              <a:buChar char="•"/>
-            </a:pPr>
-            <a:endParaRPr lang="en-US" altLang="ja-JP" sz="2800" dirty="0"/>
+              <a:rPr kumimoji="1" lang="ja-JP" altLang="en-US" sz="4800" dirty="0"/>
+              <a:t>機能要件</a:t>
+            </a:r>
           </a:p>
         </p:txBody>
       </p:sp>
     </p:spTree>
+    <p:extLst>
+      <p:ext uri="{BB962C8B-B14F-4D97-AF65-F5344CB8AC3E}">
+        <p14:creationId xmlns:p14="http://schemas.microsoft.com/office/powerpoint/2010/main" val="1776778486"/>
+      </p:ext>
+    </p:extLst>
   </p:cSld>
   <p:clrMapOvr>
     <a:masterClrMapping/>
@@ -17750,6 +16855,2096 @@
 </file>
 
 <file path=ppt/slides/slide4.xml><?xml version="1.0" encoding="utf-8"?>
+<p:sld xmlns:a="http://schemas.openxmlformats.org/drawingml/2006/main" xmlns:r="http://schemas.openxmlformats.org/officeDocument/2006/relationships" xmlns:p="http://schemas.openxmlformats.org/presentationml/2006/main" showMasterSp="0">
+  <p:cSld>
+    <p:spTree>
+      <p:nvGrpSpPr>
+        <p:cNvPr id="1" name=""/>
+        <p:cNvGrpSpPr/>
+        <p:nvPr/>
+      </p:nvGrpSpPr>
+      <p:grpSpPr>
+        <a:xfrm>
+          <a:off x="0" y="0"/>
+          <a:ext cx="0" cy="0"/>
+          <a:chOff x="0" y="0"/>
+          <a:chExt cx="0" cy="0"/>
+        </a:xfrm>
+      </p:grpSpPr>
+      <p:sp>
+        <p:nvSpPr>
+          <p:cNvPr id="90" name="PlaceHolder 1"/>
+          <p:cNvSpPr>
+            <a:spLocks noGrp="1"/>
+          </p:cNvSpPr>
+          <p:nvPr>
+            <p:ph type="title"/>
+          </p:nvPr>
+        </p:nvSpPr>
+        <p:spPr>
+          <a:xfrm>
+            <a:off x="2961270" y="339780"/>
+            <a:ext cx="6929490" cy="824760"/>
+          </a:xfrm>
+        </p:spPr>
+        <p:txBody>
+          <a:bodyPr/>
+          <a:lstStyle/>
+          <a:p>
+            <a:r>
+              <a:rPr lang="ja-JP" altLang="en-US" sz="3600" dirty="0"/>
+              <a:t>機能要件一覧 </a:t>
+            </a:r>
+            <a:r>
+              <a:rPr lang="en-US" altLang="ja-JP" sz="3600" dirty="0"/>
+              <a:t>–</a:t>
+            </a:r>
+            <a:r>
+              <a:rPr lang="ja-JP" altLang="en-US" sz="3600" dirty="0"/>
+              <a:t> フロント側機能</a:t>
+            </a:r>
+            <a:endParaRPr lang="en-US" sz="3600" dirty="0"/>
+          </a:p>
+        </p:txBody>
+      </p:sp>
+      <p:sp>
+        <p:nvSpPr>
+          <p:cNvPr id="6" name="Google Shape;163;g202a447d1d6_0_7">
+            <a:extLst>
+              <a:ext uri="{FF2B5EF4-FFF2-40B4-BE49-F238E27FC236}">
+                <a16:creationId xmlns:a16="http://schemas.microsoft.com/office/drawing/2014/main" id="{DD6C3496-D65D-45F9-A9F6-B55BFB722FE4}"/>
+              </a:ext>
+            </a:extLst>
+          </p:cNvPr>
+          <p:cNvSpPr/>
+          <p:nvPr/>
+        </p:nvSpPr>
+        <p:spPr>
+          <a:xfrm>
+            <a:off x="813960" y="1572840"/>
+            <a:ext cx="10953000" cy="4158360"/>
+          </a:xfrm>
+          <a:prstGeom prst="rect">
+            <a:avLst/>
+          </a:prstGeom>
+          <a:noFill/>
+          <a:ln w="0">
+            <a:noFill/>
+          </a:ln>
+        </p:spPr>
+        <p:style>
+          <a:lnRef idx="0">
+            <a:scrgbClr r="0" g="0" b="0"/>
+          </a:lnRef>
+          <a:fillRef idx="0">
+            <a:scrgbClr r="0" g="0" b="0"/>
+          </a:fillRef>
+          <a:effectRef idx="0">
+            <a:scrgbClr r="0" g="0" b="0"/>
+          </a:effectRef>
+          <a:fontRef idx="minor"/>
+        </p:style>
+        <p:txBody>
+          <a:bodyPr lIns="0" tIns="0" rIns="0" bIns="0" anchor="t">
+            <a:noAutofit/>
+          </a:bodyPr>
+          <a:lstStyle/>
+          <a:p>
+            <a:pPr marL="457200" indent="-438120">
+              <a:lnSpc>
+                <a:spcPct val="100000"/>
+              </a:lnSpc>
+              <a:spcBef>
+                <a:spcPts val="1001"/>
+              </a:spcBef>
+              <a:buClr>
+                <a:srgbClr val="000000"/>
+              </a:buClr>
+              <a:buFont typeface="Arial"/>
+              <a:buChar char="●"/>
+            </a:pPr>
+            <a:r>
+              <a:rPr lang="ja-JP" altLang="ja-JP" sz="2800" spc="-1" dirty="0">
+                <a:solidFill>
+                  <a:schemeClr val="dk1"/>
+                </a:solidFill>
+                <a:ea typeface="Arial"/>
+              </a:rPr>
+              <a:t>駅・エリアから</a:t>
+            </a:r>
+            <a:r>
+              <a:rPr lang="ja-JP" sz="2800" b="0" strike="noStrike" spc="-1" dirty="0">
+                <a:solidFill>
+                  <a:schemeClr val="dk1"/>
+                </a:solidFill>
+                <a:latin typeface="Arial"/>
+                <a:ea typeface="Arial"/>
+              </a:rPr>
+              <a:t>賃貸</a:t>
+            </a:r>
+            <a:r>
+              <a:rPr lang="ja-JP" altLang="en-US" sz="2800" b="0" strike="noStrike" spc="-1" dirty="0">
+                <a:solidFill>
+                  <a:schemeClr val="dk1"/>
+                </a:solidFill>
+                <a:latin typeface="Arial"/>
+                <a:ea typeface="Arial"/>
+              </a:rPr>
+              <a:t>物件の</a:t>
+            </a:r>
+            <a:r>
+              <a:rPr lang="ja-JP" sz="2800" b="0" strike="noStrike" spc="-1" dirty="0">
+                <a:solidFill>
+                  <a:schemeClr val="dk1"/>
+                </a:solidFill>
+                <a:latin typeface="Arial"/>
+                <a:ea typeface="Arial"/>
+              </a:rPr>
+              <a:t>検索</a:t>
+            </a:r>
+            <a:r>
+              <a:rPr lang="ja-JP" altLang="en-US" sz="2800" b="0" strike="noStrike" spc="-1" dirty="0">
+                <a:solidFill>
+                  <a:schemeClr val="dk1"/>
+                </a:solidFill>
+                <a:latin typeface="Arial"/>
+                <a:ea typeface="Arial"/>
+              </a:rPr>
+              <a:t>・閲覧</a:t>
+            </a:r>
+            <a:r>
+              <a:rPr lang="ja-JP" sz="2800" b="0" strike="noStrike" spc="-1" dirty="0">
+                <a:solidFill>
+                  <a:schemeClr val="dk1"/>
+                </a:solidFill>
+                <a:latin typeface="Arial"/>
+                <a:ea typeface="Arial"/>
+              </a:rPr>
+              <a:t>　</a:t>
+            </a:r>
+            <a:endParaRPr lang="en-US" sz="2800" b="0" strike="noStrike" spc="-1" dirty="0">
+              <a:solidFill>
+                <a:srgbClr val="000000"/>
+              </a:solidFill>
+              <a:latin typeface="Arial"/>
+            </a:endParaRPr>
+          </a:p>
+          <a:p>
+            <a:pPr marL="457200" indent="-438120">
+              <a:lnSpc>
+                <a:spcPct val="100000"/>
+              </a:lnSpc>
+              <a:spcBef>
+                <a:spcPts val="1001"/>
+              </a:spcBef>
+              <a:buClr>
+                <a:srgbClr val="000000"/>
+              </a:buClr>
+              <a:buFont typeface="Arial"/>
+              <a:buChar char="●"/>
+            </a:pPr>
+            <a:r>
+              <a:rPr lang="ja-JP" altLang="ja-JP" sz="2800" spc="-1" dirty="0">
+                <a:solidFill>
+                  <a:schemeClr val="dk1"/>
+                </a:solidFill>
+                <a:ea typeface="Arial"/>
+              </a:rPr>
+              <a:t>賃貸物件</a:t>
+            </a:r>
+            <a:r>
+              <a:rPr lang="ja-JP" sz="2800" b="0" strike="noStrike" spc="-1" dirty="0">
+                <a:solidFill>
+                  <a:schemeClr val="dk1"/>
+                </a:solidFill>
+                <a:latin typeface="Arial"/>
+                <a:ea typeface="Arial"/>
+              </a:rPr>
+              <a:t>お気に入り登録</a:t>
+            </a:r>
+            <a:r>
+              <a:rPr lang="ja-JP" altLang="en-US" sz="2800" spc="-1" dirty="0">
+                <a:solidFill>
+                  <a:schemeClr val="dk1"/>
+                </a:solidFill>
+                <a:latin typeface="Arial"/>
+                <a:ea typeface="Arial"/>
+              </a:rPr>
+              <a:t>・</a:t>
+            </a:r>
+            <a:r>
+              <a:rPr lang="ja-JP" sz="2800" b="0" strike="noStrike" spc="-1" dirty="0">
+                <a:solidFill>
+                  <a:schemeClr val="dk1"/>
+                </a:solidFill>
+                <a:latin typeface="Arial"/>
+                <a:ea typeface="Arial"/>
+              </a:rPr>
+              <a:t>閲覧</a:t>
+            </a:r>
+            <a:endParaRPr lang="en-US" sz="2800" b="0" strike="noStrike" spc="-1" dirty="0">
+              <a:solidFill>
+                <a:srgbClr val="000000"/>
+              </a:solidFill>
+              <a:latin typeface="Arial"/>
+            </a:endParaRPr>
+          </a:p>
+          <a:p>
+            <a:pPr marL="457200" indent="-438120">
+              <a:lnSpc>
+                <a:spcPct val="100000"/>
+              </a:lnSpc>
+              <a:spcBef>
+                <a:spcPts val="1001"/>
+              </a:spcBef>
+              <a:buClr>
+                <a:srgbClr val="000000"/>
+              </a:buClr>
+              <a:buFont typeface="Arial"/>
+              <a:buChar char="●"/>
+            </a:pPr>
+            <a:r>
+              <a:rPr lang="ja-JP" altLang="en-US" sz="2800" b="0" strike="noStrike" spc="-1" dirty="0">
+                <a:solidFill>
+                  <a:schemeClr val="dk1"/>
+                </a:solidFill>
+                <a:latin typeface="Arial"/>
+                <a:ea typeface="Arial"/>
+              </a:rPr>
+              <a:t>お</a:t>
+            </a:r>
+            <a:r>
+              <a:rPr lang="ja-JP" sz="2800" b="0" strike="noStrike" spc="-1" dirty="0">
+                <a:solidFill>
+                  <a:schemeClr val="dk1"/>
+                </a:solidFill>
+                <a:latin typeface="Arial"/>
+                <a:ea typeface="Arial"/>
+              </a:rPr>
+              <a:t>問い合わせ　</a:t>
+            </a:r>
+            <a:endParaRPr lang="en-US" sz="2800" b="0" strike="noStrike" spc="-1" dirty="0">
+              <a:solidFill>
+                <a:srgbClr val="000000"/>
+              </a:solidFill>
+              <a:latin typeface="Arial"/>
+            </a:endParaRPr>
+          </a:p>
+          <a:p>
+            <a:pPr marL="19080">
+              <a:lnSpc>
+                <a:spcPct val="100000"/>
+              </a:lnSpc>
+              <a:spcBef>
+                <a:spcPts val="1001"/>
+              </a:spcBef>
+              <a:tabLst>
+                <a:tab pos="0" algn="l"/>
+              </a:tabLst>
+            </a:pPr>
+            <a:endParaRPr lang="en-US" sz="2800" b="0" strike="noStrike" spc="-1" dirty="0">
+              <a:solidFill>
+                <a:srgbClr val="000000"/>
+              </a:solidFill>
+              <a:latin typeface="Arial"/>
+            </a:endParaRPr>
+          </a:p>
+          <a:p>
+            <a:pPr marL="19080">
+              <a:lnSpc>
+                <a:spcPct val="100000"/>
+              </a:lnSpc>
+              <a:spcBef>
+                <a:spcPts val="1001"/>
+              </a:spcBef>
+              <a:tabLst>
+                <a:tab pos="0" algn="l"/>
+              </a:tabLst>
+            </a:pPr>
+            <a:endParaRPr lang="en-US" sz="2800" b="0" strike="noStrike" spc="-1" dirty="0">
+              <a:solidFill>
+                <a:srgbClr val="000000"/>
+              </a:solidFill>
+              <a:latin typeface="Arial"/>
+            </a:endParaRPr>
+          </a:p>
+        </p:txBody>
+      </p:sp>
+    </p:spTree>
+    <p:extLst>
+      <p:ext uri="{BB962C8B-B14F-4D97-AF65-F5344CB8AC3E}">
+        <p14:creationId xmlns:p14="http://schemas.microsoft.com/office/powerpoint/2010/main" val="4144534373"/>
+      </p:ext>
+    </p:extLst>
+  </p:cSld>
+  <p:clrMapOvr>
+    <a:masterClrMapping/>
+  </p:clrMapOvr>
+</p:sld>
+</file>
+
+<file path=ppt/slides/slide5.xml><?xml version="1.0" encoding="utf-8"?>
+<p:sld xmlns:a="http://schemas.openxmlformats.org/drawingml/2006/main" xmlns:r="http://schemas.openxmlformats.org/officeDocument/2006/relationships" xmlns:p="http://schemas.openxmlformats.org/presentationml/2006/main" showMasterSp="0">
+  <p:cSld>
+    <p:spTree>
+      <p:nvGrpSpPr>
+        <p:cNvPr id="1" name=""/>
+        <p:cNvGrpSpPr/>
+        <p:nvPr/>
+      </p:nvGrpSpPr>
+      <p:grpSpPr>
+        <a:xfrm>
+          <a:off x="0" y="0"/>
+          <a:ext cx="0" cy="0"/>
+          <a:chOff x="0" y="0"/>
+          <a:chExt cx="0" cy="0"/>
+        </a:xfrm>
+      </p:grpSpPr>
+      <p:sp>
+        <p:nvSpPr>
+          <p:cNvPr id="90" name="PlaceHolder 1"/>
+          <p:cNvSpPr>
+            <a:spLocks noGrp="1"/>
+          </p:cNvSpPr>
+          <p:nvPr>
+            <p:ph type="title"/>
+          </p:nvPr>
+        </p:nvSpPr>
+        <p:spPr>
+          <a:xfrm>
+            <a:off x="2961270" y="339780"/>
+            <a:ext cx="6929490" cy="824760"/>
+          </a:xfrm>
+        </p:spPr>
+        <p:txBody>
+          <a:bodyPr/>
+          <a:lstStyle/>
+          <a:p>
+            <a:r>
+              <a:rPr lang="ja-JP" altLang="en-US" sz="3600" dirty="0"/>
+              <a:t>機能要件一覧 </a:t>
+            </a:r>
+            <a:r>
+              <a:rPr lang="en-US" altLang="ja-JP" sz="3600" dirty="0"/>
+              <a:t>–</a:t>
+            </a:r>
+            <a:r>
+              <a:rPr lang="ja-JP" altLang="en-US" sz="3600" dirty="0"/>
+              <a:t> 管理側機能</a:t>
+            </a:r>
+            <a:endParaRPr lang="en-US" sz="3600" dirty="0"/>
+          </a:p>
+        </p:txBody>
+      </p:sp>
+      <p:sp>
+        <p:nvSpPr>
+          <p:cNvPr id="8" name="Google Shape;163;g202a447d1d6_0_7">
+            <a:extLst>
+              <a:ext uri="{FF2B5EF4-FFF2-40B4-BE49-F238E27FC236}">
+                <a16:creationId xmlns:a16="http://schemas.microsoft.com/office/drawing/2014/main" id="{352C11F8-56FC-4399-8A5D-1E92763332C2}"/>
+              </a:ext>
+            </a:extLst>
+          </p:cNvPr>
+          <p:cNvSpPr/>
+          <p:nvPr/>
+        </p:nvSpPr>
+        <p:spPr>
+          <a:xfrm>
+            <a:off x="813960" y="1806840"/>
+            <a:ext cx="10953000" cy="2940840"/>
+          </a:xfrm>
+          <a:prstGeom prst="rect">
+            <a:avLst/>
+          </a:prstGeom>
+          <a:noFill/>
+          <a:ln w="0">
+            <a:noFill/>
+          </a:ln>
+        </p:spPr>
+        <p:style>
+          <a:lnRef idx="0">
+            <a:scrgbClr r="0" g="0" b="0"/>
+          </a:lnRef>
+          <a:fillRef idx="0">
+            <a:scrgbClr r="0" g="0" b="0"/>
+          </a:fillRef>
+          <a:effectRef idx="0">
+            <a:scrgbClr r="0" g="0" b="0"/>
+          </a:effectRef>
+          <a:fontRef idx="minor"/>
+        </p:style>
+        <p:txBody>
+          <a:bodyPr lIns="0" tIns="0" rIns="0" bIns="0" anchor="t">
+            <a:noAutofit/>
+          </a:bodyPr>
+          <a:lstStyle/>
+          <a:p>
+            <a:pPr marL="457200" indent="-438120">
+              <a:lnSpc>
+                <a:spcPct val="100000"/>
+              </a:lnSpc>
+              <a:spcBef>
+                <a:spcPts val="1001"/>
+              </a:spcBef>
+              <a:buClr>
+                <a:srgbClr val="000000"/>
+              </a:buClr>
+              <a:buFont typeface="Arial"/>
+              <a:buChar char="●"/>
+            </a:pPr>
+            <a:r>
+              <a:rPr lang="ja-JP" sz="2800" b="0" strike="noStrike" spc="-1" dirty="0">
+                <a:solidFill>
+                  <a:schemeClr val="dk1"/>
+                </a:solidFill>
+                <a:latin typeface="Arial"/>
+                <a:ea typeface="Arial"/>
+              </a:rPr>
+              <a:t>ログイン</a:t>
+            </a:r>
+            <a:r>
+              <a:rPr lang="en-US" sz="2800" b="0" strike="noStrike" spc="-1" dirty="0">
+                <a:solidFill>
+                  <a:schemeClr val="dk1"/>
+                </a:solidFill>
+                <a:latin typeface="Arial"/>
+                <a:ea typeface="Arial"/>
+              </a:rPr>
+              <a:t>/</a:t>
+            </a:r>
+            <a:r>
+              <a:rPr lang="ja-JP" sz="2800" b="0" strike="noStrike" spc="-1" dirty="0">
+                <a:solidFill>
+                  <a:schemeClr val="dk1"/>
+                </a:solidFill>
+                <a:latin typeface="Arial"/>
+                <a:ea typeface="Arial"/>
+              </a:rPr>
+              <a:t>ログアウト</a:t>
+            </a:r>
+            <a:endParaRPr lang="en-US" sz="2800" b="0" strike="noStrike" spc="-1" dirty="0">
+              <a:solidFill>
+                <a:srgbClr val="000000"/>
+              </a:solidFill>
+              <a:latin typeface="Arial"/>
+            </a:endParaRPr>
+          </a:p>
+          <a:p>
+            <a:pPr marL="457200" indent="-438120">
+              <a:lnSpc>
+                <a:spcPct val="100000"/>
+              </a:lnSpc>
+              <a:spcBef>
+                <a:spcPts val="1001"/>
+              </a:spcBef>
+              <a:buClr>
+                <a:srgbClr val="000000"/>
+              </a:buClr>
+              <a:buFont typeface="Arial"/>
+              <a:buChar char="●"/>
+            </a:pPr>
+            <a:r>
+              <a:rPr lang="ja-JP" sz="2800" b="0" strike="noStrike" spc="-1" dirty="0">
+                <a:solidFill>
+                  <a:schemeClr val="dk1"/>
+                </a:solidFill>
+                <a:latin typeface="Arial"/>
+                <a:ea typeface="Arial"/>
+              </a:rPr>
+              <a:t>オーナー新規登録、編集、</a:t>
+            </a:r>
+            <a:r>
+              <a:rPr lang="ja-JP" altLang="en-US" sz="2800" b="0" strike="noStrike" spc="-1" dirty="0">
+                <a:solidFill>
+                  <a:schemeClr val="dk1"/>
+                </a:solidFill>
+                <a:latin typeface="Arial"/>
+                <a:ea typeface="Arial"/>
+              </a:rPr>
+              <a:t>削除（</a:t>
+            </a:r>
+            <a:r>
+              <a:rPr lang="ja-JP" sz="2800" b="0" strike="noStrike" spc="-1" dirty="0">
+                <a:solidFill>
+                  <a:schemeClr val="dk1"/>
+                </a:solidFill>
+                <a:latin typeface="Arial"/>
+                <a:ea typeface="Arial"/>
+              </a:rPr>
+              <a:t>非アクティブ処理</a:t>
+            </a:r>
+            <a:r>
+              <a:rPr lang="ja-JP" altLang="en-US" sz="2800" b="0" strike="noStrike" spc="-1" dirty="0">
+                <a:solidFill>
+                  <a:schemeClr val="dk1"/>
+                </a:solidFill>
+                <a:latin typeface="Arial"/>
+                <a:ea typeface="Arial"/>
+              </a:rPr>
+              <a:t>）、確認</a:t>
+            </a:r>
+            <a:endParaRPr lang="en-US" sz="2800" b="0" strike="noStrike" spc="-1" dirty="0">
+              <a:solidFill>
+                <a:srgbClr val="000000"/>
+              </a:solidFill>
+              <a:latin typeface="Arial"/>
+            </a:endParaRPr>
+          </a:p>
+          <a:p>
+            <a:pPr marL="457200" indent="-438120">
+              <a:spcBef>
+                <a:spcPts val="1001"/>
+              </a:spcBef>
+              <a:buClr>
+                <a:srgbClr val="000000"/>
+              </a:buClr>
+              <a:buFont typeface="Arial"/>
+              <a:buChar char="●"/>
+            </a:pPr>
+            <a:r>
+              <a:rPr lang="ja-JP" sz="2800" b="0" strike="noStrike" spc="-1" dirty="0">
+                <a:solidFill>
+                  <a:schemeClr val="dk1"/>
+                </a:solidFill>
+                <a:latin typeface="Arial"/>
+                <a:ea typeface="Arial"/>
+              </a:rPr>
+              <a:t>物件の</a:t>
+            </a:r>
+            <a:r>
+              <a:rPr lang="ja-JP" altLang="en-US" sz="2800" b="0" strike="noStrike" spc="-1" dirty="0">
+                <a:solidFill>
+                  <a:schemeClr val="dk1"/>
+                </a:solidFill>
+                <a:latin typeface="Arial"/>
+                <a:ea typeface="Arial"/>
+              </a:rPr>
+              <a:t>新規</a:t>
+            </a:r>
+            <a:r>
+              <a:rPr lang="ja-JP" sz="2800" b="0" strike="noStrike" spc="-1" dirty="0">
+                <a:solidFill>
+                  <a:schemeClr val="dk1"/>
+                </a:solidFill>
+                <a:latin typeface="Arial"/>
+                <a:ea typeface="Arial"/>
+              </a:rPr>
+              <a:t>登録、編集、削除</a:t>
+            </a:r>
+            <a:r>
+              <a:rPr lang="ja-JP" altLang="en-US" sz="2800" spc="-1" dirty="0">
+                <a:solidFill>
+                  <a:schemeClr val="dk1"/>
+                </a:solidFill>
+                <a:ea typeface="Arial"/>
+              </a:rPr>
+              <a:t>（</a:t>
+            </a:r>
+            <a:r>
+              <a:rPr lang="ja-JP" altLang="ja-JP" sz="2800" spc="-1" dirty="0">
+                <a:solidFill>
+                  <a:schemeClr val="dk1"/>
+                </a:solidFill>
+                <a:ea typeface="Arial"/>
+              </a:rPr>
+              <a:t>非アクティブ処理</a:t>
+            </a:r>
+            <a:r>
+              <a:rPr lang="ja-JP" altLang="en-US" sz="2800" spc="-1" dirty="0">
+                <a:solidFill>
+                  <a:schemeClr val="dk1"/>
+                </a:solidFill>
+                <a:ea typeface="Arial"/>
+              </a:rPr>
+              <a:t>）、確認</a:t>
+            </a:r>
+            <a:endParaRPr lang="en-US" altLang="ja-JP" sz="2800" spc="-1" dirty="0">
+              <a:solidFill>
+                <a:srgbClr val="000000"/>
+              </a:solidFill>
+            </a:endParaRPr>
+          </a:p>
+          <a:p>
+            <a:pPr marL="457200" indent="-438120">
+              <a:lnSpc>
+                <a:spcPct val="100000"/>
+              </a:lnSpc>
+              <a:spcBef>
+                <a:spcPts val="1001"/>
+              </a:spcBef>
+              <a:buClr>
+                <a:srgbClr val="000000"/>
+              </a:buClr>
+              <a:buFont typeface="Arial"/>
+              <a:buChar char="●"/>
+            </a:pPr>
+            <a:endParaRPr lang="en-US" sz="2800" b="0" strike="noStrike" spc="-1" dirty="0">
+              <a:solidFill>
+                <a:srgbClr val="000000"/>
+              </a:solidFill>
+              <a:latin typeface="Arial"/>
+            </a:endParaRPr>
+          </a:p>
+        </p:txBody>
+      </p:sp>
+    </p:spTree>
+    <p:extLst>
+      <p:ext uri="{BB962C8B-B14F-4D97-AF65-F5344CB8AC3E}">
+        <p14:creationId xmlns:p14="http://schemas.microsoft.com/office/powerpoint/2010/main" val="1462602616"/>
+      </p:ext>
+    </p:extLst>
+  </p:cSld>
+  <p:clrMapOvr>
+    <a:masterClrMapping/>
+  </p:clrMapOvr>
+</p:sld>
+</file>
+
+<file path=ppt/slides/slide6.xml><?xml version="1.0" encoding="utf-8"?>
+<p:sld xmlns:a="http://schemas.openxmlformats.org/drawingml/2006/main" xmlns:r="http://schemas.openxmlformats.org/officeDocument/2006/relationships" xmlns:p="http://schemas.openxmlformats.org/presentationml/2006/main" showMasterSp="0">
+  <p:cSld>
+    <p:spTree>
+      <p:nvGrpSpPr>
+        <p:cNvPr id="1" name=""/>
+        <p:cNvGrpSpPr/>
+        <p:nvPr/>
+      </p:nvGrpSpPr>
+      <p:grpSpPr>
+        <a:xfrm>
+          <a:off x="0" y="0"/>
+          <a:ext cx="0" cy="0"/>
+          <a:chOff x="0" y="0"/>
+          <a:chExt cx="0" cy="0"/>
+        </a:xfrm>
+      </p:grpSpPr>
+      <p:sp>
+        <p:nvSpPr>
+          <p:cNvPr id="90" name="PlaceHolder 1"/>
+          <p:cNvSpPr>
+            <a:spLocks noGrp="1"/>
+          </p:cNvSpPr>
+          <p:nvPr>
+            <p:ph type="title"/>
+          </p:nvPr>
+        </p:nvSpPr>
+        <p:spPr>
+          <a:xfrm>
+            <a:off x="4636602" y="407015"/>
+            <a:ext cx="2918795" cy="824760"/>
+          </a:xfrm>
+        </p:spPr>
+        <p:txBody>
+          <a:bodyPr/>
+          <a:lstStyle/>
+          <a:p>
+            <a:r>
+              <a:rPr lang="ja-JP" altLang="en-US" sz="3600" dirty="0"/>
+              <a:t>システム概要</a:t>
+            </a:r>
+            <a:endParaRPr lang="en-US" sz="3600" dirty="0"/>
+          </a:p>
+        </p:txBody>
+      </p:sp>
+      <p:pic>
+        <p:nvPicPr>
+          <p:cNvPr id="3" name="図 2">
+            <a:extLst>
+              <a:ext uri="{FF2B5EF4-FFF2-40B4-BE49-F238E27FC236}">
+                <a16:creationId xmlns:a16="http://schemas.microsoft.com/office/drawing/2014/main" id="{AB93BAE9-D958-44B8-A66D-B9F3F7E888DF}"/>
+              </a:ext>
+            </a:extLst>
+          </p:cNvPr>
+          <p:cNvPicPr>
+            <a:picLocks noChangeAspect="1"/>
+          </p:cNvPicPr>
+          <p:nvPr/>
+        </p:nvPicPr>
+        <p:blipFill>
+          <a:blip r:embed="rId3" cstate="print">
+            <a:extLst>
+              <a:ext uri="{28A0092B-C50C-407E-A947-70E740481C1C}">
+                <a14:useLocalDpi xmlns:a14="http://schemas.microsoft.com/office/drawing/2010/main" val="0"/>
+              </a:ext>
+            </a:extLst>
+          </a:blip>
+          <a:stretch>
+            <a:fillRect/>
+          </a:stretch>
+        </p:blipFill>
+        <p:spPr>
+          <a:xfrm>
+            <a:off x="6530788" y="2460812"/>
+            <a:ext cx="1344705" cy="1344705"/>
+          </a:xfrm>
+          <a:prstGeom prst="rect">
+            <a:avLst/>
+          </a:prstGeom>
+        </p:spPr>
+      </p:pic>
+      <p:sp>
+        <p:nvSpPr>
+          <p:cNvPr id="10" name="正方形/長方形 9">
+            <a:extLst>
+              <a:ext uri="{FF2B5EF4-FFF2-40B4-BE49-F238E27FC236}">
+                <a16:creationId xmlns:a16="http://schemas.microsoft.com/office/drawing/2014/main" id="{67EC96BB-8CB2-4871-8F3C-129FBE931111}"/>
+              </a:ext>
+            </a:extLst>
+          </p:cNvPr>
+          <p:cNvSpPr/>
+          <p:nvPr/>
+        </p:nvSpPr>
+        <p:spPr>
+          <a:xfrm>
+            <a:off x="2562252" y="4546163"/>
+            <a:ext cx="2587972" cy="1820707"/>
+          </a:xfrm>
+          <a:prstGeom prst="rect">
+            <a:avLst/>
+          </a:prstGeom>
+          <a:solidFill>
+            <a:schemeClr val="bg1"/>
+          </a:solidFill>
+          <a:ln>
+            <a:solidFill>
+              <a:schemeClr val="bg1"/>
+            </a:solidFill>
+          </a:ln>
+        </p:spPr>
+        <p:style>
+          <a:lnRef idx="2">
+            <a:schemeClr val="accent1">
+              <a:shade val="50000"/>
+            </a:schemeClr>
+          </a:lnRef>
+          <a:fillRef idx="1">
+            <a:schemeClr val="accent1"/>
+          </a:fillRef>
+          <a:effectRef idx="0">
+            <a:schemeClr val="accent1"/>
+          </a:effectRef>
+          <a:fontRef idx="minor">
+            <a:schemeClr val="lt1"/>
+          </a:fontRef>
+        </p:style>
+        <p:txBody>
+          <a:bodyPr rtlCol="0" anchor="ctr"/>
+          <a:lstStyle/>
+          <a:p>
+            <a:pPr algn="ctr"/>
+            <a:endParaRPr kumimoji="1" lang="ja-JP" altLang="en-US"/>
+          </a:p>
+        </p:txBody>
+      </p:sp>
+      <p:sp>
+        <p:nvSpPr>
+          <p:cNvPr id="11" name="正方形/長方形 10">
+            <a:extLst>
+              <a:ext uri="{FF2B5EF4-FFF2-40B4-BE49-F238E27FC236}">
+                <a16:creationId xmlns:a16="http://schemas.microsoft.com/office/drawing/2014/main" id="{C6991FE2-DEA6-4C18-9767-ABACE57D3450}"/>
+              </a:ext>
+            </a:extLst>
+          </p:cNvPr>
+          <p:cNvSpPr/>
+          <p:nvPr/>
+        </p:nvSpPr>
+        <p:spPr>
+          <a:xfrm>
+            <a:off x="3886787" y="3411072"/>
+            <a:ext cx="5064667" cy="824761"/>
+          </a:xfrm>
+          <a:prstGeom prst="rect">
+            <a:avLst/>
+          </a:prstGeom>
+          <a:solidFill>
+            <a:schemeClr val="bg1"/>
+          </a:solidFill>
+          <a:ln>
+            <a:solidFill>
+              <a:schemeClr val="bg1"/>
+            </a:solidFill>
+          </a:ln>
+        </p:spPr>
+        <p:style>
+          <a:lnRef idx="2">
+            <a:schemeClr val="accent1">
+              <a:shade val="50000"/>
+            </a:schemeClr>
+          </a:lnRef>
+          <a:fillRef idx="1">
+            <a:schemeClr val="accent1"/>
+          </a:fillRef>
+          <a:effectRef idx="0">
+            <a:schemeClr val="accent1"/>
+          </a:effectRef>
+          <a:fontRef idx="minor">
+            <a:schemeClr val="lt1"/>
+          </a:fontRef>
+        </p:style>
+        <p:txBody>
+          <a:bodyPr rtlCol="0" anchor="ctr"/>
+          <a:lstStyle/>
+          <a:p>
+            <a:pPr algn="ctr"/>
+            <a:endParaRPr kumimoji="1" lang="ja-JP" altLang="en-US"/>
+          </a:p>
+        </p:txBody>
+      </p:sp>
+      <p:pic>
+        <p:nvPicPr>
+          <p:cNvPr id="6" name="図 5">
+            <a:extLst>
+              <a:ext uri="{FF2B5EF4-FFF2-40B4-BE49-F238E27FC236}">
+                <a16:creationId xmlns:a16="http://schemas.microsoft.com/office/drawing/2014/main" id="{85A052E9-710B-4F37-8C9D-88FF091488C6}"/>
+              </a:ext>
+            </a:extLst>
+          </p:cNvPr>
+          <p:cNvPicPr>
+            <a:picLocks noChangeAspect="1"/>
+          </p:cNvPicPr>
+          <p:nvPr/>
+        </p:nvPicPr>
+        <p:blipFill>
+          <a:blip r:embed="rId4"/>
+          <a:stretch>
+            <a:fillRect/>
+          </a:stretch>
+        </p:blipFill>
+        <p:spPr>
+          <a:xfrm>
+            <a:off x="1423921" y="1281526"/>
+            <a:ext cx="8779380" cy="5398814"/>
+          </a:xfrm>
+          <a:prstGeom prst="rect">
+            <a:avLst/>
+          </a:prstGeom>
+        </p:spPr>
+      </p:pic>
+      <p:sp>
+        <p:nvSpPr>
+          <p:cNvPr id="5" name="正方形/長方形 4">
+            <a:extLst>
+              <a:ext uri="{FF2B5EF4-FFF2-40B4-BE49-F238E27FC236}">
+                <a16:creationId xmlns:a16="http://schemas.microsoft.com/office/drawing/2014/main" id="{E9D65FAA-789D-4042-81F2-4E2FB6034AD4}"/>
+              </a:ext>
+            </a:extLst>
+          </p:cNvPr>
+          <p:cNvSpPr/>
+          <p:nvPr/>
+        </p:nvSpPr>
+        <p:spPr>
+          <a:xfrm>
+            <a:off x="2460812" y="1373985"/>
+            <a:ext cx="2070847" cy="1505348"/>
+          </a:xfrm>
+          <a:prstGeom prst="rect">
+            <a:avLst/>
+          </a:prstGeom>
+          <a:solidFill>
+            <a:schemeClr val="bg1"/>
+          </a:solidFill>
+          <a:ln>
+            <a:solidFill>
+              <a:schemeClr val="bg1"/>
+            </a:solidFill>
+          </a:ln>
+        </p:spPr>
+        <p:style>
+          <a:lnRef idx="2">
+            <a:schemeClr val="accent1">
+              <a:shade val="50000"/>
+            </a:schemeClr>
+          </a:lnRef>
+          <a:fillRef idx="1">
+            <a:schemeClr val="accent1"/>
+          </a:fillRef>
+          <a:effectRef idx="0">
+            <a:schemeClr val="accent1"/>
+          </a:effectRef>
+          <a:fontRef idx="minor">
+            <a:schemeClr val="lt1"/>
+          </a:fontRef>
+        </p:style>
+        <p:txBody>
+          <a:bodyPr rtlCol="0" anchor="ctr"/>
+          <a:lstStyle/>
+          <a:p>
+            <a:pPr algn="ctr"/>
+            <a:endParaRPr kumimoji="1" lang="ja-JP" altLang="en-US"/>
+          </a:p>
+        </p:txBody>
+      </p:sp>
+      <p:sp>
+        <p:nvSpPr>
+          <p:cNvPr id="13" name="正方形/長方形 12">
+            <a:extLst>
+              <a:ext uri="{FF2B5EF4-FFF2-40B4-BE49-F238E27FC236}">
+                <a16:creationId xmlns:a16="http://schemas.microsoft.com/office/drawing/2014/main" id="{29ABE7F1-93D4-4530-958A-E73F5986DB4C}"/>
+              </a:ext>
+            </a:extLst>
+          </p:cNvPr>
+          <p:cNvSpPr/>
+          <p:nvPr/>
+        </p:nvSpPr>
+        <p:spPr>
+          <a:xfrm>
+            <a:off x="2209801" y="4961966"/>
+            <a:ext cx="2426588" cy="1715234"/>
+          </a:xfrm>
+          <a:prstGeom prst="rect">
+            <a:avLst/>
+          </a:prstGeom>
+          <a:solidFill>
+            <a:schemeClr val="bg1"/>
+          </a:solidFill>
+          <a:ln>
+            <a:solidFill>
+              <a:schemeClr val="bg1"/>
+            </a:solidFill>
+          </a:ln>
+        </p:spPr>
+        <p:style>
+          <a:lnRef idx="2">
+            <a:schemeClr val="accent1">
+              <a:shade val="50000"/>
+            </a:schemeClr>
+          </a:lnRef>
+          <a:fillRef idx="1">
+            <a:schemeClr val="accent1"/>
+          </a:fillRef>
+          <a:effectRef idx="0">
+            <a:schemeClr val="accent1"/>
+          </a:effectRef>
+          <a:fontRef idx="minor">
+            <a:schemeClr val="lt1"/>
+          </a:fontRef>
+        </p:style>
+        <p:txBody>
+          <a:bodyPr rtlCol="0" anchor="ctr"/>
+          <a:lstStyle/>
+          <a:p>
+            <a:pPr algn="ctr"/>
+            <a:endParaRPr kumimoji="1" lang="ja-JP" altLang="en-US"/>
+          </a:p>
+        </p:txBody>
+      </p:sp>
+      <p:sp>
+        <p:nvSpPr>
+          <p:cNvPr id="14" name="正方形/長方形 13">
+            <a:extLst>
+              <a:ext uri="{FF2B5EF4-FFF2-40B4-BE49-F238E27FC236}">
+                <a16:creationId xmlns:a16="http://schemas.microsoft.com/office/drawing/2014/main" id="{CC8BCC11-F3FE-4A60-BC9F-0FF1CB373F4E}"/>
+              </a:ext>
+            </a:extLst>
+          </p:cNvPr>
+          <p:cNvSpPr/>
+          <p:nvPr/>
+        </p:nvSpPr>
+        <p:spPr>
+          <a:xfrm>
+            <a:off x="3460376" y="3040815"/>
+            <a:ext cx="4415117" cy="1191878"/>
+          </a:xfrm>
+          <a:prstGeom prst="rect">
+            <a:avLst/>
+          </a:prstGeom>
+          <a:solidFill>
+            <a:schemeClr val="bg1"/>
+          </a:solidFill>
+          <a:ln>
+            <a:solidFill>
+              <a:schemeClr val="bg1"/>
+            </a:solidFill>
+          </a:ln>
+        </p:spPr>
+        <p:style>
+          <a:lnRef idx="2">
+            <a:schemeClr val="accent1">
+              <a:shade val="50000"/>
+            </a:schemeClr>
+          </a:lnRef>
+          <a:fillRef idx="1">
+            <a:schemeClr val="accent1"/>
+          </a:fillRef>
+          <a:effectRef idx="0">
+            <a:schemeClr val="accent1"/>
+          </a:effectRef>
+          <a:fontRef idx="minor">
+            <a:schemeClr val="lt1"/>
+          </a:fontRef>
+        </p:style>
+        <p:txBody>
+          <a:bodyPr rtlCol="0" anchor="ctr"/>
+          <a:lstStyle/>
+          <a:p>
+            <a:pPr algn="ctr"/>
+            <a:endParaRPr kumimoji="1" lang="ja-JP" altLang="en-US"/>
+          </a:p>
+        </p:txBody>
+      </p:sp>
+      <p:sp>
+        <p:nvSpPr>
+          <p:cNvPr id="7" name="矢印: 右 6">
+            <a:extLst>
+              <a:ext uri="{FF2B5EF4-FFF2-40B4-BE49-F238E27FC236}">
+                <a16:creationId xmlns:a16="http://schemas.microsoft.com/office/drawing/2014/main" id="{9649D0FA-655C-46BC-8CC8-128868405600}"/>
+              </a:ext>
+            </a:extLst>
+          </p:cNvPr>
+          <p:cNvSpPr/>
+          <p:nvPr/>
+        </p:nvSpPr>
+        <p:spPr>
+          <a:xfrm>
+            <a:off x="2340712" y="2031095"/>
+            <a:ext cx="1923761" cy="194632"/>
+          </a:xfrm>
+          <a:prstGeom prst="rightArrow">
+            <a:avLst/>
+          </a:prstGeom>
+          <a:solidFill>
+            <a:schemeClr val="bg1"/>
+          </a:solidFill>
+          <a:ln>
+            <a:solidFill>
+              <a:schemeClr val="tx1"/>
+            </a:solidFill>
+          </a:ln>
+        </p:spPr>
+        <p:style>
+          <a:lnRef idx="2">
+            <a:schemeClr val="accent1">
+              <a:shade val="50000"/>
+            </a:schemeClr>
+          </a:lnRef>
+          <a:fillRef idx="1">
+            <a:schemeClr val="accent1"/>
+          </a:fillRef>
+          <a:effectRef idx="0">
+            <a:schemeClr val="accent1"/>
+          </a:effectRef>
+          <a:fontRef idx="minor">
+            <a:schemeClr val="lt1"/>
+          </a:fontRef>
+        </p:style>
+        <p:txBody>
+          <a:bodyPr rtlCol="0" anchor="ctr"/>
+          <a:lstStyle/>
+          <a:p>
+            <a:pPr algn="ctr"/>
+            <a:endParaRPr kumimoji="1" lang="ja-JP" altLang="en-US"/>
+          </a:p>
+        </p:txBody>
+      </p:sp>
+      <p:sp>
+        <p:nvSpPr>
+          <p:cNvPr id="9" name="矢印: 左右 8">
+            <a:extLst>
+              <a:ext uri="{FF2B5EF4-FFF2-40B4-BE49-F238E27FC236}">
+                <a16:creationId xmlns:a16="http://schemas.microsoft.com/office/drawing/2014/main" id="{EFF7EE11-CFA9-4D77-A246-41EA9F312830}"/>
+              </a:ext>
+            </a:extLst>
+          </p:cNvPr>
+          <p:cNvSpPr/>
+          <p:nvPr/>
+        </p:nvSpPr>
+        <p:spPr>
+          <a:xfrm>
+            <a:off x="2287756" y="1426600"/>
+            <a:ext cx="1976717" cy="201706"/>
+          </a:xfrm>
+          <a:prstGeom prst="leftRightArrow">
+            <a:avLst/>
+          </a:prstGeom>
+          <a:solidFill>
+            <a:schemeClr val="bg1"/>
+          </a:solidFill>
+          <a:ln>
+            <a:solidFill>
+              <a:schemeClr val="tx1"/>
+            </a:solidFill>
+          </a:ln>
+        </p:spPr>
+        <p:style>
+          <a:lnRef idx="2">
+            <a:schemeClr val="accent1">
+              <a:shade val="50000"/>
+            </a:schemeClr>
+          </a:lnRef>
+          <a:fillRef idx="1">
+            <a:schemeClr val="accent1"/>
+          </a:fillRef>
+          <a:effectRef idx="0">
+            <a:schemeClr val="accent1"/>
+          </a:effectRef>
+          <a:fontRef idx="minor">
+            <a:schemeClr val="lt1"/>
+          </a:fontRef>
+        </p:style>
+        <p:txBody>
+          <a:bodyPr rtlCol="0" anchor="ctr"/>
+          <a:lstStyle/>
+          <a:p>
+            <a:pPr algn="ctr"/>
+            <a:endParaRPr kumimoji="1" lang="ja-JP" altLang="en-US"/>
+          </a:p>
+        </p:txBody>
+      </p:sp>
+      <p:sp>
+        <p:nvSpPr>
+          <p:cNvPr id="12" name="テキスト ボックス 11">
+            <a:extLst>
+              <a:ext uri="{FF2B5EF4-FFF2-40B4-BE49-F238E27FC236}">
+                <a16:creationId xmlns:a16="http://schemas.microsoft.com/office/drawing/2014/main" id="{96F36CD5-EF4D-4D0D-B9C5-33C11055350A}"/>
+              </a:ext>
+            </a:extLst>
+          </p:cNvPr>
+          <p:cNvSpPr txBox="1"/>
+          <p:nvPr/>
+        </p:nvSpPr>
+        <p:spPr>
+          <a:xfrm>
+            <a:off x="2478885" y="1598213"/>
+            <a:ext cx="1976717" cy="338554"/>
+          </a:xfrm>
+          <a:prstGeom prst="rect">
+            <a:avLst/>
+          </a:prstGeom>
+          <a:noFill/>
+        </p:spPr>
+        <p:txBody>
+          <a:bodyPr wrap="square" rtlCol="0">
+            <a:spAutoFit/>
+          </a:bodyPr>
+          <a:lstStyle/>
+          <a:p>
+            <a:r>
+              <a:rPr kumimoji="1" lang="ja-JP" altLang="en-US" sz="1600" b="1" dirty="0"/>
+              <a:t>検索</a:t>
+            </a:r>
+            <a:r>
+              <a:rPr kumimoji="1" lang="en-US" altLang="ja-JP" sz="1600" b="1" dirty="0"/>
+              <a:t>/</a:t>
+            </a:r>
+            <a:r>
+              <a:rPr kumimoji="1" lang="ja-JP" altLang="en-US" sz="1600" b="1" dirty="0"/>
+              <a:t>閲覧</a:t>
+            </a:r>
+            <a:r>
+              <a:rPr lang="en-US" altLang="ja-JP" sz="1600" b="1" dirty="0"/>
+              <a:t>/</a:t>
+            </a:r>
+            <a:r>
+              <a:rPr kumimoji="1" lang="ja-JP" altLang="en-US" sz="1600" b="1" dirty="0"/>
+              <a:t>登録</a:t>
+            </a:r>
+          </a:p>
+        </p:txBody>
+      </p:sp>
+      <p:sp>
+        <p:nvSpPr>
+          <p:cNvPr id="20" name="テキスト ボックス 19">
+            <a:extLst>
+              <a:ext uri="{FF2B5EF4-FFF2-40B4-BE49-F238E27FC236}">
+                <a16:creationId xmlns:a16="http://schemas.microsoft.com/office/drawing/2014/main" id="{6F15BC0E-5802-442C-9257-0B581D86C384}"/>
+              </a:ext>
+            </a:extLst>
+          </p:cNvPr>
+          <p:cNvSpPr txBox="1"/>
+          <p:nvPr/>
+        </p:nvSpPr>
+        <p:spPr>
+          <a:xfrm>
+            <a:off x="2511915" y="2214753"/>
+            <a:ext cx="1465439" cy="338554"/>
+          </a:xfrm>
+          <a:prstGeom prst="rect">
+            <a:avLst/>
+          </a:prstGeom>
+          <a:noFill/>
+        </p:spPr>
+        <p:txBody>
+          <a:bodyPr wrap="square" rtlCol="0">
+            <a:spAutoFit/>
+          </a:bodyPr>
+          <a:lstStyle/>
+          <a:p>
+            <a:r>
+              <a:rPr lang="ja-JP" altLang="en-US" sz="1600" b="1" dirty="0"/>
+              <a:t>お問い合わせ</a:t>
+            </a:r>
+            <a:endParaRPr kumimoji="1" lang="ja-JP" altLang="en-US" sz="1600" b="1" dirty="0"/>
+          </a:p>
+        </p:txBody>
+      </p:sp>
+      <p:sp>
+        <p:nvSpPr>
+          <p:cNvPr id="22" name="矢印: 右 21">
+            <a:extLst>
+              <a:ext uri="{FF2B5EF4-FFF2-40B4-BE49-F238E27FC236}">
+                <a16:creationId xmlns:a16="http://schemas.microsoft.com/office/drawing/2014/main" id="{35F8B8CB-9FD2-48F9-B056-602EF402E0BA}"/>
+              </a:ext>
+            </a:extLst>
+          </p:cNvPr>
+          <p:cNvSpPr/>
+          <p:nvPr/>
+        </p:nvSpPr>
+        <p:spPr>
+          <a:xfrm>
+            <a:off x="2423035" y="5097564"/>
+            <a:ext cx="1923761" cy="194632"/>
+          </a:xfrm>
+          <a:prstGeom prst="rightArrow">
+            <a:avLst/>
+          </a:prstGeom>
+          <a:solidFill>
+            <a:schemeClr val="bg1"/>
+          </a:solidFill>
+          <a:ln>
+            <a:solidFill>
+              <a:schemeClr val="tx1"/>
+            </a:solidFill>
+          </a:ln>
+        </p:spPr>
+        <p:style>
+          <a:lnRef idx="2">
+            <a:schemeClr val="accent1">
+              <a:shade val="50000"/>
+            </a:schemeClr>
+          </a:lnRef>
+          <a:fillRef idx="1">
+            <a:schemeClr val="accent1"/>
+          </a:fillRef>
+          <a:effectRef idx="0">
+            <a:schemeClr val="accent1"/>
+          </a:effectRef>
+          <a:fontRef idx="minor">
+            <a:schemeClr val="lt1"/>
+          </a:fontRef>
+        </p:style>
+        <p:txBody>
+          <a:bodyPr rtlCol="0" anchor="ctr"/>
+          <a:lstStyle/>
+          <a:p>
+            <a:pPr algn="ctr"/>
+            <a:endParaRPr kumimoji="1" lang="ja-JP" altLang="en-US"/>
+          </a:p>
+        </p:txBody>
+      </p:sp>
+      <p:sp>
+        <p:nvSpPr>
+          <p:cNvPr id="23" name="テキスト ボックス 22">
+            <a:extLst>
+              <a:ext uri="{FF2B5EF4-FFF2-40B4-BE49-F238E27FC236}">
+                <a16:creationId xmlns:a16="http://schemas.microsoft.com/office/drawing/2014/main" id="{800247DB-6A09-4ED4-BED9-10A47EAD3ADC}"/>
+              </a:ext>
+            </a:extLst>
+          </p:cNvPr>
+          <p:cNvSpPr txBox="1"/>
+          <p:nvPr/>
+        </p:nvSpPr>
+        <p:spPr>
+          <a:xfrm>
+            <a:off x="2340710" y="5249763"/>
+            <a:ext cx="2088413" cy="338554"/>
+          </a:xfrm>
+          <a:prstGeom prst="rect">
+            <a:avLst/>
+          </a:prstGeom>
+          <a:noFill/>
+        </p:spPr>
+        <p:txBody>
+          <a:bodyPr wrap="square" rtlCol="0">
+            <a:spAutoFit/>
+          </a:bodyPr>
+          <a:lstStyle/>
+          <a:p>
+            <a:r>
+              <a:rPr lang="ja-JP" altLang="en-US" sz="1600" b="1" dirty="0"/>
+              <a:t>ログイン</a:t>
+            </a:r>
+            <a:r>
+              <a:rPr lang="en-US" altLang="ja-JP" sz="1600" b="1" dirty="0"/>
+              <a:t>/</a:t>
+            </a:r>
+            <a:r>
+              <a:rPr lang="ja-JP" altLang="en-US" sz="1600" b="1" dirty="0"/>
+              <a:t>ログアウト</a:t>
+            </a:r>
+            <a:endParaRPr kumimoji="1" lang="ja-JP" altLang="en-US" sz="1600" b="1" dirty="0"/>
+          </a:p>
+        </p:txBody>
+      </p:sp>
+      <p:sp>
+        <p:nvSpPr>
+          <p:cNvPr id="24" name="矢印: 右 23">
+            <a:extLst>
+              <a:ext uri="{FF2B5EF4-FFF2-40B4-BE49-F238E27FC236}">
+                <a16:creationId xmlns:a16="http://schemas.microsoft.com/office/drawing/2014/main" id="{40696A53-D26A-484C-83C7-1951BAC38B96}"/>
+              </a:ext>
+            </a:extLst>
+          </p:cNvPr>
+          <p:cNvSpPr/>
+          <p:nvPr/>
+        </p:nvSpPr>
+        <p:spPr>
+          <a:xfrm>
+            <a:off x="2423037" y="5661058"/>
+            <a:ext cx="1923761" cy="194632"/>
+          </a:xfrm>
+          <a:prstGeom prst="rightArrow">
+            <a:avLst/>
+          </a:prstGeom>
+          <a:solidFill>
+            <a:schemeClr val="bg1"/>
+          </a:solidFill>
+          <a:ln>
+            <a:solidFill>
+              <a:schemeClr val="tx1"/>
+            </a:solidFill>
+          </a:ln>
+        </p:spPr>
+        <p:style>
+          <a:lnRef idx="2">
+            <a:schemeClr val="accent1">
+              <a:shade val="50000"/>
+            </a:schemeClr>
+          </a:lnRef>
+          <a:fillRef idx="1">
+            <a:schemeClr val="accent1"/>
+          </a:fillRef>
+          <a:effectRef idx="0">
+            <a:schemeClr val="accent1"/>
+          </a:effectRef>
+          <a:fontRef idx="minor">
+            <a:schemeClr val="lt1"/>
+          </a:fontRef>
+        </p:style>
+        <p:txBody>
+          <a:bodyPr rtlCol="0" anchor="ctr"/>
+          <a:lstStyle/>
+          <a:p>
+            <a:pPr algn="ctr"/>
+            <a:endParaRPr kumimoji="1" lang="ja-JP" altLang="en-US"/>
+          </a:p>
+        </p:txBody>
+      </p:sp>
+      <p:sp>
+        <p:nvSpPr>
+          <p:cNvPr id="25" name="テキスト ボックス 24">
+            <a:extLst>
+              <a:ext uri="{FF2B5EF4-FFF2-40B4-BE49-F238E27FC236}">
+                <a16:creationId xmlns:a16="http://schemas.microsoft.com/office/drawing/2014/main" id="{CACDFB94-138E-441C-81B4-B8D642EBCBA0}"/>
+              </a:ext>
+            </a:extLst>
+          </p:cNvPr>
+          <p:cNvSpPr txBox="1"/>
+          <p:nvPr/>
+        </p:nvSpPr>
+        <p:spPr>
+          <a:xfrm>
+            <a:off x="2378994" y="5855690"/>
+            <a:ext cx="2088413" cy="338554"/>
+          </a:xfrm>
+          <a:prstGeom prst="rect">
+            <a:avLst/>
+          </a:prstGeom>
+          <a:noFill/>
+        </p:spPr>
+        <p:txBody>
+          <a:bodyPr wrap="square" rtlCol="0">
+            <a:spAutoFit/>
+          </a:bodyPr>
+          <a:lstStyle/>
+          <a:p>
+            <a:r>
+              <a:rPr kumimoji="1" lang="ja-JP" altLang="en-US" sz="1600" b="1" dirty="0"/>
+              <a:t>登録</a:t>
+            </a:r>
+            <a:r>
+              <a:rPr kumimoji="1" lang="en-US" altLang="ja-JP" sz="1600" b="1" dirty="0"/>
+              <a:t>/</a:t>
+            </a:r>
+            <a:r>
+              <a:rPr kumimoji="1" lang="ja-JP" altLang="en-US" sz="1600" b="1" dirty="0"/>
+              <a:t>編集</a:t>
+            </a:r>
+            <a:r>
+              <a:rPr kumimoji="1" lang="en-US" altLang="ja-JP" sz="1600" b="1" dirty="0"/>
+              <a:t>/</a:t>
+            </a:r>
+            <a:r>
+              <a:rPr kumimoji="1" lang="ja-JP" altLang="en-US" sz="1600" b="1" dirty="0"/>
+              <a:t>削除</a:t>
+            </a:r>
+            <a:r>
+              <a:rPr kumimoji="1" lang="en-US" altLang="ja-JP" sz="1600" b="1" dirty="0"/>
+              <a:t>/</a:t>
+            </a:r>
+            <a:r>
+              <a:rPr kumimoji="1" lang="ja-JP" altLang="en-US" sz="1600" b="1" dirty="0"/>
+              <a:t>確認</a:t>
+            </a:r>
+          </a:p>
+        </p:txBody>
+      </p:sp>
+      <p:sp>
+        <p:nvSpPr>
+          <p:cNvPr id="26" name="正方形/長方形 25">
+            <a:extLst>
+              <a:ext uri="{FF2B5EF4-FFF2-40B4-BE49-F238E27FC236}">
+                <a16:creationId xmlns:a16="http://schemas.microsoft.com/office/drawing/2014/main" id="{489B2D3E-1E1A-4B07-9C72-2F6808184EF3}"/>
+              </a:ext>
+            </a:extLst>
+          </p:cNvPr>
+          <p:cNvSpPr/>
+          <p:nvPr/>
+        </p:nvSpPr>
+        <p:spPr>
+          <a:xfrm>
+            <a:off x="5716511" y="4546163"/>
+            <a:ext cx="3677772" cy="690115"/>
+          </a:xfrm>
+          <a:prstGeom prst="rect">
+            <a:avLst/>
+          </a:prstGeom>
+          <a:solidFill>
+            <a:schemeClr val="bg1"/>
+          </a:solidFill>
+          <a:ln>
+            <a:solidFill>
+              <a:schemeClr val="bg1"/>
+            </a:solidFill>
+          </a:ln>
+        </p:spPr>
+        <p:style>
+          <a:lnRef idx="2">
+            <a:schemeClr val="accent1">
+              <a:shade val="50000"/>
+            </a:schemeClr>
+          </a:lnRef>
+          <a:fillRef idx="1">
+            <a:schemeClr val="accent1"/>
+          </a:fillRef>
+          <a:effectRef idx="0">
+            <a:schemeClr val="accent1"/>
+          </a:effectRef>
+          <a:fontRef idx="minor">
+            <a:schemeClr val="lt1"/>
+          </a:fontRef>
+        </p:style>
+        <p:txBody>
+          <a:bodyPr rtlCol="0" anchor="ctr"/>
+          <a:lstStyle/>
+          <a:p>
+            <a:pPr algn="ctr"/>
+            <a:endParaRPr kumimoji="1" lang="ja-JP" altLang="en-US"/>
+          </a:p>
+        </p:txBody>
+      </p:sp>
+      <p:sp>
+        <p:nvSpPr>
+          <p:cNvPr id="27" name="正方形/長方形 26">
+            <a:extLst>
+              <a:ext uri="{FF2B5EF4-FFF2-40B4-BE49-F238E27FC236}">
+                <a16:creationId xmlns:a16="http://schemas.microsoft.com/office/drawing/2014/main" id="{94F3240C-3567-4956-9CDB-1D1660739417}"/>
+              </a:ext>
+            </a:extLst>
+          </p:cNvPr>
+          <p:cNvSpPr/>
+          <p:nvPr/>
+        </p:nvSpPr>
+        <p:spPr>
+          <a:xfrm>
+            <a:off x="6669089" y="1593950"/>
+            <a:ext cx="4415116" cy="4772920"/>
+          </a:xfrm>
+          <a:prstGeom prst="rect">
+            <a:avLst/>
+          </a:prstGeom>
+          <a:solidFill>
+            <a:schemeClr val="bg1"/>
+          </a:solidFill>
+          <a:ln>
+            <a:solidFill>
+              <a:schemeClr val="bg1"/>
+            </a:solidFill>
+          </a:ln>
+        </p:spPr>
+        <p:style>
+          <a:lnRef idx="2">
+            <a:schemeClr val="accent1">
+              <a:shade val="50000"/>
+            </a:schemeClr>
+          </a:lnRef>
+          <a:fillRef idx="1">
+            <a:schemeClr val="accent1"/>
+          </a:fillRef>
+          <a:effectRef idx="0">
+            <a:schemeClr val="accent1"/>
+          </a:effectRef>
+          <a:fontRef idx="minor">
+            <a:schemeClr val="lt1"/>
+          </a:fontRef>
+        </p:style>
+        <p:txBody>
+          <a:bodyPr rtlCol="0" anchor="ctr"/>
+          <a:lstStyle/>
+          <a:p>
+            <a:pPr algn="ctr"/>
+            <a:endParaRPr kumimoji="1" lang="ja-JP" altLang="en-US"/>
+          </a:p>
+        </p:txBody>
+      </p:sp>
+      <p:pic>
+        <p:nvPicPr>
+          <p:cNvPr id="28" name="図 27">
+            <a:extLst>
+              <a:ext uri="{FF2B5EF4-FFF2-40B4-BE49-F238E27FC236}">
+                <a16:creationId xmlns:a16="http://schemas.microsoft.com/office/drawing/2014/main" id="{455D13A9-7F8E-4E33-A4FD-7649DC9DDC8D}"/>
+              </a:ext>
+            </a:extLst>
+          </p:cNvPr>
+          <p:cNvPicPr>
+            <a:picLocks noChangeAspect="1"/>
+          </p:cNvPicPr>
+          <p:nvPr/>
+        </p:nvPicPr>
+        <p:blipFill>
+          <a:blip r:embed="rId5">
+            <a:extLst>
+              <a:ext uri="{28A0092B-C50C-407E-A947-70E740481C1C}">
+                <a14:useLocalDpi xmlns:a14="http://schemas.microsoft.com/office/drawing/2010/main" val="0"/>
+              </a:ext>
+            </a:extLst>
+          </a:blip>
+          <a:stretch>
+            <a:fillRect/>
+          </a:stretch>
+        </p:blipFill>
+        <p:spPr>
+          <a:xfrm>
+            <a:off x="9744967" y="2784208"/>
+            <a:ext cx="1705091" cy="1705091"/>
+          </a:xfrm>
+          <a:prstGeom prst="rect">
+            <a:avLst/>
+          </a:prstGeom>
+        </p:spPr>
+      </p:pic>
+      <p:sp>
+        <p:nvSpPr>
+          <p:cNvPr id="48" name="正方形/長方形 47">
+            <a:extLst>
+              <a:ext uri="{FF2B5EF4-FFF2-40B4-BE49-F238E27FC236}">
+                <a16:creationId xmlns:a16="http://schemas.microsoft.com/office/drawing/2014/main" id="{60F90A1B-4776-4478-A90C-29DE59AE9B8B}"/>
+              </a:ext>
+            </a:extLst>
+          </p:cNvPr>
+          <p:cNvSpPr/>
+          <p:nvPr/>
+        </p:nvSpPr>
+        <p:spPr>
+          <a:xfrm>
+            <a:off x="5445407" y="3075903"/>
+            <a:ext cx="4567516" cy="2133750"/>
+          </a:xfrm>
+          <a:prstGeom prst="rect">
+            <a:avLst/>
+          </a:prstGeom>
+          <a:solidFill>
+            <a:schemeClr val="bg1"/>
+          </a:solidFill>
+          <a:ln>
+            <a:solidFill>
+              <a:schemeClr val="bg1"/>
+            </a:solidFill>
+          </a:ln>
+        </p:spPr>
+        <p:style>
+          <a:lnRef idx="2">
+            <a:schemeClr val="accent1">
+              <a:shade val="50000"/>
+            </a:schemeClr>
+          </a:lnRef>
+          <a:fillRef idx="1">
+            <a:schemeClr val="accent1"/>
+          </a:fillRef>
+          <a:effectRef idx="0">
+            <a:schemeClr val="accent1"/>
+          </a:effectRef>
+          <a:fontRef idx="minor">
+            <a:schemeClr val="lt1"/>
+          </a:fontRef>
+        </p:style>
+        <p:txBody>
+          <a:bodyPr rtlCol="0" anchor="ctr"/>
+          <a:lstStyle/>
+          <a:p>
+            <a:pPr algn="ctr"/>
+            <a:endParaRPr kumimoji="1" lang="ja-JP" altLang="en-US"/>
+          </a:p>
+        </p:txBody>
+      </p:sp>
+      <p:cxnSp>
+        <p:nvCxnSpPr>
+          <p:cNvPr id="66" name="コネクタ: カギ線 65">
+            <a:extLst>
+              <a:ext uri="{FF2B5EF4-FFF2-40B4-BE49-F238E27FC236}">
+                <a16:creationId xmlns:a16="http://schemas.microsoft.com/office/drawing/2014/main" id="{FAC448D3-B342-4A62-B920-5A222C36C7B4}"/>
+              </a:ext>
+            </a:extLst>
+          </p:cNvPr>
+          <p:cNvCxnSpPr/>
+          <p:nvPr/>
+        </p:nvCxnSpPr>
+        <p:spPr>
+          <a:xfrm>
+            <a:off x="6669089" y="1767490"/>
+            <a:ext cx="3806170" cy="1273325"/>
+          </a:xfrm>
+          <a:prstGeom prst="bentConnector3">
+            <a:avLst>
+              <a:gd name="adj1" fmla="val 100168"/>
+            </a:avLst>
+          </a:prstGeom>
+          <a:ln w="19050">
+            <a:solidFill>
+              <a:schemeClr val="tx1"/>
+            </a:solidFill>
+            <a:headEnd type="triangle"/>
+            <a:tailEnd type="triangle"/>
+          </a:ln>
+        </p:spPr>
+        <p:style>
+          <a:lnRef idx="1">
+            <a:schemeClr val="accent1"/>
+          </a:lnRef>
+          <a:fillRef idx="0">
+            <a:schemeClr val="accent1"/>
+          </a:fillRef>
+          <a:effectRef idx="0">
+            <a:schemeClr val="accent1"/>
+          </a:effectRef>
+          <a:fontRef idx="minor">
+            <a:schemeClr val="tx1"/>
+          </a:fontRef>
+        </p:style>
+      </p:cxnSp>
+      <p:cxnSp>
+        <p:nvCxnSpPr>
+          <p:cNvPr id="71" name="コネクタ: カギ線 70">
+            <a:extLst>
+              <a:ext uri="{FF2B5EF4-FFF2-40B4-BE49-F238E27FC236}">
+                <a16:creationId xmlns:a16="http://schemas.microsoft.com/office/drawing/2014/main" id="{3F4133C4-C987-4710-B3DC-91FB2FCF8411}"/>
+              </a:ext>
+            </a:extLst>
+          </p:cNvPr>
+          <p:cNvCxnSpPr>
+            <a:cxnSpLocks/>
+          </p:cNvCxnSpPr>
+          <p:nvPr/>
+        </p:nvCxnSpPr>
+        <p:spPr>
+          <a:xfrm flipV="1">
+            <a:off x="6618673" y="4318061"/>
+            <a:ext cx="3856586" cy="1329940"/>
+          </a:xfrm>
+          <a:prstGeom prst="bentConnector3">
+            <a:avLst>
+              <a:gd name="adj1" fmla="val 100210"/>
+            </a:avLst>
+          </a:prstGeom>
+          <a:ln w="19050">
+            <a:solidFill>
+              <a:schemeClr val="tx1"/>
+            </a:solidFill>
+            <a:headEnd type="triangle"/>
+            <a:tailEnd type="triangle"/>
+          </a:ln>
+        </p:spPr>
+        <p:style>
+          <a:lnRef idx="1">
+            <a:schemeClr val="accent1"/>
+          </a:lnRef>
+          <a:fillRef idx="0">
+            <a:schemeClr val="accent1"/>
+          </a:fillRef>
+          <a:effectRef idx="0">
+            <a:schemeClr val="accent1"/>
+          </a:effectRef>
+          <a:fontRef idx="minor">
+            <a:schemeClr val="tx1"/>
+          </a:fontRef>
+        </p:style>
+      </p:cxnSp>
+    </p:spTree>
+    <p:extLst>
+      <p:ext uri="{BB962C8B-B14F-4D97-AF65-F5344CB8AC3E}">
+        <p14:creationId xmlns:p14="http://schemas.microsoft.com/office/powerpoint/2010/main" val="2863034656"/>
+      </p:ext>
+    </p:extLst>
+  </p:cSld>
+  <p:clrMapOvr>
+    <a:masterClrMapping/>
+  </p:clrMapOvr>
+</p:sld>
+</file>
+
+<file path=ppt/slides/slide7.xml><?xml version="1.0" encoding="utf-8"?>
+<p:sld xmlns:a="http://schemas.openxmlformats.org/drawingml/2006/main" xmlns:r="http://schemas.openxmlformats.org/officeDocument/2006/relationships" xmlns:p="http://schemas.openxmlformats.org/presentationml/2006/main" showMasterSp="0">
+  <p:cSld>
+    <p:spTree>
+      <p:nvGrpSpPr>
+        <p:cNvPr id="1" name=""/>
+        <p:cNvGrpSpPr/>
+        <p:nvPr/>
+      </p:nvGrpSpPr>
+      <p:grpSpPr>
+        <a:xfrm>
+          <a:off x="0" y="0"/>
+          <a:ext cx="0" cy="0"/>
+          <a:chOff x="0" y="0"/>
+          <a:chExt cx="0" cy="0"/>
+        </a:xfrm>
+      </p:grpSpPr>
+      <p:sp>
+        <p:nvSpPr>
+          <p:cNvPr id="90" name="PlaceHolder 1"/>
+          <p:cNvSpPr>
+            <a:spLocks noGrp="1"/>
+          </p:cNvSpPr>
+          <p:nvPr>
+            <p:ph type="title"/>
+          </p:nvPr>
+        </p:nvSpPr>
+        <p:spPr>
+          <a:xfrm>
+            <a:off x="4407404" y="506520"/>
+            <a:ext cx="3377192" cy="824760"/>
+          </a:xfrm>
+        </p:spPr>
+        <p:txBody>
+          <a:bodyPr/>
+          <a:lstStyle/>
+          <a:p>
+            <a:r>
+              <a:rPr lang="ja-JP" altLang="en-US" sz="3600" dirty="0"/>
+              <a:t>技術スタック</a:t>
+            </a:r>
+            <a:endParaRPr lang="en-US" sz="3600" dirty="0"/>
+          </a:p>
+        </p:txBody>
+      </p:sp>
+      <p:sp>
+        <p:nvSpPr>
+          <p:cNvPr id="7" name="PlaceHolder 3">
+            <a:extLst>
+              <a:ext uri="{FF2B5EF4-FFF2-40B4-BE49-F238E27FC236}">
+                <a16:creationId xmlns:a16="http://schemas.microsoft.com/office/drawing/2014/main" id="{8ED56BC3-F8D4-4844-99D0-AFE98F3E23FC}"/>
+              </a:ext>
+            </a:extLst>
+          </p:cNvPr>
+          <p:cNvSpPr>
+            <a:spLocks noGrp="1"/>
+          </p:cNvSpPr>
+          <p:nvPr>
+            <p:ph/>
+          </p:nvPr>
+        </p:nvSpPr>
+        <p:spPr>
+          <a:xfrm>
+            <a:off x="906600" y="1572840"/>
+            <a:ext cx="10679760" cy="3953880"/>
+          </a:xfrm>
+          <a:prstGeom prst="rect">
+            <a:avLst/>
+          </a:prstGeom>
+          <a:noFill/>
+          <a:ln w="0">
+            <a:noFill/>
+          </a:ln>
+        </p:spPr>
+        <p:txBody>
+          <a:bodyPr lIns="0" tIns="0" rIns="0" bIns="0" anchor="t">
+            <a:noAutofit/>
+          </a:bodyPr>
+          <a:lstStyle/>
+          <a:p>
+            <a:pPr marL="19080" indent="0">
+              <a:lnSpc>
+                <a:spcPct val="100000"/>
+              </a:lnSpc>
+              <a:spcBef>
+                <a:spcPts val="1001"/>
+              </a:spcBef>
+              <a:buNone/>
+              <a:tabLst>
+                <a:tab pos="0" algn="l"/>
+              </a:tabLst>
+            </a:pPr>
+            <a:r>
+              <a:rPr lang="ja-JP" sz="2800" b="0" strike="noStrike" spc="-1" dirty="0">
+                <a:solidFill>
+                  <a:schemeClr val="dk1"/>
+                </a:solidFill>
+                <a:latin typeface="Arial"/>
+                <a:ea typeface="Arial"/>
+              </a:rPr>
+              <a:t>サーバー</a:t>
+            </a:r>
+            <a:r>
+              <a:rPr lang="en-US" sz="2800" b="0" strike="noStrike" spc="-1" dirty="0">
+                <a:solidFill>
+                  <a:schemeClr val="dk1"/>
+                </a:solidFill>
+                <a:latin typeface="Arial"/>
+                <a:ea typeface="Arial"/>
+              </a:rPr>
+              <a:t>: Apache Tomcat</a:t>
+            </a:r>
+            <a:endParaRPr lang="en-US" sz="2800" b="0" strike="noStrike" spc="-1" dirty="0">
+              <a:solidFill>
+                <a:srgbClr val="000000"/>
+              </a:solidFill>
+              <a:latin typeface="Arial"/>
+            </a:endParaRPr>
+          </a:p>
+          <a:p>
+            <a:pPr marL="19080" indent="0">
+              <a:lnSpc>
+                <a:spcPct val="100000"/>
+              </a:lnSpc>
+              <a:spcBef>
+                <a:spcPts val="1001"/>
+              </a:spcBef>
+              <a:buNone/>
+              <a:tabLst>
+                <a:tab pos="0" algn="l"/>
+              </a:tabLst>
+            </a:pPr>
+            <a:r>
+              <a:rPr lang="ja-JP" sz="2800" b="0" strike="noStrike" spc="-1" dirty="0">
+                <a:solidFill>
+                  <a:schemeClr val="dk1"/>
+                </a:solidFill>
+                <a:latin typeface="Arial"/>
+                <a:ea typeface="Arial"/>
+              </a:rPr>
+              <a:t>フレームワーク</a:t>
+            </a:r>
+            <a:r>
+              <a:rPr lang="en-US" sz="2800" b="0" strike="noStrike" spc="-1" dirty="0">
+                <a:solidFill>
+                  <a:schemeClr val="dk1"/>
+                </a:solidFill>
+                <a:latin typeface="Arial"/>
+                <a:ea typeface="Arial"/>
+              </a:rPr>
+              <a:t>: Spring Boot(</a:t>
+            </a:r>
+            <a:r>
+              <a:rPr lang="en-US" sz="2800" b="0" strike="noStrike" spc="-1" dirty="0" err="1">
+                <a:solidFill>
+                  <a:schemeClr val="dk1"/>
+                </a:solidFill>
+                <a:latin typeface="Arial"/>
+                <a:ea typeface="Arial"/>
+              </a:rPr>
+              <a:t>MyBatis</a:t>
+            </a:r>
+            <a:r>
+              <a:rPr lang="en-US" sz="2800" b="0" strike="noStrike" spc="-1" dirty="0">
+                <a:solidFill>
+                  <a:schemeClr val="dk1"/>
+                </a:solidFill>
+                <a:latin typeface="Arial"/>
+                <a:ea typeface="Arial"/>
+              </a:rPr>
+              <a:t>, Lombok, Spring Web ,   </a:t>
+            </a:r>
+            <a:r>
+              <a:rPr lang="en-US" sz="2800" b="0" strike="noStrike" spc="-1" dirty="0" err="1">
+                <a:solidFill>
+                  <a:schemeClr val="dk1"/>
+                </a:solidFill>
+                <a:latin typeface="Arial"/>
+                <a:ea typeface="Arial"/>
+              </a:rPr>
+              <a:t>Thymeleaf</a:t>
+            </a:r>
+            <a:r>
+              <a:rPr lang="en-US" sz="2800" b="0" strike="noStrike" spc="-1" dirty="0">
+                <a:solidFill>
+                  <a:schemeClr val="dk1"/>
+                </a:solidFill>
+                <a:latin typeface="Arial"/>
+                <a:ea typeface="Arial"/>
+              </a:rPr>
+              <a:t>, Validation, MySQL Driver)</a:t>
+            </a:r>
+            <a:endParaRPr lang="en-US" sz="2800" b="0" strike="noStrike" spc="-1" dirty="0">
+              <a:solidFill>
+                <a:srgbClr val="000000"/>
+              </a:solidFill>
+              <a:latin typeface="Arial"/>
+            </a:endParaRPr>
+          </a:p>
+          <a:p>
+            <a:pPr marL="19080" indent="0">
+              <a:lnSpc>
+                <a:spcPct val="100000"/>
+              </a:lnSpc>
+              <a:spcBef>
+                <a:spcPts val="1001"/>
+              </a:spcBef>
+              <a:buNone/>
+              <a:tabLst>
+                <a:tab pos="0" algn="l"/>
+              </a:tabLst>
+            </a:pPr>
+            <a:r>
+              <a:rPr lang="ja-JP" sz="2800" b="0" strike="noStrike" spc="-1" dirty="0">
+                <a:solidFill>
+                  <a:schemeClr val="dk1"/>
+                </a:solidFill>
+                <a:latin typeface="Arial"/>
+                <a:ea typeface="Arial"/>
+              </a:rPr>
+              <a:t>データベース</a:t>
+            </a:r>
+            <a:r>
+              <a:rPr lang="en-US" sz="2800" b="0" strike="noStrike" spc="-1" dirty="0">
+                <a:solidFill>
+                  <a:schemeClr val="dk1"/>
+                </a:solidFill>
+                <a:latin typeface="Arial"/>
+                <a:ea typeface="Arial"/>
+              </a:rPr>
+              <a:t>: MySQL</a:t>
+            </a:r>
+            <a:endParaRPr lang="en-US" sz="2800" b="0" strike="noStrike" spc="-1" dirty="0">
+              <a:solidFill>
+                <a:srgbClr val="000000"/>
+              </a:solidFill>
+              <a:latin typeface="Arial"/>
+            </a:endParaRPr>
+          </a:p>
+          <a:p>
+            <a:pPr marL="19080" indent="0">
+              <a:lnSpc>
+                <a:spcPct val="100000"/>
+              </a:lnSpc>
+              <a:spcBef>
+                <a:spcPts val="1001"/>
+              </a:spcBef>
+              <a:buNone/>
+              <a:tabLst>
+                <a:tab pos="0" algn="l"/>
+              </a:tabLst>
+            </a:pPr>
+            <a:r>
+              <a:rPr lang="ja-JP" sz="2800" b="0" strike="noStrike" spc="-1" dirty="0">
+                <a:solidFill>
+                  <a:schemeClr val="dk1"/>
+                </a:solidFill>
+                <a:latin typeface="Arial"/>
+                <a:ea typeface="Arial"/>
+              </a:rPr>
+              <a:t>バックエンド</a:t>
+            </a:r>
+            <a:r>
+              <a:rPr lang="en-US" sz="2800" b="0" strike="noStrike" spc="-1" dirty="0">
+                <a:solidFill>
+                  <a:schemeClr val="dk1"/>
+                </a:solidFill>
+                <a:latin typeface="Arial"/>
+                <a:ea typeface="Arial"/>
+              </a:rPr>
+              <a:t>: Java</a:t>
+            </a:r>
+            <a:endParaRPr lang="en-US" sz="2800" b="0" strike="noStrike" spc="-1" dirty="0">
+              <a:solidFill>
+                <a:srgbClr val="000000"/>
+              </a:solidFill>
+              <a:latin typeface="Arial"/>
+            </a:endParaRPr>
+          </a:p>
+          <a:p>
+            <a:pPr marL="19080" indent="0">
+              <a:lnSpc>
+                <a:spcPct val="100000"/>
+              </a:lnSpc>
+              <a:spcBef>
+                <a:spcPts val="1001"/>
+              </a:spcBef>
+              <a:buNone/>
+              <a:tabLst>
+                <a:tab pos="0" algn="l"/>
+              </a:tabLst>
+            </a:pPr>
+            <a:r>
+              <a:rPr lang="ja-JP" sz="2800" b="0" strike="noStrike" spc="-1" dirty="0">
+                <a:solidFill>
+                  <a:schemeClr val="dk1"/>
+                </a:solidFill>
+                <a:latin typeface="Arial"/>
+                <a:ea typeface="Arial"/>
+              </a:rPr>
+              <a:t>フロントエンド</a:t>
+            </a:r>
+            <a:r>
+              <a:rPr lang="en-US" sz="2800" b="0" strike="noStrike" spc="-1" dirty="0">
+                <a:solidFill>
+                  <a:schemeClr val="dk1"/>
+                </a:solidFill>
+                <a:latin typeface="Arial"/>
+                <a:ea typeface="Arial"/>
+              </a:rPr>
+              <a:t>: HTML,  CSS, JavaScript , Bootstrap</a:t>
+            </a:r>
+            <a:endParaRPr lang="en-US" sz="2800" b="0" strike="noStrike" spc="-1" dirty="0">
+              <a:solidFill>
+                <a:srgbClr val="000000"/>
+              </a:solidFill>
+              <a:latin typeface="Arial"/>
+            </a:endParaRPr>
+          </a:p>
+          <a:p>
+            <a:pPr marL="19080" indent="0">
+              <a:lnSpc>
+                <a:spcPct val="100000"/>
+              </a:lnSpc>
+              <a:spcBef>
+                <a:spcPts val="1001"/>
+              </a:spcBef>
+              <a:buNone/>
+              <a:tabLst>
+                <a:tab pos="0" algn="l"/>
+              </a:tabLst>
+            </a:pPr>
+            <a:endParaRPr lang="en-US" sz="2800" b="0" strike="noStrike" spc="-1" dirty="0">
+              <a:solidFill>
+                <a:srgbClr val="000000"/>
+              </a:solidFill>
+              <a:latin typeface="Arial"/>
+            </a:endParaRPr>
+          </a:p>
+        </p:txBody>
+      </p:sp>
+    </p:spTree>
+    <p:extLst>
+      <p:ext uri="{BB962C8B-B14F-4D97-AF65-F5344CB8AC3E}">
+        <p14:creationId xmlns:p14="http://schemas.microsoft.com/office/powerpoint/2010/main" val="2306584340"/>
+      </p:ext>
+    </p:extLst>
+  </p:cSld>
+  <p:clrMapOvr>
+    <a:masterClrMapping/>
+  </p:clrMapOvr>
+</p:sld>
+</file>
+
+<file path=ppt/slides/slide8.xml><?xml version="1.0" encoding="utf-8"?>
 <p:sld xmlns:a="http://schemas.openxmlformats.org/drawingml/2006/main" xmlns:r="http://schemas.openxmlformats.org/officeDocument/2006/relationships" xmlns:p="http://schemas.openxmlformats.org/presentationml/2006/main" showMasterSp="0">
   <p:cSld>
     <p:spTree>
@@ -18256,1080 +19451,6 @@
 </p:sld>
 </file>
 
-<file path=ppt/slides/slide5.xml><?xml version="1.0" encoding="utf-8"?>
-<p:sld xmlns:a="http://schemas.openxmlformats.org/drawingml/2006/main" xmlns:r="http://schemas.openxmlformats.org/officeDocument/2006/relationships" xmlns:p="http://schemas.openxmlformats.org/presentationml/2006/main" showMasterSp="0">
-  <p:cSld>
-    <p:spTree>
-      <p:nvGrpSpPr>
-        <p:cNvPr id="1" name=""/>
-        <p:cNvGrpSpPr/>
-        <p:nvPr/>
-      </p:nvGrpSpPr>
-      <p:grpSpPr>
-        <a:xfrm>
-          <a:off x="0" y="0"/>
-          <a:ext cx="0" cy="0"/>
-          <a:chOff x="0" y="0"/>
-          <a:chExt cx="0" cy="0"/>
-        </a:xfrm>
-      </p:grpSpPr>
-      <p:sp useBgFill="1">
-        <p:nvSpPr>
-          <p:cNvPr id="7" name="タイトル 6">
-            <a:extLst>
-              <a:ext uri="{FF2B5EF4-FFF2-40B4-BE49-F238E27FC236}">
-                <a16:creationId xmlns:a16="http://schemas.microsoft.com/office/drawing/2014/main" id="{AE0789F7-6677-41CD-B422-A5AA319E3475}"/>
-              </a:ext>
-            </a:extLst>
-          </p:cNvPr>
-          <p:cNvSpPr>
-            <a:spLocks noGrp="1"/>
-          </p:cNvSpPr>
-          <p:nvPr>
-            <p:ph type="title"/>
-          </p:nvPr>
-        </p:nvSpPr>
-        <p:spPr>
-          <a:xfrm>
-            <a:off x="4861740" y="2284200"/>
-            <a:ext cx="3002100" cy="1144800"/>
-          </a:xfrm>
-        </p:spPr>
-        <p:txBody>
-          <a:bodyPr/>
-          <a:lstStyle/>
-          <a:p>
-            <a:r>
-              <a:rPr kumimoji="1" lang="ja-JP" altLang="en-US" sz="4800" dirty="0"/>
-              <a:t>機能要件</a:t>
-            </a:r>
-          </a:p>
-        </p:txBody>
-      </p:sp>
-    </p:spTree>
-    <p:extLst>
-      <p:ext uri="{BB962C8B-B14F-4D97-AF65-F5344CB8AC3E}">
-        <p14:creationId xmlns:p14="http://schemas.microsoft.com/office/powerpoint/2010/main" val="1776778486"/>
-      </p:ext>
-    </p:extLst>
-  </p:cSld>
-  <p:clrMapOvr>
-    <a:masterClrMapping/>
-  </p:clrMapOvr>
-</p:sld>
-</file>
-
-<file path=ppt/slides/slide6.xml><?xml version="1.0" encoding="utf-8"?>
-<p:sld xmlns:a="http://schemas.openxmlformats.org/drawingml/2006/main" xmlns:r="http://schemas.openxmlformats.org/officeDocument/2006/relationships" xmlns:p="http://schemas.openxmlformats.org/presentationml/2006/main" showMasterSp="0">
-  <p:cSld>
-    <p:spTree>
-      <p:nvGrpSpPr>
-        <p:cNvPr id="1" name=""/>
-        <p:cNvGrpSpPr/>
-        <p:nvPr/>
-      </p:nvGrpSpPr>
-      <p:grpSpPr>
-        <a:xfrm>
-          <a:off x="0" y="0"/>
-          <a:ext cx="0" cy="0"/>
-          <a:chOff x="0" y="0"/>
-          <a:chExt cx="0" cy="0"/>
-        </a:xfrm>
-      </p:grpSpPr>
-      <p:sp>
-        <p:nvSpPr>
-          <p:cNvPr id="90" name="PlaceHolder 1"/>
-          <p:cNvSpPr>
-            <a:spLocks noGrp="1"/>
-          </p:cNvSpPr>
-          <p:nvPr>
-            <p:ph type="title"/>
-          </p:nvPr>
-        </p:nvSpPr>
-        <p:spPr>
-          <a:xfrm>
-            <a:off x="5484420" y="339780"/>
-            <a:ext cx="1068780" cy="824760"/>
-          </a:xfrm>
-        </p:spPr>
-        <p:txBody>
-          <a:bodyPr/>
-          <a:lstStyle/>
-          <a:p>
-            <a:r>
-              <a:rPr lang="ja-JP" altLang="en-US" sz="3600" dirty="0"/>
-              <a:t>前提</a:t>
-            </a:r>
-            <a:endParaRPr lang="en-US" sz="3600" dirty="0"/>
-          </a:p>
-        </p:txBody>
-      </p:sp>
-      <p:sp>
-        <p:nvSpPr>
-          <p:cNvPr id="7" name="PlaceHolder 3">
-            <a:extLst>
-              <a:ext uri="{FF2B5EF4-FFF2-40B4-BE49-F238E27FC236}">
-                <a16:creationId xmlns:a16="http://schemas.microsoft.com/office/drawing/2014/main" id="{8ED56BC3-F8D4-4844-99D0-AFE98F3E23FC}"/>
-              </a:ext>
-            </a:extLst>
-          </p:cNvPr>
-          <p:cNvSpPr>
-            <a:spLocks noGrp="1"/>
-          </p:cNvSpPr>
-          <p:nvPr>
-            <p:ph/>
-          </p:nvPr>
-        </p:nvSpPr>
-        <p:spPr>
-          <a:xfrm>
-            <a:off x="906600" y="1572840"/>
-            <a:ext cx="10679760" cy="3953880"/>
-          </a:xfrm>
-          <a:prstGeom prst="rect">
-            <a:avLst/>
-          </a:prstGeom>
-          <a:noFill/>
-          <a:ln w="0">
-            <a:noFill/>
-          </a:ln>
-        </p:spPr>
-        <p:txBody>
-          <a:bodyPr lIns="0" tIns="0" rIns="0" bIns="0" anchor="t">
-            <a:noAutofit/>
-          </a:bodyPr>
-          <a:lstStyle/>
-          <a:p>
-            <a:pPr marL="19080" indent="0">
-              <a:lnSpc>
-                <a:spcPct val="100000"/>
-              </a:lnSpc>
-              <a:spcBef>
-                <a:spcPts val="1001"/>
-              </a:spcBef>
-              <a:buNone/>
-              <a:tabLst>
-                <a:tab pos="0" algn="l"/>
-              </a:tabLst>
-            </a:pPr>
-            <a:r>
-              <a:rPr lang="ja-JP" sz="2800" b="0" strike="noStrike" spc="-1" dirty="0">
-                <a:solidFill>
-                  <a:schemeClr val="dk1"/>
-                </a:solidFill>
-                <a:latin typeface="Arial"/>
-                <a:ea typeface="Arial"/>
-              </a:rPr>
-              <a:t>サーバー</a:t>
-            </a:r>
-            <a:r>
-              <a:rPr lang="en-US" sz="2800" b="0" strike="noStrike" spc="-1" dirty="0">
-                <a:solidFill>
-                  <a:schemeClr val="dk1"/>
-                </a:solidFill>
-                <a:latin typeface="Arial"/>
-                <a:ea typeface="Arial"/>
-              </a:rPr>
-              <a:t>: Apache Tomcat</a:t>
-            </a:r>
-            <a:endParaRPr lang="en-US" sz="2800" b="0" strike="noStrike" spc="-1" dirty="0">
-              <a:solidFill>
-                <a:srgbClr val="000000"/>
-              </a:solidFill>
-              <a:latin typeface="Arial"/>
-            </a:endParaRPr>
-          </a:p>
-          <a:p>
-            <a:pPr marL="19080" indent="0">
-              <a:lnSpc>
-                <a:spcPct val="100000"/>
-              </a:lnSpc>
-              <a:spcBef>
-                <a:spcPts val="1001"/>
-              </a:spcBef>
-              <a:buNone/>
-              <a:tabLst>
-                <a:tab pos="0" algn="l"/>
-              </a:tabLst>
-            </a:pPr>
-            <a:r>
-              <a:rPr lang="ja-JP" sz="2800" b="0" strike="noStrike" spc="-1" dirty="0">
-                <a:solidFill>
-                  <a:schemeClr val="dk1"/>
-                </a:solidFill>
-                <a:latin typeface="Arial"/>
-                <a:ea typeface="Arial"/>
-              </a:rPr>
-              <a:t>フレームワーク</a:t>
-            </a:r>
-            <a:r>
-              <a:rPr lang="en-US" sz="2800" b="0" strike="noStrike" spc="-1" dirty="0">
-                <a:solidFill>
-                  <a:schemeClr val="dk1"/>
-                </a:solidFill>
-                <a:latin typeface="Arial"/>
-                <a:ea typeface="Arial"/>
-              </a:rPr>
-              <a:t>: Spring Boot(</a:t>
-            </a:r>
-            <a:r>
-              <a:rPr lang="en-US" sz="2800" b="0" strike="noStrike" spc="-1" dirty="0" err="1">
-                <a:solidFill>
-                  <a:schemeClr val="dk1"/>
-                </a:solidFill>
-                <a:latin typeface="Arial"/>
-                <a:ea typeface="Arial"/>
-              </a:rPr>
-              <a:t>MyBatis</a:t>
-            </a:r>
-            <a:r>
-              <a:rPr lang="en-US" sz="2800" b="0" strike="noStrike" spc="-1" dirty="0">
-                <a:solidFill>
-                  <a:schemeClr val="dk1"/>
-                </a:solidFill>
-                <a:latin typeface="Arial"/>
-                <a:ea typeface="Arial"/>
-              </a:rPr>
-              <a:t>, Lombok, Spring Web ,   </a:t>
-            </a:r>
-            <a:r>
-              <a:rPr lang="en-US" sz="2800" b="0" strike="noStrike" spc="-1" dirty="0" err="1">
-                <a:solidFill>
-                  <a:schemeClr val="dk1"/>
-                </a:solidFill>
-                <a:latin typeface="Arial"/>
-                <a:ea typeface="Arial"/>
-              </a:rPr>
-              <a:t>Thymeleaf</a:t>
-            </a:r>
-            <a:r>
-              <a:rPr lang="en-US" sz="2800" b="0" strike="noStrike" spc="-1" dirty="0">
-                <a:solidFill>
-                  <a:schemeClr val="dk1"/>
-                </a:solidFill>
-                <a:latin typeface="Arial"/>
-                <a:ea typeface="Arial"/>
-              </a:rPr>
-              <a:t>, Validation, MySQL Driver)</a:t>
-            </a:r>
-            <a:endParaRPr lang="en-US" sz="2800" b="0" strike="noStrike" spc="-1" dirty="0">
-              <a:solidFill>
-                <a:srgbClr val="000000"/>
-              </a:solidFill>
-              <a:latin typeface="Arial"/>
-            </a:endParaRPr>
-          </a:p>
-          <a:p>
-            <a:pPr marL="19080" indent="0">
-              <a:lnSpc>
-                <a:spcPct val="100000"/>
-              </a:lnSpc>
-              <a:spcBef>
-                <a:spcPts val="1001"/>
-              </a:spcBef>
-              <a:buNone/>
-              <a:tabLst>
-                <a:tab pos="0" algn="l"/>
-              </a:tabLst>
-            </a:pPr>
-            <a:r>
-              <a:rPr lang="ja-JP" sz="2800" b="0" strike="noStrike" spc="-1" dirty="0">
-                <a:solidFill>
-                  <a:schemeClr val="dk1"/>
-                </a:solidFill>
-                <a:latin typeface="Arial"/>
-                <a:ea typeface="Arial"/>
-              </a:rPr>
-              <a:t>データベース</a:t>
-            </a:r>
-            <a:r>
-              <a:rPr lang="en-US" sz="2800" b="0" strike="noStrike" spc="-1" dirty="0">
-                <a:solidFill>
-                  <a:schemeClr val="dk1"/>
-                </a:solidFill>
-                <a:latin typeface="Arial"/>
-                <a:ea typeface="Arial"/>
-              </a:rPr>
-              <a:t>: MySQL</a:t>
-            </a:r>
-            <a:endParaRPr lang="en-US" sz="2800" b="0" strike="noStrike" spc="-1" dirty="0">
-              <a:solidFill>
-                <a:srgbClr val="000000"/>
-              </a:solidFill>
-              <a:latin typeface="Arial"/>
-            </a:endParaRPr>
-          </a:p>
-          <a:p>
-            <a:pPr marL="19080" indent="0">
-              <a:lnSpc>
-                <a:spcPct val="100000"/>
-              </a:lnSpc>
-              <a:spcBef>
-                <a:spcPts val="1001"/>
-              </a:spcBef>
-              <a:buNone/>
-              <a:tabLst>
-                <a:tab pos="0" algn="l"/>
-              </a:tabLst>
-            </a:pPr>
-            <a:r>
-              <a:rPr lang="ja-JP" sz="2800" b="0" strike="noStrike" spc="-1" dirty="0">
-                <a:solidFill>
-                  <a:schemeClr val="dk1"/>
-                </a:solidFill>
-                <a:latin typeface="Arial"/>
-                <a:ea typeface="Arial"/>
-              </a:rPr>
-              <a:t>バックエンド</a:t>
-            </a:r>
-            <a:r>
-              <a:rPr lang="en-US" sz="2800" b="0" strike="noStrike" spc="-1" dirty="0">
-                <a:solidFill>
-                  <a:schemeClr val="dk1"/>
-                </a:solidFill>
-                <a:latin typeface="Arial"/>
-                <a:ea typeface="Arial"/>
-              </a:rPr>
-              <a:t>: Java</a:t>
-            </a:r>
-            <a:endParaRPr lang="en-US" sz="2800" b="0" strike="noStrike" spc="-1" dirty="0">
-              <a:solidFill>
-                <a:srgbClr val="000000"/>
-              </a:solidFill>
-              <a:latin typeface="Arial"/>
-            </a:endParaRPr>
-          </a:p>
-          <a:p>
-            <a:pPr marL="19080" indent="0">
-              <a:lnSpc>
-                <a:spcPct val="100000"/>
-              </a:lnSpc>
-              <a:spcBef>
-                <a:spcPts val="1001"/>
-              </a:spcBef>
-              <a:buNone/>
-              <a:tabLst>
-                <a:tab pos="0" algn="l"/>
-              </a:tabLst>
-            </a:pPr>
-            <a:r>
-              <a:rPr lang="ja-JP" sz="2800" b="0" strike="noStrike" spc="-1" dirty="0">
-                <a:solidFill>
-                  <a:schemeClr val="dk1"/>
-                </a:solidFill>
-                <a:latin typeface="Arial"/>
-                <a:ea typeface="Arial"/>
-              </a:rPr>
-              <a:t>フロントエンド</a:t>
-            </a:r>
-            <a:r>
-              <a:rPr lang="en-US" sz="2800" b="0" strike="noStrike" spc="-1" dirty="0">
-                <a:solidFill>
-                  <a:schemeClr val="dk1"/>
-                </a:solidFill>
-                <a:latin typeface="Arial"/>
-                <a:ea typeface="Arial"/>
-              </a:rPr>
-              <a:t>: HTML,  CSS, JavaScript , Bootstrap</a:t>
-            </a:r>
-            <a:endParaRPr lang="en-US" sz="2800" b="0" strike="noStrike" spc="-1" dirty="0">
-              <a:solidFill>
-                <a:srgbClr val="000000"/>
-              </a:solidFill>
-              <a:latin typeface="Arial"/>
-            </a:endParaRPr>
-          </a:p>
-          <a:p>
-            <a:pPr marL="19080" indent="0">
-              <a:lnSpc>
-                <a:spcPct val="100000"/>
-              </a:lnSpc>
-              <a:spcBef>
-                <a:spcPts val="1001"/>
-              </a:spcBef>
-              <a:buNone/>
-              <a:tabLst>
-                <a:tab pos="0" algn="l"/>
-              </a:tabLst>
-            </a:pPr>
-            <a:endParaRPr lang="en-US" sz="2800" b="0" strike="noStrike" spc="-1" dirty="0">
-              <a:solidFill>
-                <a:srgbClr val="000000"/>
-              </a:solidFill>
-              <a:latin typeface="Arial"/>
-            </a:endParaRPr>
-          </a:p>
-        </p:txBody>
-      </p:sp>
-    </p:spTree>
-    <p:extLst>
-      <p:ext uri="{BB962C8B-B14F-4D97-AF65-F5344CB8AC3E}">
-        <p14:creationId xmlns:p14="http://schemas.microsoft.com/office/powerpoint/2010/main" val="2306584340"/>
-      </p:ext>
-    </p:extLst>
-  </p:cSld>
-  <p:clrMapOvr>
-    <a:masterClrMapping/>
-  </p:clrMapOvr>
-</p:sld>
-</file>
-
-<file path=ppt/slides/slide7.xml><?xml version="1.0" encoding="utf-8"?>
-<p:sld xmlns:a="http://schemas.openxmlformats.org/drawingml/2006/main" xmlns:r="http://schemas.openxmlformats.org/officeDocument/2006/relationships" xmlns:p="http://schemas.openxmlformats.org/presentationml/2006/main" showMasterSp="0">
-  <p:cSld>
-    <p:spTree>
-      <p:nvGrpSpPr>
-        <p:cNvPr id="1" name=""/>
-        <p:cNvGrpSpPr/>
-        <p:nvPr/>
-      </p:nvGrpSpPr>
-      <p:grpSpPr>
-        <a:xfrm>
-          <a:off x="0" y="0"/>
-          <a:ext cx="0" cy="0"/>
-          <a:chOff x="0" y="0"/>
-          <a:chExt cx="0" cy="0"/>
-        </a:xfrm>
-      </p:grpSpPr>
-      <p:sp>
-        <p:nvSpPr>
-          <p:cNvPr id="90" name="PlaceHolder 1"/>
-          <p:cNvSpPr>
-            <a:spLocks noGrp="1"/>
-          </p:cNvSpPr>
-          <p:nvPr>
-            <p:ph type="title"/>
-          </p:nvPr>
-        </p:nvSpPr>
-        <p:spPr>
-          <a:xfrm>
-            <a:off x="2961270" y="339780"/>
-            <a:ext cx="6929490" cy="824760"/>
-          </a:xfrm>
-        </p:spPr>
-        <p:txBody>
-          <a:bodyPr/>
-          <a:lstStyle/>
-          <a:p>
-            <a:r>
-              <a:rPr lang="ja-JP" altLang="en-US" sz="3600" dirty="0"/>
-              <a:t>機能要件一覧 </a:t>
-            </a:r>
-            <a:r>
-              <a:rPr lang="en-US" altLang="ja-JP" sz="3600" dirty="0"/>
-              <a:t>–</a:t>
-            </a:r>
-            <a:r>
-              <a:rPr lang="ja-JP" altLang="en-US" sz="3600" dirty="0"/>
-              <a:t> フロント側機能</a:t>
-            </a:r>
-            <a:endParaRPr lang="en-US" sz="3600" dirty="0"/>
-          </a:p>
-        </p:txBody>
-      </p:sp>
-      <p:sp>
-        <p:nvSpPr>
-          <p:cNvPr id="6" name="Google Shape;163;g202a447d1d6_0_7">
-            <a:extLst>
-              <a:ext uri="{FF2B5EF4-FFF2-40B4-BE49-F238E27FC236}">
-                <a16:creationId xmlns:a16="http://schemas.microsoft.com/office/drawing/2014/main" id="{DD6C3496-D65D-45F9-A9F6-B55BFB722FE4}"/>
-              </a:ext>
-            </a:extLst>
-          </p:cNvPr>
-          <p:cNvSpPr/>
-          <p:nvPr/>
-        </p:nvSpPr>
-        <p:spPr>
-          <a:xfrm>
-            <a:off x="813960" y="1572840"/>
-            <a:ext cx="10953000" cy="4158360"/>
-          </a:xfrm>
-          <a:prstGeom prst="rect">
-            <a:avLst/>
-          </a:prstGeom>
-          <a:noFill/>
-          <a:ln w="0">
-            <a:noFill/>
-          </a:ln>
-        </p:spPr>
-        <p:style>
-          <a:lnRef idx="0">
-            <a:scrgbClr r="0" g="0" b="0"/>
-          </a:lnRef>
-          <a:fillRef idx="0">
-            <a:scrgbClr r="0" g="0" b="0"/>
-          </a:fillRef>
-          <a:effectRef idx="0">
-            <a:scrgbClr r="0" g="0" b="0"/>
-          </a:effectRef>
-          <a:fontRef idx="minor"/>
-        </p:style>
-        <p:txBody>
-          <a:bodyPr lIns="0" tIns="0" rIns="0" bIns="0" anchor="t">
-            <a:noAutofit/>
-          </a:bodyPr>
-          <a:lstStyle/>
-          <a:p>
-            <a:pPr marL="457200" indent="-438120">
-              <a:lnSpc>
-                <a:spcPct val="100000"/>
-              </a:lnSpc>
-              <a:spcBef>
-                <a:spcPts val="1001"/>
-              </a:spcBef>
-              <a:buClr>
-                <a:srgbClr val="000000"/>
-              </a:buClr>
-              <a:buFont typeface="Arial"/>
-              <a:buChar char="●"/>
-            </a:pPr>
-            <a:r>
-              <a:rPr lang="ja-JP" altLang="ja-JP" sz="2800" spc="-1" dirty="0">
-                <a:solidFill>
-                  <a:schemeClr val="dk1"/>
-                </a:solidFill>
-                <a:ea typeface="Arial"/>
-              </a:rPr>
-              <a:t>駅・エリアから</a:t>
-            </a:r>
-            <a:r>
-              <a:rPr lang="ja-JP" sz="2800" b="0" strike="noStrike" spc="-1" dirty="0">
-                <a:solidFill>
-                  <a:schemeClr val="dk1"/>
-                </a:solidFill>
-                <a:latin typeface="Arial"/>
-                <a:ea typeface="Arial"/>
-              </a:rPr>
-              <a:t>賃貸</a:t>
-            </a:r>
-            <a:r>
-              <a:rPr lang="ja-JP" altLang="en-US" sz="2800" b="0" strike="noStrike" spc="-1" dirty="0">
-                <a:solidFill>
-                  <a:schemeClr val="dk1"/>
-                </a:solidFill>
-                <a:latin typeface="Arial"/>
-                <a:ea typeface="Arial"/>
-              </a:rPr>
-              <a:t>物件の</a:t>
-            </a:r>
-            <a:r>
-              <a:rPr lang="ja-JP" sz="2800" b="0" strike="noStrike" spc="-1" dirty="0">
-                <a:solidFill>
-                  <a:schemeClr val="dk1"/>
-                </a:solidFill>
-                <a:latin typeface="Arial"/>
-                <a:ea typeface="Arial"/>
-              </a:rPr>
-              <a:t>検索</a:t>
-            </a:r>
-            <a:endParaRPr lang="en-US" sz="2800" b="0" strike="noStrike" spc="-1" dirty="0">
-              <a:solidFill>
-                <a:srgbClr val="000000"/>
-              </a:solidFill>
-              <a:latin typeface="Arial"/>
-            </a:endParaRPr>
-          </a:p>
-          <a:p>
-            <a:pPr marL="457200" indent="-438120">
-              <a:lnSpc>
-                <a:spcPct val="100000"/>
-              </a:lnSpc>
-              <a:spcBef>
-                <a:spcPts val="1001"/>
-              </a:spcBef>
-              <a:buClr>
-                <a:srgbClr val="000000"/>
-              </a:buClr>
-              <a:buFont typeface="Arial"/>
-              <a:buChar char="●"/>
-            </a:pPr>
-            <a:r>
-              <a:rPr lang="ja-JP" sz="2800" b="0" strike="noStrike" spc="-1" dirty="0">
-                <a:solidFill>
-                  <a:schemeClr val="dk1"/>
-                </a:solidFill>
-                <a:latin typeface="Arial"/>
-                <a:ea typeface="Arial"/>
-              </a:rPr>
-              <a:t>アカウント登録　</a:t>
-            </a:r>
-            <a:endParaRPr lang="en-US" sz="2800" b="0" strike="noStrike" spc="-1" dirty="0">
-              <a:solidFill>
-                <a:srgbClr val="000000"/>
-              </a:solidFill>
-              <a:latin typeface="Arial"/>
-            </a:endParaRPr>
-          </a:p>
-          <a:p>
-            <a:pPr marL="457200" indent="-438120">
-              <a:lnSpc>
-                <a:spcPct val="100000"/>
-              </a:lnSpc>
-              <a:spcBef>
-                <a:spcPts val="1001"/>
-              </a:spcBef>
-              <a:buClr>
-                <a:srgbClr val="000000"/>
-              </a:buClr>
-              <a:buFont typeface="Arial"/>
-              <a:buChar char="●"/>
-            </a:pPr>
-            <a:r>
-              <a:rPr lang="ja-JP" altLang="ja-JP" sz="2800" spc="-1" dirty="0">
-                <a:solidFill>
-                  <a:schemeClr val="dk1"/>
-                </a:solidFill>
-                <a:ea typeface="Arial"/>
-              </a:rPr>
-              <a:t>賃貸物件</a:t>
-            </a:r>
-            <a:r>
-              <a:rPr lang="ja-JP" sz="2800" b="0" strike="noStrike" spc="-1" dirty="0">
-                <a:solidFill>
-                  <a:schemeClr val="dk1"/>
-                </a:solidFill>
-                <a:latin typeface="Arial"/>
-                <a:ea typeface="Arial"/>
-              </a:rPr>
-              <a:t>お気に入り登録</a:t>
-            </a:r>
-            <a:r>
-              <a:rPr lang="ja-JP" altLang="en-US" sz="2800" spc="-1" dirty="0">
-                <a:solidFill>
-                  <a:schemeClr val="dk1"/>
-                </a:solidFill>
-                <a:latin typeface="Arial"/>
-                <a:ea typeface="Arial"/>
-              </a:rPr>
-              <a:t>・</a:t>
-            </a:r>
-            <a:r>
-              <a:rPr lang="ja-JP" sz="2800" b="0" strike="noStrike" spc="-1" dirty="0">
-                <a:solidFill>
-                  <a:schemeClr val="dk1"/>
-                </a:solidFill>
-                <a:latin typeface="Arial"/>
-                <a:ea typeface="Arial"/>
-              </a:rPr>
-              <a:t>閲覧</a:t>
-            </a:r>
-            <a:endParaRPr lang="en-US" sz="2800" b="0" strike="noStrike" spc="-1" dirty="0">
-              <a:solidFill>
-                <a:srgbClr val="000000"/>
-              </a:solidFill>
-              <a:latin typeface="Arial"/>
-            </a:endParaRPr>
-          </a:p>
-          <a:p>
-            <a:pPr marL="457200" indent="-438120">
-              <a:lnSpc>
-                <a:spcPct val="100000"/>
-              </a:lnSpc>
-              <a:spcBef>
-                <a:spcPts val="1001"/>
-              </a:spcBef>
-              <a:buClr>
-                <a:srgbClr val="000000"/>
-              </a:buClr>
-              <a:buFont typeface="Arial"/>
-              <a:buChar char="●"/>
-            </a:pPr>
-            <a:r>
-              <a:rPr lang="ja-JP" altLang="en-US" sz="2800" b="0" strike="noStrike" spc="-1" dirty="0">
-                <a:solidFill>
-                  <a:schemeClr val="dk1"/>
-                </a:solidFill>
-                <a:latin typeface="Arial"/>
-                <a:ea typeface="Arial"/>
-              </a:rPr>
-              <a:t>お</a:t>
-            </a:r>
-            <a:r>
-              <a:rPr lang="ja-JP" sz="2800" b="0" strike="noStrike" spc="-1" dirty="0">
-                <a:solidFill>
-                  <a:schemeClr val="dk1"/>
-                </a:solidFill>
-                <a:latin typeface="Arial"/>
-                <a:ea typeface="Arial"/>
-              </a:rPr>
-              <a:t>問い合わせ　</a:t>
-            </a:r>
-            <a:endParaRPr lang="en-US" sz="2800" b="0" strike="noStrike" spc="-1" dirty="0">
-              <a:solidFill>
-                <a:srgbClr val="000000"/>
-              </a:solidFill>
-              <a:latin typeface="Arial"/>
-            </a:endParaRPr>
-          </a:p>
-          <a:p>
-            <a:pPr marL="19080">
-              <a:lnSpc>
-                <a:spcPct val="100000"/>
-              </a:lnSpc>
-              <a:spcBef>
-                <a:spcPts val="1001"/>
-              </a:spcBef>
-              <a:tabLst>
-                <a:tab pos="0" algn="l"/>
-              </a:tabLst>
-            </a:pPr>
-            <a:endParaRPr lang="en-US" sz="2800" b="0" strike="noStrike" spc="-1" dirty="0">
-              <a:solidFill>
-                <a:srgbClr val="000000"/>
-              </a:solidFill>
-              <a:latin typeface="Arial"/>
-            </a:endParaRPr>
-          </a:p>
-          <a:p>
-            <a:pPr marL="19080">
-              <a:lnSpc>
-                <a:spcPct val="100000"/>
-              </a:lnSpc>
-              <a:spcBef>
-                <a:spcPts val="1001"/>
-              </a:spcBef>
-              <a:tabLst>
-                <a:tab pos="0" algn="l"/>
-              </a:tabLst>
-            </a:pPr>
-            <a:endParaRPr lang="en-US" sz="2800" b="0" strike="noStrike" spc="-1" dirty="0">
-              <a:solidFill>
-                <a:srgbClr val="000000"/>
-              </a:solidFill>
-              <a:latin typeface="Arial"/>
-            </a:endParaRPr>
-          </a:p>
-        </p:txBody>
-      </p:sp>
-    </p:spTree>
-    <p:extLst>
-      <p:ext uri="{BB962C8B-B14F-4D97-AF65-F5344CB8AC3E}">
-        <p14:creationId xmlns:p14="http://schemas.microsoft.com/office/powerpoint/2010/main" val="4144534373"/>
-      </p:ext>
-    </p:extLst>
-  </p:cSld>
-  <p:clrMapOvr>
-    <a:masterClrMapping/>
-  </p:clrMapOvr>
-</p:sld>
-</file>
-
-<file path=ppt/slides/slide8.xml><?xml version="1.0" encoding="utf-8"?>
-<p:sld xmlns:a="http://schemas.openxmlformats.org/drawingml/2006/main" xmlns:r="http://schemas.openxmlformats.org/officeDocument/2006/relationships" xmlns:p="http://schemas.openxmlformats.org/presentationml/2006/main" showMasterSp="0">
-  <p:cSld>
-    <p:spTree>
-      <p:nvGrpSpPr>
-        <p:cNvPr id="1" name=""/>
-        <p:cNvGrpSpPr/>
-        <p:nvPr/>
-      </p:nvGrpSpPr>
-      <p:grpSpPr>
-        <a:xfrm>
-          <a:off x="0" y="0"/>
-          <a:ext cx="0" cy="0"/>
-          <a:chOff x="0" y="0"/>
-          <a:chExt cx="0" cy="0"/>
-        </a:xfrm>
-      </p:grpSpPr>
-      <p:sp>
-        <p:nvSpPr>
-          <p:cNvPr id="90" name="PlaceHolder 1"/>
-          <p:cNvSpPr>
-            <a:spLocks noGrp="1"/>
-          </p:cNvSpPr>
-          <p:nvPr>
-            <p:ph type="title"/>
-          </p:nvPr>
-        </p:nvSpPr>
-        <p:spPr>
-          <a:xfrm>
-            <a:off x="2961270" y="339780"/>
-            <a:ext cx="6929490" cy="824760"/>
-          </a:xfrm>
-        </p:spPr>
-        <p:txBody>
-          <a:bodyPr/>
-          <a:lstStyle/>
-          <a:p>
-            <a:r>
-              <a:rPr lang="ja-JP" altLang="en-US" sz="3600" dirty="0"/>
-              <a:t>機能要件一覧 </a:t>
-            </a:r>
-            <a:r>
-              <a:rPr lang="en-US" altLang="ja-JP" sz="3600" dirty="0"/>
-              <a:t>–</a:t>
-            </a:r>
-            <a:r>
-              <a:rPr lang="ja-JP" altLang="en-US" sz="3600" dirty="0"/>
-              <a:t> 管理側機能</a:t>
-            </a:r>
-            <a:endParaRPr lang="en-US" sz="3600" dirty="0"/>
-          </a:p>
-        </p:txBody>
-      </p:sp>
-      <p:sp>
-        <p:nvSpPr>
-          <p:cNvPr id="8" name="Google Shape;163;g202a447d1d6_0_7">
-            <a:extLst>
-              <a:ext uri="{FF2B5EF4-FFF2-40B4-BE49-F238E27FC236}">
-                <a16:creationId xmlns:a16="http://schemas.microsoft.com/office/drawing/2014/main" id="{352C11F8-56FC-4399-8A5D-1E92763332C2}"/>
-              </a:ext>
-            </a:extLst>
-          </p:cNvPr>
-          <p:cNvSpPr/>
-          <p:nvPr/>
-        </p:nvSpPr>
-        <p:spPr>
-          <a:xfrm>
-            <a:off x="813960" y="1806840"/>
-            <a:ext cx="10953000" cy="2940840"/>
-          </a:xfrm>
-          <a:prstGeom prst="rect">
-            <a:avLst/>
-          </a:prstGeom>
-          <a:noFill/>
-          <a:ln w="0">
-            <a:noFill/>
-          </a:ln>
-        </p:spPr>
-        <p:style>
-          <a:lnRef idx="0">
-            <a:scrgbClr r="0" g="0" b="0"/>
-          </a:lnRef>
-          <a:fillRef idx="0">
-            <a:scrgbClr r="0" g="0" b="0"/>
-          </a:fillRef>
-          <a:effectRef idx="0">
-            <a:scrgbClr r="0" g="0" b="0"/>
-          </a:effectRef>
-          <a:fontRef idx="minor"/>
-        </p:style>
-        <p:txBody>
-          <a:bodyPr lIns="0" tIns="0" rIns="0" bIns="0" anchor="t">
-            <a:noAutofit/>
-          </a:bodyPr>
-          <a:lstStyle/>
-          <a:p>
-            <a:pPr marL="457200" indent="-438120">
-              <a:lnSpc>
-                <a:spcPct val="100000"/>
-              </a:lnSpc>
-              <a:spcBef>
-                <a:spcPts val="1001"/>
-              </a:spcBef>
-              <a:buClr>
-                <a:srgbClr val="000000"/>
-              </a:buClr>
-              <a:buFont typeface="Arial"/>
-              <a:buChar char="●"/>
-            </a:pPr>
-            <a:r>
-              <a:rPr lang="ja-JP" sz="2800" b="0" strike="noStrike" spc="-1" dirty="0">
-                <a:solidFill>
-                  <a:schemeClr val="dk1"/>
-                </a:solidFill>
-                <a:latin typeface="Arial"/>
-                <a:ea typeface="Arial"/>
-              </a:rPr>
-              <a:t>ログイン</a:t>
-            </a:r>
-            <a:r>
-              <a:rPr lang="en-US" sz="2800" b="0" strike="noStrike" spc="-1" dirty="0">
-                <a:solidFill>
-                  <a:schemeClr val="dk1"/>
-                </a:solidFill>
-                <a:latin typeface="Arial"/>
-                <a:ea typeface="Arial"/>
-              </a:rPr>
-              <a:t>/</a:t>
-            </a:r>
-            <a:r>
-              <a:rPr lang="ja-JP" sz="2800" b="0" strike="noStrike" spc="-1" dirty="0">
-                <a:solidFill>
-                  <a:schemeClr val="dk1"/>
-                </a:solidFill>
-                <a:latin typeface="Arial"/>
-                <a:ea typeface="Arial"/>
-              </a:rPr>
-              <a:t>ログアウト</a:t>
-            </a:r>
-            <a:endParaRPr lang="en-US" sz="2800" b="0" strike="noStrike" spc="-1" dirty="0">
-              <a:solidFill>
-                <a:srgbClr val="000000"/>
-              </a:solidFill>
-              <a:latin typeface="Arial"/>
-            </a:endParaRPr>
-          </a:p>
-          <a:p>
-            <a:pPr marL="457200" indent="-438120">
-              <a:lnSpc>
-                <a:spcPct val="100000"/>
-              </a:lnSpc>
-              <a:spcBef>
-                <a:spcPts val="1001"/>
-              </a:spcBef>
-              <a:buClr>
-                <a:srgbClr val="000000"/>
-              </a:buClr>
-              <a:buFont typeface="Arial"/>
-              <a:buChar char="●"/>
-            </a:pPr>
-            <a:r>
-              <a:rPr lang="ja-JP" sz="2800" b="0" strike="noStrike" spc="-1" dirty="0">
-                <a:solidFill>
-                  <a:schemeClr val="dk1"/>
-                </a:solidFill>
-                <a:latin typeface="Arial"/>
-                <a:ea typeface="Arial"/>
-              </a:rPr>
-              <a:t>オーナー新規登録、編集、</a:t>
-            </a:r>
-            <a:r>
-              <a:rPr lang="ja-JP" altLang="en-US" sz="2800" b="0" strike="noStrike" spc="-1" dirty="0">
-                <a:solidFill>
-                  <a:schemeClr val="dk1"/>
-                </a:solidFill>
-                <a:latin typeface="Arial"/>
-                <a:ea typeface="Arial"/>
-              </a:rPr>
-              <a:t>削除（</a:t>
-            </a:r>
-            <a:r>
-              <a:rPr lang="ja-JP" sz="2800" b="0" strike="noStrike" spc="-1" dirty="0">
-                <a:solidFill>
-                  <a:schemeClr val="dk1"/>
-                </a:solidFill>
-                <a:latin typeface="Arial"/>
-                <a:ea typeface="Arial"/>
-              </a:rPr>
-              <a:t>非アクティブ処理</a:t>
-            </a:r>
-            <a:r>
-              <a:rPr lang="ja-JP" altLang="en-US" sz="2800" b="0" strike="noStrike" spc="-1" dirty="0">
-                <a:solidFill>
-                  <a:schemeClr val="dk1"/>
-                </a:solidFill>
-                <a:latin typeface="Arial"/>
-                <a:ea typeface="Arial"/>
-              </a:rPr>
-              <a:t>）</a:t>
-            </a:r>
-            <a:endParaRPr lang="en-US" sz="2800" b="0" strike="noStrike" spc="-1" dirty="0">
-              <a:solidFill>
-                <a:srgbClr val="000000"/>
-              </a:solidFill>
-              <a:latin typeface="Arial"/>
-            </a:endParaRPr>
-          </a:p>
-          <a:p>
-            <a:pPr marL="457200" indent="-438120">
-              <a:spcBef>
-                <a:spcPts val="1001"/>
-              </a:spcBef>
-              <a:buClr>
-                <a:srgbClr val="000000"/>
-              </a:buClr>
-              <a:buFont typeface="Arial"/>
-              <a:buChar char="●"/>
-            </a:pPr>
-            <a:r>
-              <a:rPr lang="ja-JP" sz="2800" b="0" strike="noStrike" spc="-1" dirty="0">
-                <a:solidFill>
-                  <a:schemeClr val="dk1"/>
-                </a:solidFill>
-                <a:latin typeface="Arial"/>
-                <a:ea typeface="Arial"/>
-              </a:rPr>
-              <a:t>物件の</a:t>
-            </a:r>
-            <a:r>
-              <a:rPr lang="ja-JP" altLang="en-US" sz="2800" b="0" strike="noStrike" spc="-1" dirty="0">
-                <a:solidFill>
-                  <a:schemeClr val="dk1"/>
-                </a:solidFill>
-                <a:latin typeface="Arial"/>
-                <a:ea typeface="Arial"/>
-              </a:rPr>
-              <a:t>新規</a:t>
-            </a:r>
-            <a:r>
-              <a:rPr lang="ja-JP" sz="2800" b="0" strike="noStrike" spc="-1" dirty="0">
-                <a:solidFill>
-                  <a:schemeClr val="dk1"/>
-                </a:solidFill>
-                <a:latin typeface="Arial"/>
-                <a:ea typeface="Arial"/>
-              </a:rPr>
-              <a:t>登録、編集、削除</a:t>
-            </a:r>
-            <a:r>
-              <a:rPr lang="ja-JP" altLang="en-US" sz="2800" spc="-1" dirty="0">
-                <a:solidFill>
-                  <a:schemeClr val="dk1"/>
-                </a:solidFill>
-                <a:ea typeface="Arial"/>
-              </a:rPr>
-              <a:t>（</a:t>
-            </a:r>
-            <a:r>
-              <a:rPr lang="ja-JP" altLang="ja-JP" sz="2800" spc="-1" dirty="0">
-                <a:solidFill>
-                  <a:schemeClr val="dk1"/>
-                </a:solidFill>
-                <a:ea typeface="Arial"/>
-              </a:rPr>
-              <a:t>非アクティブ処理</a:t>
-            </a:r>
-            <a:r>
-              <a:rPr lang="ja-JP" altLang="en-US" sz="2800" spc="-1" dirty="0">
-                <a:solidFill>
-                  <a:schemeClr val="dk1"/>
-                </a:solidFill>
-                <a:ea typeface="Arial"/>
-              </a:rPr>
-              <a:t>）</a:t>
-            </a:r>
-            <a:endParaRPr lang="en-US" altLang="ja-JP" sz="2800" spc="-1" dirty="0">
-              <a:solidFill>
-                <a:srgbClr val="000000"/>
-              </a:solidFill>
-            </a:endParaRPr>
-          </a:p>
-          <a:p>
-            <a:pPr marL="457200" indent="-438120">
-              <a:lnSpc>
-                <a:spcPct val="100000"/>
-              </a:lnSpc>
-              <a:spcBef>
-                <a:spcPts val="1001"/>
-              </a:spcBef>
-              <a:buClr>
-                <a:srgbClr val="000000"/>
-              </a:buClr>
-              <a:buFont typeface="Arial"/>
-              <a:buChar char="●"/>
-            </a:pPr>
-            <a:endParaRPr lang="en-US" sz="2800" b="0" strike="noStrike" spc="-1" dirty="0">
-              <a:solidFill>
-                <a:srgbClr val="000000"/>
-              </a:solidFill>
-              <a:latin typeface="Arial"/>
-            </a:endParaRPr>
-          </a:p>
-        </p:txBody>
-      </p:sp>
-    </p:spTree>
-    <p:extLst>
-      <p:ext uri="{BB962C8B-B14F-4D97-AF65-F5344CB8AC3E}">
-        <p14:creationId xmlns:p14="http://schemas.microsoft.com/office/powerpoint/2010/main" val="1462602616"/>
-      </p:ext>
-    </p:extLst>
-  </p:cSld>
-  <p:clrMapOvr>
-    <a:masterClrMapping/>
-  </p:clrMapOvr>
-</p:sld>
-</file>
-
 <file path=ppt/slides/slide9.xml><?xml version="1.0" encoding="utf-8"?>
 <p:sld xmlns:a="http://schemas.openxmlformats.org/drawingml/2006/main" xmlns:r="http://schemas.openxmlformats.org/officeDocument/2006/relationships" xmlns:p="http://schemas.openxmlformats.org/presentationml/2006/main">
   <p:cSld>
@@ -19466,7 +19587,7 @@
                 <a:latin typeface="Arial"/>
                 <a:ea typeface="Arial"/>
               </a:rPr>
-              <a:t>　　　　　　　　ホーム　お気に入り　ログイン　会社概要　お問い合わせ</a:t>
+              <a:t>　　　　　　　　ホーム　お気に入り　会社概要　お問い合わせ</a:t>
             </a:r>
             <a:endParaRPr lang="en-US" sz="1400" b="0" strike="noStrike" spc="-1" dirty="0">
               <a:solidFill>

--- a/要件定義書.pptx
+++ b/要件定義書.pptx
@@ -11,10 +11,10 @@
   <p:sldIdLst>
     <p:sldId id="256" r:id="rId3"/>
     <p:sldId id="257" r:id="rId4"/>
-    <p:sldId id="270" r:id="rId5"/>
-    <p:sldId id="273" r:id="rId6"/>
-    <p:sldId id="272" r:id="rId7"/>
-    <p:sldId id="274" r:id="rId8"/>
+    <p:sldId id="276" r:id="rId5"/>
+    <p:sldId id="270" r:id="rId6"/>
+    <p:sldId id="273" r:id="rId7"/>
+    <p:sldId id="272" r:id="rId8"/>
     <p:sldId id="271" r:id="rId9"/>
     <p:sldId id="269" r:id="rId10"/>
     <p:sldId id="261" r:id="rId11"/>
@@ -1684,7 +1684,7 @@
                 </a:solidFill>
                 <a:latin typeface="游明朝"/>
               </a:rPr>
-              <a:t>4</a:t>
+              <a:t>3</a:t>
             </a:fld>
             <a:endParaRPr lang="en-US" sz="1400" b="0" strike="noStrike" spc="-1">
               <a:solidFill>
@@ -1698,7 +1698,7 @@
     </p:spTree>
     <p:extLst>
       <p:ext uri="{BB962C8B-B14F-4D97-AF65-F5344CB8AC3E}">
-        <p14:creationId xmlns:p14="http://schemas.microsoft.com/office/powerpoint/2010/main" val="4022225329"/>
+        <p14:creationId xmlns:p14="http://schemas.microsoft.com/office/powerpoint/2010/main" val="1447966897"/>
       </p:ext>
     </p:extLst>
   </p:cSld>
@@ -1864,7 +1864,7 @@
     </p:spTree>
     <p:extLst>
       <p:ext uri="{BB962C8B-B14F-4D97-AF65-F5344CB8AC3E}">
-        <p14:creationId xmlns:p14="http://schemas.microsoft.com/office/powerpoint/2010/main" val="3413911250"/>
+        <p14:creationId xmlns:p14="http://schemas.microsoft.com/office/powerpoint/2010/main" val="4022225329"/>
       </p:ext>
     </p:extLst>
   </p:cSld>
@@ -2030,7 +2030,7 @@
     </p:spTree>
     <p:extLst>
       <p:ext uri="{BB962C8B-B14F-4D97-AF65-F5344CB8AC3E}">
-        <p14:creationId xmlns:p14="http://schemas.microsoft.com/office/powerpoint/2010/main" val="997927615"/>
+        <p14:creationId xmlns:p14="http://schemas.microsoft.com/office/powerpoint/2010/main" val="3413911250"/>
       </p:ext>
     </p:extLst>
   </p:cSld>
@@ -14668,7 +14668,7 @@
           <a:p>
             <a:r>
               <a:rPr lang="ja-JP" altLang="en-US" sz="3600" dirty="0"/>
-              <a:t>機能要件 詳細 </a:t>
+              <a:t>想定する画面構成 </a:t>
             </a:r>
             <a:r>
               <a:rPr lang="en-US" altLang="ja-JP" sz="3600" dirty="0"/>
@@ -14676,7 +14676,7 @@
             </a:r>
             <a:r>
               <a:rPr lang="ja-JP" altLang="en-US" sz="3600" dirty="0"/>
-              <a:t> 管理者側詳細</a:t>
+              <a:t> 管理者側</a:t>
             </a:r>
             <a:endParaRPr lang="en-US" sz="3600" dirty="0"/>
           </a:p>
@@ -16808,15 +16808,9 @@
           <a:chExt cx="0" cy="0"/>
         </a:xfrm>
       </p:grpSpPr>
-      <p:sp useBgFill="1">
-        <p:nvSpPr>
-          <p:cNvPr id="7" name="タイトル 6">
-            <a:extLst>
-              <a:ext uri="{FF2B5EF4-FFF2-40B4-BE49-F238E27FC236}">
-                <a16:creationId xmlns:a16="http://schemas.microsoft.com/office/drawing/2014/main" id="{AE0789F7-6677-41CD-B422-A5AA319E3475}"/>
-              </a:ext>
-            </a:extLst>
-          </p:cNvPr>
+      <p:sp>
+        <p:nvSpPr>
+          <p:cNvPr id="90" name="PlaceHolder 1"/>
           <p:cNvSpPr>
             <a:spLocks noGrp="1"/>
           </p:cNvSpPr>
@@ -16826,8 +16820,8 @@
         </p:nvSpPr>
         <p:spPr>
           <a:xfrm>
-            <a:off x="4861740" y="2284200"/>
-            <a:ext cx="3002100" cy="1144800"/>
+            <a:off x="4636602" y="407015"/>
+            <a:ext cx="2918795" cy="824760"/>
           </a:xfrm>
         </p:spPr>
         <p:txBody>
@@ -16835,16 +16829,1114 @@
           <a:lstStyle/>
           <a:p>
             <a:r>
-              <a:rPr kumimoji="1" lang="ja-JP" altLang="en-US" sz="4800" dirty="0"/>
-              <a:t>機能要件</a:t>
-            </a:r>
+              <a:rPr lang="ja-JP" altLang="en-US" sz="3600" dirty="0"/>
+              <a:t>システム概要</a:t>
+            </a:r>
+            <a:endParaRPr lang="en-US" sz="3600" dirty="0"/>
+          </a:p>
+        </p:txBody>
+      </p:sp>
+      <p:grpSp>
+        <p:nvGrpSpPr>
+          <p:cNvPr id="2" name="グループ化 1">
+            <a:extLst>
+              <a:ext uri="{FF2B5EF4-FFF2-40B4-BE49-F238E27FC236}">
+                <a16:creationId xmlns:a16="http://schemas.microsoft.com/office/drawing/2014/main" id="{7CEC555C-D80B-4F36-B4A6-AB3B1FB2F1F7}"/>
+              </a:ext>
+            </a:extLst>
+          </p:cNvPr>
+          <p:cNvGrpSpPr/>
+          <p:nvPr/>
+        </p:nvGrpSpPr>
+        <p:grpSpPr>
+          <a:xfrm>
+            <a:off x="1586753" y="1837153"/>
+            <a:ext cx="9690182" cy="4663281"/>
+            <a:chOff x="1423921" y="1281526"/>
+            <a:chExt cx="10026137" cy="5398814"/>
+          </a:xfrm>
+        </p:grpSpPr>
+        <p:pic>
+          <p:nvPicPr>
+            <p:cNvPr id="3" name="図 2">
+              <a:extLst>
+                <a:ext uri="{FF2B5EF4-FFF2-40B4-BE49-F238E27FC236}">
+                  <a16:creationId xmlns:a16="http://schemas.microsoft.com/office/drawing/2014/main" id="{AB93BAE9-D958-44B8-A66D-B9F3F7E888DF}"/>
+                </a:ext>
+              </a:extLst>
+            </p:cNvPr>
+            <p:cNvPicPr>
+              <a:picLocks noChangeAspect="1"/>
+            </p:cNvPicPr>
+            <p:nvPr/>
+          </p:nvPicPr>
+          <p:blipFill>
+            <a:blip r:embed="rId3" cstate="print">
+              <a:extLst>
+                <a:ext uri="{28A0092B-C50C-407E-A947-70E740481C1C}">
+                  <a14:useLocalDpi xmlns:a14="http://schemas.microsoft.com/office/drawing/2010/main" val="0"/>
+                </a:ext>
+              </a:extLst>
+            </a:blip>
+            <a:stretch>
+              <a:fillRect/>
+            </a:stretch>
+          </p:blipFill>
+          <p:spPr>
+            <a:xfrm>
+              <a:off x="6530788" y="2460812"/>
+              <a:ext cx="1344705" cy="1344705"/>
+            </a:xfrm>
+            <a:prstGeom prst="rect">
+              <a:avLst/>
+            </a:prstGeom>
+          </p:spPr>
+        </p:pic>
+        <p:sp>
+          <p:nvSpPr>
+            <p:cNvPr id="10" name="正方形/長方形 9">
+              <a:extLst>
+                <a:ext uri="{FF2B5EF4-FFF2-40B4-BE49-F238E27FC236}">
+                  <a16:creationId xmlns:a16="http://schemas.microsoft.com/office/drawing/2014/main" id="{67EC96BB-8CB2-4871-8F3C-129FBE931111}"/>
+                </a:ext>
+              </a:extLst>
+            </p:cNvPr>
+            <p:cNvSpPr/>
+            <p:nvPr/>
+          </p:nvSpPr>
+          <p:spPr>
+            <a:xfrm>
+              <a:off x="2562252" y="4546163"/>
+              <a:ext cx="2587972" cy="1820707"/>
+            </a:xfrm>
+            <a:prstGeom prst="rect">
+              <a:avLst/>
+            </a:prstGeom>
+            <a:solidFill>
+              <a:schemeClr val="bg1"/>
+            </a:solidFill>
+            <a:ln>
+              <a:solidFill>
+                <a:schemeClr val="bg1"/>
+              </a:solidFill>
+            </a:ln>
+          </p:spPr>
+          <p:style>
+            <a:lnRef idx="2">
+              <a:schemeClr val="accent1">
+                <a:shade val="50000"/>
+              </a:schemeClr>
+            </a:lnRef>
+            <a:fillRef idx="1">
+              <a:schemeClr val="accent1"/>
+            </a:fillRef>
+            <a:effectRef idx="0">
+              <a:schemeClr val="accent1"/>
+            </a:effectRef>
+            <a:fontRef idx="minor">
+              <a:schemeClr val="lt1"/>
+            </a:fontRef>
+          </p:style>
+          <p:txBody>
+            <a:bodyPr rtlCol="0" anchor="ctr"/>
+            <a:lstStyle/>
+            <a:p>
+              <a:pPr algn="ctr"/>
+              <a:endParaRPr kumimoji="1" lang="ja-JP" altLang="en-US"/>
+            </a:p>
+          </p:txBody>
+        </p:sp>
+        <p:sp>
+          <p:nvSpPr>
+            <p:cNvPr id="11" name="正方形/長方形 10">
+              <a:extLst>
+                <a:ext uri="{FF2B5EF4-FFF2-40B4-BE49-F238E27FC236}">
+                  <a16:creationId xmlns:a16="http://schemas.microsoft.com/office/drawing/2014/main" id="{C6991FE2-DEA6-4C18-9767-ABACE57D3450}"/>
+                </a:ext>
+              </a:extLst>
+            </p:cNvPr>
+            <p:cNvSpPr/>
+            <p:nvPr/>
+          </p:nvSpPr>
+          <p:spPr>
+            <a:xfrm>
+              <a:off x="3886787" y="3411072"/>
+              <a:ext cx="5064667" cy="824761"/>
+            </a:xfrm>
+            <a:prstGeom prst="rect">
+              <a:avLst/>
+            </a:prstGeom>
+            <a:solidFill>
+              <a:schemeClr val="bg1"/>
+            </a:solidFill>
+            <a:ln>
+              <a:solidFill>
+                <a:schemeClr val="bg1"/>
+              </a:solidFill>
+            </a:ln>
+          </p:spPr>
+          <p:style>
+            <a:lnRef idx="2">
+              <a:schemeClr val="accent1">
+                <a:shade val="50000"/>
+              </a:schemeClr>
+            </a:lnRef>
+            <a:fillRef idx="1">
+              <a:schemeClr val="accent1"/>
+            </a:fillRef>
+            <a:effectRef idx="0">
+              <a:schemeClr val="accent1"/>
+            </a:effectRef>
+            <a:fontRef idx="minor">
+              <a:schemeClr val="lt1"/>
+            </a:fontRef>
+          </p:style>
+          <p:txBody>
+            <a:bodyPr rtlCol="0" anchor="ctr"/>
+            <a:lstStyle/>
+            <a:p>
+              <a:pPr algn="ctr"/>
+              <a:endParaRPr kumimoji="1" lang="ja-JP" altLang="en-US"/>
+            </a:p>
+          </p:txBody>
+        </p:sp>
+        <p:pic>
+          <p:nvPicPr>
+            <p:cNvPr id="6" name="図 5">
+              <a:extLst>
+                <a:ext uri="{FF2B5EF4-FFF2-40B4-BE49-F238E27FC236}">
+                  <a16:creationId xmlns:a16="http://schemas.microsoft.com/office/drawing/2014/main" id="{85A052E9-710B-4F37-8C9D-88FF091488C6}"/>
+                </a:ext>
+              </a:extLst>
+            </p:cNvPr>
+            <p:cNvPicPr>
+              <a:picLocks noChangeAspect="1"/>
+            </p:cNvPicPr>
+            <p:nvPr/>
+          </p:nvPicPr>
+          <p:blipFill>
+            <a:blip r:embed="rId4"/>
+            <a:stretch>
+              <a:fillRect/>
+            </a:stretch>
+          </p:blipFill>
+          <p:spPr>
+            <a:xfrm>
+              <a:off x="1423921" y="1281526"/>
+              <a:ext cx="8779380" cy="5398814"/>
+            </a:xfrm>
+            <a:prstGeom prst="rect">
+              <a:avLst/>
+            </a:prstGeom>
+          </p:spPr>
+        </p:pic>
+        <p:sp>
+          <p:nvSpPr>
+            <p:cNvPr id="5" name="正方形/長方形 4">
+              <a:extLst>
+                <a:ext uri="{FF2B5EF4-FFF2-40B4-BE49-F238E27FC236}">
+                  <a16:creationId xmlns:a16="http://schemas.microsoft.com/office/drawing/2014/main" id="{E9D65FAA-789D-4042-81F2-4E2FB6034AD4}"/>
+                </a:ext>
+              </a:extLst>
+            </p:cNvPr>
+            <p:cNvSpPr/>
+            <p:nvPr/>
+          </p:nvSpPr>
+          <p:spPr>
+            <a:xfrm>
+              <a:off x="2460812" y="1373985"/>
+              <a:ext cx="2070847" cy="1505348"/>
+            </a:xfrm>
+            <a:prstGeom prst="rect">
+              <a:avLst/>
+            </a:prstGeom>
+            <a:solidFill>
+              <a:schemeClr val="bg1"/>
+            </a:solidFill>
+            <a:ln>
+              <a:solidFill>
+                <a:schemeClr val="bg1"/>
+              </a:solidFill>
+            </a:ln>
+          </p:spPr>
+          <p:style>
+            <a:lnRef idx="2">
+              <a:schemeClr val="accent1">
+                <a:shade val="50000"/>
+              </a:schemeClr>
+            </a:lnRef>
+            <a:fillRef idx="1">
+              <a:schemeClr val="accent1"/>
+            </a:fillRef>
+            <a:effectRef idx="0">
+              <a:schemeClr val="accent1"/>
+            </a:effectRef>
+            <a:fontRef idx="minor">
+              <a:schemeClr val="lt1"/>
+            </a:fontRef>
+          </p:style>
+          <p:txBody>
+            <a:bodyPr rtlCol="0" anchor="ctr"/>
+            <a:lstStyle/>
+            <a:p>
+              <a:pPr algn="ctr"/>
+              <a:endParaRPr kumimoji="1" lang="ja-JP" altLang="en-US"/>
+            </a:p>
+          </p:txBody>
+        </p:sp>
+        <p:sp>
+          <p:nvSpPr>
+            <p:cNvPr id="13" name="正方形/長方形 12">
+              <a:extLst>
+                <a:ext uri="{FF2B5EF4-FFF2-40B4-BE49-F238E27FC236}">
+                  <a16:creationId xmlns:a16="http://schemas.microsoft.com/office/drawing/2014/main" id="{29ABE7F1-93D4-4530-958A-E73F5986DB4C}"/>
+                </a:ext>
+              </a:extLst>
+            </p:cNvPr>
+            <p:cNvSpPr/>
+            <p:nvPr/>
+          </p:nvSpPr>
+          <p:spPr>
+            <a:xfrm>
+              <a:off x="2209801" y="4961966"/>
+              <a:ext cx="2426588" cy="1715234"/>
+            </a:xfrm>
+            <a:prstGeom prst="rect">
+              <a:avLst/>
+            </a:prstGeom>
+            <a:solidFill>
+              <a:schemeClr val="bg1"/>
+            </a:solidFill>
+            <a:ln>
+              <a:solidFill>
+                <a:schemeClr val="bg1"/>
+              </a:solidFill>
+            </a:ln>
+          </p:spPr>
+          <p:style>
+            <a:lnRef idx="2">
+              <a:schemeClr val="accent1">
+                <a:shade val="50000"/>
+              </a:schemeClr>
+            </a:lnRef>
+            <a:fillRef idx="1">
+              <a:schemeClr val="accent1"/>
+            </a:fillRef>
+            <a:effectRef idx="0">
+              <a:schemeClr val="accent1"/>
+            </a:effectRef>
+            <a:fontRef idx="minor">
+              <a:schemeClr val="lt1"/>
+            </a:fontRef>
+          </p:style>
+          <p:txBody>
+            <a:bodyPr rtlCol="0" anchor="ctr"/>
+            <a:lstStyle/>
+            <a:p>
+              <a:pPr algn="ctr"/>
+              <a:endParaRPr kumimoji="1" lang="ja-JP" altLang="en-US"/>
+            </a:p>
+          </p:txBody>
+        </p:sp>
+        <p:sp>
+          <p:nvSpPr>
+            <p:cNvPr id="14" name="正方形/長方形 13">
+              <a:extLst>
+                <a:ext uri="{FF2B5EF4-FFF2-40B4-BE49-F238E27FC236}">
+                  <a16:creationId xmlns:a16="http://schemas.microsoft.com/office/drawing/2014/main" id="{CC8BCC11-F3FE-4A60-BC9F-0FF1CB373F4E}"/>
+                </a:ext>
+              </a:extLst>
+            </p:cNvPr>
+            <p:cNvSpPr/>
+            <p:nvPr/>
+          </p:nvSpPr>
+          <p:spPr>
+            <a:xfrm>
+              <a:off x="3460376" y="3040815"/>
+              <a:ext cx="4415117" cy="1191878"/>
+            </a:xfrm>
+            <a:prstGeom prst="rect">
+              <a:avLst/>
+            </a:prstGeom>
+            <a:solidFill>
+              <a:schemeClr val="bg1"/>
+            </a:solidFill>
+            <a:ln>
+              <a:solidFill>
+                <a:schemeClr val="bg1"/>
+              </a:solidFill>
+            </a:ln>
+          </p:spPr>
+          <p:style>
+            <a:lnRef idx="2">
+              <a:schemeClr val="accent1">
+                <a:shade val="50000"/>
+              </a:schemeClr>
+            </a:lnRef>
+            <a:fillRef idx="1">
+              <a:schemeClr val="accent1"/>
+            </a:fillRef>
+            <a:effectRef idx="0">
+              <a:schemeClr val="accent1"/>
+            </a:effectRef>
+            <a:fontRef idx="minor">
+              <a:schemeClr val="lt1"/>
+            </a:fontRef>
+          </p:style>
+          <p:txBody>
+            <a:bodyPr rtlCol="0" anchor="ctr"/>
+            <a:lstStyle/>
+            <a:p>
+              <a:pPr algn="ctr"/>
+              <a:endParaRPr kumimoji="1" lang="ja-JP" altLang="en-US"/>
+            </a:p>
+          </p:txBody>
+        </p:sp>
+        <p:sp>
+          <p:nvSpPr>
+            <p:cNvPr id="7" name="矢印: 右 6">
+              <a:extLst>
+                <a:ext uri="{FF2B5EF4-FFF2-40B4-BE49-F238E27FC236}">
+                  <a16:creationId xmlns:a16="http://schemas.microsoft.com/office/drawing/2014/main" id="{9649D0FA-655C-46BC-8CC8-128868405600}"/>
+                </a:ext>
+              </a:extLst>
+            </p:cNvPr>
+            <p:cNvSpPr/>
+            <p:nvPr/>
+          </p:nvSpPr>
+          <p:spPr>
+            <a:xfrm>
+              <a:off x="2340712" y="2031095"/>
+              <a:ext cx="1923761" cy="194632"/>
+            </a:xfrm>
+            <a:prstGeom prst="rightArrow">
+              <a:avLst/>
+            </a:prstGeom>
+            <a:solidFill>
+              <a:schemeClr val="bg1"/>
+            </a:solidFill>
+            <a:ln>
+              <a:solidFill>
+                <a:schemeClr val="tx1"/>
+              </a:solidFill>
+            </a:ln>
+          </p:spPr>
+          <p:style>
+            <a:lnRef idx="2">
+              <a:schemeClr val="accent1">
+                <a:shade val="50000"/>
+              </a:schemeClr>
+            </a:lnRef>
+            <a:fillRef idx="1">
+              <a:schemeClr val="accent1"/>
+            </a:fillRef>
+            <a:effectRef idx="0">
+              <a:schemeClr val="accent1"/>
+            </a:effectRef>
+            <a:fontRef idx="minor">
+              <a:schemeClr val="lt1"/>
+            </a:fontRef>
+          </p:style>
+          <p:txBody>
+            <a:bodyPr rtlCol="0" anchor="ctr"/>
+            <a:lstStyle/>
+            <a:p>
+              <a:pPr algn="ctr"/>
+              <a:endParaRPr kumimoji="1" lang="ja-JP" altLang="en-US"/>
+            </a:p>
+          </p:txBody>
+        </p:sp>
+        <p:sp>
+          <p:nvSpPr>
+            <p:cNvPr id="9" name="矢印: 左右 8">
+              <a:extLst>
+                <a:ext uri="{FF2B5EF4-FFF2-40B4-BE49-F238E27FC236}">
+                  <a16:creationId xmlns:a16="http://schemas.microsoft.com/office/drawing/2014/main" id="{EFF7EE11-CFA9-4D77-A246-41EA9F312830}"/>
+                </a:ext>
+              </a:extLst>
+            </p:cNvPr>
+            <p:cNvSpPr/>
+            <p:nvPr/>
+          </p:nvSpPr>
+          <p:spPr>
+            <a:xfrm>
+              <a:off x="2287756" y="1426600"/>
+              <a:ext cx="1976717" cy="201706"/>
+            </a:xfrm>
+            <a:prstGeom prst="leftRightArrow">
+              <a:avLst/>
+            </a:prstGeom>
+            <a:solidFill>
+              <a:schemeClr val="bg1"/>
+            </a:solidFill>
+            <a:ln>
+              <a:solidFill>
+                <a:schemeClr val="tx1"/>
+              </a:solidFill>
+            </a:ln>
+          </p:spPr>
+          <p:style>
+            <a:lnRef idx="2">
+              <a:schemeClr val="accent1">
+                <a:shade val="50000"/>
+              </a:schemeClr>
+            </a:lnRef>
+            <a:fillRef idx="1">
+              <a:schemeClr val="accent1"/>
+            </a:fillRef>
+            <a:effectRef idx="0">
+              <a:schemeClr val="accent1"/>
+            </a:effectRef>
+            <a:fontRef idx="minor">
+              <a:schemeClr val="lt1"/>
+            </a:fontRef>
+          </p:style>
+          <p:txBody>
+            <a:bodyPr rtlCol="0" anchor="ctr"/>
+            <a:lstStyle/>
+            <a:p>
+              <a:pPr algn="ctr"/>
+              <a:endParaRPr kumimoji="1" lang="ja-JP" altLang="en-US"/>
+            </a:p>
+          </p:txBody>
+        </p:sp>
+        <p:sp>
+          <p:nvSpPr>
+            <p:cNvPr id="12" name="テキスト ボックス 11">
+              <a:extLst>
+                <a:ext uri="{FF2B5EF4-FFF2-40B4-BE49-F238E27FC236}">
+                  <a16:creationId xmlns:a16="http://schemas.microsoft.com/office/drawing/2014/main" id="{96F36CD5-EF4D-4D0D-B9C5-33C11055350A}"/>
+                </a:ext>
+              </a:extLst>
+            </p:cNvPr>
+            <p:cNvSpPr txBox="1"/>
+            <p:nvPr/>
+          </p:nvSpPr>
+          <p:spPr>
+            <a:xfrm>
+              <a:off x="2478885" y="1598213"/>
+              <a:ext cx="1976717" cy="338554"/>
+            </a:xfrm>
+            <a:prstGeom prst="rect">
+              <a:avLst/>
+            </a:prstGeom>
+            <a:noFill/>
+          </p:spPr>
+          <p:txBody>
+            <a:bodyPr wrap="square" rtlCol="0">
+              <a:spAutoFit/>
+            </a:bodyPr>
+            <a:lstStyle/>
+            <a:p>
+              <a:r>
+                <a:rPr kumimoji="1" lang="ja-JP" altLang="en-US" sz="1600" b="1" dirty="0"/>
+                <a:t>検索</a:t>
+              </a:r>
+              <a:r>
+                <a:rPr kumimoji="1" lang="en-US" altLang="ja-JP" sz="1600" b="1" dirty="0"/>
+                <a:t>/</a:t>
+              </a:r>
+              <a:r>
+                <a:rPr kumimoji="1" lang="ja-JP" altLang="en-US" sz="1600" b="1" dirty="0"/>
+                <a:t>閲覧</a:t>
+              </a:r>
+              <a:r>
+                <a:rPr lang="en-US" altLang="ja-JP" sz="1600" b="1" dirty="0"/>
+                <a:t>/</a:t>
+              </a:r>
+              <a:r>
+                <a:rPr kumimoji="1" lang="ja-JP" altLang="en-US" sz="1600" b="1" dirty="0"/>
+                <a:t>登録</a:t>
+              </a:r>
+            </a:p>
+          </p:txBody>
+        </p:sp>
+        <p:sp>
+          <p:nvSpPr>
+            <p:cNvPr id="20" name="テキスト ボックス 19">
+              <a:extLst>
+                <a:ext uri="{FF2B5EF4-FFF2-40B4-BE49-F238E27FC236}">
+                  <a16:creationId xmlns:a16="http://schemas.microsoft.com/office/drawing/2014/main" id="{6F15BC0E-5802-442C-9257-0B581D86C384}"/>
+                </a:ext>
+              </a:extLst>
+            </p:cNvPr>
+            <p:cNvSpPr txBox="1"/>
+            <p:nvPr/>
+          </p:nvSpPr>
+          <p:spPr>
+            <a:xfrm>
+              <a:off x="2511915" y="2214753"/>
+              <a:ext cx="1465439" cy="338554"/>
+            </a:xfrm>
+            <a:prstGeom prst="rect">
+              <a:avLst/>
+            </a:prstGeom>
+            <a:noFill/>
+          </p:spPr>
+          <p:txBody>
+            <a:bodyPr wrap="square" rtlCol="0">
+              <a:spAutoFit/>
+            </a:bodyPr>
+            <a:lstStyle/>
+            <a:p>
+              <a:r>
+                <a:rPr lang="ja-JP" altLang="en-US" sz="1600" b="1" dirty="0"/>
+                <a:t>お問い合わせ</a:t>
+              </a:r>
+              <a:endParaRPr kumimoji="1" lang="ja-JP" altLang="en-US" sz="1600" b="1" dirty="0"/>
+            </a:p>
+          </p:txBody>
+        </p:sp>
+        <p:sp>
+          <p:nvSpPr>
+            <p:cNvPr id="22" name="矢印: 右 21">
+              <a:extLst>
+                <a:ext uri="{FF2B5EF4-FFF2-40B4-BE49-F238E27FC236}">
+                  <a16:creationId xmlns:a16="http://schemas.microsoft.com/office/drawing/2014/main" id="{35F8B8CB-9FD2-48F9-B056-602EF402E0BA}"/>
+                </a:ext>
+              </a:extLst>
+            </p:cNvPr>
+            <p:cNvSpPr/>
+            <p:nvPr/>
+          </p:nvSpPr>
+          <p:spPr>
+            <a:xfrm>
+              <a:off x="2423035" y="5097564"/>
+              <a:ext cx="1923761" cy="194632"/>
+            </a:xfrm>
+            <a:prstGeom prst="rightArrow">
+              <a:avLst/>
+            </a:prstGeom>
+            <a:solidFill>
+              <a:schemeClr val="bg1"/>
+            </a:solidFill>
+            <a:ln>
+              <a:solidFill>
+                <a:schemeClr val="tx1"/>
+              </a:solidFill>
+            </a:ln>
+          </p:spPr>
+          <p:style>
+            <a:lnRef idx="2">
+              <a:schemeClr val="accent1">
+                <a:shade val="50000"/>
+              </a:schemeClr>
+            </a:lnRef>
+            <a:fillRef idx="1">
+              <a:schemeClr val="accent1"/>
+            </a:fillRef>
+            <a:effectRef idx="0">
+              <a:schemeClr val="accent1"/>
+            </a:effectRef>
+            <a:fontRef idx="minor">
+              <a:schemeClr val="lt1"/>
+            </a:fontRef>
+          </p:style>
+          <p:txBody>
+            <a:bodyPr rtlCol="0" anchor="ctr"/>
+            <a:lstStyle/>
+            <a:p>
+              <a:pPr algn="ctr"/>
+              <a:endParaRPr kumimoji="1" lang="ja-JP" altLang="en-US"/>
+            </a:p>
+          </p:txBody>
+        </p:sp>
+        <p:sp>
+          <p:nvSpPr>
+            <p:cNvPr id="23" name="テキスト ボックス 22">
+              <a:extLst>
+                <a:ext uri="{FF2B5EF4-FFF2-40B4-BE49-F238E27FC236}">
+                  <a16:creationId xmlns:a16="http://schemas.microsoft.com/office/drawing/2014/main" id="{800247DB-6A09-4ED4-BED9-10A47EAD3ADC}"/>
+                </a:ext>
+              </a:extLst>
+            </p:cNvPr>
+            <p:cNvSpPr txBox="1"/>
+            <p:nvPr/>
+          </p:nvSpPr>
+          <p:spPr>
+            <a:xfrm>
+              <a:off x="2340710" y="5249763"/>
+              <a:ext cx="2088413" cy="338554"/>
+            </a:xfrm>
+            <a:prstGeom prst="rect">
+              <a:avLst/>
+            </a:prstGeom>
+            <a:noFill/>
+          </p:spPr>
+          <p:txBody>
+            <a:bodyPr wrap="square" rtlCol="0">
+              <a:spAutoFit/>
+            </a:bodyPr>
+            <a:lstStyle/>
+            <a:p>
+              <a:r>
+                <a:rPr lang="ja-JP" altLang="en-US" sz="1600" b="1" dirty="0"/>
+                <a:t>ログイン</a:t>
+              </a:r>
+              <a:r>
+                <a:rPr lang="en-US" altLang="ja-JP" sz="1600" b="1" dirty="0"/>
+                <a:t>/</a:t>
+              </a:r>
+              <a:r>
+                <a:rPr lang="ja-JP" altLang="en-US" sz="1600" b="1" dirty="0"/>
+                <a:t>ログアウト</a:t>
+              </a:r>
+              <a:endParaRPr kumimoji="1" lang="ja-JP" altLang="en-US" sz="1600" b="1" dirty="0"/>
+            </a:p>
+          </p:txBody>
+        </p:sp>
+        <p:sp>
+          <p:nvSpPr>
+            <p:cNvPr id="24" name="矢印: 右 23">
+              <a:extLst>
+                <a:ext uri="{FF2B5EF4-FFF2-40B4-BE49-F238E27FC236}">
+                  <a16:creationId xmlns:a16="http://schemas.microsoft.com/office/drawing/2014/main" id="{40696A53-D26A-484C-83C7-1951BAC38B96}"/>
+                </a:ext>
+              </a:extLst>
+            </p:cNvPr>
+            <p:cNvSpPr/>
+            <p:nvPr/>
+          </p:nvSpPr>
+          <p:spPr>
+            <a:xfrm>
+              <a:off x="2423037" y="5661058"/>
+              <a:ext cx="1923761" cy="194632"/>
+            </a:xfrm>
+            <a:prstGeom prst="rightArrow">
+              <a:avLst/>
+            </a:prstGeom>
+            <a:solidFill>
+              <a:schemeClr val="bg1"/>
+            </a:solidFill>
+            <a:ln>
+              <a:solidFill>
+                <a:schemeClr val="tx1"/>
+              </a:solidFill>
+            </a:ln>
+          </p:spPr>
+          <p:style>
+            <a:lnRef idx="2">
+              <a:schemeClr val="accent1">
+                <a:shade val="50000"/>
+              </a:schemeClr>
+            </a:lnRef>
+            <a:fillRef idx="1">
+              <a:schemeClr val="accent1"/>
+            </a:fillRef>
+            <a:effectRef idx="0">
+              <a:schemeClr val="accent1"/>
+            </a:effectRef>
+            <a:fontRef idx="minor">
+              <a:schemeClr val="lt1"/>
+            </a:fontRef>
+          </p:style>
+          <p:txBody>
+            <a:bodyPr rtlCol="0" anchor="ctr"/>
+            <a:lstStyle/>
+            <a:p>
+              <a:pPr algn="ctr"/>
+              <a:endParaRPr kumimoji="1" lang="ja-JP" altLang="en-US"/>
+            </a:p>
+          </p:txBody>
+        </p:sp>
+        <p:sp>
+          <p:nvSpPr>
+            <p:cNvPr id="25" name="テキスト ボックス 24">
+              <a:extLst>
+                <a:ext uri="{FF2B5EF4-FFF2-40B4-BE49-F238E27FC236}">
+                  <a16:creationId xmlns:a16="http://schemas.microsoft.com/office/drawing/2014/main" id="{CACDFB94-138E-441C-81B4-B8D642EBCBA0}"/>
+                </a:ext>
+              </a:extLst>
+            </p:cNvPr>
+            <p:cNvSpPr txBox="1"/>
+            <p:nvPr/>
+          </p:nvSpPr>
+          <p:spPr>
+            <a:xfrm>
+              <a:off x="2378994" y="5855690"/>
+              <a:ext cx="2088413" cy="338554"/>
+            </a:xfrm>
+            <a:prstGeom prst="rect">
+              <a:avLst/>
+            </a:prstGeom>
+            <a:noFill/>
+          </p:spPr>
+          <p:txBody>
+            <a:bodyPr wrap="square" rtlCol="0">
+              <a:spAutoFit/>
+            </a:bodyPr>
+            <a:lstStyle/>
+            <a:p>
+              <a:r>
+                <a:rPr kumimoji="1" lang="ja-JP" altLang="en-US" sz="1600" b="1" dirty="0"/>
+                <a:t>登録</a:t>
+              </a:r>
+              <a:r>
+                <a:rPr kumimoji="1" lang="en-US" altLang="ja-JP" sz="1600" b="1" dirty="0"/>
+                <a:t>/</a:t>
+              </a:r>
+              <a:r>
+                <a:rPr kumimoji="1" lang="ja-JP" altLang="en-US" sz="1600" b="1" dirty="0"/>
+                <a:t>編集</a:t>
+              </a:r>
+              <a:r>
+                <a:rPr kumimoji="1" lang="en-US" altLang="ja-JP" sz="1600" b="1" dirty="0"/>
+                <a:t>/</a:t>
+              </a:r>
+              <a:r>
+                <a:rPr kumimoji="1" lang="ja-JP" altLang="en-US" sz="1600" b="1" dirty="0"/>
+                <a:t>削除</a:t>
+              </a:r>
+              <a:r>
+                <a:rPr kumimoji="1" lang="en-US" altLang="ja-JP" sz="1600" b="1" dirty="0"/>
+                <a:t>/</a:t>
+              </a:r>
+              <a:r>
+                <a:rPr kumimoji="1" lang="ja-JP" altLang="en-US" sz="1600" b="1" dirty="0"/>
+                <a:t>確認</a:t>
+              </a:r>
+            </a:p>
+          </p:txBody>
+        </p:sp>
+        <p:sp>
+          <p:nvSpPr>
+            <p:cNvPr id="26" name="正方形/長方形 25">
+              <a:extLst>
+                <a:ext uri="{FF2B5EF4-FFF2-40B4-BE49-F238E27FC236}">
+                  <a16:creationId xmlns:a16="http://schemas.microsoft.com/office/drawing/2014/main" id="{489B2D3E-1E1A-4B07-9C72-2F6808184EF3}"/>
+                </a:ext>
+              </a:extLst>
+            </p:cNvPr>
+            <p:cNvSpPr/>
+            <p:nvPr/>
+          </p:nvSpPr>
+          <p:spPr>
+            <a:xfrm>
+              <a:off x="5716511" y="4546163"/>
+              <a:ext cx="3677772" cy="690115"/>
+            </a:xfrm>
+            <a:prstGeom prst="rect">
+              <a:avLst/>
+            </a:prstGeom>
+            <a:solidFill>
+              <a:schemeClr val="bg1"/>
+            </a:solidFill>
+            <a:ln>
+              <a:solidFill>
+                <a:schemeClr val="bg1"/>
+              </a:solidFill>
+            </a:ln>
+          </p:spPr>
+          <p:style>
+            <a:lnRef idx="2">
+              <a:schemeClr val="accent1">
+                <a:shade val="50000"/>
+              </a:schemeClr>
+            </a:lnRef>
+            <a:fillRef idx="1">
+              <a:schemeClr val="accent1"/>
+            </a:fillRef>
+            <a:effectRef idx="0">
+              <a:schemeClr val="accent1"/>
+            </a:effectRef>
+            <a:fontRef idx="minor">
+              <a:schemeClr val="lt1"/>
+            </a:fontRef>
+          </p:style>
+          <p:txBody>
+            <a:bodyPr rtlCol="0" anchor="ctr"/>
+            <a:lstStyle/>
+            <a:p>
+              <a:pPr algn="ctr"/>
+              <a:endParaRPr kumimoji="1" lang="ja-JP" altLang="en-US"/>
+            </a:p>
+          </p:txBody>
+        </p:sp>
+        <p:sp>
+          <p:nvSpPr>
+            <p:cNvPr id="27" name="正方形/長方形 26">
+              <a:extLst>
+                <a:ext uri="{FF2B5EF4-FFF2-40B4-BE49-F238E27FC236}">
+                  <a16:creationId xmlns:a16="http://schemas.microsoft.com/office/drawing/2014/main" id="{94F3240C-3567-4956-9CDB-1D1660739417}"/>
+                </a:ext>
+              </a:extLst>
+            </p:cNvPr>
+            <p:cNvSpPr/>
+            <p:nvPr/>
+          </p:nvSpPr>
+          <p:spPr>
+            <a:xfrm>
+              <a:off x="6669089" y="1593950"/>
+              <a:ext cx="4415116" cy="4772920"/>
+            </a:xfrm>
+            <a:prstGeom prst="rect">
+              <a:avLst/>
+            </a:prstGeom>
+            <a:solidFill>
+              <a:schemeClr val="bg1"/>
+            </a:solidFill>
+            <a:ln>
+              <a:solidFill>
+                <a:schemeClr val="bg1"/>
+              </a:solidFill>
+            </a:ln>
+          </p:spPr>
+          <p:style>
+            <a:lnRef idx="2">
+              <a:schemeClr val="accent1">
+                <a:shade val="50000"/>
+              </a:schemeClr>
+            </a:lnRef>
+            <a:fillRef idx="1">
+              <a:schemeClr val="accent1"/>
+            </a:fillRef>
+            <a:effectRef idx="0">
+              <a:schemeClr val="accent1"/>
+            </a:effectRef>
+            <a:fontRef idx="minor">
+              <a:schemeClr val="lt1"/>
+            </a:fontRef>
+          </p:style>
+          <p:txBody>
+            <a:bodyPr rtlCol="0" anchor="ctr"/>
+            <a:lstStyle/>
+            <a:p>
+              <a:pPr algn="ctr"/>
+              <a:endParaRPr kumimoji="1" lang="ja-JP" altLang="en-US"/>
+            </a:p>
+          </p:txBody>
+        </p:sp>
+        <p:pic>
+          <p:nvPicPr>
+            <p:cNvPr id="28" name="図 27">
+              <a:extLst>
+                <a:ext uri="{FF2B5EF4-FFF2-40B4-BE49-F238E27FC236}">
+                  <a16:creationId xmlns:a16="http://schemas.microsoft.com/office/drawing/2014/main" id="{455D13A9-7F8E-4E33-A4FD-7649DC9DDC8D}"/>
+                </a:ext>
+              </a:extLst>
+            </p:cNvPr>
+            <p:cNvPicPr>
+              <a:picLocks noChangeAspect="1"/>
+            </p:cNvPicPr>
+            <p:nvPr/>
+          </p:nvPicPr>
+          <p:blipFill>
+            <a:blip r:embed="rId5">
+              <a:extLst>
+                <a:ext uri="{28A0092B-C50C-407E-A947-70E740481C1C}">
+                  <a14:useLocalDpi xmlns:a14="http://schemas.microsoft.com/office/drawing/2010/main" val="0"/>
+                </a:ext>
+              </a:extLst>
+            </a:blip>
+            <a:stretch>
+              <a:fillRect/>
+            </a:stretch>
+          </p:blipFill>
+          <p:spPr>
+            <a:xfrm>
+              <a:off x="9744967" y="2784208"/>
+              <a:ext cx="1705091" cy="1705091"/>
+            </a:xfrm>
+            <a:prstGeom prst="rect">
+              <a:avLst/>
+            </a:prstGeom>
+          </p:spPr>
+        </p:pic>
+        <p:sp>
+          <p:nvSpPr>
+            <p:cNvPr id="48" name="正方形/長方形 47">
+              <a:extLst>
+                <a:ext uri="{FF2B5EF4-FFF2-40B4-BE49-F238E27FC236}">
+                  <a16:creationId xmlns:a16="http://schemas.microsoft.com/office/drawing/2014/main" id="{60F90A1B-4776-4478-A90C-29DE59AE9B8B}"/>
+                </a:ext>
+              </a:extLst>
+            </p:cNvPr>
+            <p:cNvSpPr/>
+            <p:nvPr/>
+          </p:nvSpPr>
+          <p:spPr>
+            <a:xfrm>
+              <a:off x="5445407" y="3075903"/>
+              <a:ext cx="4567516" cy="2133750"/>
+            </a:xfrm>
+            <a:prstGeom prst="rect">
+              <a:avLst/>
+            </a:prstGeom>
+            <a:solidFill>
+              <a:schemeClr val="bg1"/>
+            </a:solidFill>
+            <a:ln>
+              <a:solidFill>
+                <a:schemeClr val="bg1"/>
+              </a:solidFill>
+            </a:ln>
+          </p:spPr>
+          <p:style>
+            <a:lnRef idx="2">
+              <a:schemeClr val="accent1">
+                <a:shade val="50000"/>
+              </a:schemeClr>
+            </a:lnRef>
+            <a:fillRef idx="1">
+              <a:schemeClr val="accent1"/>
+            </a:fillRef>
+            <a:effectRef idx="0">
+              <a:schemeClr val="accent1"/>
+            </a:effectRef>
+            <a:fontRef idx="minor">
+              <a:schemeClr val="lt1"/>
+            </a:fontRef>
+          </p:style>
+          <p:txBody>
+            <a:bodyPr rtlCol="0" anchor="ctr"/>
+            <a:lstStyle/>
+            <a:p>
+              <a:pPr algn="ctr"/>
+              <a:endParaRPr kumimoji="1" lang="ja-JP" altLang="en-US"/>
+            </a:p>
+          </p:txBody>
+        </p:sp>
+        <p:cxnSp>
+          <p:nvCxnSpPr>
+            <p:cNvPr id="66" name="コネクタ: カギ線 65">
+              <a:extLst>
+                <a:ext uri="{FF2B5EF4-FFF2-40B4-BE49-F238E27FC236}">
+                  <a16:creationId xmlns:a16="http://schemas.microsoft.com/office/drawing/2014/main" id="{FAC448D3-B342-4A62-B920-5A222C36C7B4}"/>
+                </a:ext>
+              </a:extLst>
+            </p:cNvPr>
+            <p:cNvCxnSpPr/>
+            <p:nvPr/>
+          </p:nvCxnSpPr>
+          <p:spPr>
+            <a:xfrm>
+              <a:off x="6669089" y="1767490"/>
+              <a:ext cx="3806170" cy="1273325"/>
+            </a:xfrm>
+            <a:prstGeom prst="bentConnector3">
+              <a:avLst>
+                <a:gd name="adj1" fmla="val 100168"/>
+              </a:avLst>
+            </a:prstGeom>
+            <a:ln w="19050">
+              <a:solidFill>
+                <a:schemeClr val="tx1"/>
+              </a:solidFill>
+              <a:headEnd type="triangle"/>
+              <a:tailEnd type="triangle"/>
+            </a:ln>
+          </p:spPr>
+          <p:style>
+            <a:lnRef idx="1">
+              <a:schemeClr val="accent1"/>
+            </a:lnRef>
+            <a:fillRef idx="0">
+              <a:schemeClr val="accent1"/>
+            </a:fillRef>
+            <a:effectRef idx="0">
+              <a:schemeClr val="accent1"/>
+            </a:effectRef>
+            <a:fontRef idx="minor">
+              <a:schemeClr val="tx1"/>
+            </a:fontRef>
+          </p:style>
+        </p:cxnSp>
+        <p:cxnSp>
+          <p:nvCxnSpPr>
+            <p:cNvPr id="71" name="コネクタ: カギ線 70">
+              <a:extLst>
+                <a:ext uri="{FF2B5EF4-FFF2-40B4-BE49-F238E27FC236}">
+                  <a16:creationId xmlns:a16="http://schemas.microsoft.com/office/drawing/2014/main" id="{3F4133C4-C987-4710-B3DC-91FB2FCF8411}"/>
+                </a:ext>
+              </a:extLst>
+            </p:cNvPr>
+            <p:cNvCxnSpPr>
+              <a:cxnSpLocks/>
+            </p:cNvCxnSpPr>
+            <p:nvPr/>
+          </p:nvCxnSpPr>
+          <p:spPr>
+            <a:xfrm flipV="1">
+              <a:off x="6618673" y="4318061"/>
+              <a:ext cx="3856586" cy="1329940"/>
+            </a:xfrm>
+            <a:prstGeom prst="bentConnector3">
+              <a:avLst>
+                <a:gd name="adj1" fmla="val 100210"/>
+              </a:avLst>
+            </a:prstGeom>
+            <a:ln w="19050">
+              <a:solidFill>
+                <a:schemeClr val="tx1"/>
+              </a:solidFill>
+              <a:headEnd type="triangle"/>
+              <a:tailEnd type="triangle"/>
+            </a:ln>
+          </p:spPr>
+          <p:style>
+            <a:lnRef idx="1">
+              <a:schemeClr val="accent1"/>
+            </a:lnRef>
+            <a:fillRef idx="0">
+              <a:schemeClr val="accent1"/>
+            </a:fillRef>
+            <a:effectRef idx="0">
+              <a:schemeClr val="accent1"/>
+            </a:effectRef>
+            <a:fontRef idx="minor">
+              <a:schemeClr val="tx1"/>
+            </a:fontRef>
+          </p:style>
+        </p:cxnSp>
+      </p:grpSp>
+      <p:sp>
+        <p:nvSpPr>
+          <p:cNvPr id="29" name="テキスト ボックス 28">
+            <a:extLst>
+              <a:ext uri="{FF2B5EF4-FFF2-40B4-BE49-F238E27FC236}">
+                <a16:creationId xmlns:a16="http://schemas.microsoft.com/office/drawing/2014/main" id="{7D85F73F-8E79-4BF8-9C1B-88D04405C1D8}"/>
+              </a:ext>
+            </a:extLst>
+          </p:cNvPr>
+          <p:cNvSpPr txBox="1"/>
+          <p:nvPr/>
+        </p:nvSpPr>
+        <p:spPr>
+          <a:xfrm>
+            <a:off x="1211812" y="1398655"/>
+            <a:ext cx="10784541" cy="369332"/>
+          </a:xfrm>
+          <a:prstGeom prst="rect">
+            <a:avLst/>
+          </a:prstGeom>
+          <a:noFill/>
+        </p:spPr>
+        <p:txBody>
+          <a:bodyPr wrap="square" rtlCol="0">
+            <a:spAutoFit/>
+          </a:bodyPr>
+          <a:lstStyle/>
+          <a:p>
+            <a:r>
+              <a:rPr kumimoji="1" lang="ja-JP" altLang="en-US" dirty="0"/>
+              <a:t>・顧客と管理者ともに、</a:t>
+            </a:r>
+            <a:r>
+              <a:rPr kumimoji="1" lang="en-US" altLang="ja-JP" dirty="0"/>
+              <a:t>Web</a:t>
+            </a:r>
+            <a:r>
+              <a:rPr kumimoji="1" lang="ja-JP" altLang="en-US" dirty="0"/>
+              <a:t>ブラウザを使用し、本システムにアクセスする。</a:t>
+            </a:r>
+            <a:endParaRPr kumimoji="1" lang="en-US" altLang="ja-JP" dirty="0"/>
           </a:p>
         </p:txBody>
       </p:sp>
     </p:spTree>
     <p:extLst>
       <p:ext uri="{BB962C8B-B14F-4D97-AF65-F5344CB8AC3E}">
-        <p14:creationId xmlns:p14="http://schemas.microsoft.com/office/powerpoint/2010/main" val="1776778486"/>
+        <p14:creationId xmlns:p14="http://schemas.microsoft.com/office/powerpoint/2010/main" val="4173417582"/>
       </p:ext>
     </p:extLst>
   </p:cSld>
@@ -16871,9 +17963,15 @@
           <a:chExt cx="0" cy="0"/>
         </a:xfrm>
       </p:grpSpPr>
-      <p:sp>
-        <p:nvSpPr>
-          <p:cNvPr id="90" name="PlaceHolder 1"/>
+      <p:sp useBgFill="1">
+        <p:nvSpPr>
+          <p:cNvPr id="7" name="タイトル 6">
+            <a:extLst>
+              <a:ext uri="{FF2B5EF4-FFF2-40B4-BE49-F238E27FC236}">
+                <a16:creationId xmlns:a16="http://schemas.microsoft.com/office/drawing/2014/main" id="{AE0789F7-6677-41CD-B422-A5AA319E3475}"/>
+              </a:ext>
+            </a:extLst>
+          </p:cNvPr>
           <p:cNvSpPr>
             <a:spLocks noGrp="1"/>
           </p:cNvSpPr>
@@ -16883,8 +17981,8 @@
         </p:nvSpPr>
         <p:spPr>
           <a:xfrm>
-            <a:off x="2961270" y="339780"/>
-            <a:ext cx="6929490" cy="824760"/>
+            <a:off x="4861740" y="2284200"/>
+            <a:ext cx="3002100" cy="1144800"/>
           </a:xfrm>
         </p:spPr>
         <p:txBody>
@@ -16892,288 +17990,16 @@
           <a:lstStyle/>
           <a:p>
             <a:r>
-              <a:rPr lang="ja-JP" altLang="en-US" sz="3600" dirty="0"/>
-              <a:t>機能要件一覧 </a:t>
-            </a:r>
-            <a:r>
-              <a:rPr lang="en-US" altLang="ja-JP" sz="3600" dirty="0"/>
-              <a:t>–</a:t>
-            </a:r>
-            <a:r>
-              <a:rPr lang="ja-JP" altLang="en-US" sz="3600" dirty="0"/>
-              <a:t> フロント側機能</a:t>
-            </a:r>
-            <a:endParaRPr lang="en-US" sz="3600" dirty="0"/>
-          </a:p>
-        </p:txBody>
-      </p:sp>
-      <p:sp>
-        <p:nvSpPr>
-          <p:cNvPr id="6" name="Google Shape;163;g202a447d1d6_0_7">
-            <a:extLst>
-              <a:ext uri="{FF2B5EF4-FFF2-40B4-BE49-F238E27FC236}">
-                <a16:creationId xmlns:a16="http://schemas.microsoft.com/office/drawing/2014/main" id="{DD6C3496-D65D-45F9-A9F6-B55BFB722FE4}"/>
-              </a:ext>
-            </a:extLst>
-          </p:cNvPr>
-          <p:cNvSpPr/>
-          <p:nvPr/>
-        </p:nvSpPr>
-        <p:spPr>
-          <a:xfrm>
-            <a:off x="813960" y="1572840"/>
-            <a:ext cx="10953000" cy="4158360"/>
-          </a:xfrm>
-          <a:prstGeom prst="rect">
-            <a:avLst/>
-          </a:prstGeom>
-          <a:noFill/>
-          <a:ln w="0">
-            <a:noFill/>
-          </a:ln>
-        </p:spPr>
-        <p:style>
-          <a:lnRef idx="0">
-            <a:scrgbClr r="0" g="0" b="0"/>
-          </a:lnRef>
-          <a:fillRef idx="0">
-            <a:scrgbClr r="0" g="0" b="0"/>
-          </a:fillRef>
-          <a:effectRef idx="0">
-            <a:scrgbClr r="0" g="0" b="0"/>
-          </a:effectRef>
-          <a:fontRef idx="minor"/>
-        </p:style>
-        <p:txBody>
-          <a:bodyPr lIns="0" tIns="0" rIns="0" bIns="0" anchor="t">
-            <a:noAutofit/>
-          </a:bodyPr>
-          <a:lstStyle/>
-          <a:p>
-            <a:pPr marL="457200" indent="-438120">
-              <a:lnSpc>
-                <a:spcPct val="100000"/>
-              </a:lnSpc>
-              <a:spcBef>
-                <a:spcPts val="1001"/>
-              </a:spcBef>
-              <a:buClr>
-                <a:srgbClr val="000000"/>
-              </a:buClr>
-              <a:buFont typeface="Arial"/>
-              <a:buChar char="●"/>
-            </a:pPr>
-            <a:r>
-              <a:rPr lang="ja-JP" altLang="ja-JP" sz="2800" spc="-1" dirty="0">
-                <a:solidFill>
-                  <a:schemeClr val="dk1"/>
-                </a:solidFill>
-                <a:ea typeface="Arial"/>
-              </a:rPr>
-              <a:t>駅・エリアから</a:t>
-            </a:r>
-            <a:r>
-              <a:rPr lang="ja-JP" sz="2800" b="0" strike="noStrike" spc="-1" dirty="0">
-                <a:solidFill>
-                  <a:schemeClr val="dk1"/>
-                </a:solidFill>
-                <a:latin typeface="Arial"/>
-                <a:ea typeface="Arial"/>
-              </a:rPr>
-              <a:t>賃貸</a:t>
-            </a:r>
-            <a:r>
-              <a:rPr lang="ja-JP" altLang="en-US" sz="2800" b="0" strike="noStrike" spc="-1" dirty="0">
-                <a:solidFill>
-                  <a:schemeClr val="dk1"/>
-                </a:solidFill>
-                <a:latin typeface="Arial"/>
-                <a:ea typeface="Arial"/>
-              </a:rPr>
-              <a:t>物件の</a:t>
-            </a:r>
-            <a:r>
-              <a:rPr lang="ja-JP" sz="2800" b="0" strike="noStrike" spc="-1" dirty="0">
-                <a:solidFill>
-                  <a:schemeClr val="dk1"/>
-                </a:solidFill>
-                <a:latin typeface="Arial"/>
-                <a:ea typeface="Arial"/>
-              </a:rPr>
-              <a:t>検索</a:t>
-            </a:r>
-            <a:r>
-              <a:rPr lang="ja-JP" altLang="en-US" sz="2800" b="0" strike="noStrike" spc="-1" dirty="0">
-                <a:solidFill>
-                  <a:schemeClr val="dk1"/>
-                </a:solidFill>
-                <a:latin typeface="Arial"/>
-                <a:ea typeface="Arial"/>
-              </a:rPr>
-              <a:t>・閲覧</a:t>
-            </a:r>
-            <a:r>
-              <a:rPr lang="ja-JP" sz="2800" b="0" strike="noStrike" spc="-1" dirty="0">
-                <a:solidFill>
-                  <a:schemeClr val="dk1"/>
-                </a:solidFill>
-                <a:latin typeface="Arial"/>
-                <a:ea typeface="Arial"/>
-              </a:rPr>
-              <a:t>　</a:t>
-            </a:r>
-            <a:endParaRPr lang="en-US" sz="2800" b="0" strike="noStrike" spc="-1" dirty="0">
-              <a:solidFill>
-                <a:srgbClr val="000000"/>
-              </a:solidFill>
-              <a:latin typeface="Arial"/>
-            </a:endParaRPr>
-          </a:p>
-          <a:p>
-            <a:pPr marL="457200" indent="-438120">
-              <a:lnSpc>
-                <a:spcPct val="100000"/>
-              </a:lnSpc>
-              <a:spcBef>
-                <a:spcPts val="1001"/>
-              </a:spcBef>
-              <a:buClr>
-                <a:srgbClr val="000000"/>
-              </a:buClr>
-              <a:buFont typeface="Arial"/>
-              <a:buChar char="●"/>
-            </a:pPr>
-            <a:r>
-              <a:rPr lang="ja-JP" altLang="ja-JP" sz="2800" spc="-1" dirty="0">
-                <a:solidFill>
-                  <a:schemeClr val="dk1"/>
-                </a:solidFill>
-                <a:ea typeface="Arial"/>
-              </a:rPr>
-              <a:t>賃貸物件</a:t>
-            </a:r>
-            <a:r>
-              <a:rPr lang="ja-JP" sz="2800" b="0" strike="noStrike" spc="-1" dirty="0">
-                <a:solidFill>
-                  <a:schemeClr val="dk1"/>
-                </a:solidFill>
-                <a:latin typeface="Arial"/>
-                <a:ea typeface="Arial"/>
-              </a:rPr>
-              <a:t>お気に入り登録</a:t>
-            </a:r>
-            <a:r>
-              <a:rPr lang="ja-JP" altLang="en-US" sz="2800" spc="-1" dirty="0">
-                <a:solidFill>
-                  <a:schemeClr val="dk1"/>
-                </a:solidFill>
-                <a:latin typeface="Arial"/>
-                <a:ea typeface="Arial"/>
-              </a:rPr>
-              <a:t>・</a:t>
-            </a:r>
-            <a:r>
-              <a:rPr lang="ja-JP" sz="2800" b="0" strike="noStrike" spc="-1" dirty="0">
-                <a:solidFill>
-                  <a:schemeClr val="dk1"/>
-                </a:solidFill>
-                <a:latin typeface="Arial"/>
-                <a:ea typeface="Arial"/>
-              </a:rPr>
-              <a:t>閲覧</a:t>
-            </a:r>
-            <a:endParaRPr lang="en-US" sz="2800" b="0" strike="noStrike" spc="-1" dirty="0">
-              <a:solidFill>
-                <a:srgbClr val="000000"/>
-              </a:solidFill>
-              <a:latin typeface="Arial"/>
-            </a:endParaRPr>
-          </a:p>
-          <a:p>
-            <a:pPr marL="457200" indent="-438120">
-              <a:lnSpc>
-                <a:spcPct val="100000"/>
-              </a:lnSpc>
-              <a:spcBef>
-                <a:spcPts val="1001"/>
-              </a:spcBef>
-              <a:buClr>
-                <a:srgbClr val="000000"/>
-              </a:buClr>
-              <a:buFont typeface="Arial"/>
-              <a:buChar char="●"/>
-            </a:pPr>
-            <a:r>
-              <a:rPr lang="ja-JP" altLang="en-US" sz="2800" b="0" strike="noStrike" spc="-1" dirty="0">
-                <a:solidFill>
-                  <a:schemeClr val="dk1"/>
-                </a:solidFill>
-                <a:latin typeface="Arial"/>
-                <a:ea typeface="Arial"/>
-              </a:rPr>
-              <a:t>お</a:t>
-            </a:r>
-            <a:r>
-              <a:rPr lang="ja-JP" sz="2800" b="0" strike="noStrike" spc="-1" dirty="0">
-                <a:solidFill>
-                  <a:schemeClr val="dk1"/>
-                </a:solidFill>
-                <a:latin typeface="Arial"/>
-                <a:ea typeface="Arial"/>
-              </a:rPr>
-              <a:t>問い合わせ　</a:t>
-            </a:r>
-            <a:endParaRPr lang="en-US" sz="2800" b="0" strike="noStrike" spc="-1" dirty="0">
-              <a:solidFill>
-                <a:srgbClr val="000000"/>
-              </a:solidFill>
-              <a:latin typeface="Arial"/>
-            </a:endParaRPr>
-          </a:p>
-          <a:p>
-            <a:pPr marL="19080">
-              <a:lnSpc>
-                <a:spcPct val="100000"/>
-              </a:lnSpc>
-              <a:spcBef>
-                <a:spcPts val="1001"/>
-              </a:spcBef>
-              <a:tabLst>
-                <a:tab pos="0" algn="l"/>
-              </a:tabLst>
-            </a:pPr>
-            <a:endParaRPr lang="en-US" sz="2800" b="0" strike="noStrike" spc="-1" dirty="0">
-              <a:solidFill>
-                <a:srgbClr val="000000"/>
-              </a:solidFill>
-              <a:latin typeface="Arial"/>
-            </a:endParaRPr>
-          </a:p>
-          <a:p>
-            <a:pPr marL="19080">
-              <a:lnSpc>
-                <a:spcPct val="100000"/>
-              </a:lnSpc>
-              <a:spcBef>
-                <a:spcPts val="1001"/>
-              </a:spcBef>
-              <a:tabLst>
-                <a:tab pos="0" algn="l"/>
-              </a:tabLst>
-            </a:pPr>
-            <a:endParaRPr lang="en-US" sz="2800" b="0" strike="noStrike" spc="-1" dirty="0">
-              <a:solidFill>
-                <a:srgbClr val="000000"/>
-              </a:solidFill>
-              <a:latin typeface="Arial"/>
-            </a:endParaRPr>
+              <a:rPr kumimoji="1" lang="ja-JP" altLang="en-US" sz="4800" dirty="0"/>
+              <a:t>機能要件</a:t>
+            </a:r>
           </a:p>
         </p:txBody>
       </p:sp>
     </p:spTree>
     <p:extLst>
       <p:ext uri="{BB962C8B-B14F-4D97-AF65-F5344CB8AC3E}">
-        <p14:creationId xmlns:p14="http://schemas.microsoft.com/office/powerpoint/2010/main" val="4144534373"/>
+        <p14:creationId xmlns:p14="http://schemas.microsoft.com/office/powerpoint/2010/main" val="1776778486"/>
       </p:ext>
     </p:extLst>
   </p:cSld>
@@ -17230,7 +18056,7 @@
             </a:r>
             <a:r>
               <a:rPr lang="ja-JP" altLang="en-US" sz="3600" dirty="0"/>
-              <a:t> 管理側機能</a:t>
+              <a:t> フロント側機能</a:t>
             </a:r>
             <a:endParaRPr lang="en-US" sz="3600" dirty="0"/>
           </a:p>
@@ -17238,10 +18064,10 @@
       </p:sp>
       <p:sp>
         <p:nvSpPr>
-          <p:cNvPr id="8" name="Google Shape;163;g202a447d1d6_0_7">
+          <p:cNvPr id="6" name="Google Shape;163;g202a447d1d6_0_7">
             <a:extLst>
               <a:ext uri="{FF2B5EF4-FFF2-40B4-BE49-F238E27FC236}">
-                <a16:creationId xmlns:a16="http://schemas.microsoft.com/office/drawing/2014/main" id="{352C11F8-56FC-4399-8A5D-1E92763332C2}"/>
+                <a16:creationId xmlns:a16="http://schemas.microsoft.com/office/drawing/2014/main" id="{DD6C3496-D65D-45F9-A9F6-B55BFB722FE4}"/>
               </a:ext>
             </a:extLst>
           </p:cNvPr>
@@ -17250,8 +18076,8 @@
         </p:nvSpPr>
         <p:spPr>
           <a:xfrm>
-            <a:off x="813960" y="1806840"/>
-            <a:ext cx="10953000" cy="2940840"/>
+            <a:off x="813960" y="1572840"/>
+            <a:ext cx="10953000" cy="4158360"/>
           </a:xfrm>
           <a:prstGeom prst="rect">
             <a:avLst/>
@@ -17293,6 +18119,15 @@
               <a:buChar char="●"/>
             </a:pPr>
             <a:r>
+              <a:rPr lang="ja-JP" altLang="ja-JP" sz="2800" spc="-1" dirty="0">
+                <a:solidFill>
+                  <a:schemeClr val="dk1"/>
+                </a:solidFill>
+                <a:ea typeface="Arial"/>
+              </a:rPr>
+              <a:t>駅・エリアから</a:t>
+            </a:r>
+            <a:r>
               <a:rPr lang="ja-JP" sz="2800" b="0" strike="noStrike" spc="-1" dirty="0">
                 <a:solidFill>
                   <a:schemeClr val="dk1"/>
@@ -17300,17 +18135,17 @@
                 <a:latin typeface="Arial"/>
                 <a:ea typeface="Arial"/>
               </a:rPr>
-              <a:t>ログイン</a:t>
-            </a:r>
-            <a:r>
-              <a:rPr lang="en-US" sz="2800" b="0" strike="noStrike" spc="-1" dirty="0">
+              <a:t>賃貸</a:t>
+            </a:r>
+            <a:r>
+              <a:rPr lang="ja-JP" altLang="en-US" sz="2800" b="0" strike="noStrike" spc="-1" dirty="0">
                 <a:solidFill>
                   <a:schemeClr val="dk1"/>
                 </a:solidFill>
                 <a:latin typeface="Arial"/>
                 <a:ea typeface="Arial"/>
               </a:rPr>
-              <a:t>/</a:t>
+              <a:t>物件の</a:t>
             </a:r>
             <a:r>
               <a:rPr lang="ja-JP" sz="2800" b="0" strike="noStrike" spc="-1" dirty="0">
@@ -17320,7 +18155,27 @@
                 <a:latin typeface="Arial"/>
                 <a:ea typeface="Arial"/>
               </a:rPr>
-              <a:t>ログアウト</a:t>
+              <a:t>検索</a:t>
+            </a:r>
+            <a:r>
+              <a:rPr lang="ja-JP" altLang="en-US" sz="2800" b="0" strike="noStrike" spc="-1" dirty="0">
+                <a:solidFill>
+                  <a:schemeClr val="dk1"/>
+                </a:solidFill>
+                <a:latin typeface="Arial"/>
+                <a:ea typeface="Arial"/>
+              </a:rPr>
+              <a:t>・閲覧</a:t>
+            </a:r>
+            <a:r>
+              <a:rPr lang="ja-JP" sz="2800" b="0" strike="noStrike" spc="-1" dirty="0">
+                <a:solidFill>
+                  <a:schemeClr val="dk1"/>
+                </a:solidFill>
+                <a:latin typeface="Arial"/>
+                <a:ea typeface="Arial"/>
+              </a:rPr>
+              <a:t>　</a:t>
             </a:r>
             <a:endParaRPr lang="en-US" sz="2800" b="0" strike="noStrike" spc="-1" dirty="0">
               <a:solidFill>
@@ -17344,6 +18199,15 @@
               <a:buChar char="●"/>
             </a:pPr>
             <a:r>
+              <a:rPr lang="ja-JP" altLang="ja-JP" sz="2800" spc="-1" dirty="0">
+                <a:solidFill>
+                  <a:schemeClr val="dk1"/>
+                </a:solidFill>
+                <a:ea typeface="Arial"/>
+              </a:rPr>
+              <a:t>賃貸物件</a:t>
+            </a:r>
+            <a:r>
               <a:rPr lang="ja-JP" sz="2800" b="0" strike="noStrike" spc="-1" dirty="0">
                 <a:solidFill>
                   <a:schemeClr val="dk1"/>
@@ -17351,17 +18215,17 @@
                 <a:latin typeface="Arial"/>
                 <a:ea typeface="Arial"/>
               </a:rPr>
-              <a:t>オーナー新規登録、編集、</a:t>
-            </a:r>
-            <a:r>
-              <a:rPr lang="ja-JP" altLang="en-US" sz="2800" b="0" strike="noStrike" spc="-1" dirty="0">
+              <a:t>お気に入り登録</a:t>
+            </a:r>
+            <a:r>
+              <a:rPr lang="ja-JP" altLang="en-US" sz="2800" spc="-1" dirty="0">
                 <a:solidFill>
                   <a:schemeClr val="dk1"/>
                 </a:solidFill>
                 <a:latin typeface="Arial"/>
                 <a:ea typeface="Arial"/>
               </a:rPr>
-              <a:t>削除（</a:t>
+              <a:t>・</a:t>
             </a:r>
             <a:r>
               <a:rPr lang="ja-JP" sz="2800" b="0" strike="noStrike" spc="-1" dirty="0">
@@ -17371,97 +18235,13 @@
                 <a:latin typeface="Arial"/>
                 <a:ea typeface="Arial"/>
               </a:rPr>
-              <a:t>非アクティブ処理</a:t>
-            </a:r>
-            <a:r>
-              <a:rPr lang="ja-JP" altLang="en-US" sz="2800" b="0" strike="noStrike" spc="-1" dirty="0">
-                <a:solidFill>
-                  <a:schemeClr val="dk1"/>
-                </a:solidFill>
-                <a:latin typeface="Arial"/>
-                <a:ea typeface="Arial"/>
-              </a:rPr>
-              <a:t>）、確認</a:t>
+              <a:t>閲覧</a:t>
             </a:r>
             <a:endParaRPr lang="en-US" sz="2800" b="0" strike="noStrike" spc="-1" dirty="0">
               <a:solidFill>
                 <a:srgbClr val="000000"/>
               </a:solidFill>
               <a:latin typeface="Arial"/>
-            </a:endParaRPr>
-          </a:p>
-          <a:p>
-            <a:pPr marL="457200" indent="-438120">
-              <a:spcBef>
-                <a:spcPts val="1001"/>
-              </a:spcBef>
-              <a:buClr>
-                <a:srgbClr val="000000"/>
-              </a:buClr>
-              <a:buFont typeface="Arial"/>
-              <a:buChar char="●"/>
-            </a:pPr>
-            <a:r>
-              <a:rPr lang="ja-JP" sz="2800" b="0" strike="noStrike" spc="-1" dirty="0">
-                <a:solidFill>
-                  <a:schemeClr val="dk1"/>
-                </a:solidFill>
-                <a:latin typeface="Arial"/>
-                <a:ea typeface="Arial"/>
-              </a:rPr>
-              <a:t>物件の</a:t>
-            </a:r>
-            <a:r>
-              <a:rPr lang="ja-JP" altLang="en-US" sz="2800" b="0" strike="noStrike" spc="-1" dirty="0">
-                <a:solidFill>
-                  <a:schemeClr val="dk1"/>
-                </a:solidFill>
-                <a:latin typeface="Arial"/>
-                <a:ea typeface="Arial"/>
-              </a:rPr>
-              <a:t>新規</a:t>
-            </a:r>
-            <a:r>
-              <a:rPr lang="ja-JP" sz="2800" b="0" strike="noStrike" spc="-1" dirty="0">
-                <a:solidFill>
-                  <a:schemeClr val="dk1"/>
-                </a:solidFill>
-                <a:latin typeface="Arial"/>
-                <a:ea typeface="Arial"/>
-              </a:rPr>
-              <a:t>登録、編集、削除</a:t>
-            </a:r>
-            <a:r>
-              <a:rPr lang="ja-JP" altLang="en-US" sz="2800" spc="-1" dirty="0">
-                <a:solidFill>
-                  <a:schemeClr val="dk1"/>
-                </a:solidFill>
-                <a:ea typeface="Arial"/>
-              </a:rPr>
-              <a:t>（</a:t>
-            </a:r>
-            <a:r>
-              <a:rPr lang="ja-JP" altLang="ja-JP" sz="2800" spc="-1" dirty="0">
-                <a:solidFill>
-                  <a:schemeClr val="dk1"/>
-                </a:solidFill>
-                <a:ea typeface="Arial"/>
-              </a:rPr>
-              <a:t>非アクティブ処理</a:t>
-            </a:r>
-            <a:r>
-              <a:rPr lang="ja-JP" altLang="en-US" sz="2800" spc="-1" dirty="0">
-                <a:solidFill>
-                  <a:schemeClr val="dk1"/>
-                </a:solidFill>
-                <a:ea typeface="Arial"/>
-              </a:rPr>
-              <a:t>）、確認</a:t>
-            </a:r>
-            <a:endParaRPr lang="en-US" altLang="ja-JP" sz="2800" spc="-1" dirty="0">
-              <a:solidFill>
-                <a:srgbClr val="000000"/>
-              </a:solidFill>
             </a:endParaRPr>
           </a:p>
           <a:p>
@@ -17478,6 +18258,64 @@
               <a:buFont typeface="Arial"/>
               <a:buChar char="●"/>
             </a:pPr>
+            <a:r>
+              <a:rPr lang="ja-JP" altLang="en-US" sz="2800" b="0" strike="noStrike" spc="-1" dirty="0">
+                <a:solidFill>
+                  <a:schemeClr val="dk1"/>
+                </a:solidFill>
+                <a:latin typeface="Arial"/>
+                <a:ea typeface="Arial"/>
+              </a:rPr>
+              <a:t>お</a:t>
+            </a:r>
+            <a:r>
+              <a:rPr lang="ja-JP" sz="2800" b="0" strike="noStrike" spc="-1" dirty="0">
+                <a:solidFill>
+                  <a:schemeClr val="dk1"/>
+                </a:solidFill>
+                <a:latin typeface="Arial"/>
+                <a:ea typeface="Arial"/>
+              </a:rPr>
+              <a:t>問い合わせ　</a:t>
+            </a:r>
+            <a:endParaRPr lang="en-US" sz="2800" b="0" strike="noStrike" spc="-1" dirty="0">
+              <a:solidFill>
+                <a:srgbClr val="000000"/>
+              </a:solidFill>
+              <a:latin typeface="Arial"/>
+            </a:endParaRPr>
+          </a:p>
+          <a:p>
+            <a:pPr marL="19080">
+              <a:lnSpc>
+                <a:spcPct val="100000"/>
+              </a:lnSpc>
+              <a:spcBef>
+                <a:spcPts val="1001"/>
+              </a:spcBef>
+              <a:tabLst>
+                <a:tab pos="0" algn="l"/>
+              </a:tabLst>
+            </a:pPr>
+            <a:endParaRPr lang="en-US" sz="2800" b="0" strike="noStrike" spc="-1" dirty="0">
+              <a:solidFill>
+                <a:srgbClr val="000000"/>
+              </a:solidFill>
+              <a:latin typeface="Arial"/>
+            </a:endParaRPr>
+          </a:p>
+          <a:p>
+            <a:pPr marL="19080">
+              <a:lnSpc>
+                <a:spcPct val="100000"/>
+              </a:lnSpc>
+              <a:spcBef>
+                <a:spcPts val="1001"/>
+              </a:spcBef>
+              <a:tabLst>
+                <a:tab pos="0" algn="l"/>
+              </a:tabLst>
+            </a:pPr>
             <a:endParaRPr lang="en-US" sz="2800" b="0" strike="noStrike" spc="-1" dirty="0">
               <a:solidFill>
                 <a:srgbClr val="000000"/>
@@ -17490,7 +18328,7 @@
     </p:spTree>
     <p:extLst>
       <p:ext uri="{BB962C8B-B14F-4D97-AF65-F5344CB8AC3E}">
-        <p14:creationId xmlns:p14="http://schemas.microsoft.com/office/powerpoint/2010/main" val="1462602616"/>
+        <p14:creationId xmlns:p14="http://schemas.microsoft.com/office/powerpoint/2010/main" val="4144534373"/>
       </p:ext>
     </p:extLst>
   </p:cSld>
@@ -17529,8 +18367,8 @@
         </p:nvSpPr>
         <p:spPr>
           <a:xfrm>
-            <a:off x="4636602" y="407015"/>
-            <a:ext cx="2918795" cy="824760"/>
+            <a:off x="2961270" y="339780"/>
+            <a:ext cx="6929490" cy="824760"/>
           </a:xfrm>
         </p:spPr>
         <p:txBody>
@@ -17539,54 +18377,26 @@
           <a:p>
             <a:r>
               <a:rPr lang="ja-JP" altLang="en-US" sz="3600" dirty="0"/>
-              <a:t>システム概要</a:t>
+              <a:t>機能要件一覧 </a:t>
+            </a:r>
+            <a:r>
+              <a:rPr lang="en-US" altLang="ja-JP" sz="3600" dirty="0"/>
+              <a:t>–</a:t>
+            </a:r>
+            <a:r>
+              <a:rPr lang="ja-JP" altLang="en-US" sz="3600" dirty="0"/>
+              <a:t> 管理側機能</a:t>
             </a:r>
             <a:endParaRPr lang="en-US" sz="3600" dirty="0"/>
           </a:p>
         </p:txBody>
       </p:sp>
-      <p:pic>
-        <p:nvPicPr>
-          <p:cNvPr id="3" name="図 2">
+      <p:sp>
+        <p:nvSpPr>
+          <p:cNvPr id="8" name="Google Shape;163;g202a447d1d6_0_7">
             <a:extLst>
               <a:ext uri="{FF2B5EF4-FFF2-40B4-BE49-F238E27FC236}">
-                <a16:creationId xmlns:a16="http://schemas.microsoft.com/office/drawing/2014/main" id="{AB93BAE9-D958-44B8-A66D-B9F3F7E888DF}"/>
-              </a:ext>
-            </a:extLst>
-          </p:cNvPr>
-          <p:cNvPicPr>
-            <a:picLocks noChangeAspect="1"/>
-          </p:cNvPicPr>
-          <p:nvPr/>
-        </p:nvPicPr>
-        <p:blipFill>
-          <a:blip r:embed="rId3" cstate="print">
-            <a:extLst>
-              <a:ext uri="{28A0092B-C50C-407E-A947-70E740481C1C}">
-                <a14:useLocalDpi xmlns:a14="http://schemas.microsoft.com/office/drawing/2010/main" val="0"/>
-              </a:ext>
-            </a:extLst>
-          </a:blip>
-          <a:stretch>
-            <a:fillRect/>
-          </a:stretch>
-        </p:blipFill>
-        <p:spPr>
-          <a:xfrm>
-            <a:off x="6530788" y="2460812"/>
-            <a:ext cx="1344705" cy="1344705"/>
-          </a:xfrm>
-          <a:prstGeom prst="rect">
-            <a:avLst/>
-          </a:prstGeom>
-        </p:spPr>
-      </p:pic>
-      <p:sp>
-        <p:nvSpPr>
-          <p:cNvPr id="10" name="正方形/長方形 9">
-            <a:extLst>
-              <a:ext uri="{FF2B5EF4-FFF2-40B4-BE49-F238E27FC236}">
-                <a16:creationId xmlns:a16="http://schemas.microsoft.com/office/drawing/2014/main" id="{67EC96BB-8CB2-4871-8F3C-129FBE931111}"/>
+                <a16:creationId xmlns:a16="http://schemas.microsoft.com/office/drawing/2014/main" id="{352C11F8-56FC-4399-8A5D-1E92763332C2}"/>
               </a:ext>
             </a:extLst>
           </p:cNvPr>
@@ -17595,992 +18405,247 @@
         </p:nvSpPr>
         <p:spPr>
           <a:xfrm>
-            <a:off x="2562252" y="4546163"/>
-            <a:ext cx="2587972" cy="1820707"/>
-          </a:xfrm>
-          <a:prstGeom prst="rect">
-            <a:avLst/>
-          </a:prstGeom>
-          <a:solidFill>
-            <a:schemeClr val="bg1"/>
-          </a:solidFill>
-          <a:ln>
-            <a:solidFill>
-              <a:schemeClr val="bg1"/>
-            </a:solidFill>
+            <a:off x="813960" y="1806840"/>
+            <a:ext cx="10953000" cy="2940840"/>
+          </a:xfrm>
+          <a:prstGeom prst="rect">
+            <a:avLst/>
+          </a:prstGeom>
+          <a:noFill/>
+          <a:ln w="0">
+            <a:noFill/>
           </a:ln>
         </p:spPr>
         <p:style>
-          <a:lnRef idx="2">
-            <a:schemeClr val="accent1">
-              <a:shade val="50000"/>
-            </a:schemeClr>
+          <a:lnRef idx="0">
+            <a:scrgbClr r="0" g="0" b="0"/>
           </a:lnRef>
-          <a:fillRef idx="1">
-            <a:schemeClr val="accent1"/>
+          <a:fillRef idx="0">
+            <a:scrgbClr r="0" g="0" b="0"/>
           </a:fillRef>
           <a:effectRef idx="0">
-            <a:schemeClr val="accent1"/>
+            <a:scrgbClr r="0" g="0" b="0"/>
           </a:effectRef>
-          <a:fontRef idx="minor">
-            <a:schemeClr val="lt1"/>
-          </a:fontRef>
+          <a:fontRef idx="minor"/>
         </p:style>
         <p:txBody>
-          <a:bodyPr rtlCol="0" anchor="ctr"/>
-          <a:lstStyle/>
-          <a:p>
-            <a:pPr algn="ctr"/>
-            <a:endParaRPr kumimoji="1" lang="ja-JP" altLang="en-US"/>
-          </a:p>
-        </p:txBody>
-      </p:sp>
-      <p:sp>
-        <p:nvSpPr>
-          <p:cNvPr id="11" name="正方形/長方形 10">
-            <a:extLst>
-              <a:ext uri="{FF2B5EF4-FFF2-40B4-BE49-F238E27FC236}">
-                <a16:creationId xmlns:a16="http://schemas.microsoft.com/office/drawing/2014/main" id="{C6991FE2-DEA6-4C18-9767-ABACE57D3450}"/>
-              </a:ext>
-            </a:extLst>
-          </p:cNvPr>
-          <p:cNvSpPr/>
-          <p:nvPr/>
-        </p:nvSpPr>
-        <p:spPr>
-          <a:xfrm>
-            <a:off x="3886787" y="3411072"/>
-            <a:ext cx="5064667" cy="824761"/>
-          </a:xfrm>
-          <a:prstGeom prst="rect">
-            <a:avLst/>
-          </a:prstGeom>
-          <a:solidFill>
-            <a:schemeClr val="bg1"/>
-          </a:solidFill>
-          <a:ln>
-            <a:solidFill>
-              <a:schemeClr val="bg1"/>
-            </a:solidFill>
-          </a:ln>
-        </p:spPr>
-        <p:style>
-          <a:lnRef idx="2">
-            <a:schemeClr val="accent1">
-              <a:shade val="50000"/>
-            </a:schemeClr>
-          </a:lnRef>
-          <a:fillRef idx="1">
-            <a:schemeClr val="accent1"/>
-          </a:fillRef>
-          <a:effectRef idx="0">
-            <a:schemeClr val="accent1"/>
-          </a:effectRef>
-          <a:fontRef idx="minor">
-            <a:schemeClr val="lt1"/>
-          </a:fontRef>
-        </p:style>
-        <p:txBody>
-          <a:bodyPr rtlCol="0" anchor="ctr"/>
-          <a:lstStyle/>
-          <a:p>
-            <a:pPr algn="ctr"/>
-            <a:endParaRPr kumimoji="1" lang="ja-JP" altLang="en-US"/>
-          </a:p>
-        </p:txBody>
-      </p:sp>
-      <p:pic>
-        <p:nvPicPr>
-          <p:cNvPr id="6" name="図 5">
-            <a:extLst>
-              <a:ext uri="{FF2B5EF4-FFF2-40B4-BE49-F238E27FC236}">
-                <a16:creationId xmlns:a16="http://schemas.microsoft.com/office/drawing/2014/main" id="{85A052E9-710B-4F37-8C9D-88FF091488C6}"/>
-              </a:ext>
-            </a:extLst>
-          </p:cNvPr>
-          <p:cNvPicPr>
-            <a:picLocks noChangeAspect="1"/>
-          </p:cNvPicPr>
-          <p:nvPr/>
-        </p:nvPicPr>
-        <p:blipFill>
-          <a:blip r:embed="rId4"/>
-          <a:stretch>
-            <a:fillRect/>
-          </a:stretch>
-        </p:blipFill>
-        <p:spPr>
-          <a:xfrm>
-            <a:off x="1423921" y="1281526"/>
-            <a:ext cx="8779380" cy="5398814"/>
-          </a:xfrm>
-          <a:prstGeom prst="rect">
-            <a:avLst/>
-          </a:prstGeom>
-        </p:spPr>
-      </p:pic>
-      <p:sp>
-        <p:nvSpPr>
-          <p:cNvPr id="5" name="正方形/長方形 4">
-            <a:extLst>
-              <a:ext uri="{FF2B5EF4-FFF2-40B4-BE49-F238E27FC236}">
-                <a16:creationId xmlns:a16="http://schemas.microsoft.com/office/drawing/2014/main" id="{E9D65FAA-789D-4042-81F2-4E2FB6034AD4}"/>
-              </a:ext>
-            </a:extLst>
-          </p:cNvPr>
-          <p:cNvSpPr/>
-          <p:nvPr/>
-        </p:nvSpPr>
-        <p:spPr>
-          <a:xfrm>
-            <a:off x="2460812" y="1373985"/>
-            <a:ext cx="2070847" cy="1505348"/>
-          </a:xfrm>
-          <a:prstGeom prst="rect">
-            <a:avLst/>
-          </a:prstGeom>
-          <a:solidFill>
-            <a:schemeClr val="bg1"/>
-          </a:solidFill>
-          <a:ln>
-            <a:solidFill>
-              <a:schemeClr val="bg1"/>
-            </a:solidFill>
-          </a:ln>
-        </p:spPr>
-        <p:style>
-          <a:lnRef idx="2">
-            <a:schemeClr val="accent1">
-              <a:shade val="50000"/>
-            </a:schemeClr>
-          </a:lnRef>
-          <a:fillRef idx="1">
-            <a:schemeClr val="accent1"/>
-          </a:fillRef>
-          <a:effectRef idx="0">
-            <a:schemeClr val="accent1"/>
-          </a:effectRef>
-          <a:fontRef idx="minor">
-            <a:schemeClr val="lt1"/>
-          </a:fontRef>
-        </p:style>
-        <p:txBody>
-          <a:bodyPr rtlCol="0" anchor="ctr"/>
-          <a:lstStyle/>
-          <a:p>
-            <a:pPr algn="ctr"/>
-            <a:endParaRPr kumimoji="1" lang="ja-JP" altLang="en-US"/>
-          </a:p>
-        </p:txBody>
-      </p:sp>
-      <p:sp>
-        <p:nvSpPr>
-          <p:cNvPr id="13" name="正方形/長方形 12">
-            <a:extLst>
-              <a:ext uri="{FF2B5EF4-FFF2-40B4-BE49-F238E27FC236}">
-                <a16:creationId xmlns:a16="http://schemas.microsoft.com/office/drawing/2014/main" id="{29ABE7F1-93D4-4530-958A-E73F5986DB4C}"/>
-              </a:ext>
-            </a:extLst>
-          </p:cNvPr>
-          <p:cNvSpPr/>
-          <p:nvPr/>
-        </p:nvSpPr>
-        <p:spPr>
-          <a:xfrm>
-            <a:off x="2209801" y="4961966"/>
-            <a:ext cx="2426588" cy="1715234"/>
-          </a:xfrm>
-          <a:prstGeom prst="rect">
-            <a:avLst/>
-          </a:prstGeom>
-          <a:solidFill>
-            <a:schemeClr val="bg1"/>
-          </a:solidFill>
-          <a:ln>
-            <a:solidFill>
-              <a:schemeClr val="bg1"/>
-            </a:solidFill>
-          </a:ln>
-        </p:spPr>
-        <p:style>
-          <a:lnRef idx="2">
-            <a:schemeClr val="accent1">
-              <a:shade val="50000"/>
-            </a:schemeClr>
-          </a:lnRef>
-          <a:fillRef idx="1">
-            <a:schemeClr val="accent1"/>
-          </a:fillRef>
-          <a:effectRef idx="0">
-            <a:schemeClr val="accent1"/>
-          </a:effectRef>
-          <a:fontRef idx="minor">
-            <a:schemeClr val="lt1"/>
-          </a:fontRef>
-        </p:style>
-        <p:txBody>
-          <a:bodyPr rtlCol="0" anchor="ctr"/>
-          <a:lstStyle/>
-          <a:p>
-            <a:pPr algn="ctr"/>
-            <a:endParaRPr kumimoji="1" lang="ja-JP" altLang="en-US"/>
-          </a:p>
-        </p:txBody>
-      </p:sp>
-      <p:sp>
-        <p:nvSpPr>
-          <p:cNvPr id="14" name="正方形/長方形 13">
-            <a:extLst>
-              <a:ext uri="{FF2B5EF4-FFF2-40B4-BE49-F238E27FC236}">
-                <a16:creationId xmlns:a16="http://schemas.microsoft.com/office/drawing/2014/main" id="{CC8BCC11-F3FE-4A60-BC9F-0FF1CB373F4E}"/>
-              </a:ext>
-            </a:extLst>
-          </p:cNvPr>
-          <p:cNvSpPr/>
-          <p:nvPr/>
-        </p:nvSpPr>
-        <p:spPr>
-          <a:xfrm>
-            <a:off x="3460376" y="3040815"/>
-            <a:ext cx="4415117" cy="1191878"/>
-          </a:xfrm>
-          <a:prstGeom prst="rect">
-            <a:avLst/>
-          </a:prstGeom>
-          <a:solidFill>
-            <a:schemeClr val="bg1"/>
-          </a:solidFill>
-          <a:ln>
-            <a:solidFill>
-              <a:schemeClr val="bg1"/>
-            </a:solidFill>
-          </a:ln>
-        </p:spPr>
-        <p:style>
-          <a:lnRef idx="2">
-            <a:schemeClr val="accent1">
-              <a:shade val="50000"/>
-            </a:schemeClr>
-          </a:lnRef>
-          <a:fillRef idx="1">
-            <a:schemeClr val="accent1"/>
-          </a:fillRef>
-          <a:effectRef idx="0">
-            <a:schemeClr val="accent1"/>
-          </a:effectRef>
-          <a:fontRef idx="minor">
-            <a:schemeClr val="lt1"/>
-          </a:fontRef>
-        </p:style>
-        <p:txBody>
-          <a:bodyPr rtlCol="0" anchor="ctr"/>
-          <a:lstStyle/>
-          <a:p>
-            <a:pPr algn="ctr"/>
-            <a:endParaRPr kumimoji="1" lang="ja-JP" altLang="en-US"/>
-          </a:p>
-        </p:txBody>
-      </p:sp>
-      <p:sp>
-        <p:nvSpPr>
-          <p:cNvPr id="7" name="矢印: 右 6">
-            <a:extLst>
-              <a:ext uri="{FF2B5EF4-FFF2-40B4-BE49-F238E27FC236}">
-                <a16:creationId xmlns:a16="http://schemas.microsoft.com/office/drawing/2014/main" id="{9649D0FA-655C-46BC-8CC8-128868405600}"/>
-              </a:ext>
-            </a:extLst>
-          </p:cNvPr>
-          <p:cNvSpPr/>
-          <p:nvPr/>
-        </p:nvSpPr>
-        <p:spPr>
-          <a:xfrm>
-            <a:off x="2340712" y="2031095"/>
-            <a:ext cx="1923761" cy="194632"/>
-          </a:xfrm>
-          <a:prstGeom prst="rightArrow">
-            <a:avLst/>
-          </a:prstGeom>
-          <a:solidFill>
-            <a:schemeClr val="bg1"/>
-          </a:solidFill>
-          <a:ln>
-            <a:solidFill>
-              <a:schemeClr val="tx1"/>
-            </a:solidFill>
-          </a:ln>
-        </p:spPr>
-        <p:style>
-          <a:lnRef idx="2">
-            <a:schemeClr val="accent1">
-              <a:shade val="50000"/>
-            </a:schemeClr>
-          </a:lnRef>
-          <a:fillRef idx="1">
-            <a:schemeClr val="accent1"/>
-          </a:fillRef>
-          <a:effectRef idx="0">
-            <a:schemeClr val="accent1"/>
-          </a:effectRef>
-          <a:fontRef idx="minor">
-            <a:schemeClr val="lt1"/>
-          </a:fontRef>
-        </p:style>
-        <p:txBody>
-          <a:bodyPr rtlCol="0" anchor="ctr"/>
-          <a:lstStyle/>
-          <a:p>
-            <a:pPr algn="ctr"/>
-            <a:endParaRPr kumimoji="1" lang="ja-JP" altLang="en-US"/>
-          </a:p>
-        </p:txBody>
-      </p:sp>
-      <p:sp>
-        <p:nvSpPr>
-          <p:cNvPr id="9" name="矢印: 左右 8">
-            <a:extLst>
-              <a:ext uri="{FF2B5EF4-FFF2-40B4-BE49-F238E27FC236}">
-                <a16:creationId xmlns:a16="http://schemas.microsoft.com/office/drawing/2014/main" id="{EFF7EE11-CFA9-4D77-A246-41EA9F312830}"/>
-              </a:ext>
-            </a:extLst>
-          </p:cNvPr>
-          <p:cNvSpPr/>
-          <p:nvPr/>
-        </p:nvSpPr>
-        <p:spPr>
-          <a:xfrm>
-            <a:off x="2287756" y="1426600"/>
-            <a:ext cx="1976717" cy="201706"/>
-          </a:xfrm>
-          <a:prstGeom prst="leftRightArrow">
-            <a:avLst/>
-          </a:prstGeom>
-          <a:solidFill>
-            <a:schemeClr val="bg1"/>
-          </a:solidFill>
-          <a:ln>
-            <a:solidFill>
-              <a:schemeClr val="tx1"/>
-            </a:solidFill>
-          </a:ln>
-        </p:spPr>
-        <p:style>
-          <a:lnRef idx="2">
-            <a:schemeClr val="accent1">
-              <a:shade val="50000"/>
-            </a:schemeClr>
-          </a:lnRef>
-          <a:fillRef idx="1">
-            <a:schemeClr val="accent1"/>
-          </a:fillRef>
-          <a:effectRef idx="0">
-            <a:schemeClr val="accent1"/>
-          </a:effectRef>
-          <a:fontRef idx="minor">
-            <a:schemeClr val="lt1"/>
-          </a:fontRef>
-        </p:style>
-        <p:txBody>
-          <a:bodyPr rtlCol="0" anchor="ctr"/>
-          <a:lstStyle/>
-          <a:p>
-            <a:pPr algn="ctr"/>
-            <a:endParaRPr kumimoji="1" lang="ja-JP" altLang="en-US"/>
-          </a:p>
-        </p:txBody>
-      </p:sp>
-      <p:sp>
-        <p:nvSpPr>
-          <p:cNvPr id="12" name="テキスト ボックス 11">
-            <a:extLst>
-              <a:ext uri="{FF2B5EF4-FFF2-40B4-BE49-F238E27FC236}">
-                <a16:creationId xmlns:a16="http://schemas.microsoft.com/office/drawing/2014/main" id="{96F36CD5-EF4D-4D0D-B9C5-33C11055350A}"/>
-              </a:ext>
-            </a:extLst>
-          </p:cNvPr>
-          <p:cNvSpPr txBox="1"/>
-          <p:nvPr/>
-        </p:nvSpPr>
-        <p:spPr>
-          <a:xfrm>
-            <a:off x="2478885" y="1598213"/>
-            <a:ext cx="1976717" cy="338554"/>
-          </a:xfrm>
-          <a:prstGeom prst="rect">
-            <a:avLst/>
-          </a:prstGeom>
-          <a:noFill/>
-        </p:spPr>
-        <p:txBody>
-          <a:bodyPr wrap="square" rtlCol="0">
-            <a:spAutoFit/>
-          </a:bodyPr>
-          <a:lstStyle/>
-          <a:p>
-            <a:r>
-              <a:rPr kumimoji="1" lang="ja-JP" altLang="en-US" sz="1600" b="1" dirty="0"/>
-              <a:t>検索</a:t>
-            </a:r>
-            <a:r>
-              <a:rPr kumimoji="1" lang="en-US" altLang="ja-JP" sz="1600" b="1" dirty="0"/>
+          <a:bodyPr lIns="0" tIns="0" rIns="0" bIns="0" anchor="t">
+            <a:noAutofit/>
+          </a:bodyPr>
+          <a:lstStyle/>
+          <a:p>
+            <a:pPr marL="457200" indent="-438120">
+              <a:lnSpc>
+                <a:spcPct val="100000"/>
+              </a:lnSpc>
+              <a:spcBef>
+                <a:spcPts val="1001"/>
+              </a:spcBef>
+              <a:buClr>
+                <a:srgbClr val="000000"/>
+              </a:buClr>
+              <a:buFont typeface="Arial"/>
+              <a:buChar char="●"/>
+            </a:pPr>
+            <a:r>
+              <a:rPr lang="ja-JP" sz="2800" b="0" strike="noStrike" spc="-1" dirty="0">
+                <a:solidFill>
+                  <a:schemeClr val="dk1"/>
+                </a:solidFill>
+                <a:latin typeface="Arial"/>
+                <a:ea typeface="Arial"/>
+              </a:rPr>
+              <a:t>ログイン</a:t>
+            </a:r>
+            <a:r>
+              <a:rPr lang="en-US" sz="2800" b="0" strike="noStrike" spc="-1" dirty="0">
+                <a:solidFill>
+                  <a:schemeClr val="dk1"/>
+                </a:solidFill>
+                <a:latin typeface="Arial"/>
+                <a:ea typeface="Arial"/>
+              </a:rPr>
               <a:t>/</a:t>
             </a:r>
             <a:r>
-              <a:rPr kumimoji="1" lang="ja-JP" altLang="en-US" sz="1600" b="1" dirty="0"/>
-              <a:t>閲覧</a:t>
-            </a:r>
-            <a:r>
-              <a:rPr lang="en-US" altLang="ja-JP" sz="1600" b="1" dirty="0"/>
-              <a:t>/</a:t>
-            </a:r>
-            <a:r>
-              <a:rPr kumimoji="1" lang="ja-JP" altLang="en-US" sz="1600" b="1" dirty="0"/>
-              <a:t>登録</a:t>
-            </a:r>
-          </a:p>
-        </p:txBody>
-      </p:sp>
-      <p:sp>
-        <p:nvSpPr>
-          <p:cNvPr id="20" name="テキスト ボックス 19">
-            <a:extLst>
-              <a:ext uri="{FF2B5EF4-FFF2-40B4-BE49-F238E27FC236}">
-                <a16:creationId xmlns:a16="http://schemas.microsoft.com/office/drawing/2014/main" id="{6F15BC0E-5802-442C-9257-0B581D86C384}"/>
-              </a:ext>
-            </a:extLst>
-          </p:cNvPr>
-          <p:cNvSpPr txBox="1"/>
-          <p:nvPr/>
-        </p:nvSpPr>
-        <p:spPr>
-          <a:xfrm>
-            <a:off x="2511915" y="2214753"/>
-            <a:ext cx="1465439" cy="338554"/>
-          </a:xfrm>
-          <a:prstGeom prst="rect">
-            <a:avLst/>
-          </a:prstGeom>
-          <a:noFill/>
-        </p:spPr>
-        <p:txBody>
-          <a:bodyPr wrap="square" rtlCol="0">
-            <a:spAutoFit/>
-          </a:bodyPr>
-          <a:lstStyle/>
-          <a:p>
-            <a:r>
-              <a:rPr lang="ja-JP" altLang="en-US" sz="1600" b="1" dirty="0"/>
-              <a:t>お問い合わせ</a:t>
-            </a:r>
-            <a:endParaRPr kumimoji="1" lang="ja-JP" altLang="en-US" sz="1600" b="1" dirty="0"/>
-          </a:p>
-        </p:txBody>
-      </p:sp>
-      <p:sp>
-        <p:nvSpPr>
-          <p:cNvPr id="22" name="矢印: 右 21">
-            <a:extLst>
-              <a:ext uri="{FF2B5EF4-FFF2-40B4-BE49-F238E27FC236}">
-                <a16:creationId xmlns:a16="http://schemas.microsoft.com/office/drawing/2014/main" id="{35F8B8CB-9FD2-48F9-B056-602EF402E0BA}"/>
-              </a:ext>
-            </a:extLst>
-          </p:cNvPr>
-          <p:cNvSpPr/>
-          <p:nvPr/>
-        </p:nvSpPr>
-        <p:spPr>
-          <a:xfrm>
-            <a:off x="2423035" y="5097564"/>
-            <a:ext cx="1923761" cy="194632"/>
-          </a:xfrm>
-          <a:prstGeom prst="rightArrow">
-            <a:avLst/>
-          </a:prstGeom>
-          <a:solidFill>
-            <a:schemeClr val="bg1"/>
-          </a:solidFill>
-          <a:ln>
-            <a:solidFill>
-              <a:schemeClr val="tx1"/>
-            </a:solidFill>
-          </a:ln>
-        </p:spPr>
-        <p:style>
-          <a:lnRef idx="2">
-            <a:schemeClr val="accent1">
-              <a:shade val="50000"/>
-            </a:schemeClr>
-          </a:lnRef>
-          <a:fillRef idx="1">
-            <a:schemeClr val="accent1"/>
-          </a:fillRef>
-          <a:effectRef idx="0">
-            <a:schemeClr val="accent1"/>
-          </a:effectRef>
-          <a:fontRef idx="minor">
-            <a:schemeClr val="lt1"/>
-          </a:fontRef>
-        </p:style>
-        <p:txBody>
-          <a:bodyPr rtlCol="0" anchor="ctr"/>
-          <a:lstStyle/>
-          <a:p>
-            <a:pPr algn="ctr"/>
-            <a:endParaRPr kumimoji="1" lang="ja-JP" altLang="en-US"/>
-          </a:p>
-        </p:txBody>
-      </p:sp>
-      <p:sp>
-        <p:nvSpPr>
-          <p:cNvPr id="23" name="テキスト ボックス 22">
-            <a:extLst>
-              <a:ext uri="{FF2B5EF4-FFF2-40B4-BE49-F238E27FC236}">
-                <a16:creationId xmlns:a16="http://schemas.microsoft.com/office/drawing/2014/main" id="{800247DB-6A09-4ED4-BED9-10A47EAD3ADC}"/>
-              </a:ext>
-            </a:extLst>
-          </p:cNvPr>
-          <p:cNvSpPr txBox="1"/>
-          <p:nvPr/>
-        </p:nvSpPr>
-        <p:spPr>
-          <a:xfrm>
-            <a:off x="2340710" y="5249763"/>
-            <a:ext cx="2088413" cy="338554"/>
-          </a:xfrm>
-          <a:prstGeom prst="rect">
-            <a:avLst/>
-          </a:prstGeom>
-          <a:noFill/>
-        </p:spPr>
-        <p:txBody>
-          <a:bodyPr wrap="square" rtlCol="0">
-            <a:spAutoFit/>
-          </a:bodyPr>
-          <a:lstStyle/>
-          <a:p>
-            <a:r>
-              <a:rPr lang="ja-JP" altLang="en-US" sz="1600" b="1" dirty="0"/>
-              <a:t>ログイン</a:t>
-            </a:r>
-            <a:r>
-              <a:rPr lang="en-US" altLang="ja-JP" sz="1600" b="1" dirty="0"/>
-              <a:t>/</a:t>
-            </a:r>
-            <a:r>
-              <a:rPr lang="ja-JP" altLang="en-US" sz="1600" b="1" dirty="0"/>
+              <a:rPr lang="ja-JP" sz="2800" b="0" strike="noStrike" spc="-1" dirty="0">
+                <a:solidFill>
+                  <a:schemeClr val="dk1"/>
+                </a:solidFill>
+                <a:latin typeface="Arial"/>
+                <a:ea typeface="Arial"/>
+              </a:rPr>
               <a:t>ログアウト</a:t>
             </a:r>
-            <a:endParaRPr kumimoji="1" lang="ja-JP" altLang="en-US" sz="1600" b="1" dirty="0"/>
-          </a:p>
-        </p:txBody>
-      </p:sp>
-      <p:sp>
-        <p:nvSpPr>
-          <p:cNvPr id="24" name="矢印: 右 23">
-            <a:extLst>
-              <a:ext uri="{FF2B5EF4-FFF2-40B4-BE49-F238E27FC236}">
-                <a16:creationId xmlns:a16="http://schemas.microsoft.com/office/drawing/2014/main" id="{40696A53-D26A-484C-83C7-1951BAC38B96}"/>
-              </a:ext>
-            </a:extLst>
-          </p:cNvPr>
-          <p:cNvSpPr/>
-          <p:nvPr/>
-        </p:nvSpPr>
-        <p:spPr>
-          <a:xfrm>
-            <a:off x="2423037" y="5661058"/>
-            <a:ext cx="1923761" cy="194632"/>
-          </a:xfrm>
-          <a:prstGeom prst="rightArrow">
-            <a:avLst/>
-          </a:prstGeom>
-          <a:solidFill>
-            <a:schemeClr val="bg1"/>
-          </a:solidFill>
-          <a:ln>
-            <a:solidFill>
-              <a:schemeClr val="tx1"/>
-            </a:solidFill>
-          </a:ln>
-        </p:spPr>
-        <p:style>
-          <a:lnRef idx="2">
-            <a:schemeClr val="accent1">
-              <a:shade val="50000"/>
-            </a:schemeClr>
-          </a:lnRef>
-          <a:fillRef idx="1">
-            <a:schemeClr val="accent1"/>
-          </a:fillRef>
-          <a:effectRef idx="0">
-            <a:schemeClr val="accent1"/>
-          </a:effectRef>
-          <a:fontRef idx="minor">
-            <a:schemeClr val="lt1"/>
-          </a:fontRef>
-        </p:style>
-        <p:txBody>
-          <a:bodyPr rtlCol="0" anchor="ctr"/>
-          <a:lstStyle/>
-          <a:p>
-            <a:pPr algn="ctr"/>
-            <a:endParaRPr kumimoji="1" lang="ja-JP" altLang="en-US"/>
-          </a:p>
-        </p:txBody>
-      </p:sp>
-      <p:sp>
-        <p:nvSpPr>
-          <p:cNvPr id="25" name="テキスト ボックス 24">
-            <a:extLst>
-              <a:ext uri="{FF2B5EF4-FFF2-40B4-BE49-F238E27FC236}">
-                <a16:creationId xmlns:a16="http://schemas.microsoft.com/office/drawing/2014/main" id="{CACDFB94-138E-441C-81B4-B8D642EBCBA0}"/>
-              </a:ext>
-            </a:extLst>
-          </p:cNvPr>
-          <p:cNvSpPr txBox="1"/>
-          <p:nvPr/>
-        </p:nvSpPr>
-        <p:spPr>
-          <a:xfrm>
-            <a:off x="2378994" y="5855690"/>
-            <a:ext cx="2088413" cy="338554"/>
-          </a:xfrm>
-          <a:prstGeom prst="rect">
-            <a:avLst/>
-          </a:prstGeom>
-          <a:noFill/>
-        </p:spPr>
-        <p:txBody>
-          <a:bodyPr wrap="square" rtlCol="0">
-            <a:spAutoFit/>
-          </a:bodyPr>
-          <a:lstStyle/>
-          <a:p>
-            <a:r>
-              <a:rPr kumimoji="1" lang="ja-JP" altLang="en-US" sz="1600" b="1" dirty="0"/>
-              <a:t>登録</a:t>
-            </a:r>
-            <a:r>
-              <a:rPr kumimoji="1" lang="en-US" altLang="ja-JP" sz="1600" b="1" dirty="0"/>
-              <a:t>/</a:t>
-            </a:r>
-            <a:r>
-              <a:rPr kumimoji="1" lang="ja-JP" altLang="en-US" sz="1600" b="1" dirty="0"/>
-              <a:t>編集</a:t>
-            </a:r>
-            <a:r>
-              <a:rPr kumimoji="1" lang="en-US" altLang="ja-JP" sz="1600" b="1" dirty="0"/>
-              <a:t>/</a:t>
-            </a:r>
-            <a:r>
-              <a:rPr kumimoji="1" lang="ja-JP" altLang="en-US" sz="1600" b="1" dirty="0"/>
-              <a:t>削除</a:t>
-            </a:r>
-            <a:r>
-              <a:rPr kumimoji="1" lang="en-US" altLang="ja-JP" sz="1600" b="1" dirty="0"/>
-              <a:t>/</a:t>
-            </a:r>
-            <a:r>
-              <a:rPr kumimoji="1" lang="ja-JP" altLang="en-US" sz="1600" b="1" dirty="0"/>
-              <a:t>確認</a:t>
-            </a:r>
-          </a:p>
-        </p:txBody>
-      </p:sp>
-      <p:sp>
-        <p:nvSpPr>
-          <p:cNvPr id="26" name="正方形/長方形 25">
-            <a:extLst>
-              <a:ext uri="{FF2B5EF4-FFF2-40B4-BE49-F238E27FC236}">
-                <a16:creationId xmlns:a16="http://schemas.microsoft.com/office/drawing/2014/main" id="{489B2D3E-1E1A-4B07-9C72-2F6808184EF3}"/>
-              </a:ext>
-            </a:extLst>
-          </p:cNvPr>
-          <p:cNvSpPr/>
-          <p:nvPr/>
-        </p:nvSpPr>
-        <p:spPr>
-          <a:xfrm>
-            <a:off x="5716511" y="4546163"/>
-            <a:ext cx="3677772" cy="690115"/>
-          </a:xfrm>
-          <a:prstGeom prst="rect">
-            <a:avLst/>
-          </a:prstGeom>
-          <a:solidFill>
-            <a:schemeClr val="bg1"/>
-          </a:solidFill>
-          <a:ln>
-            <a:solidFill>
-              <a:schemeClr val="bg1"/>
-            </a:solidFill>
-          </a:ln>
-        </p:spPr>
-        <p:style>
-          <a:lnRef idx="2">
-            <a:schemeClr val="accent1">
-              <a:shade val="50000"/>
-            </a:schemeClr>
-          </a:lnRef>
-          <a:fillRef idx="1">
-            <a:schemeClr val="accent1"/>
-          </a:fillRef>
-          <a:effectRef idx="0">
-            <a:schemeClr val="accent1"/>
-          </a:effectRef>
-          <a:fontRef idx="minor">
-            <a:schemeClr val="lt1"/>
-          </a:fontRef>
-        </p:style>
-        <p:txBody>
-          <a:bodyPr rtlCol="0" anchor="ctr"/>
-          <a:lstStyle/>
-          <a:p>
-            <a:pPr algn="ctr"/>
-            <a:endParaRPr kumimoji="1" lang="ja-JP" altLang="en-US"/>
-          </a:p>
-        </p:txBody>
-      </p:sp>
-      <p:sp>
-        <p:nvSpPr>
-          <p:cNvPr id="27" name="正方形/長方形 26">
-            <a:extLst>
-              <a:ext uri="{FF2B5EF4-FFF2-40B4-BE49-F238E27FC236}">
-                <a16:creationId xmlns:a16="http://schemas.microsoft.com/office/drawing/2014/main" id="{94F3240C-3567-4956-9CDB-1D1660739417}"/>
-              </a:ext>
-            </a:extLst>
-          </p:cNvPr>
-          <p:cNvSpPr/>
-          <p:nvPr/>
-        </p:nvSpPr>
-        <p:spPr>
-          <a:xfrm>
-            <a:off x="6669089" y="1593950"/>
-            <a:ext cx="4415116" cy="4772920"/>
-          </a:xfrm>
-          <a:prstGeom prst="rect">
-            <a:avLst/>
-          </a:prstGeom>
-          <a:solidFill>
-            <a:schemeClr val="bg1"/>
-          </a:solidFill>
-          <a:ln>
-            <a:solidFill>
-              <a:schemeClr val="bg1"/>
-            </a:solidFill>
-          </a:ln>
-        </p:spPr>
-        <p:style>
-          <a:lnRef idx="2">
-            <a:schemeClr val="accent1">
-              <a:shade val="50000"/>
-            </a:schemeClr>
-          </a:lnRef>
-          <a:fillRef idx="1">
-            <a:schemeClr val="accent1"/>
-          </a:fillRef>
-          <a:effectRef idx="0">
-            <a:schemeClr val="accent1"/>
-          </a:effectRef>
-          <a:fontRef idx="minor">
-            <a:schemeClr val="lt1"/>
-          </a:fontRef>
-        </p:style>
-        <p:txBody>
-          <a:bodyPr rtlCol="0" anchor="ctr"/>
-          <a:lstStyle/>
-          <a:p>
-            <a:pPr algn="ctr"/>
-            <a:endParaRPr kumimoji="1" lang="ja-JP" altLang="en-US"/>
-          </a:p>
-        </p:txBody>
-      </p:sp>
-      <p:pic>
-        <p:nvPicPr>
-          <p:cNvPr id="28" name="図 27">
-            <a:extLst>
-              <a:ext uri="{FF2B5EF4-FFF2-40B4-BE49-F238E27FC236}">
-                <a16:creationId xmlns:a16="http://schemas.microsoft.com/office/drawing/2014/main" id="{455D13A9-7F8E-4E33-A4FD-7649DC9DDC8D}"/>
-              </a:ext>
-            </a:extLst>
-          </p:cNvPr>
-          <p:cNvPicPr>
-            <a:picLocks noChangeAspect="1"/>
-          </p:cNvPicPr>
-          <p:nvPr/>
-        </p:nvPicPr>
-        <p:blipFill>
-          <a:blip r:embed="rId5">
-            <a:extLst>
-              <a:ext uri="{28A0092B-C50C-407E-A947-70E740481C1C}">
-                <a14:useLocalDpi xmlns:a14="http://schemas.microsoft.com/office/drawing/2010/main" val="0"/>
-              </a:ext>
-            </a:extLst>
-          </a:blip>
-          <a:stretch>
-            <a:fillRect/>
-          </a:stretch>
-        </p:blipFill>
-        <p:spPr>
-          <a:xfrm>
-            <a:off x="9744967" y="2784208"/>
-            <a:ext cx="1705091" cy="1705091"/>
-          </a:xfrm>
-          <a:prstGeom prst="rect">
-            <a:avLst/>
-          </a:prstGeom>
-        </p:spPr>
-      </p:pic>
-      <p:sp>
-        <p:nvSpPr>
-          <p:cNvPr id="48" name="正方形/長方形 47">
-            <a:extLst>
-              <a:ext uri="{FF2B5EF4-FFF2-40B4-BE49-F238E27FC236}">
-                <a16:creationId xmlns:a16="http://schemas.microsoft.com/office/drawing/2014/main" id="{60F90A1B-4776-4478-A90C-29DE59AE9B8B}"/>
-              </a:ext>
-            </a:extLst>
-          </p:cNvPr>
-          <p:cNvSpPr/>
-          <p:nvPr/>
-        </p:nvSpPr>
-        <p:spPr>
-          <a:xfrm>
-            <a:off x="5445407" y="3075903"/>
-            <a:ext cx="4567516" cy="2133750"/>
-          </a:xfrm>
-          <a:prstGeom prst="rect">
-            <a:avLst/>
-          </a:prstGeom>
-          <a:solidFill>
-            <a:schemeClr val="bg1"/>
-          </a:solidFill>
-          <a:ln>
-            <a:solidFill>
-              <a:schemeClr val="bg1"/>
-            </a:solidFill>
-          </a:ln>
-        </p:spPr>
-        <p:style>
-          <a:lnRef idx="2">
-            <a:schemeClr val="accent1">
-              <a:shade val="50000"/>
-            </a:schemeClr>
-          </a:lnRef>
-          <a:fillRef idx="1">
-            <a:schemeClr val="accent1"/>
-          </a:fillRef>
-          <a:effectRef idx="0">
-            <a:schemeClr val="accent1"/>
-          </a:effectRef>
-          <a:fontRef idx="minor">
-            <a:schemeClr val="lt1"/>
-          </a:fontRef>
-        </p:style>
-        <p:txBody>
-          <a:bodyPr rtlCol="0" anchor="ctr"/>
-          <a:lstStyle/>
-          <a:p>
-            <a:pPr algn="ctr"/>
-            <a:endParaRPr kumimoji="1" lang="ja-JP" altLang="en-US"/>
-          </a:p>
-        </p:txBody>
-      </p:sp>
-      <p:cxnSp>
-        <p:nvCxnSpPr>
-          <p:cNvPr id="66" name="コネクタ: カギ線 65">
-            <a:extLst>
-              <a:ext uri="{FF2B5EF4-FFF2-40B4-BE49-F238E27FC236}">
-                <a16:creationId xmlns:a16="http://schemas.microsoft.com/office/drawing/2014/main" id="{FAC448D3-B342-4A62-B920-5A222C36C7B4}"/>
-              </a:ext>
-            </a:extLst>
-          </p:cNvPr>
-          <p:cNvCxnSpPr/>
-          <p:nvPr/>
-        </p:nvCxnSpPr>
-        <p:spPr>
-          <a:xfrm>
-            <a:off x="6669089" y="1767490"/>
-            <a:ext cx="3806170" cy="1273325"/>
-          </a:xfrm>
-          <a:prstGeom prst="bentConnector3">
-            <a:avLst>
-              <a:gd name="adj1" fmla="val 100168"/>
-            </a:avLst>
-          </a:prstGeom>
-          <a:ln w="19050">
-            <a:solidFill>
-              <a:schemeClr val="tx1"/>
-            </a:solidFill>
-            <a:headEnd type="triangle"/>
-            <a:tailEnd type="triangle"/>
-          </a:ln>
-        </p:spPr>
-        <p:style>
-          <a:lnRef idx="1">
-            <a:schemeClr val="accent1"/>
-          </a:lnRef>
-          <a:fillRef idx="0">
-            <a:schemeClr val="accent1"/>
-          </a:fillRef>
-          <a:effectRef idx="0">
-            <a:schemeClr val="accent1"/>
-          </a:effectRef>
-          <a:fontRef idx="minor">
-            <a:schemeClr val="tx1"/>
-          </a:fontRef>
-        </p:style>
-      </p:cxnSp>
-      <p:cxnSp>
-        <p:nvCxnSpPr>
-          <p:cNvPr id="71" name="コネクタ: カギ線 70">
-            <a:extLst>
-              <a:ext uri="{FF2B5EF4-FFF2-40B4-BE49-F238E27FC236}">
-                <a16:creationId xmlns:a16="http://schemas.microsoft.com/office/drawing/2014/main" id="{3F4133C4-C987-4710-B3DC-91FB2FCF8411}"/>
-              </a:ext>
-            </a:extLst>
-          </p:cNvPr>
-          <p:cNvCxnSpPr>
-            <a:cxnSpLocks/>
-          </p:cNvCxnSpPr>
-          <p:nvPr/>
-        </p:nvCxnSpPr>
-        <p:spPr>
-          <a:xfrm flipV="1">
-            <a:off x="6618673" y="4318061"/>
-            <a:ext cx="3856586" cy="1329940"/>
-          </a:xfrm>
-          <a:prstGeom prst="bentConnector3">
-            <a:avLst>
-              <a:gd name="adj1" fmla="val 100210"/>
-            </a:avLst>
-          </a:prstGeom>
-          <a:ln w="19050">
-            <a:solidFill>
-              <a:schemeClr val="tx1"/>
-            </a:solidFill>
-            <a:headEnd type="triangle"/>
-            <a:tailEnd type="triangle"/>
-          </a:ln>
-        </p:spPr>
-        <p:style>
-          <a:lnRef idx="1">
-            <a:schemeClr val="accent1"/>
-          </a:lnRef>
-          <a:fillRef idx="0">
-            <a:schemeClr val="accent1"/>
-          </a:fillRef>
-          <a:effectRef idx="0">
-            <a:schemeClr val="accent1"/>
-          </a:effectRef>
-          <a:fontRef idx="minor">
-            <a:schemeClr val="tx1"/>
-          </a:fontRef>
-        </p:style>
-      </p:cxnSp>
+            <a:endParaRPr lang="en-US" sz="2800" b="0" strike="noStrike" spc="-1" dirty="0">
+              <a:solidFill>
+                <a:srgbClr val="000000"/>
+              </a:solidFill>
+              <a:latin typeface="Arial"/>
+            </a:endParaRPr>
+          </a:p>
+          <a:p>
+            <a:pPr marL="457200" indent="-438120">
+              <a:lnSpc>
+                <a:spcPct val="100000"/>
+              </a:lnSpc>
+              <a:spcBef>
+                <a:spcPts val="1001"/>
+              </a:spcBef>
+              <a:buClr>
+                <a:srgbClr val="000000"/>
+              </a:buClr>
+              <a:buFont typeface="Arial"/>
+              <a:buChar char="●"/>
+            </a:pPr>
+            <a:r>
+              <a:rPr lang="ja-JP" sz="2800" b="0" strike="noStrike" spc="-1" dirty="0">
+                <a:solidFill>
+                  <a:schemeClr val="dk1"/>
+                </a:solidFill>
+                <a:latin typeface="Arial"/>
+                <a:ea typeface="Arial"/>
+              </a:rPr>
+              <a:t>オーナー新規登録、編集、</a:t>
+            </a:r>
+            <a:r>
+              <a:rPr lang="ja-JP" altLang="en-US" sz="2800" b="0" strike="noStrike" spc="-1" dirty="0">
+                <a:solidFill>
+                  <a:schemeClr val="dk1"/>
+                </a:solidFill>
+                <a:latin typeface="Arial"/>
+                <a:ea typeface="Arial"/>
+              </a:rPr>
+              <a:t>削除（</a:t>
+            </a:r>
+            <a:r>
+              <a:rPr lang="ja-JP" sz="2800" b="0" strike="noStrike" spc="-1" dirty="0">
+                <a:solidFill>
+                  <a:schemeClr val="dk1"/>
+                </a:solidFill>
+                <a:latin typeface="Arial"/>
+                <a:ea typeface="Arial"/>
+              </a:rPr>
+              <a:t>非アクティブ処理</a:t>
+            </a:r>
+            <a:r>
+              <a:rPr lang="ja-JP" altLang="en-US" sz="2800" b="0" strike="noStrike" spc="-1" dirty="0">
+                <a:solidFill>
+                  <a:schemeClr val="dk1"/>
+                </a:solidFill>
+                <a:latin typeface="Arial"/>
+                <a:ea typeface="Arial"/>
+              </a:rPr>
+              <a:t>）、確認</a:t>
+            </a:r>
+            <a:endParaRPr lang="en-US" sz="2800" b="0" strike="noStrike" spc="-1" dirty="0">
+              <a:solidFill>
+                <a:srgbClr val="000000"/>
+              </a:solidFill>
+              <a:latin typeface="Arial"/>
+            </a:endParaRPr>
+          </a:p>
+          <a:p>
+            <a:pPr marL="457200" indent="-438120">
+              <a:spcBef>
+                <a:spcPts val="1001"/>
+              </a:spcBef>
+              <a:buClr>
+                <a:srgbClr val="000000"/>
+              </a:buClr>
+              <a:buFont typeface="Arial"/>
+              <a:buChar char="●"/>
+            </a:pPr>
+            <a:r>
+              <a:rPr lang="ja-JP" sz="2800" b="0" strike="noStrike" spc="-1" dirty="0">
+                <a:solidFill>
+                  <a:schemeClr val="dk1"/>
+                </a:solidFill>
+                <a:latin typeface="Arial"/>
+                <a:ea typeface="Arial"/>
+              </a:rPr>
+              <a:t>物件の</a:t>
+            </a:r>
+            <a:r>
+              <a:rPr lang="ja-JP" altLang="en-US" sz="2800" b="0" strike="noStrike" spc="-1" dirty="0">
+                <a:solidFill>
+                  <a:schemeClr val="dk1"/>
+                </a:solidFill>
+                <a:latin typeface="Arial"/>
+                <a:ea typeface="Arial"/>
+              </a:rPr>
+              <a:t>新規</a:t>
+            </a:r>
+            <a:r>
+              <a:rPr lang="ja-JP" sz="2800" b="0" strike="noStrike" spc="-1" dirty="0">
+                <a:solidFill>
+                  <a:schemeClr val="dk1"/>
+                </a:solidFill>
+                <a:latin typeface="Arial"/>
+                <a:ea typeface="Arial"/>
+              </a:rPr>
+              <a:t>登録、編集、削除</a:t>
+            </a:r>
+            <a:r>
+              <a:rPr lang="ja-JP" altLang="en-US" sz="2800" spc="-1" dirty="0">
+                <a:solidFill>
+                  <a:schemeClr val="dk1"/>
+                </a:solidFill>
+                <a:ea typeface="Arial"/>
+              </a:rPr>
+              <a:t>（</a:t>
+            </a:r>
+            <a:r>
+              <a:rPr lang="ja-JP" altLang="ja-JP" sz="2800" spc="-1" dirty="0">
+                <a:solidFill>
+                  <a:schemeClr val="dk1"/>
+                </a:solidFill>
+                <a:ea typeface="Arial"/>
+              </a:rPr>
+              <a:t>非アクティブ処理</a:t>
+            </a:r>
+            <a:r>
+              <a:rPr lang="ja-JP" altLang="en-US" sz="2800" spc="-1" dirty="0">
+                <a:solidFill>
+                  <a:schemeClr val="dk1"/>
+                </a:solidFill>
+                <a:ea typeface="Arial"/>
+              </a:rPr>
+              <a:t>）、確認</a:t>
+            </a:r>
+            <a:endParaRPr lang="en-US" altLang="ja-JP" sz="2800" spc="-1" dirty="0">
+              <a:solidFill>
+                <a:srgbClr val="000000"/>
+              </a:solidFill>
+            </a:endParaRPr>
+          </a:p>
+          <a:p>
+            <a:pPr marL="457200" indent="-438120">
+              <a:lnSpc>
+                <a:spcPct val="100000"/>
+              </a:lnSpc>
+              <a:spcBef>
+                <a:spcPts val="1001"/>
+              </a:spcBef>
+              <a:buClr>
+                <a:srgbClr val="000000"/>
+              </a:buClr>
+              <a:buFont typeface="Arial"/>
+              <a:buChar char="●"/>
+            </a:pPr>
+            <a:endParaRPr lang="en-US" sz="2800" b="0" strike="noStrike" spc="-1" dirty="0">
+              <a:solidFill>
+                <a:srgbClr val="000000"/>
+              </a:solidFill>
+              <a:latin typeface="Arial"/>
+            </a:endParaRPr>
+          </a:p>
+        </p:txBody>
+      </p:sp>
     </p:spTree>
     <p:extLst>
       <p:ext uri="{BB962C8B-B14F-4D97-AF65-F5344CB8AC3E}">
-        <p14:creationId xmlns:p14="http://schemas.microsoft.com/office/powerpoint/2010/main" val="2863034656"/>
+        <p14:creationId xmlns:p14="http://schemas.microsoft.com/office/powerpoint/2010/main" val="1462602616"/>
       </p:ext>
     </p:extLst>
   </p:cSld>
@@ -18730,7 +18795,7 @@
                 <a:latin typeface="Arial"/>
                 <a:ea typeface="Arial"/>
               </a:rPr>
-              <a:t>フレームワーク</a:t>
+              <a:t>データベース</a:t>
             </a:r>
             <a:r>
               <a:rPr lang="en-US" sz="2800" b="0" strike="noStrike" spc="-1" dirty="0">
@@ -18740,47 +18805,7 @@
                 <a:latin typeface="Arial"/>
                 <a:ea typeface="Arial"/>
               </a:rPr>
-              <a:t>: Spring Boot(</a:t>
-            </a:r>
-            <a:r>
-              <a:rPr lang="en-US" sz="2800" b="0" strike="noStrike" spc="-1" dirty="0" err="1">
-                <a:solidFill>
-                  <a:schemeClr val="dk1"/>
-                </a:solidFill>
-                <a:latin typeface="Arial"/>
-                <a:ea typeface="Arial"/>
-              </a:rPr>
-              <a:t>MyBatis</a:t>
-            </a:r>
-            <a:r>
-              <a:rPr lang="en-US" sz="2800" b="0" strike="noStrike" spc="-1" dirty="0">
-                <a:solidFill>
-                  <a:schemeClr val="dk1"/>
-                </a:solidFill>
-                <a:latin typeface="Arial"/>
-                <a:ea typeface="Arial"/>
-              </a:rPr>
-              <a:t>, Lombok, Spring Web ,   </a:t>
-            </a:r>
-            <a:r>
-              <a:rPr lang="en-US" sz="2800" b="0" strike="noStrike" spc="-1" dirty="0" err="1">
-                <a:solidFill>
-                  <a:schemeClr val="dk1"/>
-                </a:solidFill>
-                <a:latin typeface="Arial"/>
-                <a:ea typeface="Arial"/>
-              </a:rPr>
-              <a:t>Thymeleaf</a:t>
-            </a:r>
-            <a:r>
-              <a:rPr lang="en-US" sz="2800" b="0" strike="noStrike" spc="-1" dirty="0">
-                <a:solidFill>
-                  <a:schemeClr val="dk1"/>
-                </a:solidFill>
-                <a:latin typeface="Arial"/>
-                <a:ea typeface="Arial"/>
-              </a:rPr>
-              <a:t>, Validation, MySQL Driver)</a:t>
+              <a:t>: MySQL</a:t>
             </a:r>
             <a:endParaRPr lang="en-US" sz="2800" b="0" strike="noStrike" spc="-1" dirty="0">
               <a:solidFill>
@@ -18790,14 +18815,13 @@
             </a:endParaRPr>
           </a:p>
           <a:p>
-            <a:pPr marL="19080" indent="0">
+            <a:pPr marL="19080">
               <a:lnSpc>
                 <a:spcPct val="100000"/>
               </a:lnSpc>
               <a:spcBef>
                 <a:spcPts val="1001"/>
               </a:spcBef>
-              <a:buNone/>
               <a:tabLst>
                 <a:tab pos="0" algn="l"/>
               </a:tabLst>
@@ -18810,7 +18834,7 @@
                 <a:latin typeface="Arial"/>
                 <a:ea typeface="Arial"/>
               </a:rPr>
-              <a:t>データベース</a:t>
+              <a:t>バックエンド</a:t>
             </a:r>
             <a:r>
               <a:rPr lang="en-US" sz="2800" b="0" strike="noStrike" spc="-1" dirty="0">
@@ -18820,47 +18844,45 @@
                 <a:latin typeface="Arial"/>
                 <a:ea typeface="Arial"/>
               </a:rPr>
-              <a:t>: MySQL</a:t>
-            </a:r>
-            <a:endParaRPr lang="en-US" sz="2800" b="0" strike="noStrike" spc="-1" dirty="0">
-              <a:solidFill>
-                <a:srgbClr val="000000"/>
-              </a:solidFill>
-              <a:latin typeface="Arial"/>
-            </a:endParaRPr>
-          </a:p>
-          <a:p>
-            <a:pPr marL="19080" indent="0">
-              <a:lnSpc>
-                <a:spcPct val="100000"/>
-              </a:lnSpc>
-              <a:spcBef>
-                <a:spcPts val="1001"/>
-              </a:spcBef>
-              <a:buNone/>
-              <a:tabLst>
-                <a:tab pos="0" algn="l"/>
-              </a:tabLst>
-            </a:pPr>
-            <a:r>
-              <a:rPr lang="ja-JP" sz="2800" b="0" strike="noStrike" spc="-1" dirty="0">
+              <a:t>: Java</a:t>
+            </a:r>
+            <a:r>
+              <a:rPr lang="ja-JP" altLang="en-US" sz="2800" b="0" strike="noStrike" spc="-1">
                 <a:solidFill>
                   <a:schemeClr val="dk1"/>
                 </a:solidFill>
                 <a:latin typeface="Arial"/>
                 <a:ea typeface="Arial"/>
               </a:rPr>
-              <a:t>バックエンド</a:t>
-            </a:r>
-            <a:r>
-              <a:rPr lang="en-US" sz="2800" b="0" strike="noStrike" spc="-1" dirty="0">
+              <a:t>（</a:t>
+            </a:r>
+            <a:r>
+              <a:rPr lang="en-US" altLang="ja-JP" sz="2800" spc="-1">
                 <a:solidFill>
                   <a:schemeClr val="dk1"/>
                 </a:solidFill>
-                <a:latin typeface="Arial"/>
                 <a:ea typeface="Arial"/>
               </a:rPr>
-              <a:t>: Java</a:t>
+              <a:t>Spring </a:t>
+            </a:r>
+            <a:r>
+              <a:rPr lang="en-US" altLang="ja-JP" sz="2800" spc="-1" dirty="0">
+                <a:solidFill>
+                  <a:schemeClr val="dk1"/>
+                </a:solidFill>
+                <a:ea typeface="Arial"/>
+              </a:rPr>
+              <a:t>Boot </a:t>
+            </a:r>
+            <a:r>
+              <a:rPr lang="ja-JP" altLang="en-US" sz="2800" b="0" strike="noStrike" spc="-1" dirty="0">
+                <a:solidFill>
+                  <a:schemeClr val="dk1"/>
+                </a:solidFill>
+                <a:latin typeface="Arial"/>
+                <a:ea typeface="Arial"/>
+              </a:rPr>
+              <a:t>）</a:t>
             </a:r>
             <a:endParaRPr lang="en-US" sz="2800" b="0" strike="noStrike" spc="-1" dirty="0">
               <a:solidFill>
@@ -19842,7 +19864,7 @@
           <a:p>
             <a:r>
               <a:rPr lang="ja-JP" altLang="en-US" sz="3600" dirty="0"/>
-              <a:t>機能要件 詳細 </a:t>
+              <a:t>想定する画面構成 </a:t>
             </a:r>
             <a:r>
               <a:rPr lang="en-US" altLang="ja-JP" sz="3600" dirty="0"/>
@@ -19850,7 +19872,7 @@
             </a:r>
             <a:r>
               <a:rPr lang="ja-JP" altLang="en-US" sz="3600" dirty="0"/>
-              <a:t> フロント側詳細</a:t>
+              <a:t> フロント側</a:t>
             </a:r>
             <a:endParaRPr lang="en-US" sz="3600" dirty="0"/>
           </a:p>
